--- a/High Load System DB.pptx
+++ b/High Load System DB.pptx
@@ -35,10 +35,9 @@
     <p:sldId id="282" r:id="rId30"/>
     <p:sldId id="283" r:id="rId31"/>
     <p:sldId id="284" r:id="rId32"/>
-    <p:sldId id="285" r:id="rId33"/>
   </p:sldIdLst>
   <p:sldSz cx="9144000" cy="5143500"/>
-  <p:notesSz cx="6858000" cy="9144000"/>
+  <p:notesSz cx="7559675" cy="10691812"/>
 </p:presentation>
 </file>
 
@@ -83,7 +82,7 @@
       </p:grpSpPr>
       <p:sp>
         <p:nvSpPr>
-          <p:cNvPr id="24" name="PlaceHolder 1"/>
+          <p:cNvPr id="23" name="PlaceHolder 1"/>
           <p:cNvSpPr>
             <a:spLocks noGrp="1"/>
           </p:cNvSpPr>
@@ -93,8 +92,8 @@
         </p:nvSpPr>
         <p:spPr>
           <a:xfrm>
-            <a:off x="311760" y="444960"/>
-            <a:ext cx="8520120" cy="572400"/>
+            <a:off x="311760" y="301680"/>
+            <a:ext cx="8519760" cy="858960"/>
           </a:xfrm>
           <a:prstGeom prst="rect">
             <a:avLst/>
@@ -105,18 +104,16 @@
             <a:spAutoFit/>
           </a:bodyPr>
           <a:p>
-            <a:endParaRPr b="0" lang="lv-LV" sz="1400" spc="-1" strike="noStrike">
-              <a:solidFill>
-                <a:srgbClr val="000000"/>
-              </a:solidFill>
-              <a:latin typeface="Arial"/>
-            </a:endParaRPr>
-          </a:p>
-        </p:txBody>
-      </p:sp>
-      <p:sp>
-        <p:nvSpPr>
-          <p:cNvPr id="25" name="PlaceHolder 2"/>
+            <a:pPr algn="ctr"/>
+            <a:endParaRPr b="0" lang="lv-LV" sz="4400" spc="-1" strike="noStrike">
+              <a:latin typeface="Arial"/>
+            </a:endParaRPr>
+          </a:p>
+        </p:txBody>
+      </p:sp>
+      <p:sp>
+        <p:nvSpPr>
+          <p:cNvPr id="24" name="PlaceHolder 2"/>
           <p:cNvSpPr>
             <a:spLocks noGrp="1"/>
           </p:cNvSpPr>
@@ -127,7 +124,7 @@
         <p:spPr>
           <a:xfrm>
             <a:off x="311760" y="1152360"/>
-            <a:ext cx="8520120" cy="1629360"/>
+            <a:ext cx="8519760" cy="1629000"/>
           </a:xfrm>
           <a:prstGeom prst="rect">
             <a:avLst/>
@@ -138,18 +135,15 @@
             <a:normAutofit/>
           </a:bodyPr>
           <a:p>
-            <a:endParaRPr b="0" lang="lv-LV" sz="1400" spc="-1" strike="noStrike">
-              <a:solidFill>
-                <a:srgbClr val="000000"/>
-              </a:solidFill>
-              <a:latin typeface="Arial"/>
-            </a:endParaRPr>
-          </a:p>
-        </p:txBody>
-      </p:sp>
-      <p:sp>
-        <p:nvSpPr>
-          <p:cNvPr id="26" name="PlaceHolder 3"/>
+            <a:endParaRPr b="0" lang="lv-LV" sz="3200" spc="-1" strike="noStrike">
+              <a:latin typeface="Arial"/>
+            </a:endParaRPr>
+          </a:p>
+        </p:txBody>
+      </p:sp>
+      <p:sp>
+        <p:nvSpPr>
+          <p:cNvPr id="25" name="PlaceHolder 3"/>
           <p:cNvSpPr>
             <a:spLocks noGrp="1"/>
           </p:cNvSpPr>
@@ -159,8 +153,8 @@
         </p:nvSpPr>
         <p:spPr>
           <a:xfrm>
-            <a:off x="311760" y="2936880"/>
-            <a:ext cx="8520120" cy="1629360"/>
+            <a:off x="311760" y="2936520"/>
+            <a:ext cx="8519760" cy="1629000"/>
           </a:xfrm>
           <a:prstGeom prst="rect">
             <a:avLst/>
@@ -171,10 +165,7 @@
             <a:normAutofit/>
           </a:bodyPr>
           <a:p>
-            <a:endParaRPr b="0" lang="lv-LV" sz="1400" spc="-1" strike="noStrike">
-              <a:solidFill>
-                <a:srgbClr val="000000"/>
-              </a:solidFill>
+            <a:endParaRPr b="0" lang="lv-LV" sz="3200" spc="-1" strike="noStrike">
               <a:latin typeface="Arial"/>
             </a:endParaRPr>
           </a:p>
@@ -204,7 +195,7 @@
       </p:grpSpPr>
       <p:sp>
         <p:nvSpPr>
-          <p:cNvPr id="27" name="PlaceHolder 1"/>
+          <p:cNvPr id="26" name="PlaceHolder 1"/>
           <p:cNvSpPr>
             <a:spLocks noGrp="1"/>
           </p:cNvSpPr>
@@ -214,8 +205,8 @@
         </p:nvSpPr>
         <p:spPr>
           <a:xfrm>
-            <a:off x="311760" y="444960"/>
-            <a:ext cx="8520120" cy="572400"/>
+            <a:off x="311760" y="301680"/>
+            <a:ext cx="8519760" cy="858960"/>
           </a:xfrm>
           <a:prstGeom prst="rect">
             <a:avLst/>
@@ -226,18 +217,16 @@
             <a:spAutoFit/>
           </a:bodyPr>
           <a:p>
-            <a:endParaRPr b="0" lang="lv-LV" sz="1400" spc="-1" strike="noStrike">
-              <a:solidFill>
-                <a:srgbClr val="000000"/>
-              </a:solidFill>
-              <a:latin typeface="Arial"/>
-            </a:endParaRPr>
-          </a:p>
-        </p:txBody>
-      </p:sp>
-      <p:sp>
-        <p:nvSpPr>
-          <p:cNvPr id="28" name="PlaceHolder 2"/>
+            <a:pPr algn="ctr"/>
+            <a:endParaRPr b="0" lang="lv-LV" sz="4400" spc="-1" strike="noStrike">
+              <a:latin typeface="Arial"/>
+            </a:endParaRPr>
+          </a:p>
+        </p:txBody>
+      </p:sp>
+      <p:sp>
+        <p:nvSpPr>
+          <p:cNvPr id="27" name="PlaceHolder 2"/>
           <p:cNvSpPr>
             <a:spLocks noGrp="1"/>
           </p:cNvSpPr>
@@ -248,7 +237,7 @@
         <p:spPr>
           <a:xfrm>
             <a:off x="311760" y="1152360"/>
-            <a:ext cx="4157640" cy="1629360"/>
+            <a:ext cx="4157280" cy="1629000"/>
           </a:xfrm>
           <a:prstGeom prst="rect">
             <a:avLst/>
@@ -259,18 +248,15 @@
             <a:normAutofit/>
           </a:bodyPr>
           <a:p>
-            <a:endParaRPr b="0" lang="lv-LV" sz="1400" spc="-1" strike="noStrike">
-              <a:solidFill>
-                <a:srgbClr val="000000"/>
-              </a:solidFill>
-              <a:latin typeface="Arial"/>
-            </a:endParaRPr>
-          </a:p>
-        </p:txBody>
-      </p:sp>
-      <p:sp>
-        <p:nvSpPr>
-          <p:cNvPr id="29" name="PlaceHolder 3"/>
+            <a:endParaRPr b="0" lang="lv-LV" sz="3200" spc="-1" strike="noStrike">
+              <a:latin typeface="Arial"/>
+            </a:endParaRPr>
+          </a:p>
+        </p:txBody>
+      </p:sp>
+      <p:sp>
+        <p:nvSpPr>
+          <p:cNvPr id="28" name="PlaceHolder 3"/>
           <p:cNvSpPr>
             <a:spLocks noGrp="1"/>
           </p:cNvSpPr>
@@ -280,8 +266,8 @@
         </p:nvSpPr>
         <p:spPr>
           <a:xfrm>
-            <a:off x="4677840" y="1152360"/>
-            <a:ext cx="4157640" cy="1629360"/>
+            <a:off x="4677120" y="1152360"/>
+            <a:ext cx="4157280" cy="1629000"/>
           </a:xfrm>
           <a:prstGeom prst="rect">
             <a:avLst/>
@@ -292,18 +278,15 @@
             <a:normAutofit/>
           </a:bodyPr>
           <a:p>
-            <a:endParaRPr b="0" lang="lv-LV" sz="1400" spc="-1" strike="noStrike">
-              <a:solidFill>
-                <a:srgbClr val="000000"/>
-              </a:solidFill>
-              <a:latin typeface="Arial"/>
-            </a:endParaRPr>
-          </a:p>
-        </p:txBody>
-      </p:sp>
-      <p:sp>
-        <p:nvSpPr>
-          <p:cNvPr id="30" name="PlaceHolder 4"/>
+            <a:endParaRPr b="0" lang="lv-LV" sz="3200" spc="-1" strike="noStrike">
+              <a:latin typeface="Arial"/>
+            </a:endParaRPr>
+          </a:p>
+        </p:txBody>
+      </p:sp>
+      <p:sp>
+        <p:nvSpPr>
+          <p:cNvPr id="29" name="PlaceHolder 4"/>
           <p:cNvSpPr>
             <a:spLocks noGrp="1"/>
           </p:cNvSpPr>
@@ -313,8 +296,8 @@
         </p:nvSpPr>
         <p:spPr>
           <a:xfrm>
-            <a:off x="311760" y="2936880"/>
-            <a:ext cx="4157640" cy="1629360"/>
+            <a:off x="311760" y="2936520"/>
+            <a:ext cx="4157280" cy="1629000"/>
           </a:xfrm>
           <a:prstGeom prst="rect">
             <a:avLst/>
@@ -325,18 +308,15 @@
             <a:normAutofit/>
           </a:bodyPr>
           <a:p>
-            <a:endParaRPr b="0" lang="lv-LV" sz="1400" spc="-1" strike="noStrike">
-              <a:solidFill>
-                <a:srgbClr val="000000"/>
-              </a:solidFill>
-              <a:latin typeface="Arial"/>
-            </a:endParaRPr>
-          </a:p>
-        </p:txBody>
-      </p:sp>
-      <p:sp>
-        <p:nvSpPr>
-          <p:cNvPr id="31" name="PlaceHolder 5"/>
+            <a:endParaRPr b="0" lang="lv-LV" sz="3200" spc="-1" strike="noStrike">
+              <a:latin typeface="Arial"/>
+            </a:endParaRPr>
+          </a:p>
+        </p:txBody>
+      </p:sp>
+      <p:sp>
+        <p:nvSpPr>
+          <p:cNvPr id="30" name="PlaceHolder 5"/>
           <p:cNvSpPr>
             <a:spLocks noGrp="1"/>
           </p:cNvSpPr>
@@ -346,8 +326,8 @@
         </p:nvSpPr>
         <p:spPr>
           <a:xfrm>
-            <a:off x="4677840" y="2936880"/>
-            <a:ext cx="4157640" cy="1629360"/>
+            <a:off x="4677120" y="2936520"/>
+            <a:ext cx="4157280" cy="1629000"/>
           </a:xfrm>
           <a:prstGeom prst="rect">
             <a:avLst/>
@@ -358,10 +338,7 @@
             <a:normAutofit/>
           </a:bodyPr>
           <a:p>
-            <a:endParaRPr b="0" lang="lv-LV" sz="1400" spc="-1" strike="noStrike">
-              <a:solidFill>
-                <a:srgbClr val="000000"/>
-              </a:solidFill>
+            <a:endParaRPr b="0" lang="lv-LV" sz="3200" spc="-1" strike="noStrike">
               <a:latin typeface="Arial"/>
             </a:endParaRPr>
           </a:p>
@@ -391,7 +368,7 @@
       </p:grpSpPr>
       <p:sp>
         <p:nvSpPr>
-          <p:cNvPr id="32" name="PlaceHolder 1"/>
+          <p:cNvPr id="31" name="PlaceHolder 1"/>
           <p:cNvSpPr>
             <a:spLocks noGrp="1"/>
           </p:cNvSpPr>
@@ -401,8 +378,8 @@
         </p:nvSpPr>
         <p:spPr>
           <a:xfrm>
-            <a:off x="311760" y="444960"/>
-            <a:ext cx="8520120" cy="572400"/>
+            <a:off x="311760" y="301680"/>
+            <a:ext cx="8519760" cy="858960"/>
           </a:xfrm>
           <a:prstGeom prst="rect">
             <a:avLst/>
@@ -413,18 +390,16 @@
             <a:spAutoFit/>
           </a:bodyPr>
           <a:p>
-            <a:endParaRPr b="0" lang="lv-LV" sz="1400" spc="-1" strike="noStrike">
-              <a:solidFill>
-                <a:srgbClr val="000000"/>
-              </a:solidFill>
-              <a:latin typeface="Arial"/>
-            </a:endParaRPr>
-          </a:p>
-        </p:txBody>
-      </p:sp>
-      <p:sp>
-        <p:nvSpPr>
-          <p:cNvPr id="33" name="PlaceHolder 2"/>
+            <a:pPr algn="ctr"/>
+            <a:endParaRPr b="0" lang="lv-LV" sz="4400" spc="-1" strike="noStrike">
+              <a:latin typeface="Arial"/>
+            </a:endParaRPr>
+          </a:p>
+        </p:txBody>
+      </p:sp>
+      <p:sp>
+        <p:nvSpPr>
+          <p:cNvPr id="32" name="PlaceHolder 2"/>
           <p:cNvSpPr>
             <a:spLocks noGrp="1"/>
           </p:cNvSpPr>
@@ -435,7 +410,7 @@
         <p:spPr>
           <a:xfrm>
             <a:off x="311760" y="1152360"/>
-            <a:ext cx="2743200" cy="1629360"/>
+            <a:ext cx="2743200" cy="1629000"/>
           </a:xfrm>
           <a:prstGeom prst="rect">
             <a:avLst/>
@@ -446,18 +421,15 @@
             <a:normAutofit/>
           </a:bodyPr>
           <a:p>
-            <a:endParaRPr b="0" lang="lv-LV" sz="1400" spc="-1" strike="noStrike">
-              <a:solidFill>
-                <a:srgbClr val="000000"/>
-              </a:solidFill>
-              <a:latin typeface="Arial"/>
-            </a:endParaRPr>
-          </a:p>
-        </p:txBody>
-      </p:sp>
-      <p:sp>
-        <p:nvSpPr>
-          <p:cNvPr id="34" name="PlaceHolder 3"/>
+            <a:endParaRPr b="0" lang="lv-LV" sz="3200" spc="-1" strike="noStrike">
+              <a:latin typeface="Arial"/>
+            </a:endParaRPr>
+          </a:p>
+        </p:txBody>
+      </p:sp>
+      <p:sp>
+        <p:nvSpPr>
+          <p:cNvPr id="33" name="PlaceHolder 3"/>
           <p:cNvSpPr>
             <a:spLocks noGrp="1"/>
           </p:cNvSpPr>
@@ -468,7 +440,7 @@
         <p:spPr>
           <a:xfrm>
             <a:off x="3192480" y="1152360"/>
-            <a:ext cx="2743200" cy="1629360"/>
+            <a:ext cx="2743200" cy="1629000"/>
           </a:xfrm>
           <a:prstGeom prst="rect">
             <a:avLst/>
@@ -479,18 +451,15 @@
             <a:normAutofit/>
           </a:bodyPr>
           <a:p>
-            <a:endParaRPr b="0" lang="lv-LV" sz="1400" spc="-1" strike="noStrike">
-              <a:solidFill>
-                <a:srgbClr val="000000"/>
-              </a:solidFill>
-              <a:latin typeface="Arial"/>
-            </a:endParaRPr>
-          </a:p>
-        </p:txBody>
-      </p:sp>
-      <p:sp>
-        <p:nvSpPr>
-          <p:cNvPr id="35" name="PlaceHolder 4"/>
+            <a:endParaRPr b="0" lang="lv-LV" sz="3200" spc="-1" strike="noStrike">
+              <a:latin typeface="Arial"/>
+            </a:endParaRPr>
+          </a:p>
+        </p:txBody>
+      </p:sp>
+      <p:sp>
+        <p:nvSpPr>
+          <p:cNvPr id="34" name="PlaceHolder 4"/>
           <p:cNvSpPr>
             <a:spLocks noGrp="1"/>
           </p:cNvSpPr>
@@ -501,7 +470,7 @@
         <p:spPr>
           <a:xfrm>
             <a:off x="6073200" y="1152360"/>
-            <a:ext cx="2743200" cy="1629360"/>
+            <a:ext cx="2743200" cy="1629000"/>
           </a:xfrm>
           <a:prstGeom prst="rect">
             <a:avLst/>
@@ -512,18 +481,15 @@
             <a:normAutofit/>
           </a:bodyPr>
           <a:p>
-            <a:endParaRPr b="0" lang="lv-LV" sz="1400" spc="-1" strike="noStrike">
-              <a:solidFill>
-                <a:srgbClr val="000000"/>
-              </a:solidFill>
-              <a:latin typeface="Arial"/>
-            </a:endParaRPr>
-          </a:p>
-        </p:txBody>
-      </p:sp>
-      <p:sp>
-        <p:nvSpPr>
-          <p:cNvPr id="36" name="PlaceHolder 5"/>
+            <a:endParaRPr b="0" lang="lv-LV" sz="3200" spc="-1" strike="noStrike">
+              <a:latin typeface="Arial"/>
+            </a:endParaRPr>
+          </a:p>
+        </p:txBody>
+      </p:sp>
+      <p:sp>
+        <p:nvSpPr>
+          <p:cNvPr id="35" name="PlaceHolder 5"/>
           <p:cNvSpPr>
             <a:spLocks noGrp="1"/>
           </p:cNvSpPr>
@@ -533,8 +499,8 @@
         </p:nvSpPr>
         <p:spPr>
           <a:xfrm>
-            <a:off x="311760" y="2936880"/>
-            <a:ext cx="2743200" cy="1629360"/>
+            <a:off x="311760" y="2936520"/>
+            <a:ext cx="2743200" cy="1629000"/>
           </a:xfrm>
           <a:prstGeom prst="rect">
             <a:avLst/>
@@ -545,18 +511,15 @@
             <a:normAutofit/>
           </a:bodyPr>
           <a:p>
-            <a:endParaRPr b="0" lang="lv-LV" sz="1400" spc="-1" strike="noStrike">
-              <a:solidFill>
-                <a:srgbClr val="000000"/>
-              </a:solidFill>
-              <a:latin typeface="Arial"/>
-            </a:endParaRPr>
-          </a:p>
-        </p:txBody>
-      </p:sp>
-      <p:sp>
-        <p:nvSpPr>
-          <p:cNvPr id="37" name="PlaceHolder 6"/>
+            <a:endParaRPr b="0" lang="lv-LV" sz="3200" spc="-1" strike="noStrike">
+              <a:latin typeface="Arial"/>
+            </a:endParaRPr>
+          </a:p>
+        </p:txBody>
+      </p:sp>
+      <p:sp>
+        <p:nvSpPr>
+          <p:cNvPr id="36" name="PlaceHolder 6"/>
           <p:cNvSpPr>
             <a:spLocks noGrp="1"/>
           </p:cNvSpPr>
@@ -566,8 +529,8 @@
         </p:nvSpPr>
         <p:spPr>
           <a:xfrm>
-            <a:off x="3192480" y="2936880"/>
-            <a:ext cx="2743200" cy="1629360"/>
+            <a:off x="3192480" y="2936520"/>
+            <a:ext cx="2743200" cy="1629000"/>
           </a:xfrm>
           <a:prstGeom prst="rect">
             <a:avLst/>
@@ -578,18 +541,15 @@
             <a:normAutofit/>
           </a:bodyPr>
           <a:p>
-            <a:endParaRPr b="0" lang="lv-LV" sz="1400" spc="-1" strike="noStrike">
-              <a:solidFill>
-                <a:srgbClr val="000000"/>
-              </a:solidFill>
-              <a:latin typeface="Arial"/>
-            </a:endParaRPr>
-          </a:p>
-        </p:txBody>
-      </p:sp>
-      <p:sp>
-        <p:nvSpPr>
-          <p:cNvPr id="38" name="PlaceHolder 7"/>
+            <a:endParaRPr b="0" lang="lv-LV" sz="3200" spc="-1" strike="noStrike">
+              <a:latin typeface="Arial"/>
+            </a:endParaRPr>
+          </a:p>
+        </p:txBody>
+      </p:sp>
+      <p:sp>
+        <p:nvSpPr>
+          <p:cNvPr id="37" name="PlaceHolder 7"/>
           <p:cNvSpPr>
             <a:spLocks noGrp="1"/>
           </p:cNvSpPr>
@@ -599,8 +559,8 @@
         </p:nvSpPr>
         <p:spPr>
           <a:xfrm>
-            <a:off x="6073200" y="2936880"/>
-            <a:ext cx="2743200" cy="1629360"/>
+            <a:off x="6073200" y="2936520"/>
+            <a:ext cx="2743200" cy="1629000"/>
           </a:xfrm>
           <a:prstGeom prst="rect">
             <a:avLst/>
@@ -611,10 +571,7 @@
             <a:normAutofit/>
           </a:bodyPr>
           <a:p>
-            <a:endParaRPr b="0" lang="lv-LV" sz="1400" spc="-1" strike="noStrike">
-              <a:solidFill>
-                <a:srgbClr val="000000"/>
-              </a:solidFill>
+            <a:endParaRPr b="0" lang="lv-LV" sz="3200" spc="-1" strike="noStrike">
               <a:latin typeface="Arial"/>
             </a:endParaRPr>
           </a:p>
@@ -666,7 +623,7 @@
       </p:grpSpPr>
       <p:sp>
         <p:nvSpPr>
-          <p:cNvPr id="42" name="PlaceHolder 1"/>
+          <p:cNvPr id="40" name="PlaceHolder 1"/>
           <p:cNvSpPr>
             <a:spLocks noGrp="1"/>
           </p:cNvSpPr>
@@ -676,8 +633,8 @@
         </p:nvSpPr>
         <p:spPr>
           <a:xfrm>
-            <a:off x="311760" y="444960"/>
-            <a:ext cx="8520120" cy="572400"/>
+            <a:off x="311760" y="301680"/>
+            <a:ext cx="8519760" cy="858960"/>
           </a:xfrm>
           <a:prstGeom prst="rect">
             <a:avLst/>
@@ -688,18 +645,16 @@
             <a:spAutoFit/>
           </a:bodyPr>
           <a:p>
-            <a:endParaRPr b="0" lang="lv-LV" sz="1400" spc="-1" strike="noStrike">
-              <a:solidFill>
-                <a:srgbClr val="000000"/>
-              </a:solidFill>
-              <a:latin typeface="Arial"/>
-            </a:endParaRPr>
-          </a:p>
-        </p:txBody>
-      </p:sp>
-      <p:sp>
-        <p:nvSpPr>
-          <p:cNvPr id="43" name="PlaceHolder 2"/>
+            <a:pPr algn="ctr"/>
+            <a:endParaRPr b="0" lang="lv-LV" sz="4400" spc="-1" strike="noStrike">
+              <a:latin typeface="Arial"/>
+            </a:endParaRPr>
+          </a:p>
+        </p:txBody>
+      </p:sp>
+      <p:sp>
+        <p:nvSpPr>
+          <p:cNvPr id="41" name="PlaceHolder 2"/>
           <p:cNvSpPr>
             <a:spLocks noGrp="1"/>
           </p:cNvSpPr>
@@ -710,7 +665,7 @@
         <p:spPr>
           <a:xfrm>
             <a:off x="311760" y="1152360"/>
-            <a:ext cx="8520120" cy="3416040"/>
+            <a:ext cx="8519760" cy="3415680"/>
           </a:xfrm>
           <a:prstGeom prst="rect">
             <a:avLst/>
@@ -752,7 +707,7 @@
       </p:grpSpPr>
       <p:sp>
         <p:nvSpPr>
-          <p:cNvPr id="44" name="PlaceHolder 1"/>
+          <p:cNvPr id="42" name="PlaceHolder 1"/>
           <p:cNvSpPr>
             <a:spLocks noGrp="1"/>
           </p:cNvSpPr>
@@ -762,8 +717,8 @@
         </p:nvSpPr>
         <p:spPr>
           <a:xfrm>
-            <a:off x="311760" y="444960"/>
-            <a:ext cx="8520120" cy="572400"/>
+            <a:off x="311760" y="301680"/>
+            <a:ext cx="8519760" cy="858960"/>
           </a:xfrm>
           <a:prstGeom prst="rect">
             <a:avLst/>
@@ -774,18 +729,16 @@
             <a:spAutoFit/>
           </a:bodyPr>
           <a:p>
-            <a:endParaRPr b="0" lang="lv-LV" sz="1400" spc="-1" strike="noStrike">
-              <a:solidFill>
-                <a:srgbClr val="000000"/>
-              </a:solidFill>
-              <a:latin typeface="Arial"/>
-            </a:endParaRPr>
-          </a:p>
-        </p:txBody>
-      </p:sp>
-      <p:sp>
-        <p:nvSpPr>
-          <p:cNvPr id="45" name="PlaceHolder 2"/>
+            <a:pPr algn="ctr"/>
+            <a:endParaRPr b="0" lang="lv-LV" sz="4400" spc="-1" strike="noStrike">
+              <a:latin typeface="Arial"/>
+            </a:endParaRPr>
+          </a:p>
+        </p:txBody>
+      </p:sp>
+      <p:sp>
+        <p:nvSpPr>
+          <p:cNvPr id="43" name="PlaceHolder 2"/>
           <p:cNvSpPr>
             <a:spLocks noGrp="1"/>
           </p:cNvSpPr>
@@ -796,7 +749,7 @@
         <p:spPr>
           <a:xfrm>
             <a:off x="311760" y="1152360"/>
-            <a:ext cx="8520120" cy="3416040"/>
+            <a:ext cx="8519760" cy="3415680"/>
           </a:xfrm>
           <a:prstGeom prst="rect">
             <a:avLst/>
@@ -807,10 +760,7 @@
             <a:normAutofit/>
           </a:bodyPr>
           <a:p>
-            <a:endParaRPr b="0" lang="lv-LV" sz="1400" spc="-1" strike="noStrike">
-              <a:solidFill>
-                <a:srgbClr val="000000"/>
-              </a:solidFill>
+            <a:endParaRPr b="0" lang="lv-LV" sz="3200" spc="-1" strike="noStrike">
               <a:latin typeface="Arial"/>
             </a:endParaRPr>
           </a:p>
@@ -840,7 +790,7 @@
       </p:grpSpPr>
       <p:sp>
         <p:nvSpPr>
-          <p:cNvPr id="46" name="PlaceHolder 1"/>
+          <p:cNvPr id="44" name="PlaceHolder 1"/>
           <p:cNvSpPr>
             <a:spLocks noGrp="1"/>
           </p:cNvSpPr>
@@ -850,8 +800,8 @@
         </p:nvSpPr>
         <p:spPr>
           <a:xfrm>
-            <a:off x="311760" y="444960"/>
-            <a:ext cx="8520120" cy="572400"/>
+            <a:off x="311760" y="301680"/>
+            <a:ext cx="8519760" cy="858960"/>
           </a:xfrm>
           <a:prstGeom prst="rect">
             <a:avLst/>
@@ -862,18 +812,16 @@
             <a:spAutoFit/>
           </a:bodyPr>
           <a:p>
-            <a:endParaRPr b="0" lang="lv-LV" sz="1400" spc="-1" strike="noStrike">
-              <a:solidFill>
-                <a:srgbClr val="000000"/>
-              </a:solidFill>
-              <a:latin typeface="Arial"/>
-            </a:endParaRPr>
-          </a:p>
-        </p:txBody>
-      </p:sp>
-      <p:sp>
-        <p:nvSpPr>
-          <p:cNvPr id="47" name="PlaceHolder 2"/>
+            <a:pPr algn="ctr"/>
+            <a:endParaRPr b="0" lang="lv-LV" sz="4400" spc="-1" strike="noStrike">
+              <a:latin typeface="Arial"/>
+            </a:endParaRPr>
+          </a:p>
+        </p:txBody>
+      </p:sp>
+      <p:sp>
+        <p:nvSpPr>
+          <p:cNvPr id="45" name="PlaceHolder 2"/>
           <p:cNvSpPr>
             <a:spLocks noGrp="1"/>
           </p:cNvSpPr>
@@ -884,7 +832,7 @@
         <p:spPr>
           <a:xfrm>
             <a:off x="311760" y="1152360"/>
-            <a:ext cx="4157640" cy="3416040"/>
+            <a:ext cx="4157280" cy="3415680"/>
           </a:xfrm>
           <a:prstGeom prst="rect">
             <a:avLst/>
@@ -895,18 +843,15 @@
             <a:normAutofit/>
           </a:bodyPr>
           <a:p>
-            <a:endParaRPr b="0" lang="lv-LV" sz="1400" spc="-1" strike="noStrike">
-              <a:solidFill>
-                <a:srgbClr val="000000"/>
-              </a:solidFill>
-              <a:latin typeface="Arial"/>
-            </a:endParaRPr>
-          </a:p>
-        </p:txBody>
-      </p:sp>
-      <p:sp>
-        <p:nvSpPr>
-          <p:cNvPr id="48" name="PlaceHolder 3"/>
+            <a:endParaRPr b="0" lang="lv-LV" sz="3200" spc="-1" strike="noStrike">
+              <a:latin typeface="Arial"/>
+            </a:endParaRPr>
+          </a:p>
+        </p:txBody>
+      </p:sp>
+      <p:sp>
+        <p:nvSpPr>
+          <p:cNvPr id="46" name="PlaceHolder 3"/>
           <p:cNvSpPr>
             <a:spLocks noGrp="1"/>
           </p:cNvSpPr>
@@ -916,8 +861,8 @@
         </p:nvSpPr>
         <p:spPr>
           <a:xfrm>
-            <a:off x="4677840" y="1152360"/>
-            <a:ext cx="4157640" cy="3416040"/>
+            <a:off x="4677120" y="1152360"/>
+            <a:ext cx="4157280" cy="3415680"/>
           </a:xfrm>
           <a:prstGeom prst="rect">
             <a:avLst/>
@@ -928,10 +873,7 @@
             <a:normAutofit/>
           </a:bodyPr>
           <a:p>
-            <a:endParaRPr b="0" lang="lv-LV" sz="1400" spc="-1" strike="noStrike">
-              <a:solidFill>
-                <a:srgbClr val="000000"/>
-              </a:solidFill>
+            <a:endParaRPr b="0" lang="lv-LV" sz="3200" spc="-1" strike="noStrike">
               <a:latin typeface="Arial"/>
             </a:endParaRPr>
           </a:p>
@@ -961,7 +903,7 @@
       </p:grpSpPr>
       <p:sp>
         <p:nvSpPr>
-          <p:cNvPr id="49" name="PlaceHolder 1"/>
+          <p:cNvPr id="47" name="PlaceHolder 1"/>
           <p:cNvSpPr>
             <a:spLocks noGrp="1"/>
           </p:cNvSpPr>
@@ -971,8 +913,8 @@
         </p:nvSpPr>
         <p:spPr>
           <a:xfrm>
-            <a:off x="311760" y="444960"/>
-            <a:ext cx="8520120" cy="572400"/>
+            <a:off x="311760" y="301680"/>
+            <a:ext cx="8519760" cy="858960"/>
           </a:xfrm>
           <a:prstGeom prst="rect">
             <a:avLst/>
@@ -983,10 +925,8 @@
             <a:spAutoFit/>
           </a:bodyPr>
           <a:p>
-            <a:endParaRPr b="0" lang="lv-LV" sz="1400" spc="-1" strike="noStrike">
-              <a:solidFill>
-                <a:srgbClr val="000000"/>
-              </a:solidFill>
+            <a:pPr algn="ctr"/>
+            <a:endParaRPr b="0" lang="lv-LV" sz="4400" spc="-1" strike="noStrike">
               <a:latin typeface="Arial"/>
             </a:endParaRPr>
           </a:p>
@@ -1016,7 +956,7 @@
       </p:grpSpPr>
       <p:sp>
         <p:nvSpPr>
-          <p:cNvPr id="50" name="PlaceHolder 1"/>
+          <p:cNvPr id="48" name="PlaceHolder 1"/>
           <p:cNvSpPr>
             <a:spLocks noGrp="1"/>
           </p:cNvSpPr>
@@ -1026,8 +966,8 @@
         </p:nvSpPr>
         <p:spPr>
           <a:xfrm>
-            <a:off x="311760" y="444960"/>
-            <a:ext cx="8520120" cy="2654640"/>
+            <a:off x="311760" y="301680"/>
+            <a:ext cx="8519760" cy="3983040"/>
           </a:xfrm>
           <a:prstGeom prst="rect">
             <a:avLst/>
@@ -1069,7 +1009,7 @@
       </p:grpSpPr>
       <p:sp>
         <p:nvSpPr>
-          <p:cNvPr id="51" name="PlaceHolder 1"/>
+          <p:cNvPr id="49" name="PlaceHolder 1"/>
           <p:cNvSpPr>
             <a:spLocks noGrp="1"/>
           </p:cNvSpPr>
@@ -1079,8 +1019,8 @@
         </p:nvSpPr>
         <p:spPr>
           <a:xfrm>
-            <a:off x="311760" y="444960"/>
-            <a:ext cx="8520120" cy="572400"/>
+            <a:off x="311760" y="301680"/>
+            <a:ext cx="8519760" cy="858960"/>
           </a:xfrm>
           <a:prstGeom prst="rect">
             <a:avLst/>
@@ -1091,18 +1031,16 @@
             <a:spAutoFit/>
           </a:bodyPr>
           <a:p>
-            <a:endParaRPr b="0" lang="lv-LV" sz="1400" spc="-1" strike="noStrike">
-              <a:solidFill>
-                <a:srgbClr val="000000"/>
-              </a:solidFill>
-              <a:latin typeface="Arial"/>
-            </a:endParaRPr>
-          </a:p>
-        </p:txBody>
-      </p:sp>
-      <p:sp>
-        <p:nvSpPr>
-          <p:cNvPr id="52" name="PlaceHolder 2"/>
+            <a:pPr algn="ctr"/>
+            <a:endParaRPr b="0" lang="lv-LV" sz="4400" spc="-1" strike="noStrike">
+              <a:latin typeface="Arial"/>
+            </a:endParaRPr>
+          </a:p>
+        </p:txBody>
+      </p:sp>
+      <p:sp>
+        <p:nvSpPr>
+          <p:cNvPr id="50" name="PlaceHolder 2"/>
           <p:cNvSpPr>
             <a:spLocks noGrp="1"/>
           </p:cNvSpPr>
@@ -1113,7 +1051,7 @@
         <p:spPr>
           <a:xfrm>
             <a:off x="311760" y="1152360"/>
-            <a:ext cx="4157640" cy="1629360"/>
+            <a:ext cx="4157280" cy="1629000"/>
           </a:xfrm>
           <a:prstGeom prst="rect">
             <a:avLst/>
@@ -1124,18 +1062,15 @@
             <a:normAutofit/>
           </a:bodyPr>
           <a:p>
-            <a:endParaRPr b="0" lang="lv-LV" sz="1400" spc="-1" strike="noStrike">
-              <a:solidFill>
-                <a:srgbClr val="000000"/>
-              </a:solidFill>
-              <a:latin typeface="Arial"/>
-            </a:endParaRPr>
-          </a:p>
-        </p:txBody>
-      </p:sp>
-      <p:sp>
-        <p:nvSpPr>
-          <p:cNvPr id="53" name="PlaceHolder 3"/>
+            <a:endParaRPr b="0" lang="lv-LV" sz="3200" spc="-1" strike="noStrike">
+              <a:latin typeface="Arial"/>
+            </a:endParaRPr>
+          </a:p>
+        </p:txBody>
+      </p:sp>
+      <p:sp>
+        <p:nvSpPr>
+          <p:cNvPr id="51" name="PlaceHolder 3"/>
           <p:cNvSpPr>
             <a:spLocks noGrp="1"/>
           </p:cNvSpPr>
@@ -1145,8 +1080,8 @@
         </p:nvSpPr>
         <p:spPr>
           <a:xfrm>
-            <a:off x="4677840" y="1152360"/>
-            <a:ext cx="4157640" cy="3416040"/>
+            <a:off x="4677120" y="1152360"/>
+            <a:ext cx="4157280" cy="3415680"/>
           </a:xfrm>
           <a:prstGeom prst="rect">
             <a:avLst/>
@@ -1157,18 +1092,15 @@
             <a:normAutofit/>
           </a:bodyPr>
           <a:p>
-            <a:endParaRPr b="0" lang="lv-LV" sz="1400" spc="-1" strike="noStrike">
-              <a:solidFill>
-                <a:srgbClr val="000000"/>
-              </a:solidFill>
-              <a:latin typeface="Arial"/>
-            </a:endParaRPr>
-          </a:p>
-        </p:txBody>
-      </p:sp>
-      <p:sp>
-        <p:nvSpPr>
-          <p:cNvPr id="54" name="PlaceHolder 4"/>
+            <a:endParaRPr b="0" lang="lv-LV" sz="3200" spc="-1" strike="noStrike">
+              <a:latin typeface="Arial"/>
+            </a:endParaRPr>
+          </a:p>
+        </p:txBody>
+      </p:sp>
+      <p:sp>
+        <p:nvSpPr>
+          <p:cNvPr id="52" name="PlaceHolder 4"/>
           <p:cNvSpPr>
             <a:spLocks noGrp="1"/>
           </p:cNvSpPr>
@@ -1178,8 +1110,8 @@
         </p:nvSpPr>
         <p:spPr>
           <a:xfrm>
-            <a:off x="311760" y="2936880"/>
-            <a:ext cx="4157640" cy="1629360"/>
+            <a:off x="311760" y="2936520"/>
+            <a:ext cx="4157280" cy="1629000"/>
           </a:xfrm>
           <a:prstGeom prst="rect">
             <a:avLst/>
@@ -1190,10 +1122,7 @@
             <a:normAutofit/>
           </a:bodyPr>
           <a:p>
-            <a:endParaRPr b="0" lang="lv-LV" sz="1400" spc="-1" strike="noStrike">
-              <a:solidFill>
-                <a:srgbClr val="000000"/>
-              </a:solidFill>
+            <a:endParaRPr b="0" lang="lv-LV" sz="3200" spc="-1" strike="noStrike">
               <a:latin typeface="Arial"/>
             </a:endParaRPr>
           </a:p>
@@ -1223,7 +1152,7 @@
       </p:grpSpPr>
       <p:sp>
         <p:nvSpPr>
-          <p:cNvPr id="3" name="PlaceHolder 1"/>
+          <p:cNvPr id="2" name="PlaceHolder 1"/>
           <p:cNvSpPr>
             <a:spLocks noGrp="1"/>
           </p:cNvSpPr>
@@ -1233,8 +1162,8 @@
         </p:nvSpPr>
         <p:spPr>
           <a:xfrm>
-            <a:off x="311760" y="444960"/>
-            <a:ext cx="8520120" cy="572400"/>
+            <a:off x="311760" y="301680"/>
+            <a:ext cx="8519760" cy="858960"/>
           </a:xfrm>
           <a:prstGeom prst="rect">
             <a:avLst/>
@@ -1245,18 +1174,16 @@
             <a:spAutoFit/>
           </a:bodyPr>
           <a:p>
-            <a:endParaRPr b="0" lang="lv-LV" sz="1400" spc="-1" strike="noStrike">
-              <a:solidFill>
-                <a:srgbClr val="000000"/>
-              </a:solidFill>
-              <a:latin typeface="Arial"/>
-            </a:endParaRPr>
-          </a:p>
-        </p:txBody>
-      </p:sp>
-      <p:sp>
-        <p:nvSpPr>
-          <p:cNvPr id="4" name="PlaceHolder 2"/>
+            <a:pPr algn="ctr"/>
+            <a:endParaRPr b="0" lang="lv-LV" sz="4400" spc="-1" strike="noStrike">
+              <a:latin typeface="Arial"/>
+            </a:endParaRPr>
+          </a:p>
+        </p:txBody>
+      </p:sp>
+      <p:sp>
+        <p:nvSpPr>
+          <p:cNvPr id="3" name="PlaceHolder 2"/>
           <p:cNvSpPr>
             <a:spLocks noGrp="1"/>
           </p:cNvSpPr>
@@ -1267,7 +1194,7 @@
         <p:spPr>
           <a:xfrm>
             <a:off x="311760" y="1152360"/>
-            <a:ext cx="8520120" cy="3416040"/>
+            <a:ext cx="8519760" cy="3415680"/>
           </a:xfrm>
           <a:prstGeom prst="rect">
             <a:avLst/>
@@ -1309,7 +1236,7 @@
       </p:grpSpPr>
       <p:sp>
         <p:nvSpPr>
-          <p:cNvPr id="55" name="PlaceHolder 1"/>
+          <p:cNvPr id="53" name="PlaceHolder 1"/>
           <p:cNvSpPr>
             <a:spLocks noGrp="1"/>
           </p:cNvSpPr>
@@ -1319,8 +1246,8 @@
         </p:nvSpPr>
         <p:spPr>
           <a:xfrm>
-            <a:off x="311760" y="444960"/>
-            <a:ext cx="8520120" cy="572400"/>
+            <a:off x="311760" y="301680"/>
+            <a:ext cx="8519760" cy="858960"/>
           </a:xfrm>
           <a:prstGeom prst="rect">
             <a:avLst/>
@@ -1331,18 +1258,16 @@
             <a:spAutoFit/>
           </a:bodyPr>
           <a:p>
-            <a:endParaRPr b="0" lang="lv-LV" sz="1400" spc="-1" strike="noStrike">
-              <a:solidFill>
-                <a:srgbClr val="000000"/>
-              </a:solidFill>
-              <a:latin typeface="Arial"/>
-            </a:endParaRPr>
-          </a:p>
-        </p:txBody>
-      </p:sp>
-      <p:sp>
-        <p:nvSpPr>
-          <p:cNvPr id="56" name="PlaceHolder 2"/>
+            <a:pPr algn="ctr"/>
+            <a:endParaRPr b="0" lang="lv-LV" sz="4400" spc="-1" strike="noStrike">
+              <a:latin typeface="Arial"/>
+            </a:endParaRPr>
+          </a:p>
+        </p:txBody>
+      </p:sp>
+      <p:sp>
+        <p:nvSpPr>
+          <p:cNvPr id="54" name="PlaceHolder 2"/>
           <p:cNvSpPr>
             <a:spLocks noGrp="1"/>
           </p:cNvSpPr>
@@ -1353,7 +1278,7 @@
         <p:spPr>
           <a:xfrm>
             <a:off x="311760" y="1152360"/>
-            <a:ext cx="4157640" cy="3416040"/>
+            <a:ext cx="4157280" cy="3415680"/>
           </a:xfrm>
           <a:prstGeom prst="rect">
             <a:avLst/>
@@ -1364,18 +1289,15 @@
             <a:normAutofit/>
           </a:bodyPr>
           <a:p>
-            <a:endParaRPr b="0" lang="lv-LV" sz="1400" spc="-1" strike="noStrike">
-              <a:solidFill>
-                <a:srgbClr val="000000"/>
-              </a:solidFill>
-              <a:latin typeface="Arial"/>
-            </a:endParaRPr>
-          </a:p>
-        </p:txBody>
-      </p:sp>
-      <p:sp>
-        <p:nvSpPr>
-          <p:cNvPr id="57" name="PlaceHolder 3"/>
+            <a:endParaRPr b="0" lang="lv-LV" sz="3200" spc="-1" strike="noStrike">
+              <a:latin typeface="Arial"/>
+            </a:endParaRPr>
+          </a:p>
+        </p:txBody>
+      </p:sp>
+      <p:sp>
+        <p:nvSpPr>
+          <p:cNvPr id="55" name="PlaceHolder 3"/>
           <p:cNvSpPr>
             <a:spLocks noGrp="1"/>
           </p:cNvSpPr>
@@ -1385,8 +1307,8 @@
         </p:nvSpPr>
         <p:spPr>
           <a:xfrm>
-            <a:off x="4677840" y="1152360"/>
-            <a:ext cx="4157640" cy="1629360"/>
+            <a:off x="4677120" y="1152360"/>
+            <a:ext cx="4157280" cy="1629000"/>
           </a:xfrm>
           <a:prstGeom prst="rect">
             <a:avLst/>
@@ -1397,18 +1319,15 @@
             <a:normAutofit/>
           </a:bodyPr>
           <a:p>
-            <a:endParaRPr b="0" lang="lv-LV" sz="1400" spc="-1" strike="noStrike">
-              <a:solidFill>
-                <a:srgbClr val="000000"/>
-              </a:solidFill>
-              <a:latin typeface="Arial"/>
-            </a:endParaRPr>
-          </a:p>
-        </p:txBody>
-      </p:sp>
-      <p:sp>
-        <p:nvSpPr>
-          <p:cNvPr id="58" name="PlaceHolder 4"/>
+            <a:endParaRPr b="0" lang="lv-LV" sz="3200" spc="-1" strike="noStrike">
+              <a:latin typeface="Arial"/>
+            </a:endParaRPr>
+          </a:p>
+        </p:txBody>
+      </p:sp>
+      <p:sp>
+        <p:nvSpPr>
+          <p:cNvPr id="56" name="PlaceHolder 4"/>
           <p:cNvSpPr>
             <a:spLocks noGrp="1"/>
           </p:cNvSpPr>
@@ -1418,8 +1337,8 @@
         </p:nvSpPr>
         <p:spPr>
           <a:xfrm>
-            <a:off x="4677840" y="2936880"/>
-            <a:ext cx="4157640" cy="1629360"/>
+            <a:off x="4677120" y="2936520"/>
+            <a:ext cx="4157280" cy="1629000"/>
           </a:xfrm>
           <a:prstGeom prst="rect">
             <a:avLst/>
@@ -1430,10 +1349,7 @@
             <a:normAutofit/>
           </a:bodyPr>
           <a:p>
-            <a:endParaRPr b="0" lang="lv-LV" sz="1400" spc="-1" strike="noStrike">
-              <a:solidFill>
-                <a:srgbClr val="000000"/>
-              </a:solidFill>
+            <a:endParaRPr b="0" lang="lv-LV" sz="3200" spc="-1" strike="noStrike">
               <a:latin typeface="Arial"/>
             </a:endParaRPr>
           </a:p>
@@ -1463,7 +1379,7 @@
       </p:grpSpPr>
       <p:sp>
         <p:nvSpPr>
-          <p:cNvPr id="59" name="PlaceHolder 1"/>
+          <p:cNvPr id="57" name="PlaceHolder 1"/>
           <p:cNvSpPr>
             <a:spLocks noGrp="1"/>
           </p:cNvSpPr>
@@ -1473,8 +1389,8 @@
         </p:nvSpPr>
         <p:spPr>
           <a:xfrm>
-            <a:off x="311760" y="444960"/>
-            <a:ext cx="8520120" cy="572400"/>
+            <a:off x="311760" y="301680"/>
+            <a:ext cx="8519760" cy="858960"/>
           </a:xfrm>
           <a:prstGeom prst="rect">
             <a:avLst/>
@@ -1485,18 +1401,16 @@
             <a:spAutoFit/>
           </a:bodyPr>
           <a:p>
-            <a:endParaRPr b="0" lang="lv-LV" sz="1400" spc="-1" strike="noStrike">
-              <a:solidFill>
-                <a:srgbClr val="000000"/>
-              </a:solidFill>
-              <a:latin typeface="Arial"/>
-            </a:endParaRPr>
-          </a:p>
-        </p:txBody>
-      </p:sp>
-      <p:sp>
-        <p:nvSpPr>
-          <p:cNvPr id="60" name="PlaceHolder 2"/>
+            <a:pPr algn="ctr"/>
+            <a:endParaRPr b="0" lang="lv-LV" sz="4400" spc="-1" strike="noStrike">
+              <a:latin typeface="Arial"/>
+            </a:endParaRPr>
+          </a:p>
+        </p:txBody>
+      </p:sp>
+      <p:sp>
+        <p:nvSpPr>
+          <p:cNvPr id="58" name="PlaceHolder 2"/>
           <p:cNvSpPr>
             <a:spLocks noGrp="1"/>
           </p:cNvSpPr>
@@ -1507,7 +1421,7 @@
         <p:spPr>
           <a:xfrm>
             <a:off x="311760" y="1152360"/>
-            <a:ext cx="4157640" cy="1629360"/>
+            <a:ext cx="4157280" cy="1629000"/>
           </a:xfrm>
           <a:prstGeom prst="rect">
             <a:avLst/>
@@ -1518,18 +1432,15 @@
             <a:normAutofit/>
           </a:bodyPr>
           <a:p>
-            <a:endParaRPr b="0" lang="lv-LV" sz="1400" spc="-1" strike="noStrike">
-              <a:solidFill>
-                <a:srgbClr val="000000"/>
-              </a:solidFill>
-              <a:latin typeface="Arial"/>
-            </a:endParaRPr>
-          </a:p>
-        </p:txBody>
-      </p:sp>
-      <p:sp>
-        <p:nvSpPr>
-          <p:cNvPr id="61" name="PlaceHolder 3"/>
+            <a:endParaRPr b="0" lang="lv-LV" sz="3200" spc="-1" strike="noStrike">
+              <a:latin typeface="Arial"/>
+            </a:endParaRPr>
+          </a:p>
+        </p:txBody>
+      </p:sp>
+      <p:sp>
+        <p:nvSpPr>
+          <p:cNvPr id="59" name="PlaceHolder 3"/>
           <p:cNvSpPr>
             <a:spLocks noGrp="1"/>
           </p:cNvSpPr>
@@ -1539,8 +1450,8 @@
         </p:nvSpPr>
         <p:spPr>
           <a:xfrm>
-            <a:off x="4677840" y="1152360"/>
-            <a:ext cx="4157640" cy="1629360"/>
+            <a:off x="4677120" y="1152360"/>
+            <a:ext cx="4157280" cy="1629000"/>
           </a:xfrm>
           <a:prstGeom prst="rect">
             <a:avLst/>
@@ -1551,18 +1462,15 @@
             <a:normAutofit/>
           </a:bodyPr>
           <a:p>
-            <a:endParaRPr b="0" lang="lv-LV" sz="1400" spc="-1" strike="noStrike">
-              <a:solidFill>
-                <a:srgbClr val="000000"/>
-              </a:solidFill>
-              <a:latin typeface="Arial"/>
-            </a:endParaRPr>
-          </a:p>
-        </p:txBody>
-      </p:sp>
-      <p:sp>
-        <p:nvSpPr>
-          <p:cNvPr id="62" name="PlaceHolder 4"/>
+            <a:endParaRPr b="0" lang="lv-LV" sz="3200" spc="-1" strike="noStrike">
+              <a:latin typeface="Arial"/>
+            </a:endParaRPr>
+          </a:p>
+        </p:txBody>
+      </p:sp>
+      <p:sp>
+        <p:nvSpPr>
+          <p:cNvPr id="60" name="PlaceHolder 4"/>
           <p:cNvSpPr>
             <a:spLocks noGrp="1"/>
           </p:cNvSpPr>
@@ -1572,8 +1480,8 @@
         </p:nvSpPr>
         <p:spPr>
           <a:xfrm>
-            <a:off x="311760" y="2936880"/>
-            <a:ext cx="8520120" cy="1629360"/>
+            <a:off x="311760" y="2936520"/>
+            <a:ext cx="8519760" cy="1629000"/>
           </a:xfrm>
           <a:prstGeom prst="rect">
             <a:avLst/>
@@ -1584,10 +1492,7 @@
             <a:normAutofit/>
           </a:bodyPr>
           <a:p>
-            <a:endParaRPr b="0" lang="lv-LV" sz="1400" spc="-1" strike="noStrike">
-              <a:solidFill>
-                <a:srgbClr val="000000"/>
-              </a:solidFill>
+            <a:endParaRPr b="0" lang="lv-LV" sz="3200" spc="-1" strike="noStrike">
               <a:latin typeface="Arial"/>
             </a:endParaRPr>
           </a:p>
@@ -1617,7 +1522,7 @@
       </p:grpSpPr>
       <p:sp>
         <p:nvSpPr>
-          <p:cNvPr id="63" name="PlaceHolder 1"/>
+          <p:cNvPr id="61" name="PlaceHolder 1"/>
           <p:cNvSpPr>
             <a:spLocks noGrp="1"/>
           </p:cNvSpPr>
@@ -1627,8 +1532,8 @@
         </p:nvSpPr>
         <p:spPr>
           <a:xfrm>
-            <a:off x="311760" y="444960"/>
-            <a:ext cx="8520120" cy="572400"/>
+            <a:off x="311760" y="301680"/>
+            <a:ext cx="8519760" cy="858960"/>
           </a:xfrm>
           <a:prstGeom prst="rect">
             <a:avLst/>
@@ -1639,18 +1544,16 @@
             <a:spAutoFit/>
           </a:bodyPr>
           <a:p>
-            <a:endParaRPr b="0" lang="lv-LV" sz="1400" spc="-1" strike="noStrike">
-              <a:solidFill>
-                <a:srgbClr val="000000"/>
-              </a:solidFill>
-              <a:latin typeface="Arial"/>
-            </a:endParaRPr>
-          </a:p>
-        </p:txBody>
-      </p:sp>
-      <p:sp>
-        <p:nvSpPr>
-          <p:cNvPr id="64" name="PlaceHolder 2"/>
+            <a:pPr algn="ctr"/>
+            <a:endParaRPr b="0" lang="lv-LV" sz="4400" spc="-1" strike="noStrike">
+              <a:latin typeface="Arial"/>
+            </a:endParaRPr>
+          </a:p>
+        </p:txBody>
+      </p:sp>
+      <p:sp>
+        <p:nvSpPr>
+          <p:cNvPr id="62" name="PlaceHolder 2"/>
           <p:cNvSpPr>
             <a:spLocks noGrp="1"/>
           </p:cNvSpPr>
@@ -1661,7 +1564,7 @@
         <p:spPr>
           <a:xfrm>
             <a:off x="311760" y="1152360"/>
-            <a:ext cx="8520120" cy="1629360"/>
+            <a:ext cx="8519760" cy="1629000"/>
           </a:xfrm>
           <a:prstGeom prst="rect">
             <a:avLst/>
@@ -1672,18 +1575,15 @@
             <a:normAutofit/>
           </a:bodyPr>
           <a:p>
-            <a:endParaRPr b="0" lang="lv-LV" sz="1400" spc="-1" strike="noStrike">
-              <a:solidFill>
-                <a:srgbClr val="000000"/>
-              </a:solidFill>
-              <a:latin typeface="Arial"/>
-            </a:endParaRPr>
-          </a:p>
-        </p:txBody>
-      </p:sp>
-      <p:sp>
-        <p:nvSpPr>
-          <p:cNvPr id="65" name="PlaceHolder 3"/>
+            <a:endParaRPr b="0" lang="lv-LV" sz="3200" spc="-1" strike="noStrike">
+              <a:latin typeface="Arial"/>
+            </a:endParaRPr>
+          </a:p>
+        </p:txBody>
+      </p:sp>
+      <p:sp>
+        <p:nvSpPr>
+          <p:cNvPr id="63" name="PlaceHolder 3"/>
           <p:cNvSpPr>
             <a:spLocks noGrp="1"/>
           </p:cNvSpPr>
@@ -1693,8 +1593,8 @@
         </p:nvSpPr>
         <p:spPr>
           <a:xfrm>
-            <a:off x="311760" y="2936880"/>
-            <a:ext cx="8520120" cy="1629360"/>
+            <a:off x="311760" y="2936520"/>
+            <a:ext cx="8519760" cy="1629000"/>
           </a:xfrm>
           <a:prstGeom prst="rect">
             <a:avLst/>
@@ -1705,10 +1605,7 @@
             <a:normAutofit/>
           </a:bodyPr>
           <a:p>
-            <a:endParaRPr b="0" lang="lv-LV" sz="1400" spc="-1" strike="noStrike">
-              <a:solidFill>
-                <a:srgbClr val="000000"/>
-              </a:solidFill>
+            <a:endParaRPr b="0" lang="lv-LV" sz="3200" spc="-1" strike="noStrike">
               <a:latin typeface="Arial"/>
             </a:endParaRPr>
           </a:p>
@@ -1738,7 +1635,7 @@
       </p:grpSpPr>
       <p:sp>
         <p:nvSpPr>
-          <p:cNvPr id="66" name="PlaceHolder 1"/>
+          <p:cNvPr id="64" name="PlaceHolder 1"/>
           <p:cNvSpPr>
             <a:spLocks noGrp="1"/>
           </p:cNvSpPr>
@@ -1748,8 +1645,8 @@
         </p:nvSpPr>
         <p:spPr>
           <a:xfrm>
-            <a:off x="311760" y="444960"/>
-            <a:ext cx="8520120" cy="572400"/>
+            <a:off x="311760" y="301680"/>
+            <a:ext cx="8519760" cy="858960"/>
           </a:xfrm>
           <a:prstGeom prst="rect">
             <a:avLst/>
@@ -1760,18 +1657,16 @@
             <a:spAutoFit/>
           </a:bodyPr>
           <a:p>
-            <a:endParaRPr b="0" lang="lv-LV" sz="1400" spc="-1" strike="noStrike">
-              <a:solidFill>
-                <a:srgbClr val="000000"/>
-              </a:solidFill>
-              <a:latin typeface="Arial"/>
-            </a:endParaRPr>
-          </a:p>
-        </p:txBody>
-      </p:sp>
-      <p:sp>
-        <p:nvSpPr>
-          <p:cNvPr id="67" name="PlaceHolder 2"/>
+            <a:pPr algn="ctr"/>
+            <a:endParaRPr b="0" lang="lv-LV" sz="4400" spc="-1" strike="noStrike">
+              <a:latin typeface="Arial"/>
+            </a:endParaRPr>
+          </a:p>
+        </p:txBody>
+      </p:sp>
+      <p:sp>
+        <p:nvSpPr>
+          <p:cNvPr id="65" name="PlaceHolder 2"/>
           <p:cNvSpPr>
             <a:spLocks noGrp="1"/>
           </p:cNvSpPr>
@@ -1782,7 +1677,7 @@
         <p:spPr>
           <a:xfrm>
             <a:off x="311760" y="1152360"/>
-            <a:ext cx="4157640" cy="1629360"/>
+            <a:ext cx="4157280" cy="1629000"/>
           </a:xfrm>
           <a:prstGeom prst="rect">
             <a:avLst/>
@@ -1793,18 +1688,15 @@
             <a:normAutofit/>
           </a:bodyPr>
           <a:p>
-            <a:endParaRPr b="0" lang="lv-LV" sz="1400" spc="-1" strike="noStrike">
-              <a:solidFill>
-                <a:srgbClr val="000000"/>
-              </a:solidFill>
-              <a:latin typeface="Arial"/>
-            </a:endParaRPr>
-          </a:p>
-        </p:txBody>
-      </p:sp>
-      <p:sp>
-        <p:nvSpPr>
-          <p:cNvPr id="68" name="PlaceHolder 3"/>
+            <a:endParaRPr b="0" lang="lv-LV" sz="3200" spc="-1" strike="noStrike">
+              <a:latin typeface="Arial"/>
+            </a:endParaRPr>
+          </a:p>
+        </p:txBody>
+      </p:sp>
+      <p:sp>
+        <p:nvSpPr>
+          <p:cNvPr id="66" name="PlaceHolder 3"/>
           <p:cNvSpPr>
             <a:spLocks noGrp="1"/>
           </p:cNvSpPr>
@@ -1814,8 +1706,8 @@
         </p:nvSpPr>
         <p:spPr>
           <a:xfrm>
-            <a:off x="4677840" y="1152360"/>
-            <a:ext cx="4157640" cy="1629360"/>
+            <a:off x="4677120" y="1152360"/>
+            <a:ext cx="4157280" cy="1629000"/>
           </a:xfrm>
           <a:prstGeom prst="rect">
             <a:avLst/>
@@ -1826,18 +1718,15 @@
             <a:normAutofit/>
           </a:bodyPr>
           <a:p>
-            <a:endParaRPr b="0" lang="lv-LV" sz="1400" spc="-1" strike="noStrike">
-              <a:solidFill>
-                <a:srgbClr val="000000"/>
-              </a:solidFill>
-              <a:latin typeface="Arial"/>
-            </a:endParaRPr>
-          </a:p>
-        </p:txBody>
-      </p:sp>
-      <p:sp>
-        <p:nvSpPr>
-          <p:cNvPr id="69" name="PlaceHolder 4"/>
+            <a:endParaRPr b="0" lang="lv-LV" sz="3200" spc="-1" strike="noStrike">
+              <a:latin typeface="Arial"/>
+            </a:endParaRPr>
+          </a:p>
+        </p:txBody>
+      </p:sp>
+      <p:sp>
+        <p:nvSpPr>
+          <p:cNvPr id="67" name="PlaceHolder 4"/>
           <p:cNvSpPr>
             <a:spLocks noGrp="1"/>
           </p:cNvSpPr>
@@ -1847,8 +1736,8 @@
         </p:nvSpPr>
         <p:spPr>
           <a:xfrm>
-            <a:off x="311760" y="2936880"/>
-            <a:ext cx="4157640" cy="1629360"/>
+            <a:off x="311760" y="2936520"/>
+            <a:ext cx="4157280" cy="1629000"/>
           </a:xfrm>
           <a:prstGeom prst="rect">
             <a:avLst/>
@@ -1859,18 +1748,15 @@
             <a:normAutofit/>
           </a:bodyPr>
           <a:p>
-            <a:endParaRPr b="0" lang="lv-LV" sz="1400" spc="-1" strike="noStrike">
-              <a:solidFill>
-                <a:srgbClr val="000000"/>
-              </a:solidFill>
-              <a:latin typeface="Arial"/>
-            </a:endParaRPr>
-          </a:p>
-        </p:txBody>
-      </p:sp>
-      <p:sp>
-        <p:nvSpPr>
-          <p:cNvPr id="70" name="PlaceHolder 5"/>
+            <a:endParaRPr b="0" lang="lv-LV" sz="3200" spc="-1" strike="noStrike">
+              <a:latin typeface="Arial"/>
+            </a:endParaRPr>
+          </a:p>
+        </p:txBody>
+      </p:sp>
+      <p:sp>
+        <p:nvSpPr>
+          <p:cNvPr id="68" name="PlaceHolder 5"/>
           <p:cNvSpPr>
             <a:spLocks noGrp="1"/>
           </p:cNvSpPr>
@@ -1880,8 +1766,8 @@
         </p:nvSpPr>
         <p:spPr>
           <a:xfrm>
-            <a:off x="4677840" y="2936880"/>
-            <a:ext cx="4157640" cy="1629360"/>
+            <a:off x="4677120" y="2936520"/>
+            <a:ext cx="4157280" cy="1629000"/>
           </a:xfrm>
           <a:prstGeom prst="rect">
             <a:avLst/>
@@ -1892,10 +1778,7 @@
             <a:normAutofit/>
           </a:bodyPr>
           <a:p>
-            <a:endParaRPr b="0" lang="lv-LV" sz="1400" spc="-1" strike="noStrike">
-              <a:solidFill>
-                <a:srgbClr val="000000"/>
-              </a:solidFill>
+            <a:endParaRPr b="0" lang="lv-LV" sz="3200" spc="-1" strike="noStrike">
               <a:latin typeface="Arial"/>
             </a:endParaRPr>
           </a:p>
@@ -1925,7 +1808,7 @@
       </p:grpSpPr>
       <p:sp>
         <p:nvSpPr>
-          <p:cNvPr id="71" name="PlaceHolder 1"/>
+          <p:cNvPr id="69" name="PlaceHolder 1"/>
           <p:cNvSpPr>
             <a:spLocks noGrp="1"/>
           </p:cNvSpPr>
@@ -1935,8 +1818,8 @@
         </p:nvSpPr>
         <p:spPr>
           <a:xfrm>
-            <a:off x="311760" y="444960"/>
-            <a:ext cx="8520120" cy="572400"/>
+            <a:off x="311760" y="301680"/>
+            <a:ext cx="8519760" cy="858960"/>
           </a:xfrm>
           <a:prstGeom prst="rect">
             <a:avLst/>
@@ -1947,18 +1830,16 @@
             <a:spAutoFit/>
           </a:bodyPr>
           <a:p>
-            <a:endParaRPr b="0" lang="lv-LV" sz="1400" spc="-1" strike="noStrike">
-              <a:solidFill>
-                <a:srgbClr val="000000"/>
-              </a:solidFill>
-              <a:latin typeface="Arial"/>
-            </a:endParaRPr>
-          </a:p>
-        </p:txBody>
-      </p:sp>
-      <p:sp>
-        <p:nvSpPr>
-          <p:cNvPr id="72" name="PlaceHolder 2"/>
+            <a:pPr algn="ctr"/>
+            <a:endParaRPr b="0" lang="lv-LV" sz="4400" spc="-1" strike="noStrike">
+              <a:latin typeface="Arial"/>
+            </a:endParaRPr>
+          </a:p>
+        </p:txBody>
+      </p:sp>
+      <p:sp>
+        <p:nvSpPr>
+          <p:cNvPr id="70" name="PlaceHolder 2"/>
           <p:cNvSpPr>
             <a:spLocks noGrp="1"/>
           </p:cNvSpPr>
@@ -1969,7 +1850,7 @@
         <p:spPr>
           <a:xfrm>
             <a:off x="311760" y="1152360"/>
-            <a:ext cx="2743200" cy="1629360"/>
+            <a:ext cx="2743200" cy="1629000"/>
           </a:xfrm>
           <a:prstGeom prst="rect">
             <a:avLst/>
@@ -1980,18 +1861,15 @@
             <a:normAutofit/>
           </a:bodyPr>
           <a:p>
-            <a:endParaRPr b="0" lang="lv-LV" sz="1400" spc="-1" strike="noStrike">
-              <a:solidFill>
-                <a:srgbClr val="000000"/>
-              </a:solidFill>
-              <a:latin typeface="Arial"/>
-            </a:endParaRPr>
-          </a:p>
-        </p:txBody>
-      </p:sp>
-      <p:sp>
-        <p:nvSpPr>
-          <p:cNvPr id="73" name="PlaceHolder 3"/>
+            <a:endParaRPr b="0" lang="lv-LV" sz="3200" spc="-1" strike="noStrike">
+              <a:latin typeface="Arial"/>
+            </a:endParaRPr>
+          </a:p>
+        </p:txBody>
+      </p:sp>
+      <p:sp>
+        <p:nvSpPr>
+          <p:cNvPr id="71" name="PlaceHolder 3"/>
           <p:cNvSpPr>
             <a:spLocks noGrp="1"/>
           </p:cNvSpPr>
@@ -2002,7 +1880,7 @@
         <p:spPr>
           <a:xfrm>
             <a:off x="3192480" y="1152360"/>
-            <a:ext cx="2743200" cy="1629360"/>
+            <a:ext cx="2743200" cy="1629000"/>
           </a:xfrm>
           <a:prstGeom prst="rect">
             <a:avLst/>
@@ -2013,18 +1891,15 @@
             <a:normAutofit/>
           </a:bodyPr>
           <a:p>
-            <a:endParaRPr b="0" lang="lv-LV" sz="1400" spc="-1" strike="noStrike">
-              <a:solidFill>
-                <a:srgbClr val="000000"/>
-              </a:solidFill>
-              <a:latin typeface="Arial"/>
-            </a:endParaRPr>
-          </a:p>
-        </p:txBody>
-      </p:sp>
-      <p:sp>
-        <p:nvSpPr>
-          <p:cNvPr id="74" name="PlaceHolder 4"/>
+            <a:endParaRPr b="0" lang="lv-LV" sz="3200" spc="-1" strike="noStrike">
+              <a:latin typeface="Arial"/>
+            </a:endParaRPr>
+          </a:p>
+        </p:txBody>
+      </p:sp>
+      <p:sp>
+        <p:nvSpPr>
+          <p:cNvPr id="72" name="PlaceHolder 4"/>
           <p:cNvSpPr>
             <a:spLocks noGrp="1"/>
           </p:cNvSpPr>
@@ -2035,7 +1910,7 @@
         <p:spPr>
           <a:xfrm>
             <a:off x="6073200" y="1152360"/>
-            <a:ext cx="2743200" cy="1629360"/>
+            <a:ext cx="2743200" cy="1629000"/>
           </a:xfrm>
           <a:prstGeom prst="rect">
             <a:avLst/>
@@ -2046,18 +1921,15 @@
             <a:normAutofit/>
           </a:bodyPr>
           <a:p>
-            <a:endParaRPr b="0" lang="lv-LV" sz="1400" spc="-1" strike="noStrike">
-              <a:solidFill>
-                <a:srgbClr val="000000"/>
-              </a:solidFill>
-              <a:latin typeface="Arial"/>
-            </a:endParaRPr>
-          </a:p>
-        </p:txBody>
-      </p:sp>
-      <p:sp>
-        <p:nvSpPr>
-          <p:cNvPr id="75" name="PlaceHolder 5"/>
+            <a:endParaRPr b="0" lang="lv-LV" sz="3200" spc="-1" strike="noStrike">
+              <a:latin typeface="Arial"/>
+            </a:endParaRPr>
+          </a:p>
+        </p:txBody>
+      </p:sp>
+      <p:sp>
+        <p:nvSpPr>
+          <p:cNvPr id="73" name="PlaceHolder 5"/>
           <p:cNvSpPr>
             <a:spLocks noGrp="1"/>
           </p:cNvSpPr>
@@ -2067,8 +1939,8 @@
         </p:nvSpPr>
         <p:spPr>
           <a:xfrm>
-            <a:off x="311760" y="2936880"/>
-            <a:ext cx="2743200" cy="1629360"/>
+            <a:off x="311760" y="2936520"/>
+            <a:ext cx="2743200" cy="1629000"/>
           </a:xfrm>
           <a:prstGeom prst="rect">
             <a:avLst/>
@@ -2079,18 +1951,15 @@
             <a:normAutofit/>
           </a:bodyPr>
           <a:p>
-            <a:endParaRPr b="0" lang="lv-LV" sz="1400" spc="-1" strike="noStrike">
-              <a:solidFill>
-                <a:srgbClr val="000000"/>
-              </a:solidFill>
-              <a:latin typeface="Arial"/>
-            </a:endParaRPr>
-          </a:p>
-        </p:txBody>
-      </p:sp>
-      <p:sp>
-        <p:nvSpPr>
-          <p:cNvPr id="76" name="PlaceHolder 6"/>
+            <a:endParaRPr b="0" lang="lv-LV" sz="3200" spc="-1" strike="noStrike">
+              <a:latin typeface="Arial"/>
+            </a:endParaRPr>
+          </a:p>
+        </p:txBody>
+      </p:sp>
+      <p:sp>
+        <p:nvSpPr>
+          <p:cNvPr id="74" name="PlaceHolder 6"/>
           <p:cNvSpPr>
             <a:spLocks noGrp="1"/>
           </p:cNvSpPr>
@@ -2100,8 +1969,8 @@
         </p:nvSpPr>
         <p:spPr>
           <a:xfrm>
-            <a:off x="3192480" y="2936880"/>
-            <a:ext cx="2743200" cy="1629360"/>
+            <a:off x="3192480" y="2936520"/>
+            <a:ext cx="2743200" cy="1629000"/>
           </a:xfrm>
           <a:prstGeom prst="rect">
             <a:avLst/>
@@ -2112,18 +1981,15 @@
             <a:normAutofit/>
           </a:bodyPr>
           <a:p>
-            <a:endParaRPr b="0" lang="lv-LV" sz="1400" spc="-1" strike="noStrike">
-              <a:solidFill>
-                <a:srgbClr val="000000"/>
-              </a:solidFill>
-              <a:latin typeface="Arial"/>
-            </a:endParaRPr>
-          </a:p>
-        </p:txBody>
-      </p:sp>
-      <p:sp>
-        <p:nvSpPr>
-          <p:cNvPr id="77" name="PlaceHolder 7"/>
+            <a:endParaRPr b="0" lang="lv-LV" sz="3200" spc="-1" strike="noStrike">
+              <a:latin typeface="Arial"/>
+            </a:endParaRPr>
+          </a:p>
+        </p:txBody>
+      </p:sp>
+      <p:sp>
+        <p:nvSpPr>
+          <p:cNvPr id="75" name="PlaceHolder 7"/>
           <p:cNvSpPr>
             <a:spLocks noGrp="1"/>
           </p:cNvSpPr>
@@ -2133,8 +1999,8 @@
         </p:nvSpPr>
         <p:spPr>
           <a:xfrm>
-            <a:off x="6073200" y="2936880"/>
-            <a:ext cx="2743200" cy="1629360"/>
+            <a:off x="6073200" y="2936520"/>
+            <a:ext cx="2743200" cy="1629000"/>
           </a:xfrm>
           <a:prstGeom prst="rect">
             <a:avLst/>
@@ -2145,10 +2011,7 @@
             <a:normAutofit/>
           </a:bodyPr>
           <a:p>
-            <a:endParaRPr b="0" lang="lv-LV" sz="1400" spc="-1" strike="noStrike">
-              <a:solidFill>
-                <a:srgbClr val="000000"/>
-              </a:solidFill>
+            <a:endParaRPr b="0" lang="lv-LV" sz="3200" spc="-1" strike="noStrike">
               <a:latin typeface="Arial"/>
             </a:endParaRPr>
           </a:p>
@@ -2178,7 +2041,7 @@
       </p:grpSpPr>
       <p:sp>
         <p:nvSpPr>
-          <p:cNvPr id="5" name="PlaceHolder 1"/>
+          <p:cNvPr id="4" name="PlaceHolder 1"/>
           <p:cNvSpPr>
             <a:spLocks noGrp="1"/>
           </p:cNvSpPr>
@@ -2188,8 +2051,8 @@
         </p:nvSpPr>
         <p:spPr>
           <a:xfrm>
-            <a:off x="311760" y="444960"/>
-            <a:ext cx="8520120" cy="572400"/>
+            <a:off x="311760" y="301680"/>
+            <a:ext cx="8519760" cy="858960"/>
           </a:xfrm>
           <a:prstGeom prst="rect">
             <a:avLst/>
@@ -2200,18 +2063,16 @@
             <a:spAutoFit/>
           </a:bodyPr>
           <a:p>
-            <a:endParaRPr b="0" lang="lv-LV" sz="1400" spc="-1" strike="noStrike">
-              <a:solidFill>
-                <a:srgbClr val="000000"/>
-              </a:solidFill>
-              <a:latin typeface="Arial"/>
-            </a:endParaRPr>
-          </a:p>
-        </p:txBody>
-      </p:sp>
-      <p:sp>
-        <p:nvSpPr>
-          <p:cNvPr id="6" name="PlaceHolder 2"/>
+            <a:pPr algn="ctr"/>
+            <a:endParaRPr b="0" lang="lv-LV" sz="4400" spc="-1" strike="noStrike">
+              <a:latin typeface="Arial"/>
+            </a:endParaRPr>
+          </a:p>
+        </p:txBody>
+      </p:sp>
+      <p:sp>
+        <p:nvSpPr>
+          <p:cNvPr id="5" name="PlaceHolder 2"/>
           <p:cNvSpPr>
             <a:spLocks noGrp="1"/>
           </p:cNvSpPr>
@@ -2222,7 +2083,7 @@
         <p:spPr>
           <a:xfrm>
             <a:off x="311760" y="1152360"/>
-            <a:ext cx="8520120" cy="3416040"/>
+            <a:ext cx="8519760" cy="3415680"/>
           </a:xfrm>
           <a:prstGeom prst="rect">
             <a:avLst/>
@@ -2233,10 +2094,7 @@
             <a:normAutofit/>
           </a:bodyPr>
           <a:p>
-            <a:endParaRPr b="0" lang="lv-LV" sz="1400" spc="-1" strike="noStrike">
-              <a:solidFill>
-                <a:srgbClr val="000000"/>
-              </a:solidFill>
+            <a:endParaRPr b="0" lang="lv-LV" sz="3200" spc="-1" strike="noStrike">
               <a:latin typeface="Arial"/>
             </a:endParaRPr>
           </a:p>
@@ -2266,7 +2124,7 @@
       </p:grpSpPr>
       <p:sp>
         <p:nvSpPr>
-          <p:cNvPr id="7" name="PlaceHolder 1"/>
+          <p:cNvPr id="6" name="PlaceHolder 1"/>
           <p:cNvSpPr>
             <a:spLocks noGrp="1"/>
           </p:cNvSpPr>
@@ -2276,8 +2134,8 @@
         </p:nvSpPr>
         <p:spPr>
           <a:xfrm>
-            <a:off x="311760" y="444960"/>
-            <a:ext cx="8520120" cy="572400"/>
+            <a:off x="311760" y="301680"/>
+            <a:ext cx="8519760" cy="858960"/>
           </a:xfrm>
           <a:prstGeom prst="rect">
             <a:avLst/>
@@ -2288,18 +2146,16 @@
             <a:spAutoFit/>
           </a:bodyPr>
           <a:p>
-            <a:endParaRPr b="0" lang="lv-LV" sz="1400" spc="-1" strike="noStrike">
-              <a:solidFill>
-                <a:srgbClr val="000000"/>
-              </a:solidFill>
-              <a:latin typeface="Arial"/>
-            </a:endParaRPr>
-          </a:p>
-        </p:txBody>
-      </p:sp>
-      <p:sp>
-        <p:nvSpPr>
-          <p:cNvPr id="8" name="PlaceHolder 2"/>
+            <a:pPr algn="ctr"/>
+            <a:endParaRPr b="0" lang="lv-LV" sz="4400" spc="-1" strike="noStrike">
+              <a:latin typeface="Arial"/>
+            </a:endParaRPr>
+          </a:p>
+        </p:txBody>
+      </p:sp>
+      <p:sp>
+        <p:nvSpPr>
+          <p:cNvPr id="7" name="PlaceHolder 2"/>
           <p:cNvSpPr>
             <a:spLocks noGrp="1"/>
           </p:cNvSpPr>
@@ -2310,7 +2166,7 @@
         <p:spPr>
           <a:xfrm>
             <a:off x="311760" y="1152360"/>
-            <a:ext cx="4157640" cy="3416040"/>
+            <a:ext cx="4157280" cy="3415680"/>
           </a:xfrm>
           <a:prstGeom prst="rect">
             <a:avLst/>
@@ -2321,18 +2177,15 @@
             <a:normAutofit/>
           </a:bodyPr>
           <a:p>
-            <a:endParaRPr b="0" lang="lv-LV" sz="1400" spc="-1" strike="noStrike">
-              <a:solidFill>
-                <a:srgbClr val="000000"/>
-              </a:solidFill>
-              <a:latin typeface="Arial"/>
-            </a:endParaRPr>
-          </a:p>
-        </p:txBody>
-      </p:sp>
-      <p:sp>
-        <p:nvSpPr>
-          <p:cNvPr id="9" name="PlaceHolder 3"/>
+            <a:endParaRPr b="0" lang="lv-LV" sz="3200" spc="-1" strike="noStrike">
+              <a:latin typeface="Arial"/>
+            </a:endParaRPr>
+          </a:p>
+        </p:txBody>
+      </p:sp>
+      <p:sp>
+        <p:nvSpPr>
+          <p:cNvPr id="8" name="PlaceHolder 3"/>
           <p:cNvSpPr>
             <a:spLocks noGrp="1"/>
           </p:cNvSpPr>
@@ -2342,8 +2195,8 @@
         </p:nvSpPr>
         <p:spPr>
           <a:xfrm>
-            <a:off x="4677840" y="1152360"/>
-            <a:ext cx="4157640" cy="3416040"/>
+            <a:off x="4677120" y="1152360"/>
+            <a:ext cx="4157280" cy="3415680"/>
           </a:xfrm>
           <a:prstGeom prst="rect">
             <a:avLst/>
@@ -2354,10 +2207,7 @@
             <a:normAutofit/>
           </a:bodyPr>
           <a:p>
-            <a:endParaRPr b="0" lang="lv-LV" sz="1400" spc="-1" strike="noStrike">
-              <a:solidFill>
-                <a:srgbClr val="000000"/>
-              </a:solidFill>
+            <a:endParaRPr b="0" lang="lv-LV" sz="3200" spc="-1" strike="noStrike">
               <a:latin typeface="Arial"/>
             </a:endParaRPr>
           </a:p>
@@ -2387,7 +2237,7 @@
       </p:grpSpPr>
       <p:sp>
         <p:nvSpPr>
-          <p:cNvPr id="10" name="PlaceHolder 1"/>
+          <p:cNvPr id="9" name="PlaceHolder 1"/>
           <p:cNvSpPr>
             <a:spLocks noGrp="1"/>
           </p:cNvSpPr>
@@ -2397,8 +2247,8 @@
         </p:nvSpPr>
         <p:spPr>
           <a:xfrm>
-            <a:off x="311760" y="444960"/>
-            <a:ext cx="8520120" cy="572400"/>
+            <a:off x="311760" y="301680"/>
+            <a:ext cx="8519760" cy="858960"/>
           </a:xfrm>
           <a:prstGeom prst="rect">
             <a:avLst/>
@@ -2409,10 +2259,8 @@
             <a:spAutoFit/>
           </a:bodyPr>
           <a:p>
-            <a:endParaRPr b="0" lang="lv-LV" sz="1400" spc="-1" strike="noStrike">
-              <a:solidFill>
-                <a:srgbClr val="000000"/>
-              </a:solidFill>
+            <a:pPr algn="ctr"/>
+            <a:endParaRPr b="0" lang="lv-LV" sz="4400" spc="-1" strike="noStrike">
               <a:latin typeface="Arial"/>
             </a:endParaRPr>
           </a:p>
@@ -2442,7 +2290,7 @@
       </p:grpSpPr>
       <p:sp>
         <p:nvSpPr>
-          <p:cNvPr id="11" name="PlaceHolder 1"/>
+          <p:cNvPr id="10" name="PlaceHolder 1"/>
           <p:cNvSpPr>
             <a:spLocks noGrp="1"/>
           </p:cNvSpPr>
@@ -2452,8 +2300,8 @@
         </p:nvSpPr>
         <p:spPr>
           <a:xfrm>
-            <a:off x="311760" y="444960"/>
-            <a:ext cx="8520120" cy="2654640"/>
+            <a:off x="311760" y="301680"/>
+            <a:ext cx="8519760" cy="3983040"/>
           </a:xfrm>
           <a:prstGeom prst="rect">
             <a:avLst/>
@@ -2495,7 +2343,7 @@
       </p:grpSpPr>
       <p:sp>
         <p:nvSpPr>
-          <p:cNvPr id="12" name="PlaceHolder 1"/>
+          <p:cNvPr id="11" name="PlaceHolder 1"/>
           <p:cNvSpPr>
             <a:spLocks noGrp="1"/>
           </p:cNvSpPr>
@@ -2505,8 +2353,8 @@
         </p:nvSpPr>
         <p:spPr>
           <a:xfrm>
-            <a:off x="311760" y="444960"/>
-            <a:ext cx="8520120" cy="572400"/>
+            <a:off x="311760" y="301680"/>
+            <a:ext cx="8519760" cy="858960"/>
           </a:xfrm>
           <a:prstGeom prst="rect">
             <a:avLst/>
@@ -2517,18 +2365,16 @@
             <a:spAutoFit/>
           </a:bodyPr>
           <a:p>
-            <a:endParaRPr b="0" lang="lv-LV" sz="1400" spc="-1" strike="noStrike">
-              <a:solidFill>
-                <a:srgbClr val="000000"/>
-              </a:solidFill>
-              <a:latin typeface="Arial"/>
-            </a:endParaRPr>
-          </a:p>
-        </p:txBody>
-      </p:sp>
-      <p:sp>
-        <p:nvSpPr>
-          <p:cNvPr id="13" name="PlaceHolder 2"/>
+            <a:pPr algn="ctr"/>
+            <a:endParaRPr b="0" lang="lv-LV" sz="4400" spc="-1" strike="noStrike">
+              <a:latin typeface="Arial"/>
+            </a:endParaRPr>
+          </a:p>
+        </p:txBody>
+      </p:sp>
+      <p:sp>
+        <p:nvSpPr>
+          <p:cNvPr id="12" name="PlaceHolder 2"/>
           <p:cNvSpPr>
             <a:spLocks noGrp="1"/>
           </p:cNvSpPr>
@@ -2539,7 +2385,7 @@
         <p:spPr>
           <a:xfrm>
             <a:off x="311760" y="1152360"/>
-            <a:ext cx="4157640" cy="1629360"/>
+            <a:ext cx="4157280" cy="1629000"/>
           </a:xfrm>
           <a:prstGeom prst="rect">
             <a:avLst/>
@@ -2550,18 +2396,15 @@
             <a:normAutofit/>
           </a:bodyPr>
           <a:p>
-            <a:endParaRPr b="0" lang="lv-LV" sz="1400" spc="-1" strike="noStrike">
-              <a:solidFill>
-                <a:srgbClr val="000000"/>
-              </a:solidFill>
-              <a:latin typeface="Arial"/>
-            </a:endParaRPr>
-          </a:p>
-        </p:txBody>
-      </p:sp>
-      <p:sp>
-        <p:nvSpPr>
-          <p:cNvPr id="14" name="PlaceHolder 3"/>
+            <a:endParaRPr b="0" lang="lv-LV" sz="3200" spc="-1" strike="noStrike">
+              <a:latin typeface="Arial"/>
+            </a:endParaRPr>
+          </a:p>
+        </p:txBody>
+      </p:sp>
+      <p:sp>
+        <p:nvSpPr>
+          <p:cNvPr id="13" name="PlaceHolder 3"/>
           <p:cNvSpPr>
             <a:spLocks noGrp="1"/>
           </p:cNvSpPr>
@@ -2571,8 +2414,8 @@
         </p:nvSpPr>
         <p:spPr>
           <a:xfrm>
-            <a:off x="4677840" y="1152360"/>
-            <a:ext cx="4157640" cy="3416040"/>
+            <a:off x="4677120" y="1152360"/>
+            <a:ext cx="4157280" cy="3415680"/>
           </a:xfrm>
           <a:prstGeom prst="rect">
             <a:avLst/>
@@ -2583,18 +2426,15 @@
             <a:normAutofit/>
           </a:bodyPr>
           <a:p>
-            <a:endParaRPr b="0" lang="lv-LV" sz="1400" spc="-1" strike="noStrike">
-              <a:solidFill>
-                <a:srgbClr val="000000"/>
-              </a:solidFill>
-              <a:latin typeface="Arial"/>
-            </a:endParaRPr>
-          </a:p>
-        </p:txBody>
-      </p:sp>
-      <p:sp>
-        <p:nvSpPr>
-          <p:cNvPr id="15" name="PlaceHolder 4"/>
+            <a:endParaRPr b="0" lang="lv-LV" sz="3200" spc="-1" strike="noStrike">
+              <a:latin typeface="Arial"/>
+            </a:endParaRPr>
+          </a:p>
+        </p:txBody>
+      </p:sp>
+      <p:sp>
+        <p:nvSpPr>
+          <p:cNvPr id="14" name="PlaceHolder 4"/>
           <p:cNvSpPr>
             <a:spLocks noGrp="1"/>
           </p:cNvSpPr>
@@ -2604,8 +2444,8 @@
         </p:nvSpPr>
         <p:spPr>
           <a:xfrm>
-            <a:off x="311760" y="2936880"/>
-            <a:ext cx="4157640" cy="1629360"/>
+            <a:off x="311760" y="2936520"/>
+            <a:ext cx="4157280" cy="1629000"/>
           </a:xfrm>
           <a:prstGeom prst="rect">
             <a:avLst/>
@@ -2616,10 +2456,7 @@
             <a:normAutofit/>
           </a:bodyPr>
           <a:p>
-            <a:endParaRPr b="0" lang="lv-LV" sz="1400" spc="-1" strike="noStrike">
-              <a:solidFill>
-                <a:srgbClr val="000000"/>
-              </a:solidFill>
+            <a:endParaRPr b="0" lang="lv-LV" sz="3200" spc="-1" strike="noStrike">
               <a:latin typeface="Arial"/>
             </a:endParaRPr>
           </a:p>
@@ -2649,7 +2486,7 @@
       </p:grpSpPr>
       <p:sp>
         <p:nvSpPr>
-          <p:cNvPr id="16" name="PlaceHolder 1"/>
+          <p:cNvPr id="15" name="PlaceHolder 1"/>
           <p:cNvSpPr>
             <a:spLocks noGrp="1"/>
           </p:cNvSpPr>
@@ -2659,8 +2496,8 @@
         </p:nvSpPr>
         <p:spPr>
           <a:xfrm>
-            <a:off x="311760" y="444960"/>
-            <a:ext cx="8520120" cy="572400"/>
+            <a:off x="311760" y="301680"/>
+            <a:ext cx="8519760" cy="858960"/>
           </a:xfrm>
           <a:prstGeom prst="rect">
             <a:avLst/>
@@ -2671,18 +2508,16 @@
             <a:spAutoFit/>
           </a:bodyPr>
           <a:p>
-            <a:endParaRPr b="0" lang="lv-LV" sz="1400" spc="-1" strike="noStrike">
-              <a:solidFill>
-                <a:srgbClr val="000000"/>
-              </a:solidFill>
-              <a:latin typeface="Arial"/>
-            </a:endParaRPr>
-          </a:p>
-        </p:txBody>
-      </p:sp>
-      <p:sp>
-        <p:nvSpPr>
-          <p:cNvPr id="17" name="PlaceHolder 2"/>
+            <a:pPr algn="ctr"/>
+            <a:endParaRPr b="0" lang="lv-LV" sz="4400" spc="-1" strike="noStrike">
+              <a:latin typeface="Arial"/>
+            </a:endParaRPr>
+          </a:p>
+        </p:txBody>
+      </p:sp>
+      <p:sp>
+        <p:nvSpPr>
+          <p:cNvPr id="16" name="PlaceHolder 2"/>
           <p:cNvSpPr>
             <a:spLocks noGrp="1"/>
           </p:cNvSpPr>
@@ -2693,7 +2528,7 @@
         <p:spPr>
           <a:xfrm>
             <a:off x="311760" y="1152360"/>
-            <a:ext cx="4157640" cy="3416040"/>
+            <a:ext cx="4157280" cy="3415680"/>
           </a:xfrm>
           <a:prstGeom prst="rect">
             <a:avLst/>
@@ -2704,18 +2539,15 @@
             <a:normAutofit/>
           </a:bodyPr>
           <a:p>
-            <a:endParaRPr b="0" lang="lv-LV" sz="1400" spc="-1" strike="noStrike">
-              <a:solidFill>
-                <a:srgbClr val="000000"/>
-              </a:solidFill>
-              <a:latin typeface="Arial"/>
-            </a:endParaRPr>
-          </a:p>
-        </p:txBody>
-      </p:sp>
-      <p:sp>
-        <p:nvSpPr>
-          <p:cNvPr id="18" name="PlaceHolder 3"/>
+            <a:endParaRPr b="0" lang="lv-LV" sz="3200" spc="-1" strike="noStrike">
+              <a:latin typeface="Arial"/>
+            </a:endParaRPr>
+          </a:p>
+        </p:txBody>
+      </p:sp>
+      <p:sp>
+        <p:nvSpPr>
+          <p:cNvPr id="17" name="PlaceHolder 3"/>
           <p:cNvSpPr>
             <a:spLocks noGrp="1"/>
           </p:cNvSpPr>
@@ -2725,8 +2557,8 @@
         </p:nvSpPr>
         <p:spPr>
           <a:xfrm>
-            <a:off x="4677840" y="1152360"/>
-            <a:ext cx="4157640" cy="1629360"/>
+            <a:off x="4677120" y="1152360"/>
+            <a:ext cx="4157280" cy="1629000"/>
           </a:xfrm>
           <a:prstGeom prst="rect">
             <a:avLst/>
@@ -2737,18 +2569,15 @@
             <a:normAutofit/>
           </a:bodyPr>
           <a:p>
-            <a:endParaRPr b="0" lang="lv-LV" sz="1400" spc="-1" strike="noStrike">
-              <a:solidFill>
-                <a:srgbClr val="000000"/>
-              </a:solidFill>
-              <a:latin typeface="Arial"/>
-            </a:endParaRPr>
-          </a:p>
-        </p:txBody>
-      </p:sp>
-      <p:sp>
-        <p:nvSpPr>
-          <p:cNvPr id="19" name="PlaceHolder 4"/>
+            <a:endParaRPr b="0" lang="lv-LV" sz="3200" spc="-1" strike="noStrike">
+              <a:latin typeface="Arial"/>
+            </a:endParaRPr>
+          </a:p>
+        </p:txBody>
+      </p:sp>
+      <p:sp>
+        <p:nvSpPr>
+          <p:cNvPr id="18" name="PlaceHolder 4"/>
           <p:cNvSpPr>
             <a:spLocks noGrp="1"/>
           </p:cNvSpPr>
@@ -2758,8 +2587,8 @@
         </p:nvSpPr>
         <p:spPr>
           <a:xfrm>
-            <a:off x="4677840" y="2936880"/>
-            <a:ext cx="4157640" cy="1629360"/>
+            <a:off x="4677120" y="2936520"/>
+            <a:ext cx="4157280" cy="1629000"/>
           </a:xfrm>
           <a:prstGeom prst="rect">
             <a:avLst/>
@@ -2770,10 +2599,7 @@
             <a:normAutofit/>
           </a:bodyPr>
           <a:p>
-            <a:endParaRPr b="0" lang="lv-LV" sz="1400" spc="-1" strike="noStrike">
-              <a:solidFill>
-                <a:srgbClr val="000000"/>
-              </a:solidFill>
+            <a:endParaRPr b="0" lang="lv-LV" sz="3200" spc="-1" strike="noStrike">
               <a:latin typeface="Arial"/>
             </a:endParaRPr>
           </a:p>
@@ -2803,7 +2629,7 @@
       </p:grpSpPr>
       <p:sp>
         <p:nvSpPr>
-          <p:cNvPr id="20" name="PlaceHolder 1"/>
+          <p:cNvPr id="19" name="PlaceHolder 1"/>
           <p:cNvSpPr>
             <a:spLocks noGrp="1"/>
           </p:cNvSpPr>
@@ -2813,8 +2639,8 @@
         </p:nvSpPr>
         <p:spPr>
           <a:xfrm>
-            <a:off x="311760" y="444960"/>
-            <a:ext cx="8520120" cy="572400"/>
+            <a:off x="311760" y="301680"/>
+            <a:ext cx="8519760" cy="858960"/>
           </a:xfrm>
           <a:prstGeom prst="rect">
             <a:avLst/>
@@ -2825,18 +2651,16 @@
             <a:spAutoFit/>
           </a:bodyPr>
           <a:p>
-            <a:endParaRPr b="0" lang="lv-LV" sz="1400" spc="-1" strike="noStrike">
-              <a:solidFill>
-                <a:srgbClr val="000000"/>
-              </a:solidFill>
-              <a:latin typeface="Arial"/>
-            </a:endParaRPr>
-          </a:p>
-        </p:txBody>
-      </p:sp>
-      <p:sp>
-        <p:nvSpPr>
-          <p:cNvPr id="21" name="PlaceHolder 2"/>
+            <a:pPr algn="ctr"/>
+            <a:endParaRPr b="0" lang="lv-LV" sz="4400" spc="-1" strike="noStrike">
+              <a:latin typeface="Arial"/>
+            </a:endParaRPr>
+          </a:p>
+        </p:txBody>
+      </p:sp>
+      <p:sp>
+        <p:nvSpPr>
+          <p:cNvPr id="20" name="PlaceHolder 2"/>
           <p:cNvSpPr>
             <a:spLocks noGrp="1"/>
           </p:cNvSpPr>
@@ -2847,7 +2671,7 @@
         <p:spPr>
           <a:xfrm>
             <a:off x="311760" y="1152360"/>
-            <a:ext cx="4157640" cy="1629360"/>
+            <a:ext cx="4157280" cy="1629000"/>
           </a:xfrm>
           <a:prstGeom prst="rect">
             <a:avLst/>
@@ -2858,18 +2682,15 @@
             <a:normAutofit/>
           </a:bodyPr>
           <a:p>
-            <a:endParaRPr b="0" lang="lv-LV" sz="1400" spc="-1" strike="noStrike">
-              <a:solidFill>
-                <a:srgbClr val="000000"/>
-              </a:solidFill>
-              <a:latin typeface="Arial"/>
-            </a:endParaRPr>
-          </a:p>
-        </p:txBody>
-      </p:sp>
-      <p:sp>
-        <p:nvSpPr>
-          <p:cNvPr id="22" name="PlaceHolder 3"/>
+            <a:endParaRPr b="0" lang="lv-LV" sz="3200" spc="-1" strike="noStrike">
+              <a:latin typeface="Arial"/>
+            </a:endParaRPr>
+          </a:p>
+        </p:txBody>
+      </p:sp>
+      <p:sp>
+        <p:nvSpPr>
+          <p:cNvPr id="21" name="PlaceHolder 3"/>
           <p:cNvSpPr>
             <a:spLocks noGrp="1"/>
           </p:cNvSpPr>
@@ -2879,8 +2700,8 @@
         </p:nvSpPr>
         <p:spPr>
           <a:xfrm>
-            <a:off x="4677840" y="1152360"/>
-            <a:ext cx="4157640" cy="1629360"/>
+            <a:off x="4677120" y="1152360"/>
+            <a:ext cx="4157280" cy="1629000"/>
           </a:xfrm>
           <a:prstGeom prst="rect">
             <a:avLst/>
@@ -2891,18 +2712,15 @@
             <a:normAutofit/>
           </a:bodyPr>
           <a:p>
-            <a:endParaRPr b="0" lang="lv-LV" sz="1400" spc="-1" strike="noStrike">
-              <a:solidFill>
-                <a:srgbClr val="000000"/>
-              </a:solidFill>
-              <a:latin typeface="Arial"/>
-            </a:endParaRPr>
-          </a:p>
-        </p:txBody>
-      </p:sp>
-      <p:sp>
-        <p:nvSpPr>
-          <p:cNvPr id="23" name="PlaceHolder 4"/>
+            <a:endParaRPr b="0" lang="lv-LV" sz="3200" spc="-1" strike="noStrike">
+              <a:latin typeface="Arial"/>
+            </a:endParaRPr>
+          </a:p>
+        </p:txBody>
+      </p:sp>
+      <p:sp>
+        <p:nvSpPr>
+          <p:cNvPr id="22" name="PlaceHolder 4"/>
           <p:cNvSpPr>
             <a:spLocks noGrp="1"/>
           </p:cNvSpPr>
@@ -2912,8 +2730,8 @@
         </p:nvSpPr>
         <p:spPr>
           <a:xfrm>
-            <a:off x="311760" y="2936880"/>
-            <a:ext cx="8520120" cy="1629360"/>
+            <a:off x="311760" y="2936520"/>
+            <a:ext cx="8519760" cy="1629000"/>
           </a:xfrm>
           <a:prstGeom prst="rect">
             <a:avLst/>
@@ -2924,10 +2742,7 @@
             <a:normAutofit/>
           </a:bodyPr>
           <a:p>
-            <a:endParaRPr b="0" lang="lv-LV" sz="1400" spc="-1" strike="noStrike">
-              <a:solidFill>
-                <a:srgbClr val="000000"/>
-              </a:solidFill>
+            <a:endParaRPr b="0" lang="lv-LV" sz="3200" spc="-1" strike="noStrike">
               <a:latin typeface="Arial"/>
             </a:endParaRPr>
           </a:p>
@@ -2974,8 +2789,8 @@
         </p:nvSpPr>
         <p:spPr>
           <a:xfrm>
-            <a:off x="311760" y="744480"/>
-            <a:ext cx="8520120" cy="2052360"/>
+            <a:off x="311760" y="301680"/>
+            <a:ext cx="8519760" cy="858960"/>
           </a:xfrm>
           <a:prstGeom prst="rect">
             <a:avLst/>
@@ -2983,22 +2798,16 @@
         </p:spPr>
         <p:txBody>
           <a:bodyPr lIns="0" rIns="0" tIns="0" bIns="0" anchor="ctr">
-            <a:noAutofit/>
-          </a:bodyPr>
-          <a:p>
-            <a:r>
-              <a:rPr b="0" lang="lv-LV" sz="1400" spc="-1" strike="noStrike">
-                <a:solidFill>
-                  <a:srgbClr val="000000"/>
-                </a:solidFill>
+            <a:spAutoFit/>
+          </a:bodyPr>
+          <a:p>
+            <a:r>
+              <a:rPr b="0" lang="lv-LV" sz="1800" spc="-1" strike="noStrike">
                 <a:latin typeface="Arial"/>
               </a:rPr>
               <a:t>Click to edit the title text format</a:t>
             </a:r>
-            <a:endParaRPr b="0" lang="lv-LV" sz="1400" spc="-1" strike="noStrike">
-              <a:solidFill>
-                <a:srgbClr val="000000"/>
-              </a:solidFill>
+            <a:endParaRPr b="0" lang="lv-LV" sz="1800" spc="-1" strike="noStrike">
               <a:latin typeface="Arial"/>
             </a:endParaRPr>
           </a:p>
@@ -3007,51 +2816,6 @@
       <p:sp>
         <p:nvSpPr>
           <p:cNvPr id="1" name="PlaceHolder 2"/>
-          <p:cNvSpPr>
-            <a:spLocks noGrp="1"/>
-          </p:cNvSpPr>
-          <p:nvPr>
-            <p:ph type="sldNum"/>
-          </p:nvPr>
-        </p:nvSpPr>
-        <p:spPr>
-          <a:xfrm>
-            <a:off x="8472600" y="4663080"/>
-            <a:ext cx="548280" cy="393120"/>
-          </a:xfrm>
-          <a:prstGeom prst="rect">
-            <a:avLst/>
-          </a:prstGeom>
-        </p:spPr>
-        <p:txBody>
-          <a:bodyPr tIns="91440" bIns="91440" anchor="ctr">
-            <a:normAutofit/>
-          </a:bodyPr>
-          <a:p>
-            <a:pPr algn="r">
-              <a:lnSpc>
-                <a:spcPct val="100000"/>
-              </a:lnSpc>
-            </a:pPr>
-            <a:fld id="{06748C99-616D-47EB-8ABF-AD7D2BD1ED38}" type="slidenum">
-              <a:rPr b="0" lang="lv-LV" sz="1000" spc="-1" strike="noStrike">
-                <a:solidFill>
-                  <a:srgbClr val="595959"/>
-                </a:solidFill>
-                <a:latin typeface="Arial"/>
-                <a:ea typeface="Arial"/>
-              </a:rPr>
-              <a:t>&lt;number&gt;</a:t>
-            </a:fld>
-            <a:endParaRPr b="0" lang="lv-LV" sz="1000" spc="-1" strike="noStrike">
-              <a:latin typeface="Times New Roman"/>
-            </a:endParaRPr>
-          </a:p>
-        </p:txBody>
-      </p:sp>
-      <p:sp>
-        <p:nvSpPr>
-          <p:cNvPr id="2" name="PlaceHolder 3"/>
           <p:cNvSpPr>
             <a:spLocks noGrp="1"/>
           </p:cNvSpPr>
@@ -3085,18 +2849,12 @@
               <a:buChar char=""/>
             </a:pPr>
             <a:r>
-              <a:rPr b="0" lang="lv-LV" sz="1400" spc="-1" strike="noStrike">
-                <a:solidFill>
-                  <a:srgbClr val="000000"/>
-                </a:solidFill>
+              <a:rPr b="0" lang="lv-LV" sz="3200" spc="-1" strike="noStrike">
                 <a:latin typeface="Arial"/>
               </a:rPr>
               <a:t>Click to edit the outline text format</a:t>
             </a:r>
-            <a:endParaRPr b="0" lang="lv-LV" sz="1400" spc="-1" strike="noStrike">
-              <a:solidFill>
-                <a:srgbClr val="000000"/>
-              </a:solidFill>
+            <a:endParaRPr b="0" lang="lv-LV" sz="3200" spc="-1" strike="noStrike">
               <a:latin typeface="Arial"/>
             </a:endParaRPr>
           </a:p>
@@ -3113,18 +2871,12 @@
               <a:buChar char=""/>
             </a:pPr>
             <a:r>
-              <a:rPr b="0" lang="lv-LV" sz="1400" spc="-1" strike="noStrike">
-                <a:solidFill>
-                  <a:srgbClr val="000000"/>
-                </a:solidFill>
+              <a:rPr b="0" lang="lv-LV" sz="2800" spc="-1" strike="noStrike">
                 <a:latin typeface="Arial"/>
               </a:rPr>
               <a:t>Second Outline Level</a:t>
             </a:r>
-            <a:endParaRPr b="0" lang="lv-LV" sz="1400" spc="-1" strike="noStrike">
-              <a:solidFill>
-                <a:srgbClr val="000000"/>
-              </a:solidFill>
+            <a:endParaRPr b="0" lang="lv-LV" sz="2800" spc="-1" strike="noStrike">
               <a:latin typeface="Arial"/>
             </a:endParaRPr>
           </a:p>
@@ -3141,18 +2893,12 @@
               <a:buChar char=""/>
             </a:pPr>
             <a:r>
-              <a:rPr b="0" lang="lv-LV" sz="1400" spc="-1" strike="noStrike">
-                <a:solidFill>
-                  <a:srgbClr val="000000"/>
-                </a:solidFill>
+              <a:rPr b="0" lang="lv-LV" sz="2400" spc="-1" strike="noStrike">
                 <a:latin typeface="Arial"/>
               </a:rPr>
               <a:t>Third Outline Level</a:t>
             </a:r>
-            <a:endParaRPr b="0" lang="lv-LV" sz="1400" spc="-1" strike="noStrike">
-              <a:solidFill>
-                <a:srgbClr val="000000"/>
-              </a:solidFill>
+            <a:endParaRPr b="0" lang="lv-LV" sz="2400" spc="-1" strike="noStrike">
               <a:latin typeface="Arial"/>
             </a:endParaRPr>
           </a:p>
@@ -3169,18 +2915,12 @@
               <a:buChar char=""/>
             </a:pPr>
             <a:r>
-              <a:rPr b="0" lang="lv-LV" sz="1400" spc="-1" strike="noStrike">
-                <a:solidFill>
-                  <a:srgbClr val="000000"/>
-                </a:solidFill>
+              <a:rPr b="0" lang="lv-LV" sz="2000" spc="-1" strike="noStrike">
                 <a:latin typeface="Arial"/>
               </a:rPr>
               <a:t>Fourth Outline Level</a:t>
             </a:r>
-            <a:endParaRPr b="0" lang="lv-LV" sz="1400" spc="-1" strike="noStrike">
-              <a:solidFill>
-                <a:srgbClr val="000000"/>
-              </a:solidFill>
+            <a:endParaRPr b="0" lang="lv-LV" sz="2000" spc="-1" strike="noStrike">
               <a:latin typeface="Arial"/>
             </a:endParaRPr>
           </a:p>
@@ -3198,17 +2938,11 @@
             </a:pPr>
             <a:r>
               <a:rPr b="0" lang="lv-LV" sz="2000" spc="-1" strike="noStrike">
-                <a:solidFill>
-                  <a:srgbClr val="000000"/>
-                </a:solidFill>
                 <a:latin typeface="Arial"/>
               </a:rPr>
               <a:t>Fifth Outline Level</a:t>
             </a:r>
             <a:endParaRPr b="0" lang="lv-LV" sz="2000" spc="-1" strike="noStrike">
-              <a:solidFill>
-                <a:srgbClr val="000000"/>
-              </a:solidFill>
               <a:latin typeface="Arial"/>
             </a:endParaRPr>
           </a:p>
@@ -3226,17 +2960,11 @@
             </a:pPr>
             <a:r>
               <a:rPr b="0" lang="lv-LV" sz="2000" spc="-1" strike="noStrike">
-                <a:solidFill>
-                  <a:srgbClr val="000000"/>
-                </a:solidFill>
                 <a:latin typeface="Arial"/>
               </a:rPr>
               <a:t>Sixth Outline Level</a:t>
             </a:r>
             <a:endParaRPr b="0" lang="lv-LV" sz="2000" spc="-1" strike="noStrike">
-              <a:solidFill>
-                <a:srgbClr val="000000"/>
-              </a:solidFill>
               <a:latin typeface="Arial"/>
             </a:endParaRPr>
           </a:p>
@@ -3254,17 +2982,11 @@
             </a:pPr>
             <a:r>
               <a:rPr b="0" lang="lv-LV" sz="2000" spc="-1" strike="noStrike">
-                <a:solidFill>
-                  <a:srgbClr val="000000"/>
-                </a:solidFill>
                 <a:latin typeface="Arial"/>
               </a:rPr>
               <a:t>Seventh Outline Level</a:t>
             </a:r>
             <a:endParaRPr b="0" lang="lv-LV" sz="2000" spc="-1" strike="noStrike">
-              <a:solidFill>
-                <a:srgbClr val="000000"/>
-              </a:solidFill>
               <a:latin typeface="Arial"/>
             </a:endParaRPr>
           </a:p>
@@ -3316,7 +3038,7 @@
       </p:grpSpPr>
       <p:sp>
         <p:nvSpPr>
-          <p:cNvPr id="39" name="PlaceHolder 1"/>
+          <p:cNvPr id="38" name="PlaceHolder 1"/>
           <p:cNvSpPr>
             <a:spLocks noGrp="1"/>
           </p:cNvSpPr>
@@ -3326,8 +3048,8 @@
         </p:nvSpPr>
         <p:spPr>
           <a:xfrm>
-            <a:off x="311760" y="444960"/>
-            <a:ext cx="8520120" cy="572400"/>
+            <a:off x="311760" y="301680"/>
+            <a:ext cx="8519760" cy="858960"/>
           </a:xfrm>
           <a:prstGeom prst="rect">
             <a:avLst/>
@@ -3335,30 +3057,24 @@
         </p:spPr>
         <p:txBody>
           <a:bodyPr lIns="0" rIns="0" tIns="0" bIns="0" anchor="ctr">
-            <a:noAutofit/>
-          </a:bodyPr>
-          <a:p>
-            <a:r>
-              <a:rPr b="0" lang="lv-LV" sz="1400" spc="-1" strike="noStrike">
-                <a:solidFill>
-                  <a:srgbClr val="000000"/>
-                </a:solidFill>
+            <a:spAutoFit/>
+          </a:bodyPr>
+          <a:p>
+            <a:r>
+              <a:rPr b="0" lang="lv-LV" sz="1800" spc="-1" strike="noStrike">
                 <a:latin typeface="Arial"/>
               </a:rPr>
               <a:t>Click to edit the title text format</a:t>
             </a:r>
-            <a:endParaRPr b="0" lang="lv-LV" sz="1400" spc="-1" strike="noStrike">
-              <a:solidFill>
-                <a:srgbClr val="000000"/>
-              </a:solidFill>
-              <a:latin typeface="Arial"/>
-            </a:endParaRPr>
-          </a:p>
-        </p:txBody>
-      </p:sp>
-      <p:sp>
-        <p:nvSpPr>
-          <p:cNvPr id="40" name="PlaceHolder 2"/>
+            <a:endParaRPr b="0" lang="lv-LV" sz="1800" spc="-1" strike="noStrike">
+              <a:latin typeface="Arial"/>
+            </a:endParaRPr>
+          </a:p>
+        </p:txBody>
+      </p:sp>
+      <p:sp>
+        <p:nvSpPr>
+          <p:cNvPr id="39" name="PlaceHolder 2"/>
           <p:cNvSpPr>
             <a:spLocks noGrp="1"/>
           </p:cNvSpPr>
@@ -3369,7 +3085,7 @@
         <p:spPr>
           <a:xfrm>
             <a:off x="311760" y="1152360"/>
-            <a:ext cx="8520120" cy="3416040"/>
+            <a:ext cx="8519760" cy="3415680"/>
           </a:xfrm>
           <a:prstGeom prst="rect">
             <a:avLst/>
@@ -3392,18 +3108,12 @@
               <a:buChar char=""/>
             </a:pPr>
             <a:r>
-              <a:rPr b="0" lang="lv-LV" sz="1400" spc="-1" strike="noStrike">
-                <a:solidFill>
-                  <a:srgbClr val="000000"/>
-                </a:solidFill>
+              <a:rPr b="0" lang="lv-LV" sz="1800" spc="-1" strike="noStrike">
                 <a:latin typeface="Arial"/>
               </a:rPr>
               <a:t>Click to edit the outline text format</a:t>
             </a:r>
-            <a:endParaRPr b="0" lang="lv-LV" sz="1400" spc="-1" strike="noStrike">
-              <a:solidFill>
-                <a:srgbClr val="000000"/>
-              </a:solidFill>
+            <a:endParaRPr b="0" lang="lv-LV" sz="1800" spc="-1" strike="noStrike">
               <a:latin typeface="Arial"/>
             </a:endParaRPr>
           </a:p>
@@ -3420,18 +3130,12 @@
               <a:buChar char=""/>
             </a:pPr>
             <a:r>
-              <a:rPr b="0" lang="lv-LV" sz="1400" spc="-1" strike="noStrike">
-                <a:solidFill>
-                  <a:srgbClr val="000000"/>
-                </a:solidFill>
+              <a:rPr b="0" lang="lv-LV" sz="1800" spc="-1" strike="noStrike">
                 <a:latin typeface="Arial"/>
               </a:rPr>
               <a:t>Second Outline Level</a:t>
             </a:r>
-            <a:endParaRPr b="0" lang="lv-LV" sz="1400" spc="-1" strike="noStrike">
-              <a:solidFill>
-                <a:srgbClr val="000000"/>
-              </a:solidFill>
+            <a:endParaRPr b="0" lang="lv-LV" sz="1800" spc="-1" strike="noStrike">
               <a:latin typeface="Arial"/>
             </a:endParaRPr>
           </a:p>
@@ -3448,18 +3152,12 @@
               <a:buChar char=""/>
             </a:pPr>
             <a:r>
-              <a:rPr b="0" lang="lv-LV" sz="1400" spc="-1" strike="noStrike">
-                <a:solidFill>
-                  <a:srgbClr val="000000"/>
-                </a:solidFill>
+              <a:rPr b="0" lang="lv-LV" sz="1800" spc="-1" strike="noStrike">
                 <a:latin typeface="Arial"/>
               </a:rPr>
               <a:t>Third Outline Level</a:t>
             </a:r>
-            <a:endParaRPr b="0" lang="lv-LV" sz="1400" spc="-1" strike="noStrike">
-              <a:solidFill>
-                <a:srgbClr val="000000"/>
-              </a:solidFill>
+            <a:endParaRPr b="0" lang="lv-LV" sz="1800" spc="-1" strike="noStrike">
               <a:latin typeface="Arial"/>
             </a:endParaRPr>
           </a:p>
@@ -3476,18 +3174,12 @@
               <a:buChar char=""/>
             </a:pPr>
             <a:r>
-              <a:rPr b="0" lang="lv-LV" sz="1400" spc="-1" strike="noStrike">
-                <a:solidFill>
-                  <a:srgbClr val="000000"/>
-                </a:solidFill>
+              <a:rPr b="0" lang="lv-LV" sz="1800" spc="-1" strike="noStrike">
                 <a:latin typeface="Arial"/>
               </a:rPr>
               <a:t>Fourth Outline Level</a:t>
             </a:r>
-            <a:endParaRPr b="0" lang="lv-LV" sz="1400" spc="-1" strike="noStrike">
-              <a:solidFill>
-                <a:srgbClr val="000000"/>
-              </a:solidFill>
+            <a:endParaRPr b="0" lang="lv-LV" sz="1800" spc="-1" strike="noStrike">
               <a:latin typeface="Arial"/>
             </a:endParaRPr>
           </a:p>
@@ -3504,18 +3196,12 @@
               <a:buChar char=""/>
             </a:pPr>
             <a:r>
-              <a:rPr b="0" lang="lv-LV" sz="2000" spc="-1" strike="noStrike">
-                <a:solidFill>
-                  <a:srgbClr val="000000"/>
-                </a:solidFill>
+              <a:rPr b="0" lang="lv-LV" sz="1800" spc="-1" strike="noStrike">
                 <a:latin typeface="Arial"/>
               </a:rPr>
               <a:t>Fifth Outline Level</a:t>
             </a:r>
-            <a:endParaRPr b="0" lang="lv-LV" sz="2000" spc="-1" strike="noStrike">
-              <a:solidFill>
-                <a:srgbClr val="000000"/>
-              </a:solidFill>
+            <a:endParaRPr b="0" lang="lv-LV" sz="1800" spc="-1" strike="noStrike">
               <a:latin typeface="Arial"/>
             </a:endParaRPr>
           </a:p>
@@ -3532,18 +3218,12 @@
               <a:buChar char=""/>
             </a:pPr>
             <a:r>
-              <a:rPr b="0" lang="lv-LV" sz="2000" spc="-1" strike="noStrike">
-                <a:solidFill>
-                  <a:srgbClr val="000000"/>
-                </a:solidFill>
+              <a:rPr b="0" lang="lv-LV" sz="1800" spc="-1" strike="noStrike">
                 <a:latin typeface="Arial"/>
               </a:rPr>
               <a:t>Sixth Outline Level</a:t>
             </a:r>
-            <a:endParaRPr b="0" lang="lv-LV" sz="2000" spc="-1" strike="noStrike">
-              <a:solidFill>
-                <a:srgbClr val="000000"/>
-              </a:solidFill>
+            <a:endParaRPr b="0" lang="lv-LV" sz="1800" spc="-1" strike="noStrike">
               <a:latin typeface="Arial"/>
             </a:endParaRPr>
           </a:p>
@@ -3560,64 +3240,13 @@
               <a:buChar char=""/>
             </a:pPr>
             <a:r>
-              <a:rPr b="0" lang="lv-LV" sz="2000" spc="-1" strike="noStrike">
-                <a:solidFill>
-                  <a:srgbClr val="000000"/>
-                </a:solidFill>
+              <a:rPr b="0" lang="lv-LV" sz="1800" spc="-1" strike="noStrike">
                 <a:latin typeface="Arial"/>
               </a:rPr>
               <a:t>Seventh Outline Level</a:t>
             </a:r>
-            <a:endParaRPr b="0" lang="lv-LV" sz="2000" spc="-1" strike="noStrike">
-              <a:solidFill>
-                <a:srgbClr val="000000"/>
-              </a:solidFill>
-              <a:latin typeface="Arial"/>
-            </a:endParaRPr>
-          </a:p>
-        </p:txBody>
-      </p:sp>
-      <p:sp>
-        <p:nvSpPr>
-          <p:cNvPr id="41" name="PlaceHolder 3"/>
-          <p:cNvSpPr>
-            <a:spLocks noGrp="1"/>
-          </p:cNvSpPr>
-          <p:nvPr>
-            <p:ph type="sldNum"/>
-          </p:nvPr>
-        </p:nvSpPr>
-        <p:spPr>
-          <a:xfrm>
-            <a:off x="8472600" y="4663080"/>
-            <a:ext cx="548280" cy="393120"/>
-          </a:xfrm>
-          <a:prstGeom prst="rect">
-            <a:avLst/>
-          </a:prstGeom>
-        </p:spPr>
-        <p:txBody>
-          <a:bodyPr tIns="91440" bIns="91440" anchor="ctr">
-            <a:normAutofit/>
-          </a:bodyPr>
-          <a:p>
-            <a:pPr algn="r">
-              <a:lnSpc>
-                <a:spcPct val="100000"/>
-              </a:lnSpc>
-            </a:pPr>
-            <a:fld id="{FC15BF1A-8306-4913-A969-41927595B488}" type="slidenum">
-              <a:rPr b="0" lang="lv-LV" sz="1000" spc="-1" strike="noStrike">
-                <a:solidFill>
-                  <a:srgbClr val="595959"/>
-                </a:solidFill>
-                <a:latin typeface="Arial"/>
-                <a:ea typeface="Arial"/>
-              </a:rPr>
-              <a:t>&lt;number&gt;</a:t>
-            </a:fld>
-            <a:endParaRPr b="0" lang="lv-LV" sz="1000" spc="-1" strike="noStrike">
-              <a:latin typeface="Times New Roman"/>
+            <a:endParaRPr b="0" lang="lv-LV" sz="1800" spc="-1" strike="noStrike">
+              <a:latin typeface="Arial"/>
             </a:endParaRPr>
           </a:p>
         </p:txBody>
@@ -3661,14 +3290,14 @@
       </p:grpSpPr>
       <p:sp>
         <p:nvSpPr>
-          <p:cNvPr id="78" name="TextShape 1"/>
-          <p:cNvSpPr txBox="1"/>
+          <p:cNvPr id="76" name="CustomShape 1"/>
+          <p:cNvSpPr/>
           <p:nvPr/>
         </p:nvSpPr>
         <p:spPr>
           <a:xfrm>
             <a:off x="95760" y="744480"/>
-            <a:ext cx="8520120" cy="2052360"/>
+            <a:ext cx="8519760" cy="2052000"/>
           </a:xfrm>
           <a:prstGeom prst="rect">
             <a:avLst/>
@@ -3678,8 +3307,14 @@
             <a:noFill/>
           </a:ln>
         </p:spPr>
-        <p:txBody>
-          <a:bodyPr tIns="91440" bIns="91440" anchor="b">
+        <p:style>
+          <a:lnRef idx="0"/>
+          <a:fillRef idx="0"/>
+          <a:effectRef idx="0"/>
+          <a:fontRef idx="minor"/>
+        </p:style>
+        <p:txBody>
+          <a:bodyPr lIns="90000" rIns="90000" tIns="91440" bIns="91440" anchor="b">
             <a:normAutofit/>
           </a:bodyPr>
           <a:p>
@@ -3699,24 +3334,21 @@
               <a:t>High Load System DB</a:t>
             </a:r>
             <a:endParaRPr b="0" lang="lv-LV" sz="5200" spc="-1" strike="noStrike">
-              <a:solidFill>
-                <a:srgbClr val="000000"/>
-              </a:solidFill>
-              <a:latin typeface="Arial"/>
-            </a:endParaRPr>
-          </a:p>
-        </p:txBody>
-      </p:sp>
-      <p:sp>
-        <p:nvSpPr>
-          <p:cNvPr id="79" name="TextShape 2"/>
-          <p:cNvSpPr txBox="1"/>
+              <a:latin typeface="Arial"/>
+            </a:endParaRPr>
+          </a:p>
+        </p:txBody>
+      </p:sp>
+      <p:sp>
+        <p:nvSpPr>
+          <p:cNvPr id="77" name="CustomShape 2"/>
+          <p:cNvSpPr/>
           <p:nvPr/>
         </p:nvSpPr>
         <p:spPr>
           <a:xfrm>
             <a:off x="311760" y="2834280"/>
-            <a:ext cx="8520120" cy="792360"/>
+            <a:ext cx="8519760" cy="792000"/>
           </a:xfrm>
           <a:prstGeom prst="rect">
             <a:avLst/>
@@ -3726,8 +3358,14 @@
             <a:noFill/>
           </a:ln>
         </p:spPr>
-        <p:txBody>
-          <a:bodyPr tIns="91440" bIns="91440">
+        <p:style>
+          <a:lnRef idx="0"/>
+          <a:fillRef idx="0"/>
+          <a:effectRef idx="0"/>
+          <a:fontRef idx="minor"/>
+        </p:style>
+        <p:txBody>
+          <a:bodyPr lIns="90000" rIns="90000" tIns="91440" bIns="91440">
             <a:normAutofit/>
           </a:bodyPr>
           <a:p>
@@ -3784,14 +3422,14 @@
       </p:grpSpPr>
       <p:sp>
         <p:nvSpPr>
-          <p:cNvPr id="99" name="TextShape 1"/>
-          <p:cNvSpPr txBox="1"/>
+          <p:cNvPr id="98" name="CustomShape 1"/>
+          <p:cNvSpPr/>
           <p:nvPr/>
         </p:nvSpPr>
         <p:spPr>
           <a:xfrm>
-            <a:off x="311760" y="444960"/>
-            <a:ext cx="8520120" cy="572400"/>
+            <a:off x="311760" y="517320"/>
+            <a:ext cx="8519760" cy="427320"/>
           </a:xfrm>
           <a:prstGeom prst="rect">
             <a:avLst/>
@@ -3801,11 +3439,22 @@
             <a:noFill/>
           </a:ln>
         </p:spPr>
+        <p:style>
+          <a:lnRef idx="0"/>
+          <a:fillRef idx="0"/>
+          <a:effectRef idx="0"/>
+          <a:fontRef idx="minor"/>
+        </p:style>
         <p:txBody>
           <a:bodyPr lIns="0" rIns="0" tIns="0" bIns="0" anchor="ctr">
             <a:spAutoFit/>
           </a:bodyPr>
           <a:p>
+            <a:pPr>
+              <a:lnSpc>
+                <a:spcPct val="100000"/>
+              </a:lnSpc>
+            </a:pPr>
             <a:r>
               <a:rPr b="0" lang="lv-LV" sz="2800" spc="-1" strike="noStrike">
                 <a:solidFill>
@@ -3816,24 +3465,21 @@
               <a:t>MySQL data structure.</a:t>
             </a:r>
             <a:endParaRPr b="0" lang="lv-LV" sz="2800" spc="-1" strike="noStrike">
-              <a:solidFill>
-                <a:srgbClr val="000000"/>
-              </a:solidFill>
-              <a:latin typeface="Arial"/>
-            </a:endParaRPr>
-          </a:p>
-        </p:txBody>
-      </p:sp>
-      <p:sp>
-        <p:nvSpPr>
-          <p:cNvPr id="100" name="TextShape 2"/>
-          <p:cNvSpPr txBox="1"/>
+              <a:latin typeface="Arial"/>
+            </a:endParaRPr>
+          </a:p>
+        </p:txBody>
+      </p:sp>
+      <p:sp>
+        <p:nvSpPr>
+          <p:cNvPr id="99" name="CustomShape 2"/>
+          <p:cNvSpPr/>
           <p:nvPr/>
         </p:nvSpPr>
         <p:spPr>
           <a:xfrm>
-            <a:off x="288000" y="1080000"/>
-            <a:ext cx="8520120" cy="3416040"/>
+            <a:off x="311760" y="1152360"/>
+            <a:ext cx="8519760" cy="3415680"/>
           </a:xfrm>
           <a:prstGeom prst="rect">
             <a:avLst/>
@@ -3843,12 +3489,18 @@
             <a:noFill/>
           </a:ln>
         </p:spPr>
+        <p:style>
+          <a:lnRef idx="0"/>
+          <a:fillRef idx="0"/>
+          <a:effectRef idx="0"/>
+          <a:fontRef idx="minor"/>
+        </p:style>
         <p:txBody>
           <a:bodyPr lIns="0" rIns="0" tIns="0" bIns="0">
             <a:normAutofit/>
           </a:bodyPr>
           <a:p>
-            <a:pPr marL="432000" indent="-324000">
+            <a:pPr marL="432000" indent="-323640">
               <a:lnSpc>
                 <a:spcPct val="115000"/>
               </a:lnSpc>
@@ -3870,40 +3522,72 @@
                 <a:latin typeface="Arial"/>
                 <a:ea typeface="Arial"/>
               </a:rPr>
-              <a:t>you describe fields (each field have type and limits on containing value)</a:t>
+              <a:t>Each row reserves maximum field size on drive even if they are null (to jump between rows based on pure math).</a:t>
             </a:r>
             <a:endParaRPr b="0" lang="lv-LV" sz="1800" spc="-1" strike="noStrike">
-              <a:solidFill>
+              <a:latin typeface="Arial"/>
+            </a:endParaRPr>
+          </a:p>
+          <a:p>
+            <a:pPr marL="432000" indent="-323640">
+              <a:lnSpc>
+                <a:spcPct val="115000"/>
+              </a:lnSpc>
+              <a:spcBef>
+                <a:spcPts val="1199"/>
+              </a:spcBef>
+              <a:buClr>
                 <a:srgbClr val="000000"/>
-              </a:solidFill>
-              <a:latin typeface="Arial"/>
-            </a:endParaRPr>
-          </a:p>
-        </p:txBody>
-      </p:sp>
-      <p:pic>
-        <p:nvPicPr>
-          <p:cNvPr id="101" name="" descr=""/>
-          <p:cNvPicPr/>
-          <p:nvPr/>
-        </p:nvPicPr>
-        <p:blipFill>
-          <a:blip r:embed="rId1"/>
-          <a:stretch/>
-        </p:blipFill>
-        <p:spPr>
-          <a:xfrm>
-            <a:off x="2520000" y="1360800"/>
-            <a:ext cx="5951160" cy="3679200"/>
-          </a:xfrm>
-          <a:prstGeom prst="rect">
-            <a:avLst/>
-          </a:prstGeom>
-          <a:ln>
-            <a:noFill/>
-          </a:ln>
-        </p:spPr>
-      </p:pic>
+              </a:buClr>
+              <a:buSzPct val="45000"/>
+              <a:buFont typeface="Wingdings" charset="2"/>
+              <a:buChar char=""/>
+            </a:pPr>
+            <a:r>
+              <a:rPr b="0" lang="lv-LV" sz="1800" spc="-1" strike="noStrike">
+                <a:solidFill>
+                  <a:srgbClr val="595959"/>
+                </a:solidFill>
+                <a:latin typeface="Arial"/>
+                <a:ea typeface="Arial"/>
+              </a:rPr>
+              <a:t>Text Fields are storing Pointer to data that besides out of the table (it is optimal but will slow down on writing and filtering texts).</a:t>
+            </a:r>
+            <a:endParaRPr b="0" lang="lv-LV" sz="1800" spc="-1" strike="noStrike">
+              <a:latin typeface="Arial"/>
+            </a:endParaRPr>
+          </a:p>
+          <a:p>
+            <a:pPr marL="432000" indent="-323640">
+              <a:lnSpc>
+                <a:spcPct val="100000"/>
+              </a:lnSpc>
+              <a:spcBef>
+                <a:spcPts val="1417"/>
+              </a:spcBef>
+              <a:buClr>
+                <a:srgbClr val="000000"/>
+              </a:buClr>
+              <a:buSzPct val="45000"/>
+              <a:buFont typeface="Wingdings" charset="2"/>
+              <a:buChar char=""/>
+            </a:pPr>
+            <a:r>
+              <a:rPr b="0" lang="lv-LV" sz="1800" spc="-1" strike="noStrike">
+                <a:solidFill>
+                  <a:srgbClr val="595959"/>
+                </a:solidFill>
+                <a:latin typeface="Arial"/>
+                <a:ea typeface="Arial"/>
+              </a:rPr>
+              <a:t>Data is pure math. The more Bytes it takes the more time it takes for all operations</a:t>
+            </a:r>
+            <a:endParaRPr b="0" lang="lv-LV" sz="1800" spc="-1" strike="noStrike">
+              <a:latin typeface="Arial"/>
+            </a:endParaRPr>
+          </a:p>
+        </p:txBody>
+      </p:sp>
     </p:spTree>
   </p:cSld>
   <mc:AlternateContent>
@@ -3936,14 +3620,14 @@
       </p:grpSpPr>
       <p:sp>
         <p:nvSpPr>
-          <p:cNvPr id="102" name="TextShape 1"/>
-          <p:cNvSpPr txBox="1"/>
+          <p:cNvPr id="100" name="CustomShape 1"/>
+          <p:cNvSpPr/>
           <p:nvPr/>
         </p:nvSpPr>
         <p:spPr>
           <a:xfrm>
-            <a:off x="311760" y="444960"/>
-            <a:ext cx="8520120" cy="572400"/>
+            <a:off x="311760" y="540000"/>
+            <a:ext cx="8519760" cy="381600"/>
           </a:xfrm>
           <a:prstGeom prst="rect">
             <a:avLst/>
@@ -3953,39 +3637,47 @@
             <a:noFill/>
           </a:ln>
         </p:spPr>
+        <p:style>
+          <a:lnRef idx="0"/>
+          <a:fillRef idx="0"/>
+          <a:effectRef idx="0"/>
+          <a:fontRef idx="minor"/>
+        </p:style>
         <p:txBody>
           <a:bodyPr lIns="0" rIns="0" tIns="0" bIns="0" anchor="ctr">
             <a:spAutoFit/>
           </a:bodyPr>
           <a:p>
-            <a:r>
-              <a:rPr b="0" lang="lv-LV" sz="2800" spc="-1" strike="noStrike">
+            <a:pPr>
+              <a:lnSpc>
+                <a:spcPct val="100000"/>
+              </a:lnSpc>
+            </a:pPr>
+            <a:r>
+              <a:rPr b="0" lang="lv-LV" sz="2500" spc="-1" strike="noStrike">
                 <a:solidFill>
                   <a:srgbClr val="000000"/>
                 </a:solidFill>
                 <a:latin typeface="Arial"/>
               </a:rPr>
-              <a:t>MySQL data structure.</a:t>
-            </a:r>
-            <a:endParaRPr b="0" lang="lv-LV" sz="2800" spc="-1" strike="noStrike">
-              <a:solidFill>
-                <a:srgbClr val="000000"/>
-              </a:solidFill>
-              <a:latin typeface="Arial"/>
-            </a:endParaRPr>
-          </a:p>
-        </p:txBody>
-      </p:sp>
-      <p:sp>
-        <p:nvSpPr>
-          <p:cNvPr id="103" name="TextShape 2"/>
-          <p:cNvSpPr txBox="1"/>
+              <a:t>Indexes</a:t>
+            </a:r>
+            <a:endParaRPr b="0" lang="lv-LV" sz="2500" spc="-1" strike="noStrike">
+              <a:latin typeface="Arial"/>
+            </a:endParaRPr>
+          </a:p>
+        </p:txBody>
+      </p:sp>
+      <p:sp>
+        <p:nvSpPr>
+          <p:cNvPr id="101" name="CustomShape 2"/>
+          <p:cNvSpPr/>
           <p:nvPr/>
         </p:nvSpPr>
         <p:spPr>
           <a:xfrm>
             <a:off x="311760" y="1152360"/>
-            <a:ext cx="8520120" cy="3416040"/>
+            <a:ext cx="8519760" cy="3415680"/>
           </a:xfrm>
           <a:prstGeom prst="rect">
             <a:avLst/>
@@ -3995,12 +3687,18 @@
             <a:noFill/>
           </a:ln>
         </p:spPr>
+        <p:style>
+          <a:lnRef idx="0"/>
+          <a:fillRef idx="0"/>
+          <a:effectRef idx="0"/>
+          <a:fontRef idx="minor"/>
+        </p:style>
         <p:txBody>
           <a:bodyPr lIns="0" rIns="0" tIns="0" bIns="0">
             <a:normAutofit/>
           </a:bodyPr>
           <a:p>
-            <a:pPr marL="432000" indent="-324000">
+            <a:pPr marL="432000" indent="-323640">
               <a:lnSpc>
                 <a:spcPct val="115000"/>
               </a:lnSpc>
@@ -4022,49 +3720,14 @@
                 <a:latin typeface="Arial"/>
                 <a:ea typeface="Arial"/>
               </a:rPr>
-              <a:t>Each row reserves maximum field size on HD even if they are null (to jump between rows based on pure math)</a:t>
+              <a:t>Indexes take time to save and can flood your cache (it may result in deadlock).</a:t>
             </a:r>
             <a:endParaRPr b="0" lang="lv-LV" sz="1800" spc="-1" strike="noStrike">
-              <a:solidFill>
-                <a:srgbClr val="000000"/>
-              </a:solidFill>
-              <a:latin typeface="Arial"/>
-            </a:endParaRPr>
-          </a:p>
-          <a:p>
-            <a:pPr marL="432000" indent="-324000">
-              <a:lnSpc>
-                <a:spcPct val="115000"/>
-              </a:lnSpc>
-              <a:spcBef>
-                <a:spcPts val="1199"/>
-              </a:spcBef>
-              <a:buClr>
-                <a:srgbClr val="000000"/>
-              </a:buClr>
-              <a:buSzPct val="45000"/>
-              <a:buFont typeface="Wingdings" charset="2"/>
-              <a:buChar char=""/>
-            </a:pPr>
-            <a:r>
-              <a:rPr b="0" lang="lv-LV" sz="1800" spc="-1" strike="noStrike">
-                <a:solidFill>
-                  <a:srgbClr val="595959"/>
-                </a:solidFill>
-                <a:latin typeface="Arial"/>
-                <a:ea typeface="Arial"/>
-              </a:rPr>
-              <a:t>Text Fields are storing Pointer to data that besides out of table (it is optimal but will slow down on filtering texts)</a:t>
-            </a:r>
-            <a:endParaRPr b="0" lang="lv-LV" sz="1800" spc="-1" strike="noStrike">
-              <a:solidFill>
-                <a:srgbClr val="000000"/>
-              </a:solidFill>
-              <a:latin typeface="Arial"/>
-            </a:endParaRPr>
-          </a:p>
-          <a:p>
-            <a:pPr marL="432000" indent="-324000">
+              <a:latin typeface="Arial"/>
+            </a:endParaRPr>
+          </a:p>
+          <a:p>
+            <a:pPr marL="432000" indent="-323640">
               <a:lnSpc>
                 <a:spcPct val="100000"/>
               </a:lnSpc>
@@ -4086,17 +3749,37 @@
                 <a:latin typeface="Arial"/>
                 <a:ea typeface="Arial"/>
               </a:rPr>
-              <a:t>Data is pure math the more Bytes it takes the more time it makes for all operations</a:t>
+              <a:t>Indexes could be sorted.</a:t>
             </a:r>
             <a:endParaRPr b="0" lang="lv-LV" sz="1800" spc="-1" strike="noStrike">
-              <a:solidFill>
-                <a:srgbClr val="000000"/>
-              </a:solidFill>
-              <a:latin typeface="Arial"/>
-            </a:endParaRPr>
-          </a:p>
-        </p:txBody>
-      </p:sp>
+              <a:latin typeface="Arial"/>
+            </a:endParaRPr>
+          </a:p>
+        </p:txBody>
+      </p:sp>
+      <p:pic>
+        <p:nvPicPr>
+          <p:cNvPr id="102" name="" descr=""/>
+          <p:cNvPicPr/>
+          <p:nvPr/>
+        </p:nvPicPr>
+        <p:blipFill>
+          <a:blip r:embed="rId1"/>
+          <a:stretch/>
+        </p:blipFill>
+        <p:spPr>
+          <a:xfrm>
+            <a:off x="4104000" y="1609920"/>
+            <a:ext cx="3039840" cy="3069720"/>
+          </a:xfrm>
+          <a:prstGeom prst="rect">
+            <a:avLst/>
+          </a:prstGeom>
+          <a:ln>
+            <a:noFill/>
+          </a:ln>
+        </p:spPr>
+      </p:pic>
     </p:spTree>
   </p:cSld>
   <mc:AlternateContent>
@@ -4129,14 +3812,14 @@
       </p:grpSpPr>
       <p:sp>
         <p:nvSpPr>
-          <p:cNvPr id="104" name="TextShape 1"/>
-          <p:cNvSpPr txBox="1"/>
+          <p:cNvPr id="103" name="CustomShape 1"/>
+          <p:cNvSpPr/>
           <p:nvPr/>
         </p:nvSpPr>
         <p:spPr>
           <a:xfrm>
             <a:off x="311760" y="444960"/>
-            <a:ext cx="8520120" cy="572400"/>
+            <a:ext cx="8519760" cy="572040"/>
           </a:xfrm>
           <a:prstGeom prst="rect">
             <a:avLst/>
@@ -4146,39 +3829,48 @@
             <a:noFill/>
           </a:ln>
         </p:spPr>
-        <p:txBody>
-          <a:bodyPr lIns="0" rIns="0" tIns="0" bIns="0" anchor="ctr">
-            <a:spAutoFit/>
-          </a:bodyPr>
-          <a:p>
-            <a:r>
-              <a:rPr b="0" lang="lv-LV" sz="2500" spc="-1" strike="noStrike">
+        <p:style>
+          <a:lnRef idx="0"/>
+          <a:fillRef idx="0"/>
+          <a:effectRef idx="0"/>
+          <a:fontRef idx="minor"/>
+        </p:style>
+        <p:txBody>
+          <a:bodyPr lIns="90000" rIns="90000" tIns="91440" bIns="91440">
+            <a:normAutofit fontScale="97000"/>
+          </a:bodyPr>
+          <a:p>
+            <a:pPr>
+              <a:lnSpc>
+                <a:spcPct val="100000"/>
+              </a:lnSpc>
+            </a:pPr>
+            <a:r>
+              <a:rPr b="0" lang="lv-LV" sz="2800" spc="-1" strike="noStrike">
                 <a:solidFill>
                   <a:srgbClr val="000000"/>
                 </a:solidFill>
                 <a:latin typeface="Arial"/>
-              </a:rPr>
-              <a:t>Indexes</a:t>
-            </a:r>
-            <a:endParaRPr b="0" lang="lv-LV" sz="2500" spc="-1" strike="noStrike">
-              <a:solidFill>
-                <a:srgbClr val="000000"/>
-              </a:solidFill>
-              <a:latin typeface="Arial"/>
-            </a:endParaRPr>
-          </a:p>
-        </p:txBody>
-      </p:sp>
-      <p:sp>
-        <p:nvSpPr>
-          <p:cNvPr id="105" name="TextShape 2"/>
-          <p:cNvSpPr txBox="1"/>
+                <a:ea typeface="Arial"/>
+              </a:rPr>
+              <a:t>Useful Functions for debugging.</a:t>
+            </a:r>
+            <a:endParaRPr b="0" lang="lv-LV" sz="2800" spc="-1" strike="noStrike">
+              <a:latin typeface="Arial"/>
+            </a:endParaRPr>
+          </a:p>
+        </p:txBody>
+      </p:sp>
+      <p:sp>
+        <p:nvSpPr>
+          <p:cNvPr id="104" name="CustomShape 2"/>
+          <p:cNvSpPr/>
           <p:nvPr/>
         </p:nvSpPr>
         <p:spPr>
           <a:xfrm>
             <a:off x="311760" y="1152360"/>
-            <a:ext cx="8520120" cy="3416040"/>
+            <a:ext cx="8519760" cy="3415680"/>
           </a:xfrm>
           <a:prstGeom prst="rect">
             <a:avLst/>
@@ -4188,24 +3880,21 @@
             <a:noFill/>
           </a:ln>
         </p:spPr>
-        <p:txBody>
-          <a:bodyPr lIns="0" rIns="0" tIns="0" bIns="0">
-            <a:normAutofit/>
-          </a:bodyPr>
-          <a:p>
-            <a:pPr marL="432000" indent="-324000">
+        <p:style>
+          <a:lnRef idx="0"/>
+          <a:fillRef idx="0"/>
+          <a:effectRef idx="0"/>
+          <a:fontRef idx="minor"/>
+        </p:style>
+        <p:txBody>
+          <a:bodyPr lIns="90000" rIns="90000" tIns="91440" bIns="91440">
+            <a:normAutofit fontScale="97000"/>
+          </a:bodyPr>
+          <a:p>
+            <a:pPr>
               <a:lnSpc>
                 <a:spcPct val="115000"/>
               </a:lnSpc>
-              <a:spcBef>
-                <a:spcPts val="1199"/>
-              </a:spcBef>
-              <a:buClr>
-                <a:srgbClr val="000000"/>
-              </a:buClr>
-              <a:buSzPct val="45000"/>
-              <a:buFont typeface="Wingdings" charset="2"/>
-              <a:buChar char=""/>
             </a:pPr>
             <a:r>
               <a:rPr b="0" lang="lv-LV" sz="1800" spc="-1" strike="noStrike">
@@ -4215,26 +3904,27 @@
                 <a:latin typeface="Arial"/>
                 <a:ea typeface="Arial"/>
               </a:rPr>
-              <a:t>Indexes takes time to save and can flood your cache (it may result as deadlocks)</a:t>
+              <a:t>SQL usually has multiple ways to debug the application. I may not name everything, but I will touch the best ones.</a:t>
             </a:r>
             <a:endParaRPr b="0" lang="lv-LV" sz="1800" spc="-1" strike="noStrike">
-              <a:solidFill>
-                <a:srgbClr val="000000"/>
-              </a:solidFill>
-              <a:latin typeface="Arial"/>
-            </a:endParaRPr>
-          </a:p>
-          <a:p>
-            <a:pPr marL="432000" indent="-324000">
-              <a:spcBef>
-                <a:spcPts val="1417"/>
-              </a:spcBef>
-              <a:buClr>
-                <a:srgbClr val="000000"/>
-              </a:buClr>
-              <a:buSzPct val="45000"/>
-              <a:buFont typeface="Wingdings" charset="2"/>
-              <a:buChar char=""/>
+              <a:latin typeface="Arial"/>
+            </a:endParaRPr>
+          </a:p>
+          <a:p>
+            <a:pPr>
+              <a:lnSpc>
+                <a:spcPct val="115000"/>
+              </a:lnSpc>
+            </a:pPr>
+            <a:endParaRPr b="0" lang="lv-LV" sz="1800" spc="-1" strike="noStrike">
+              <a:latin typeface="Arial"/>
+            </a:endParaRPr>
+          </a:p>
+          <a:p>
+            <a:pPr>
+              <a:lnSpc>
+                <a:spcPct val="115000"/>
+              </a:lnSpc>
             </a:pPr>
             <a:r>
               <a:rPr b="0" lang="lv-LV" sz="1800" spc="-1" strike="noStrike">
@@ -4244,40 +3934,94 @@
                 <a:latin typeface="Arial"/>
                 <a:ea typeface="Arial"/>
               </a:rPr>
-              <a:t>Indexes should be sorted.</a:t>
+              <a:t>1. Explain Analyze (Query here)</a:t>
             </a:r>
             <a:endParaRPr b="0" lang="lv-LV" sz="1800" spc="-1" strike="noStrike">
-              <a:solidFill>
-                <a:srgbClr val="000000"/>
-              </a:solidFill>
-              <a:latin typeface="Arial"/>
-            </a:endParaRPr>
-          </a:p>
-        </p:txBody>
-      </p:sp>
-      <p:pic>
-        <p:nvPicPr>
-          <p:cNvPr id="106" name="" descr=""/>
-          <p:cNvPicPr/>
-          <p:nvPr/>
-        </p:nvPicPr>
-        <p:blipFill>
-          <a:blip r:embed="rId1"/>
-          <a:stretch/>
-        </p:blipFill>
-        <p:spPr>
-          <a:xfrm>
-            <a:off x="4104000" y="1609920"/>
-            <a:ext cx="3040200" cy="3070080"/>
-          </a:xfrm>
-          <a:prstGeom prst="rect">
-            <a:avLst/>
-          </a:prstGeom>
-          <a:ln>
-            <a:noFill/>
-          </a:ln>
-        </p:spPr>
-      </p:pic>
+              <a:latin typeface="Arial"/>
+            </a:endParaRPr>
+          </a:p>
+          <a:p>
+            <a:pPr>
+              <a:lnSpc>
+                <a:spcPct val="115000"/>
+              </a:lnSpc>
+            </a:pPr>
+            <a:r>
+              <a:rPr b="0" lang="lv-LV" sz="1800" spc="-1" strike="noStrike">
+                <a:solidFill>
+                  <a:srgbClr val="595959"/>
+                </a:solidFill>
+                <a:latin typeface="Arial"/>
+                <a:ea typeface="Arial"/>
+              </a:rPr>
+              <a:t>2. SHOW PROCESSLIST.</a:t>
+            </a:r>
+            <a:endParaRPr b="0" lang="lv-LV" sz="1800" spc="-1" strike="noStrike">
+              <a:latin typeface="Arial"/>
+            </a:endParaRPr>
+          </a:p>
+          <a:p>
+            <a:pPr>
+              <a:lnSpc>
+                <a:spcPct val="115000"/>
+              </a:lnSpc>
+            </a:pPr>
+            <a:r>
+              <a:rPr b="0" lang="lv-LV" sz="1800" spc="-1" strike="noStrike">
+                <a:solidFill>
+                  <a:srgbClr val="595959"/>
+                </a:solidFill>
+                <a:latin typeface="Arial"/>
+                <a:ea typeface="Arial"/>
+              </a:rPr>
+              <a:t>3. slow_query_log = 1 // best to log all queries (5-10 minutes) than group analyze total execution time</a:t>
+            </a:r>
+            <a:endParaRPr b="0" lang="lv-LV" sz="1800" spc="-1" strike="noStrike">
+              <a:latin typeface="Arial"/>
+            </a:endParaRPr>
+          </a:p>
+          <a:p>
+            <a:pPr>
+              <a:lnSpc>
+                <a:spcPct val="115000"/>
+              </a:lnSpc>
+            </a:pPr>
+            <a:r>
+              <a:rPr b="0" lang="lv-LV" sz="1800" spc="-1" strike="noStrike">
+                <a:solidFill>
+                  <a:srgbClr val="595959"/>
+                </a:solidFill>
+                <a:latin typeface="Arial"/>
+                <a:ea typeface="Arial"/>
+              </a:rPr>
+              <a:t>4. KILL PROCESSID (to identify deadlocked parent, usually the oldest one but not always.)</a:t>
+            </a:r>
+            <a:endParaRPr b="0" lang="lv-LV" sz="1800" spc="-1" strike="noStrike">
+              <a:latin typeface="Arial"/>
+            </a:endParaRPr>
+          </a:p>
+          <a:p>
+            <a:pPr>
+              <a:lnSpc>
+                <a:spcPct val="115000"/>
+              </a:lnSpc>
+            </a:pPr>
+            <a:r>
+              <a:rPr b="0" lang="lv-LV" sz="1800" spc="-1" strike="noStrike">
+                <a:solidFill>
+                  <a:srgbClr val="595959"/>
+                </a:solidFill>
+                <a:latin typeface="Arial"/>
+                <a:ea typeface="Arial"/>
+              </a:rPr>
+              <a:t>5. Usually low resources can lead to deadlocks (waiting for the cache to get free, so resource analysis like top can be good also)</a:t>
+            </a:r>
+            <a:endParaRPr b="0" lang="lv-LV" sz="1800" spc="-1" strike="noStrike">
+              <a:latin typeface="Arial"/>
+            </a:endParaRPr>
+          </a:p>
+        </p:txBody>
+      </p:sp>
     </p:spTree>
   </p:cSld>
   <mc:AlternateContent>
@@ -4310,14 +4054,14 @@
       </p:grpSpPr>
       <p:sp>
         <p:nvSpPr>
-          <p:cNvPr id="107" name="TextShape 1"/>
-          <p:cNvSpPr txBox="1"/>
+          <p:cNvPr id="105" name="CustomShape 1"/>
+          <p:cNvSpPr/>
           <p:nvPr/>
         </p:nvSpPr>
         <p:spPr>
           <a:xfrm>
             <a:off x="311760" y="444960"/>
-            <a:ext cx="8520120" cy="572400"/>
+            <a:ext cx="8519760" cy="572040"/>
           </a:xfrm>
           <a:prstGeom prst="rect">
             <a:avLst/>
@@ -4327,8 +4071,14 @@
             <a:noFill/>
           </a:ln>
         </p:spPr>
-        <p:txBody>
-          <a:bodyPr tIns="91440" bIns="91440">
+        <p:style>
+          <a:lnRef idx="0"/>
+          <a:fillRef idx="0"/>
+          <a:effectRef idx="0"/>
+          <a:fontRef idx="minor"/>
+        </p:style>
+        <p:txBody>
+          <a:bodyPr lIns="90000" rIns="90000" tIns="91440" bIns="91440">
             <a:normAutofit fontScale="97000"/>
           </a:bodyPr>
           <a:p>
@@ -4345,27 +4095,24 @@
                 <a:latin typeface="Arial"/>
                 <a:ea typeface="Arial"/>
               </a:rPr>
-              <a:t>Useful Functions for debugging.</a:t>
+              <a:t>How you could optimize something ?</a:t>
             </a:r>
             <a:endParaRPr b="0" lang="lv-LV" sz="2800" spc="-1" strike="noStrike">
-              <a:solidFill>
-                <a:srgbClr val="000000"/>
-              </a:solidFill>
-              <a:latin typeface="Arial"/>
-            </a:endParaRPr>
-          </a:p>
-        </p:txBody>
-      </p:sp>
-      <p:sp>
-        <p:nvSpPr>
-          <p:cNvPr id="108" name="TextShape 2"/>
-          <p:cNvSpPr txBox="1"/>
+              <a:latin typeface="Arial"/>
+            </a:endParaRPr>
+          </a:p>
+        </p:txBody>
+      </p:sp>
+      <p:sp>
+        <p:nvSpPr>
+          <p:cNvPr id="106" name="CustomShape 2"/>
+          <p:cNvSpPr/>
           <p:nvPr/>
         </p:nvSpPr>
         <p:spPr>
           <a:xfrm>
             <a:off x="311760" y="1152360"/>
-            <a:ext cx="8520120" cy="3416040"/>
+            <a:ext cx="8519760" cy="3415680"/>
           </a:xfrm>
           <a:prstGeom prst="rect">
             <a:avLst/>
@@ -4375,9 +4122,15 @@
             <a:noFill/>
           </a:ln>
         </p:spPr>
-        <p:txBody>
-          <a:bodyPr tIns="91440" bIns="91440">
-            <a:normAutofit fontScale="67000"/>
+        <p:style>
+          <a:lnRef idx="0"/>
+          <a:fillRef idx="0"/>
+          <a:effectRef idx="0"/>
+          <a:fontRef idx="minor"/>
+        </p:style>
+        <p:txBody>
+          <a:bodyPr lIns="90000" rIns="90000" tIns="91440" bIns="91440">
+            <a:normAutofit/>
           </a:bodyPr>
           <a:p>
             <a:pPr>
@@ -4393,12 +4146,9 @@
                 <a:latin typeface="Arial"/>
                 <a:ea typeface="Arial"/>
               </a:rPr>
-              <a:t>SQL usually have multiple ways to debug the application I may not name all but I will touch best ones.</a:t>
+              <a:t>1. The most common and probably the best hotfix is caching results and resetting on change.</a:t>
             </a:r>
             <a:endParaRPr b="0" lang="lv-LV" sz="1800" spc="-1" strike="noStrike">
-              <a:solidFill>
-                <a:srgbClr val="000000"/>
-              </a:solidFill>
               <a:latin typeface="Arial"/>
             </a:endParaRPr>
           </a:p>
@@ -4407,14 +4157,18 @@
               <a:lnSpc>
                 <a:spcPct val="115000"/>
               </a:lnSpc>
-              <a:spcBef>
-                <a:spcPts val="1199"/>
-              </a:spcBef>
-            </a:pPr>
+            </a:pPr>
+            <a:r>
+              <a:rPr b="0" lang="lv-LV" sz="1800" spc="-1" strike="noStrike">
+                <a:solidFill>
+                  <a:srgbClr val="595959"/>
+                </a:solidFill>
+                <a:latin typeface="Arial"/>
+                <a:ea typeface="Arial"/>
+              </a:rPr>
+              <a:t>2. Templates</a:t>
+            </a:r>
             <a:endParaRPr b="0" lang="lv-LV" sz="1800" spc="-1" strike="noStrike">
-              <a:solidFill>
-                <a:srgbClr val="000000"/>
-              </a:solidFill>
               <a:latin typeface="Arial"/>
             </a:endParaRPr>
           </a:p>
@@ -4423,9 +4177,6 @@
               <a:lnSpc>
                 <a:spcPct val="115000"/>
               </a:lnSpc>
-              <a:spcBef>
-                <a:spcPts val="1199"/>
-              </a:spcBef>
             </a:pPr>
             <a:r>
               <a:rPr b="0" lang="lv-LV" sz="1800" spc="-1" strike="noStrike">
@@ -4435,12 +4186,9 @@
                 <a:latin typeface="Arial"/>
                 <a:ea typeface="Arial"/>
               </a:rPr>
-              <a:t>1. Explain Analyze (Query here)</a:t>
+              <a:t>3. Create Aggregation tables on complex grouping logic tables (Full Table Scan)</a:t>
             </a:r>
             <a:endParaRPr b="0" lang="lv-LV" sz="1800" spc="-1" strike="noStrike">
-              <a:solidFill>
-                <a:srgbClr val="000000"/>
-              </a:solidFill>
               <a:latin typeface="Arial"/>
             </a:endParaRPr>
           </a:p>
@@ -4449,9 +4197,6 @@
               <a:lnSpc>
                 <a:spcPct val="115000"/>
               </a:lnSpc>
-              <a:spcBef>
-                <a:spcPts val="1199"/>
-              </a:spcBef>
             </a:pPr>
             <a:r>
               <a:rPr b="0" lang="lv-LV" sz="1800" spc="-1" strike="noStrike">
@@ -4461,98 +4206,37 @@
                 <a:latin typeface="Arial"/>
                 <a:ea typeface="Arial"/>
               </a:rPr>
-              <a:t>2. SHOW PROCESSLIST.</a:t>
+              <a:t>4. Insertion (Batches. Transactions.)</a:t>
             </a:r>
             <a:endParaRPr b="0" lang="lv-LV" sz="1800" spc="-1" strike="noStrike">
-              <a:solidFill>
-                <a:srgbClr val="000000"/>
-              </a:solidFill>
-              <a:latin typeface="Arial"/>
-            </a:endParaRPr>
-          </a:p>
-          <a:p>
-            <a:pPr>
-              <a:lnSpc>
-                <a:spcPct val="115000"/>
-              </a:lnSpc>
-              <a:spcBef>
-                <a:spcPts val="1199"/>
-              </a:spcBef>
-            </a:pPr>
-            <a:r>
-              <a:rPr b="0" lang="lv-LV" sz="1800" spc="-1" strike="noStrike">
-                <a:solidFill>
-                  <a:srgbClr val="595959"/>
-                </a:solidFill>
-                <a:latin typeface="Arial"/>
-                <a:ea typeface="Arial"/>
-              </a:rPr>
-              <a:t>3. slow_query_log = 1 // best to log all queries (5-10 minutes) than group analyze total execution time</a:t>
-            </a:r>
-            <a:endParaRPr b="0" lang="lv-LV" sz="1800" spc="-1" strike="noStrike">
-              <a:solidFill>
-                <a:srgbClr val="000000"/>
-              </a:solidFill>
-              <a:latin typeface="Arial"/>
-            </a:endParaRPr>
-          </a:p>
-          <a:p>
-            <a:pPr>
-              <a:lnSpc>
-                <a:spcPct val="115000"/>
-              </a:lnSpc>
-              <a:spcBef>
-                <a:spcPts val="1199"/>
-              </a:spcBef>
-            </a:pPr>
-            <a:r>
-              <a:rPr b="0" lang="lv-LV" sz="1800" spc="-1" strike="noStrike">
-                <a:solidFill>
-                  <a:srgbClr val="595959"/>
-                </a:solidFill>
-                <a:latin typeface="Arial"/>
-                <a:ea typeface="Arial"/>
-              </a:rPr>
-              <a:t>4. KILL PROCESSID (to identify deadlock parent usually oldest one but not always.)</a:t>
-            </a:r>
-            <a:endParaRPr b="0" lang="lv-LV" sz="1800" spc="-1" strike="noStrike">
-              <a:solidFill>
-                <a:srgbClr val="000000"/>
-              </a:solidFill>
-              <a:latin typeface="Arial"/>
-            </a:endParaRPr>
-          </a:p>
-          <a:p>
-            <a:pPr>
-              <a:lnSpc>
-                <a:spcPct val="115000"/>
-              </a:lnSpc>
-              <a:spcBef>
-                <a:spcPts val="1199"/>
-              </a:spcBef>
-              <a:spcAft>
-                <a:spcPts val="1199"/>
-              </a:spcAft>
-            </a:pPr>
-            <a:r>
-              <a:rPr b="0" lang="lv-LV" sz="1800" spc="-1" strike="noStrike">
-                <a:solidFill>
-                  <a:srgbClr val="595959"/>
-                </a:solidFill>
-                <a:latin typeface="Arial"/>
-                <a:ea typeface="Arial"/>
-              </a:rPr>
-              <a:t>5. Usually low resources can lead to deadlocks (waiting for cache to get free. so resource analyze like top can be good also)</a:t>
-            </a:r>
-            <a:endParaRPr b="0" lang="lv-LV" sz="1800" spc="-1" strike="noStrike">
-              <a:solidFill>
-                <a:srgbClr val="000000"/>
-              </a:solidFill>
-              <a:latin typeface="Arial"/>
-            </a:endParaRPr>
-          </a:p>
-        </p:txBody>
-      </p:sp>
+              <a:latin typeface="Arial"/>
+            </a:endParaRPr>
+          </a:p>
+        </p:txBody>
+      </p:sp>
+      <p:pic>
+        <p:nvPicPr>
+          <p:cNvPr id="107" name="" descr=""/>
+          <p:cNvPicPr/>
+          <p:nvPr/>
+        </p:nvPicPr>
+        <p:blipFill>
+          <a:blip r:embed="rId1"/>
+          <a:stretch/>
+        </p:blipFill>
+        <p:spPr>
+          <a:xfrm>
+            <a:off x="4955760" y="3024000"/>
+            <a:ext cx="2675880" cy="1494720"/>
+          </a:xfrm>
+          <a:prstGeom prst="rect">
+            <a:avLst/>
+          </a:prstGeom>
+          <a:ln>
+            <a:noFill/>
+          </a:ln>
+        </p:spPr>
+      </p:pic>
     </p:spTree>
   </p:cSld>
   <mc:AlternateContent>
@@ -4585,14 +4269,14 @@
       </p:grpSpPr>
       <p:sp>
         <p:nvSpPr>
-          <p:cNvPr id="109" name="TextShape 1"/>
-          <p:cNvSpPr txBox="1"/>
+          <p:cNvPr id="108" name="CustomShape 1"/>
+          <p:cNvSpPr/>
           <p:nvPr/>
         </p:nvSpPr>
         <p:spPr>
           <a:xfrm>
             <a:off x="311760" y="444960"/>
-            <a:ext cx="8520120" cy="572400"/>
+            <a:ext cx="8519760" cy="572040"/>
           </a:xfrm>
           <a:prstGeom prst="rect">
             <a:avLst/>
@@ -4602,9 +4286,15 @@
             <a:noFill/>
           </a:ln>
         </p:spPr>
-        <p:txBody>
-          <a:bodyPr tIns="91440" bIns="91440">
-            <a:normAutofit fontScale="97000"/>
+        <p:style>
+          <a:lnRef idx="0"/>
+          <a:fillRef idx="0"/>
+          <a:effectRef idx="0"/>
+          <a:fontRef idx="minor"/>
+        </p:style>
+        <p:txBody>
+          <a:bodyPr lIns="90000" rIns="90000" tIns="91440" bIns="91440">
+            <a:normAutofit fontScale="34000"/>
           </a:bodyPr>
           <a:p>
             <a:pPr>
@@ -4620,27 +4310,24 @@
                 <a:latin typeface="Arial"/>
                 <a:ea typeface="Arial"/>
               </a:rPr>
-              <a:t>How you could optimize something ?</a:t>
+              <a:t>Use of CRC32  for (varchar // text). Search optimization</a:t>
             </a:r>
             <a:endParaRPr b="0" lang="lv-LV" sz="2800" spc="-1" strike="noStrike">
-              <a:solidFill>
-                <a:srgbClr val="000000"/>
-              </a:solidFill>
-              <a:latin typeface="Arial"/>
-            </a:endParaRPr>
-          </a:p>
-        </p:txBody>
-      </p:sp>
-      <p:sp>
-        <p:nvSpPr>
-          <p:cNvPr id="110" name="TextShape 2"/>
-          <p:cNvSpPr txBox="1"/>
+              <a:latin typeface="Arial"/>
+            </a:endParaRPr>
+          </a:p>
+        </p:txBody>
+      </p:sp>
+      <p:sp>
+        <p:nvSpPr>
+          <p:cNvPr id="109" name="CustomShape 2"/>
+          <p:cNvSpPr/>
           <p:nvPr/>
         </p:nvSpPr>
         <p:spPr>
           <a:xfrm>
             <a:off x="311760" y="1152360"/>
-            <a:ext cx="8520120" cy="3416040"/>
+            <a:ext cx="8519760" cy="3415680"/>
           </a:xfrm>
           <a:prstGeom prst="rect">
             <a:avLst/>
@@ -4650,119 +4337,16 @@
             <a:noFill/>
           </a:ln>
         </p:spPr>
-        <p:txBody>
-          <a:bodyPr tIns="91440" bIns="91440">
-            <a:normAutofit/>
-          </a:bodyPr>
-          <a:p>
-            <a:pPr>
-              <a:lnSpc>
-                <a:spcPct val="115000"/>
-              </a:lnSpc>
-            </a:pPr>
-            <a:r>
-              <a:rPr b="0" lang="lv-LV" sz="1800" spc="-1" strike="noStrike">
-                <a:solidFill>
-                  <a:srgbClr val="595959"/>
-                </a:solidFill>
-                <a:latin typeface="Arial"/>
-                <a:ea typeface="Arial"/>
-              </a:rPr>
-              <a:t>1. Most common and probably best hotfix is caching results and resetting on change</a:t>
-            </a:r>
-            <a:endParaRPr b="0" lang="lv-LV" sz="1800" spc="-1" strike="noStrike">
-              <a:solidFill>
-                <a:srgbClr val="000000"/>
-              </a:solidFill>
-              <a:latin typeface="Arial"/>
-            </a:endParaRPr>
-          </a:p>
-          <a:p>
-            <a:pPr>
-              <a:lnSpc>
-                <a:spcPct val="115000"/>
-              </a:lnSpc>
-              <a:spcBef>
-                <a:spcPts val="1199"/>
-              </a:spcBef>
-            </a:pPr>
-            <a:r>
-              <a:rPr b="0" lang="lv-LV" sz="1800" spc="-1" strike="noStrike">
-                <a:solidFill>
-                  <a:srgbClr val="595959"/>
-                </a:solidFill>
-                <a:latin typeface="Arial"/>
-                <a:ea typeface="Arial"/>
-              </a:rPr>
-              <a:t>2. Templates</a:t>
-            </a:r>
-            <a:endParaRPr b="0" lang="lv-LV" sz="1800" spc="-1" strike="noStrike">
-              <a:solidFill>
-                <a:srgbClr val="000000"/>
-              </a:solidFill>
-              <a:latin typeface="Arial"/>
-            </a:endParaRPr>
-          </a:p>
-          <a:p>
-            <a:pPr>
-              <a:lnSpc>
-                <a:spcPct val="115000"/>
-              </a:lnSpc>
-              <a:spcBef>
-                <a:spcPts val="1199"/>
-              </a:spcBef>
-            </a:pPr>
-            <a:r>
-              <a:rPr b="0" lang="lv-LV" sz="1800" spc="-1" strike="noStrike">
-                <a:solidFill>
-                  <a:srgbClr val="595959"/>
-                </a:solidFill>
-                <a:latin typeface="Arial"/>
-                <a:ea typeface="Arial"/>
-              </a:rPr>
-              <a:t>3. Create Agregation tables on complex grouping logic tables (Full Table Scan)</a:t>
-            </a:r>
-            <a:endParaRPr b="0" lang="lv-LV" sz="1800" spc="-1" strike="noStrike">
-              <a:solidFill>
-                <a:srgbClr val="000000"/>
-              </a:solidFill>
-              <a:latin typeface="Arial"/>
-            </a:endParaRPr>
-          </a:p>
-          <a:p>
-            <a:pPr>
-              <a:lnSpc>
-                <a:spcPct val="115000"/>
-              </a:lnSpc>
-              <a:spcBef>
-                <a:spcPts val="1199"/>
-              </a:spcBef>
-              <a:spcAft>
-                <a:spcPts val="1199"/>
-              </a:spcAft>
-            </a:pPr>
-            <a:r>
-              <a:rPr b="0" lang="lv-LV" sz="1800" spc="-1" strike="noStrike">
-                <a:solidFill>
-                  <a:srgbClr val="595959"/>
-                </a:solidFill>
-                <a:latin typeface="Arial"/>
-                <a:ea typeface="Arial"/>
-              </a:rPr>
-              <a:t>4. Insertion (Batches. Transactions.)</a:t>
-            </a:r>
-            <a:endParaRPr b="0" lang="lv-LV" sz="1800" spc="-1" strike="noStrike">
-              <a:solidFill>
-                <a:srgbClr val="000000"/>
-              </a:solidFill>
-              <a:latin typeface="Arial"/>
-            </a:endParaRPr>
-          </a:p>
-        </p:txBody>
+        <p:style>
+          <a:lnRef idx="0"/>
+          <a:fillRef idx="0"/>
+          <a:effectRef idx="0"/>
+          <a:fontRef idx="minor"/>
+        </p:style>
       </p:sp>
       <p:pic>
         <p:nvPicPr>
-          <p:cNvPr id="111" name="" descr=""/>
+          <p:cNvPr id="110" name="Google Shape;110;p22" descr=""/>
           <p:cNvPicPr/>
           <p:nvPr/>
         </p:nvPicPr>
@@ -4772,8 +4356,31 @@
         </p:blipFill>
         <p:spPr>
           <a:xfrm>
-            <a:off x="4955760" y="3024000"/>
-            <a:ext cx="2676240" cy="1495080"/>
+            <a:off x="311760" y="944640"/>
+            <a:ext cx="7422840" cy="1863000"/>
+          </a:xfrm>
+          <a:prstGeom prst="rect">
+            <a:avLst/>
+          </a:prstGeom>
+          <a:ln>
+            <a:noFill/>
+          </a:ln>
+        </p:spPr>
+      </p:pic>
+      <p:pic>
+        <p:nvPicPr>
+          <p:cNvPr id="111" name="Google Shape;111;p22" descr=""/>
+          <p:cNvPicPr/>
+          <p:nvPr/>
+        </p:nvPicPr>
+        <p:blipFill>
+          <a:blip r:embed="rId2"/>
+          <a:stretch/>
+        </p:blipFill>
+        <p:spPr>
+          <a:xfrm>
+            <a:off x="311760" y="2808000"/>
+            <a:ext cx="6887880" cy="2772000"/>
           </a:xfrm>
           <a:prstGeom prst="rect">
             <a:avLst/>
@@ -4815,14 +4422,14 @@
       </p:grpSpPr>
       <p:sp>
         <p:nvSpPr>
-          <p:cNvPr id="112" name="TextShape 1"/>
-          <p:cNvSpPr txBox="1"/>
+          <p:cNvPr id="112" name="CustomShape 1"/>
+          <p:cNvSpPr/>
           <p:nvPr/>
         </p:nvSpPr>
         <p:spPr>
           <a:xfrm>
             <a:off x="311760" y="444960"/>
-            <a:ext cx="8520120" cy="572400"/>
+            <a:ext cx="8519760" cy="572040"/>
           </a:xfrm>
           <a:prstGeom prst="rect">
             <a:avLst/>
@@ -4832,8 +4439,14 @@
             <a:noFill/>
           </a:ln>
         </p:spPr>
-        <p:txBody>
-          <a:bodyPr tIns="91440" bIns="91440">
+        <p:style>
+          <a:lnRef idx="0"/>
+          <a:fillRef idx="0"/>
+          <a:effectRef idx="0"/>
+          <a:fontRef idx="minor"/>
+        </p:style>
+        <p:txBody>
+          <a:bodyPr lIns="90000" rIns="90000" tIns="91440" bIns="91440">
             <a:normAutofit fontScale="97000"/>
           </a:bodyPr>
           <a:p>
@@ -4850,27 +4463,24 @@
                 <a:latin typeface="Arial"/>
                 <a:ea typeface="Arial"/>
               </a:rPr>
-              <a:t>CRC32  string // text Optimization</a:t>
+              <a:t>Slow Query</a:t>
             </a:r>
             <a:endParaRPr b="0" lang="lv-LV" sz="2800" spc="-1" strike="noStrike">
-              <a:solidFill>
-                <a:srgbClr val="000000"/>
-              </a:solidFill>
-              <a:latin typeface="Arial"/>
-            </a:endParaRPr>
-          </a:p>
-        </p:txBody>
-      </p:sp>
-      <p:sp>
-        <p:nvSpPr>
-          <p:cNvPr id="113" name="TextShape 2"/>
-          <p:cNvSpPr txBox="1"/>
+              <a:latin typeface="Arial"/>
+            </a:endParaRPr>
+          </a:p>
+        </p:txBody>
+      </p:sp>
+      <p:sp>
+        <p:nvSpPr>
+          <p:cNvPr id="113" name="CustomShape 2"/>
+          <p:cNvSpPr/>
           <p:nvPr/>
         </p:nvSpPr>
         <p:spPr>
           <a:xfrm>
             <a:off x="311760" y="1152360"/>
-            <a:ext cx="8520120" cy="3416040"/>
+            <a:ext cx="8519760" cy="3415680"/>
           </a:xfrm>
           <a:prstGeom prst="rect">
             <a:avLst/>
@@ -4880,23 +4490,16 @@
             <a:noFill/>
           </a:ln>
         </p:spPr>
-        <p:txBody>
-          <a:bodyPr tIns="91440" bIns="91440">
-            <a:normAutofit/>
-          </a:bodyPr>
-          <a:p>
-            <a:endParaRPr b="0" lang="lv-LV" sz="1400" spc="-1" strike="noStrike">
-              <a:solidFill>
-                <a:srgbClr val="000000"/>
-              </a:solidFill>
-              <a:latin typeface="Arial"/>
-            </a:endParaRPr>
-          </a:p>
-        </p:txBody>
+        <p:style>
+          <a:lnRef idx="0"/>
+          <a:fillRef idx="0"/>
+          <a:effectRef idx="0"/>
+          <a:fontRef idx="minor"/>
+        </p:style>
       </p:sp>
       <p:pic>
         <p:nvPicPr>
-          <p:cNvPr id="114" name="Google Shape;110;p22" descr=""/>
+          <p:cNvPr id="114" name="Google Shape;118;p23" descr=""/>
           <p:cNvPicPr/>
           <p:nvPr/>
         </p:nvPicPr>
@@ -4906,31 +4509,8 @@
         </p:blipFill>
         <p:spPr>
           <a:xfrm>
-            <a:off x="311760" y="944640"/>
-            <a:ext cx="7423200" cy="1863360"/>
-          </a:xfrm>
-          <a:prstGeom prst="rect">
-            <a:avLst/>
-          </a:prstGeom>
-          <a:ln>
-            <a:noFill/>
-          </a:ln>
-        </p:spPr>
-      </p:pic>
-      <p:pic>
-        <p:nvPicPr>
-          <p:cNvPr id="115" name="Google Shape;111;p22" descr=""/>
-          <p:cNvPicPr/>
-          <p:nvPr/>
-        </p:nvPicPr>
-        <p:blipFill>
-          <a:blip r:embed="rId2"/>
-          <a:stretch/>
-        </p:blipFill>
-        <p:spPr>
-          <a:xfrm>
-            <a:off x="311760" y="2808000"/>
-            <a:ext cx="6888240" cy="2772360"/>
+            <a:off x="2448000" y="0"/>
+            <a:ext cx="6668640" cy="5111640"/>
           </a:xfrm>
           <a:prstGeom prst="rect">
             <a:avLst/>
@@ -4972,14 +4552,14 @@
       </p:grpSpPr>
       <p:sp>
         <p:nvSpPr>
-          <p:cNvPr id="116" name="TextShape 1"/>
-          <p:cNvSpPr txBox="1"/>
+          <p:cNvPr id="115" name="CustomShape 1"/>
+          <p:cNvSpPr/>
           <p:nvPr/>
         </p:nvSpPr>
         <p:spPr>
           <a:xfrm>
-            <a:off x="311760" y="444960"/>
-            <a:ext cx="8520120" cy="572400"/>
+            <a:off x="311760" y="540000"/>
+            <a:ext cx="8519760" cy="381600"/>
           </a:xfrm>
           <a:prstGeom prst="rect">
             <a:avLst/>
@@ -4989,9 +4569,15 @@
             <a:noFill/>
           </a:ln>
         </p:spPr>
-        <p:txBody>
-          <a:bodyPr tIns="91440" bIns="91440">
-            <a:normAutofit fontScale="97000"/>
+        <p:style>
+          <a:lnRef idx="0"/>
+          <a:fillRef idx="0"/>
+          <a:effectRef idx="0"/>
+          <a:fontRef idx="minor"/>
+        </p:style>
+        <p:txBody>
+          <a:bodyPr lIns="0" rIns="0" tIns="0" bIns="0" anchor="ctr">
+            <a:spAutoFit/>
           </a:bodyPr>
           <a:p>
             <a:pPr>
@@ -5000,34 +4586,30 @@
               </a:lnSpc>
             </a:pPr>
             <a:r>
-              <a:rPr b="0" lang="lv-LV" sz="2800" spc="-1" strike="noStrike">
+              <a:rPr b="0" lang="lv-LV" sz="2500" spc="-1" strike="noStrike">
                 <a:solidFill>
                   <a:srgbClr val="000000"/>
                 </a:solidFill>
                 <a:latin typeface="Arial"/>
-                <a:ea typeface="Arial"/>
-              </a:rPr>
-              <a:t>Slow Query</a:t>
-            </a:r>
-            <a:endParaRPr b="0" lang="lv-LV" sz="2800" spc="-1" strike="noStrike">
-              <a:solidFill>
-                <a:srgbClr val="000000"/>
-              </a:solidFill>
-              <a:latin typeface="Arial"/>
-            </a:endParaRPr>
-          </a:p>
-        </p:txBody>
-      </p:sp>
-      <p:sp>
-        <p:nvSpPr>
-          <p:cNvPr id="117" name="TextShape 2"/>
-          <p:cNvSpPr txBox="1"/>
+              </a:rPr>
+              <a:t>Create Agregate Table </a:t>
+            </a:r>
+            <a:endParaRPr b="0" lang="lv-LV" sz="2500" spc="-1" strike="noStrike">
+              <a:latin typeface="Arial"/>
+            </a:endParaRPr>
+          </a:p>
+        </p:txBody>
+      </p:sp>
+      <p:sp>
+        <p:nvSpPr>
+          <p:cNvPr id="116" name="CustomShape 2"/>
+          <p:cNvSpPr/>
           <p:nvPr/>
         </p:nvSpPr>
         <p:spPr>
           <a:xfrm>
             <a:off x="311760" y="1152360"/>
-            <a:ext cx="8520120" cy="3416040"/>
+            <a:ext cx="8519760" cy="3415680"/>
           </a:xfrm>
           <a:prstGeom prst="rect">
             <a:avLst/>
@@ -5037,23 +4619,16 @@
             <a:noFill/>
           </a:ln>
         </p:spPr>
-        <p:txBody>
-          <a:bodyPr tIns="91440" bIns="91440">
-            <a:normAutofit/>
-          </a:bodyPr>
-          <a:p>
-            <a:endParaRPr b="0" lang="lv-LV" sz="1400" spc="-1" strike="noStrike">
-              <a:solidFill>
-                <a:srgbClr val="000000"/>
-              </a:solidFill>
-              <a:latin typeface="Arial"/>
-            </a:endParaRPr>
-          </a:p>
-        </p:txBody>
+        <p:style>
+          <a:lnRef idx="0"/>
+          <a:fillRef idx="0"/>
+          <a:effectRef idx="0"/>
+          <a:fontRef idx="minor"/>
+        </p:style>
       </p:sp>
       <p:pic>
         <p:nvPicPr>
-          <p:cNvPr id="118" name="Google Shape;118;p23" descr=""/>
+          <p:cNvPr id="117" name="" descr=""/>
           <p:cNvPicPr/>
           <p:nvPr/>
         </p:nvPicPr>
@@ -5063,8 +4638,8 @@
         </p:blipFill>
         <p:spPr>
           <a:xfrm>
-            <a:off x="2448000" y="0"/>
-            <a:ext cx="6669000" cy="5112000"/>
+            <a:off x="401040" y="942480"/>
+            <a:ext cx="8430480" cy="3651840"/>
           </a:xfrm>
           <a:prstGeom prst="rect">
             <a:avLst/>
@@ -5106,14 +4681,14 @@
       </p:grpSpPr>
       <p:sp>
         <p:nvSpPr>
-          <p:cNvPr id="119" name="TextShape 1"/>
-          <p:cNvSpPr txBox="1"/>
+          <p:cNvPr id="118" name="CustomShape 1"/>
+          <p:cNvSpPr/>
           <p:nvPr/>
         </p:nvSpPr>
         <p:spPr>
           <a:xfrm>
-            <a:off x="311760" y="444960"/>
-            <a:ext cx="8520120" cy="572400"/>
+            <a:off x="311760" y="540000"/>
+            <a:ext cx="8519760" cy="381600"/>
           </a:xfrm>
           <a:prstGeom prst="rect">
             <a:avLst/>
@@ -5123,11 +4698,22 @@
             <a:noFill/>
           </a:ln>
         </p:spPr>
+        <p:style>
+          <a:lnRef idx="0"/>
+          <a:fillRef idx="0"/>
+          <a:effectRef idx="0"/>
+          <a:fontRef idx="minor"/>
+        </p:style>
         <p:txBody>
           <a:bodyPr lIns="0" rIns="0" tIns="0" bIns="0" anchor="ctr">
             <a:spAutoFit/>
           </a:bodyPr>
           <a:p>
+            <a:pPr>
+              <a:lnSpc>
+                <a:spcPct val="100000"/>
+              </a:lnSpc>
+            </a:pPr>
             <a:r>
               <a:rPr b="0" lang="lv-LV" sz="2500" spc="-1" strike="noStrike">
                 <a:solidFill>
@@ -5135,27 +4721,24 @@
                 </a:solidFill>
                 <a:latin typeface="Arial"/>
               </a:rPr>
-              <a:t>Create Agregate Table </a:t>
+              <a:t>Insert missing data to agrigate Table</a:t>
             </a:r>
             <a:endParaRPr b="0" lang="lv-LV" sz="2500" spc="-1" strike="noStrike">
-              <a:solidFill>
-                <a:srgbClr val="000000"/>
-              </a:solidFill>
-              <a:latin typeface="Arial"/>
-            </a:endParaRPr>
-          </a:p>
-        </p:txBody>
-      </p:sp>
-      <p:sp>
-        <p:nvSpPr>
-          <p:cNvPr id="120" name="TextShape 2"/>
-          <p:cNvSpPr txBox="1"/>
+              <a:latin typeface="Arial"/>
+            </a:endParaRPr>
+          </a:p>
+        </p:txBody>
+      </p:sp>
+      <p:sp>
+        <p:nvSpPr>
+          <p:cNvPr id="119" name="CustomShape 2"/>
+          <p:cNvSpPr/>
           <p:nvPr/>
         </p:nvSpPr>
         <p:spPr>
           <a:xfrm>
             <a:off x="311760" y="1152360"/>
-            <a:ext cx="8520120" cy="3416040"/>
+            <a:ext cx="8519760" cy="3415680"/>
           </a:xfrm>
           <a:prstGeom prst="rect">
             <a:avLst/>
@@ -5165,23 +4748,16 @@
             <a:noFill/>
           </a:ln>
         </p:spPr>
-        <p:txBody>
-          <a:bodyPr lIns="0" rIns="0" tIns="0" bIns="0">
-            <a:normAutofit/>
-          </a:bodyPr>
-          <a:p>
-            <a:endParaRPr b="0" lang="lv-LV" sz="1400" spc="-1" strike="noStrike">
-              <a:solidFill>
-                <a:srgbClr val="000000"/>
-              </a:solidFill>
-              <a:latin typeface="Arial"/>
-            </a:endParaRPr>
-          </a:p>
-        </p:txBody>
+        <p:style>
+          <a:lnRef idx="0"/>
+          <a:fillRef idx="0"/>
+          <a:effectRef idx="0"/>
+          <a:fontRef idx="minor"/>
+        </p:style>
       </p:sp>
       <p:pic>
         <p:nvPicPr>
-          <p:cNvPr id="121" name="" descr=""/>
+          <p:cNvPr id="120" name="" descr=""/>
           <p:cNvPicPr/>
           <p:nvPr/>
         </p:nvPicPr>
@@ -5191,8 +4767,8 @@
         </p:blipFill>
         <p:spPr>
           <a:xfrm>
-            <a:off x="401040" y="942480"/>
-            <a:ext cx="8430840" cy="3652200"/>
+            <a:off x="1656000" y="864000"/>
+            <a:ext cx="6767640" cy="4252320"/>
           </a:xfrm>
           <a:prstGeom prst="rect">
             <a:avLst/>
@@ -5234,14 +4810,14 @@
       </p:grpSpPr>
       <p:sp>
         <p:nvSpPr>
-          <p:cNvPr id="122" name="TextShape 1"/>
-          <p:cNvSpPr txBox="1"/>
+          <p:cNvPr id="121" name="CustomShape 1"/>
+          <p:cNvSpPr/>
           <p:nvPr/>
         </p:nvSpPr>
         <p:spPr>
           <a:xfrm>
-            <a:off x="311760" y="444960"/>
-            <a:ext cx="8520120" cy="572400"/>
+            <a:off x="311760" y="540000"/>
+            <a:ext cx="8519760" cy="381600"/>
           </a:xfrm>
           <a:prstGeom prst="rect">
             <a:avLst/>
@@ -5251,11 +4827,22 @@
             <a:noFill/>
           </a:ln>
         </p:spPr>
+        <p:style>
+          <a:lnRef idx="0"/>
+          <a:fillRef idx="0"/>
+          <a:effectRef idx="0"/>
+          <a:fontRef idx="minor"/>
+        </p:style>
         <p:txBody>
           <a:bodyPr lIns="0" rIns="0" tIns="0" bIns="0" anchor="ctr">
             <a:spAutoFit/>
           </a:bodyPr>
           <a:p>
+            <a:pPr>
+              <a:lnSpc>
+                <a:spcPct val="100000"/>
+              </a:lnSpc>
+            </a:pPr>
             <a:r>
               <a:rPr b="0" lang="lv-LV" sz="2500" spc="-1" strike="noStrike">
                 <a:solidFill>
@@ -5263,45 +4850,9 @@
                 </a:solidFill>
                 <a:latin typeface="Arial"/>
               </a:rPr>
-              <a:t>Insert missing data to agrigate Table</a:t>
+              <a:t>Last Query</a:t>
             </a:r>
             <a:endParaRPr b="0" lang="lv-LV" sz="2500" spc="-1" strike="noStrike">
-              <a:solidFill>
-                <a:srgbClr val="000000"/>
-              </a:solidFill>
-              <a:latin typeface="Arial"/>
-            </a:endParaRPr>
-          </a:p>
-        </p:txBody>
-      </p:sp>
-      <p:sp>
-        <p:nvSpPr>
-          <p:cNvPr id="123" name="TextShape 2"/>
-          <p:cNvSpPr txBox="1"/>
-          <p:nvPr/>
-        </p:nvSpPr>
-        <p:spPr>
-          <a:xfrm>
-            <a:off x="311760" y="1152360"/>
-            <a:ext cx="8520120" cy="3416040"/>
-          </a:xfrm>
-          <a:prstGeom prst="rect">
-            <a:avLst/>
-          </a:prstGeom>
-          <a:noFill/>
-          <a:ln>
-            <a:noFill/>
-          </a:ln>
-        </p:spPr>
-        <p:txBody>
-          <a:bodyPr lIns="0" rIns="0" tIns="0" bIns="0">
-            <a:normAutofit/>
-          </a:bodyPr>
-          <a:p>
-            <a:endParaRPr b="0" lang="lv-LV" sz="1400" spc="-1" strike="noStrike">
-              <a:solidFill>
-                <a:srgbClr val="000000"/>
-              </a:solidFill>
               <a:latin typeface="Arial"/>
             </a:endParaRPr>
           </a:p>
@@ -5309,7 +4860,7 @@
       </p:sp>
       <p:pic>
         <p:nvPicPr>
-          <p:cNvPr id="124" name="" descr=""/>
+          <p:cNvPr id="122" name="" descr=""/>
           <p:cNvPicPr/>
           <p:nvPr/>
         </p:nvPicPr>
@@ -5319,8 +4870,8 @@
         </p:blipFill>
         <p:spPr>
           <a:xfrm>
-            <a:off x="1656000" y="864000"/>
-            <a:ext cx="6768000" cy="4252680"/>
+            <a:off x="144000" y="1656000"/>
+            <a:ext cx="8957160" cy="1655640"/>
           </a:xfrm>
           <a:prstGeom prst="rect">
             <a:avLst/>
@@ -5362,14 +4913,14 @@
       </p:grpSpPr>
       <p:sp>
         <p:nvSpPr>
-          <p:cNvPr id="125" name="TextShape 1"/>
-          <p:cNvSpPr txBox="1"/>
+          <p:cNvPr id="123" name="CustomShape 1"/>
+          <p:cNvSpPr/>
           <p:nvPr/>
         </p:nvSpPr>
         <p:spPr>
           <a:xfrm>
             <a:off x="311760" y="444960"/>
-            <a:ext cx="8520120" cy="572400"/>
+            <a:ext cx="8519760" cy="572040"/>
           </a:xfrm>
           <a:prstGeom prst="rect">
             <a:avLst/>
@@ -5379,52 +4930,129 @@
             <a:noFill/>
           </a:ln>
         </p:spPr>
-        <p:txBody>
-          <a:bodyPr lIns="0" rIns="0" tIns="0" bIns="0" anchor="ctr">
-            <a:spAutoFit/>
-          </a:bodyPr>
-          <a:p>
-            <a:r>
-              <a:rPr b="0" lang="lv-LV" sz="2500" spc="-1" strike="noStrike">
+        <p:style>
+          <a:lnRef idx="0"/>
+          <a:fillRef idx="0"/>
+          <a:effectRef idx="0"/>
+          <a:fontRef idx="minor"/>
+        </p:style>
+        <p:txBody>
+          <a:bodyPr lIns="90000" rIns="90000" tIns="91440" bIns="91440">
+            <a:normAutofit fontScale="97000"/>
+          </a:bodyPr>
+          <a:p>
+            <a:pPr>
+              <a:lnSpc>
+                <a:spcPct val="100000"/>
+              </a:lnSpc>
+            </a:pPr>
+            <a:r>
+              <a:rPr b="0" lang="lv-LV" sz="2800" spc="-1" strike="noStrike">
                 <a:solidFill>
                   <a:srgbClr val="000000"/>
                 </a:solidFill>
                 <a:latin typeface="Arial"/>
-              </a:rPr>
-              <a:t>Last Query</a:t>
-            </a:r>
-            <a:endParaRPr b="0" lang="lv-LV" sz="2500" spc="-1" strike="noStrike">
-              <a:solidFill>
-                <a:srgbClr val="000000"/>
-              </a:solidFill>
-              <a:latin typeface="Arial"/>
-            </a:endParaRPr>
-          </a:p>
-        </p:txBody>
-      </p:sp>
-      <p:pic>
-        <p:nvPicPr>
-          <p:cNvPr id="126" name="" descr=""/>
-          <p:cNvPicPr/>
+                <a:ea typeface="Arial"/>
+              </a:rPr>
+              <a:t>What is Large DB ?</a:t>
+            </a:r>
+            <a:endParaRPr b="0" lang="lv-LV" sz="2800" spc="-1" strike="noStrike">
+              <a:latin typeface="Arial"/>
+            </a:endParaRPr>
+          </a:p>
+        </p:txBody>
+      </p:sp>
+      <p:sp>
+        <p:nvSpPr>
+          <p:cNvPr id="124" name="CustomShape 2"/>
+          <p:cNvSpPr/>
           <p:nvPr/>
-        </p:nvPicPr>
-        <p:blipFill>
-          <a:blip r:embed="rId1"/>
-          <a:stretch/>
-        </p:blipFill>
-        <p:spPr>
-          <a:xfrm>
-            <a:off x="144000" y="1656000"/>
-            <a:ext cx="8957520" cy="1656000"/>
-          </a:xfrm>
-          <a:prstGeom prst="rect">
-            <a:avLst/>
-          </a:prstGeom>
+        </p:nvSpPr>
+        <p:spPr>
+          <a:xfrm>
+            <a:off x="216000" y="1080000"/>
+            <a:ext cx="8519760" cy="3415680"/>
+          </a:xfrm>
+          <a:prstGeom prst="rect">
+            <a:avLst/>
+          </a:prstGeom>
+          <a:noFill/>
           <a:ln>
             <a:noFill/>
           </a:ln>
         </p:spPr>
-      </p:pic>
+        <p:style>
+          <a:lnRef idx="0"/>
+          <a:fillRef idx="0"/>
+          <a:effectRef idx="0"/>
+          <a:fontRef idx="minor"/>
+        </p:style>
+        <p:txBody>
+          <a:bodyPr lIns="90000" rIns="90000" tIns="91440" bIns="91440">
+            <a:normAutofit/>
+          </a:bodyPr>
+          <a:p>
+            <a:pPr>
+              <a:lnSpc>
+                <a:spcPct val="115000"/>
+              </a:lnSpc>
+            </a:pPr>
+            <a:r>
+              <a:rPr b="0" lang="lv-LV" sz="1800" spc="-1" strike="noStrike">
+                <a:solidFill>
+                  <a:srgbClr val="595959"/>
+                </a:solidFill>
+                <a:latin typeface="Arial"/>
+                <a:ea typeface="Arial"/>
+              </a:rPr>
+              <a:t>* small DB &lt; 1 GB</a:t>
+            </a:r>
+            <a:endParaRPr b="0" lang="lv-LV" sz="1800" spc="-1" strike="noStrike">
+              <a:latin typeface="Arial"/>
+            </a:endParaRPr>
+          </a:p>
+          <a:p>
+            <a:pPr>
+              <a:lnSpc>
+                <a:spcPct val="115000"/>
+              </a:lnSpc>
+            </a:pPr>
+            <a:r>
+              <a:rPr b="0" lang="lv-LV" sz="1800" spc="-1" strike="noStrike">
+                <a:solidFill>
+                  <a:srgbClr val="595959"/>
+                </a:solidFill>
+                <a:latin typeface="Arial"/>
+                <a:ea typeface="Arial"/>
+              </a:rPr>
+              <a:t>* 1 GB &gt; average DB &lt; 1 TB</a:t>
+            </a:r>
+            <a:endParaRPr b="0" lang="lv-LV" sz="1800" spc="-1" strike="noStrike">
+              <a:latin typeface="Arial"/>
+            </a:endParaRPr>
+          </a:p>
+          <a:p>
+            <a:pPr>
+              <a:lnSpc>
+                <a:spcPct val="115000"/>
+              </a:lnSpc>
+            </a:pPr>
+            <a:r>
+              <a:rPr b="0" lang="lv-LV" sz="1800" spc="-1" strike="noStrike">
+                <a:solidFill>
+                  <a:srgbClr val="595959"/>
+                </a:solidFill>
+                <a:latin typeface="Arial"/>
+                <a:ea typeface="Arial"/>
+              </a:rPr>
+              <a:t>* 1 TB &gt; Big DB &lt; ... (it's hard, but there is a point when it comes to huge)</a:t>
+            </a:r>
+            <a:endParaRPr b="0" lang="lv-LV" sz="1800" spc="-1" strike="noStrike">
+              <a:latin typeface="Arial"/>
+            </a:endParaRPr>
+          </a:p>
+        </p:txBody>
+      </p:sp>
     </p:spTree>
   </p:cSld>
   <mc:AlternateContent>
@@ -5457,14 +5085,14 @@
       </p:grpSpPr>
       <p:sp>
         <p:nvSpPr>
-          <p:cNvPr id="80" name="TextShape 1"/>
-          <p:cNvSpPr txBox="1"/>
+          <p:cNvPr id="78" name="CustomShape 1"/>
+          <p:cNvSpPr/>
           <p:nvPr/>
         </p:nvSpPr>
         <p:spPr>
           <a:xfrm>
             <a:off x="311760" y="444960"/>
-            <a:ext cx="8520120" cy="572400"/>
+            <a:ext cx="8519760" cy="572040"/>
           </a:xfrm>
           <a:prstGeom prst="rect">
             <a:avLst/>
@@ -5474,8 +5102,14 @@
             <a:noFill/>
           </a:ln>
         </p:spPr>
-        <p:txBody>
-          <a:bodyPr tIns="91440" bIns="91440">
+        <p:style>
+          <a:lnRef idx="0"/>
+          <a:fillRef idx="0"/>
+          <a:effectRef idx="0"/>
+          <a:fontRef idx="minor"/>
+        </p:style>
+        <p:txBody>
+          <a:bodyPr lIns="90000" rIns="90000" tIns="91440" bIns="91440">
             <a:normAutofit fontScale="97000"/>
           </a:bodyPr>
           <a:p>
@@ -5495,24 +5129,21 @@
               <a:t>Introduction about me</a:t>
             </a:r>
             <a:endParaRPr b="0" lang="lv-LV" sz="2800" spc="-1" strike="noStrike">
-              <a:solidFill>
-                <a:srgbClr val="000000"/>
-              </a:solidFill>
-              <a:latin typeface="Arial"/>
-            </a:endParaRPr>
-          </a:p>
-        </p:txBody>
-      </p:sp>
-      <p:sp>
-        <p:nvSpPr>
-          <p:cNvPr id="81" name="TextShape 2"/>
-          <p:cNvSpPr txBox="1"/>
+              <a:latin typeface="Arial"/>
+            </a:endParaRPr>
+          </a:p>
+        </p:txBody>
+      </p:sp>
+      <p:sp>
+        <p:nvSpPr>
+          <p:cNvPr id="79" name="CustomShape 2"/>
+          <p:cNvSpPr/>
           <p:nvPr/>
         </p:nvSpPr>
         <p:spPr>
           <a:xfrm>
             <a:off x="311760" y="1152360"/>
-            <a:ext cx="8520120" cy="3416040"/>
+            <a:ext cx="8519760" cy="3415680"/>
           </a:xfrm>
           <a:prstGeom prst="rect">
             <a:avLst/>
@@ -5522,8 +5153,14 @@
             <a:noFill/>
           </a:ln>
         </p:spPr>
-        <p:txBody>
-          <a:bodyPr tIns="91440" bIns="91440">
+        <p:style>
+          <a:lnRef idx="0"/>
+          <a:fillRef idx="0"/>
+          <a:effectRef idx="0"/>
+          <a:fontRef idx="minor"/>
+        </p:style>
+        <p:txBody>
+          <a:bodyPr lIns="90000" rIns="90000" tIns="91440" bIns="91440">
             <a:normAutofit/>
           </a:bodyPr>
           <a:p>
@@ -5543,9 +5180,6 @@
               <a:t>Hello I am Maris Ločmelis</a:t>
             </a:r>
             <a:endParaRPr b="0" lang="lv-LV" sz="1800" spc="-1" strike="noStrike">
-              <a:solidFill>
-                <a:srgbClr val="000000"/>
-              </a:solidFill>
               <a:latin typeface="Arial"/>
             </a:endParaRPr>
           </a:p>
@@ -5572,9 +5206,6 @@
               <a:t>I am full stack developer so don't hit me hard when I miss something.</a:t>
             </a:r>
             <a:endParaRPr b="0" lang="lv-LV" sz="1800" spc="-1" strike="noStrike">
-              <a:solidFill>
-                <a:srgbClr val="000000"/>
-              </a:solidFill>
               <a:latin typeface="Arial"/>
             </a:endParaRPr>
           </a:p>
@@ -5612,14 +5243,14 @@
       </p:grpSpPr>
       <p:sp>
         <p:nvSpPr>
-          <p:cNvPr id="127" name="TextShape 1"/>
-          <p:cNvSpPr txBox="1"/>
+          <p:cNvPr id="125" name="CustomShape 1"/>
+          <p:cNvSpPr/>
           <p:nvPr/>
         </p:nvSpPr>
         <p:spPr>
           <a:xfrm>
-            <a:off x="311760" y="444960"/>
-            <a:ext cx="8520120" cy="572400"/>
+            <a:off x="311760" y="540000"/>
+            <a:ext cx="8519760" cy="381600"/>
           </a:xfrm>
           <a:prstGeom prst="rect">
             <a:avLst/>
@@ -5629,9 +5260,15 @@
             <a:noFill/>
           </a:ln>
         </p:spPr>
-        <p:txBody>
-          <a:bodyPr tIns="91440" bIns="91440">
-            <a:normAutofit fontScale="97000"/>
+        <p:style>
+          <a:lnRef idx="0"/>
+          <a:fillRef idx="0"/>
+          <a:effectRef idx="0"/>
+          <a:fontRef idx="minor"/>
+        </p:style>
+        <p:txBody>
+          <a:bodyPr lIns="0" rIns="0" tIns="0" bIns="0" anchor="ctr">
+            <a:spAutoFit/>
           </a:bodyPr>
           <a:p>
             <a:pPr>
@@ -5640,34 +5277,30 @@
               </a:lnSpc>
             </a:pPr>
             <a:r>
-              <a:rPr b="0" lang="lv-LV" sz="2800" spc="-1" strike="noStrike">
+              <a:rPr b="0" lang="lv-LV" sz="2500" spc="-1" strike="noStrike">
                 <a:solidFill>
                   <a:srgbClr val="000000"/>
                 </a:solidFill>
                 <a:latin typeface="Arial"/>
-                <a:ea typeface="Arial"/>
-              </a:rPr>
-              <a:t>What is Large DB ?</a:t>
-            </a:r>
-            <a:endParaRPr b="0" lang="lv-LV" sz="2800" spc="-1" strike="noStrike">
-              <a:solidFill>
-                <a:srgbClr val="000000"/>
-              </a:solidFill>
-              <a:latin typeface="Arial"/>
-            </a:endParaRPr>
-          </a:p>
-        </p:txBody>
-      </p:sp>
-      <p:sp>
-        <p:nvSpPr>
-          <p:cNvPr id="128" name="TextShape 2"/>
-          <p:cNvSpPr txBox="1"/>
+              </a:rPr>
+              <a:t>What you should expect and do</a:t>
+            </a:r>
+            <a:endParaRPr b="0" lang="lv-LV" sz="2500" spc="-1" strike="noStrike">
+              <a:latin typeface="Arial"/>
+            </a:endParaRPr>
+          </a:p>
+        </p:txBody>
+      </p:sp>
+      <p:sp>
+        <p:nvSpPr>
+          <p:cNvPr id="126" name="CustomShape 2"/>
+          <p:cNvSpPr/>
           <p:nvPr/>
         </p:nvSpPr>
         <p:spPr>
           <a:xfrm>
-            <a:off x="216000" y="1080000"/>
-            <a:ext cx="8520120" cy="3416040"/>
+            <a:off x="311760" y="1152360"/>
+            <a:ext cx="8519760" cy="3415680"/>
           </a:xfrm>
           <a:prstGeom prst="rect">
             <a:avLst/>
@@ -5677,91 +5310,286 @@
             <a:noFill/>
           </a:ln>
         </p:spPr>
-        <p:txBody>
-          <a:bodyPr tIns="91440" bIns="91440">
+        <p:style>
+          <a:lnRef idx="0"/>
+          <a:fillRef idx="0"/>
+          <a:effectRef idx="0"/>
+          <a:fontRef idx="minor"/>
+        </p:style>
+        <p:txBody>
+          <a:bodyPr lIns="0" rIns="0" tIns="0" bIns="0">
             <a:normAutofit/>
           </a:bodyPr>
           <a:p>
             <a:pPr>
               <a:lnSpc>
-                <a:spcPct val="115000"/>
-              </a:lnSpc>
+                <a:spcPct val="100000"/>
+              </a:lnSpc>
+              <a:spcBef>
+                <a:spcPts val="1417"/>
+              </a:spcBef>
+            </a:pPr>
+            <a:endParaRPr b="0" lang="lv-LV" sz="1800" spc="-1" strike="noStrike">
+              <a:latin typeface="Arial"/>
+            </a:endParaRPr>
+          </a:p>
+          <a:p>
+            <a:pPr marL="432000" indent="-323640">
+              <a:lnSpc>
+                <a:spcPct val="100000"/>
+              </a:lnSpc>
+              <a:spcBef>
+                <a:spcPts val="1417"/>
+              </a:spcBef>
+              <a:buClr>
+                <a:srgbClr val="000000"/>
+              </a:buClr>
+              <a:buSzPct val="45000"/>
+              <a:buFont typeface="Wingdings" charset="2"/>
+              <a:buChar char=""/>
             </a:pPr>
             <a:r>
               <a:rPr b="0" lang="lv-LV" sz="1800" spc="-1" strike="noStrike">
                 <a:solidFill>
-                  <a:srgbClr val="595959"/>
-                </a:solidFill>
-                <a:latin typeface="Arial"/>
-                <a:ea typeface="Arial"/>
-              </a:rPr>
-              <a:t>* small DB &lt; 1 GB</a:t>
+                  <a:srgbClr val="000000"/>
+                </a:solidFill>
+                <a:latin typeface="Arial"/>
+              </a:rPr>
+              <a:t>Small DB. Anything should work fine</a:t>
             </a:r>
             <a:endParaRPr b="0" lang="lv-LV" sz="1800" spc="-1" strike="noStrike">
-              <a:solidFill>
+              <a:latin typeface="Arial"/>
+            </a:endParaRPr>
+          </a:p>
+          <a:p>
+            <a:pPr marL="432000" indent="-323640">
+              <a:lnSpc>
+                <a:spcPct val="100000"/>
+              </a:lnSpc>
+              <a:spcBef>
+                <a:spcPts val="1417"/>
+              </a:spcBef>
+              <a:buClr>
                 <a:srgbClr val="000000"/>
-              </a:solidFill>
-              <a:latin typeface="Arial"/>
-            </a:endParaRPr>
-          </a:p>
-          <a:p>
-            <a:pPr>
-              <a:lnSpc>
-                <a:spcPct val="115000"/>
-              </a:lnSpc>
+              </a:buClr>
+              <a:buSzPct val="45000"/>
+              <a:buFont typeface="Wingdings" charset="2"/>
+              <a:buChar char=""/>
             </a:pPr>
             <a:r>
               <a:rPr b="0" lang="lv-LV" sz="1800" spc="-1" strike="noStrike">
                 <a:solidFill>
-                  <a:srgbClr val="595959"/>
-                </a:solidFill>
-                <a:latin typeface="Arial"/>
-                <a:ea typeface="Arial"/>
-              </a:rPr>
-              <a:t>* 1 GB &gt; </a:t>
-            </a:r>
+                  <a:srgbClr val="000000"/>
+                </a:solidFill>
+                <a:latin typeface="Arial"/>
+              </a:rPr>
+              <a:t>Average DB. Don’t be fanatic with group logic add master slaves</a:t>
+            </a:r>
+            <a:endParaRPr b="0" lang="lv-LV" sz="1800" spc="-1" strike="noStrike">
+              <a:latin typeface="Arial"/>
+            </a:endParaRPr>
+          </a:p>
+          <a:p>
+            <a:pPr marL="432000" indent="-323640">
+              <a:lnSpc>
+                <a:spcPct val="100000"/>
+              </a:lnSpc>
+              <a:spcBef>
+                <a:spcPts val="1417"/>
+              </a:spcBef>
+              <a:buClr>
+                <a:srgbClr val="000000"/>
+              </a:buClr>
+              <a:buSzPct val="45000"/>
+              <a:buFont typeface="Wingdings" charset="2"/>
+              <a:buChar char=""/>
+            </a:pPr>
             <a:r>
               <a:rPr b="0" lang="lv-LV" sz="1800" spc="-1" strike="noStrike">
                 <a:solidFill>
-                  <a:srgbClr val="595959"/>
-                </a:solidFill>
-                <a:latin typeface="Arial"/>
-                <a:ea typeface="Arial"/>
-              </a:rPr>
-              <a:t>average DB &lt; 1 TB</a:t>
+                  <a:srgbClr val="000000"/>
+                </a:solidFill>
+                <a:latin typeface="Arial"/>
+              </a:rPr>
+              <a:t>Large DB. Partitions, optimizations like CRC32 and aggregation tables</a:t>
             </a:r>
             <a:endParaRPr b="0" lang="lv-LV" sz="1800" spc="-1" strike="noStrike">
-              <a:solidFill>
+              <a:latin typeface="Arial"/>
+            </a:endParaRPr>
+          </a:p>
+          <a:p>
+            <a:pPr marL="432000" indent="-323640">
+              <a:lnSpc>
+                <a:spcPct val="100000"/>
+              </a:lnSpc>
+              <a:spcBef>
+                <a:spcPts val="1417"/>
+              </a:spcBef>
+              <a:buClr>
                 <a:srgbClr val="000000"/>
-              </a:solidFill>
-              <a:latin typeface="Arial"/>
-            </a:endParaRPr>
-          </a:p>
-          <a:p>
-            <a:pPr>
-              <a:lnSpc>
-                <a:spcPct val="115000"/>
-              </a:lnSpc>
+              </a:buClr>
+              <a:buSzPct val="45000"/>
+              <a:buFont typeface="Wingdings" charset="2"/>
+              <a:buChar char=""/>
             </a:pPr>
             <a:r>
               <a:rPr b="0" lang="lv-LV" sz="1800" spc="-1" strike="noStrike">
                 <a:solidFill>
-                  <a:srgbClr val="595959"/>
-                </a:solidFill>
-                <a:latin typeface="Arial"/>
-                <a:ea typeface="Arial"/>
-              </a:rPr>
-              <a:t>* 1 TB &gt; Big DB &lt; ... (it hard but there is point when it comes to huge)</a:t>
+                  <a:srgbClr val="000000"/>
+                </a:solidFill>
+                <a:latin typeface="Arial"/>
+              </a:rPr>
+              <a:t> </a:t>
             </a:r>
             <a:endParaRPr b="0" lang="lv-LV" sz="1800" spc="-1" strike="noStrike">
-              <a:solidFill>
+              <a:latin typeface="Arial"/>
+            </a:endParaRPr>
+          </a:p>
+          <a:p>
+            <a:pPr marL="432000" indent="-323640">
+              <a:lnSpc>
+                <a:spcPct val="100000"/>
+              </a:lnSpc>
+              <a:spcBef>
+                <a:spcPts val="1417"/>
+              </a:spcBef>
+              <a:buClr>
                 <a:srgbClr val="000000"/>
-              </a:solidFill>
-              <a:latin typeface="Arial"/>
-            </a:endParaRPr>
-          </a:p>
-        </p:txBody>
-      </p:sp>
+              </a:buClr>
+              <a:buSzPct val="45000"/>
+              <a:buFont typeface="Wingdings" charset="2"/>
+              <a:buChar char=""/>
+            </a:pPr>
+            <a:r>
+              <a:rPr b="0" lang="lv-LV" sz="1800" spc="-1" strike="noStrike">
+                <a:solidFill>
+                  <a:srgbClr val="000000"/>
+                </a:solidFill>
+                <a:latin typeface="Arial"/>
+              </a:rPr>
+              <a:t>Huge DB. Hire Senior DB architect and hope he will do something.</a:t>
+            </a:r>
+            <a:endParaRPr b="0" lang="lv-LV" sz="1800" spc="-1" strike="noStrike">
+              <a:latin typeface="Arial"/>
+            </a:endParaRPr>
+          </a:p>
+        </p:txBody>
+      </p:sp>
+      <p:pic>
+        <p:nvPicPr>
+          <p:cNvPr id="127" name="" descr=""/>
+          <p:cNvPicPr/>
+          <p:nvPr/>
+        </p:nvPicPr>
+        <p:blipFill>
+          <a:blip r:embed="rId1"/>
+          <a:stretch/>
+        </p:blipFill>
+        <p:spPr>
+          <a:xfrm>
+            <a:off x="4582080" y="1584000"/>
+            <a:ext cx="241560" cy="225000"/>
+          </a:xfrm>
+          <a:prstGeom prst="rect">
+            <a:avLst/>
+          </a:prstGeom>
+          <a:ln>
+            <a:noFill/>
+          </a:ln>
+        </p:spPr>
+      </p:pic>
+      <p:pic>
+        <p:nvPicPr>
+          <p:cNvPr id="128" name="" descr=""/>
+          <p:cNvPicPr/>
+          <p:nvPr/>
+        </p:nvPicPr>
+        <p:blipFill>
+          <a:blip r:embed="rId2"/>
+          <a:stretch/>
+        </p:blipFill>
+        <p:spPr>
+          <a:xfrm>
+            <a:off x="7379280" y="1867320"/>
+            <a:ext cx="468720" cy="436680"/>
+          </a:xfrm>
+          <a:prstGeom prst="rect">
+            <a:avLst/>
+          </a:prstGeom>
+          <a:ln>
+            <a:noFill/>
+          </a:ln>
+        </p:spPr>
+      </p:pic>
+      <p:pic>
+        <p:nvPicPr>
+          <p:cNvPr id="129" name="" descr=""/>
+          <p:cNvPicPr/>
+          <p:nvPr/>
+        </p:nvPicPr>
+        <p:blipFill>
+          <a:blip r:embed="rId3"/>
+          <a:stretch/>
+        </p:blipFill>
+        <p:spPr>
+          <a:xfrm>
+            <a:off x="7992000" y="2520000"/>
+            <a:ext cx="900360" cy="838440"/>
+          </a:xfrm>
+          <a:prstGeom prst="rect">
+            <a:avLst/>
+          </a:prstGeom>
+          <a:ln>
+            <a:noFill/>
+          </a:ln>
+        </p:spPr>
+      </p:pic>
+      <p:pic>
+        <p:nvPicPr>
+          <p:cNvPr id="130" name="" descr=""/>
+          <p:cNvPicPr/>
+          <p:nvPr/>
+        </p:nvPicPr>
+        <p:blipFill>
+          <a:blip r:embed="rId4"/>
+          <a:stretch/>
+        </p:blipFill>
+        <p:spPr>
+          <a:xfrm>
+            <a:off x="1936440" y="3672000"/>
+            <a:ext cx="2319480" cy="2159640"/>
+          </a:xfrm>
+          <a:prstGeom prst="rect">
+            <a:avLst/>
+          </a:prstGeom>
+          <a:ln>
+            <a:noFill/>
+          </a:ln>
+        </p:spPr>
+      </p:pic>
+      <p:pic>
+        <p:nvPicPr>
+          <p:cNvPr id="131" name="" descr=""/>
+          <p:cNvPicPr/>
+          <p:nvPr/>
+        </p:nvPicPr>
+        <p:blipFill>
+          <a:blip r:embed="rId5"/>
+          <a:stretch/>
+        </p:blipFill>
+        <p:spPr>
+          <a:xfrm>
+            <a:off x="118440" y="2880000"/>
+            <a:ext cx="961560" cy="428040"/>
+          </a:xfrm>
+          <a:prstGeom prst="rect">
+            <a:avLst/>
+          </a:prstGeom>
+          <a:ln>
+            <a:noFill/>
+          </a:ln>
+        </p:spPr>
+      </p:pic>
     </p:spTree>
   </p:cSld>
   <mc:AlternateContent>
@@ -5794,14 +5622,14 @@
       </p:grpSpPr>
       <p:sp>
         <p:nvSpPr>
-          <p:cNvPr id="129" name="TextShape 1"/>
-          <p:cNvSpPr txBox="1"/>
+          <p:cNvPr id="132" name="CustomShape 1"/>
+          <p:cNvSpPr/>
           <p:nvPr/>
         </p:nvSpPr>
         <p:spPr>
           <a:xfrm>
-            <a:off x="311760" y="444960"/>
-            <a:ext cx="8520120" cy="572400"/>
+            <a:off x="311760" y="540000"/>
+            <a:ext cx="8519760" cy="381600"/>
           </a:xfrm>
           <a:prstGeom prst="rect">
             <a:avLst/>
@@ -5811,11 +5639,22 @@
             <a:noFill/>
           </a:ln>
         </p:spPr>
+        <p:style>
+          <a:lnRef idx="0"/>
+          <a:fillRef idx="0"/>
+          <a:effectRef idx="0"/>
+          <a:fontRef idx="minor"/>
+        </p:style>
         <p:txBody>
           <a:bodyPr lIns="0" rIns="0" tIns="0" bIns="0" anchor="ctr">
             <a:spAutoFit/>
           </a:bodyPr>
           <a:p>
+            <a:pPr>
+              <a:lnSpc>
+                <a:spcPct val="100000"/>
+              </a:lnSpc>
+            </a:pPr>
             <a:r>
               <a:rPr b="0" lang="lv-LV" sz="2500" spc="-1" strike="noStrike">
                 <a:solidFill>
@@ -5823,27 +5662,24 @@
                 </a:solidFill>
                 <a:latin typeface="Arial"/>
               </a:rPr>
-              <a:t>What you should expect and do</a:t>
+              <a:t>Partition</a:t>
             </a:r>
             <a:endParaRPr b="0" lang="lv-LV" sz="2500" spc="-1" strike="noStrike">
-              <a:solidFill>
-                <a:srgbClr val="000000"/>
-              </a:solidFill>
-              <a:latin typeface="Arial"/>
-            </a:endParaRPr>
-          </a:p>
-        </p:txBody>
-      </p:sp>
-      <p:sp>
-        <p:nvSpPr>
-          <p:cNvPr id="130" name="TextShape 2"/>
-          <p:cNvSpPr txBox="1"/>
+              <a:latin typeface="Arial"/>
+            </a:endParaRPr>
+          </a:p>
+        </p:txBody>
+      </p:sp>
+      <p:sp>
+        <p:nvSpPr>
+          <p:cNvPr id="133" name="CustomShape 2"/>
+          <p:cNvSpPr/>
           <p:nvPr/>
         </p:nvSpPr>
         <p:spPr>
           <a:xfrm>
             <a:off x="311760" y="1152360"/>
-            <a:ext cx="8520120" cy="3416040"/>
+            <a:ext cx="8519760" cy="3415680"/>
           </a:xfrm>
           <a:prstGeom prst="rect">
             <a:avLst/>
@@ -5853,12 +5689,21 @@
             <a:noFill/>
           </a:ln>
         </p:spPr>
+        <p:style>
+          <a:lnRef idx="0"/>
+          <a:fillRef idx="0"/>
+          <a:effectRef idx="0"/>
+          <a:fontRef idx="minor"/>
+        </p:style>
         <p:txBody>
           <a:bodyPr lIns="0" rIns="0" tIns="0" bIns="0">
             <a:normAutofit/>
           </a:bodyPr>
           <a:p>
-            <a:pPr marL="432000" indent="-324000">
+            <a:pPr marL="432000" indent="-323640">
+              <a:lnSpc>
+                <a:spcPct val="100000"/>
+              </a:lnSpc>
               <a:spcBef>
                 <a:spcPts val="1417"/>
               </a:spcBef>
@@ -5869,15 +5714,24 @@
               <a:buFont typeface="Wingdings" charset="2"/>
               <a:buChar char=""/>
             </a:pPr>
+            <a:r>
+              <a:rPr b="0" lang="lv-LV" sz="1800" spc="-1" strike="noStrike">
+                <a:solidFill>
+                  <a:srgbClr val="000000"/>
+                </a:solidFill>
+                <a:latin typeface="Arial"/>
+              </a:rPr>
+              <a:t>Group table by data (each month in separate partition // table)</a:t>
+            </a:r>
             <a:endParaRPr b="0" lang="lv-LV" sz="1800" spc="-1" strike="noStrike">
-              <a:solidFill>
-                <a:srgbClr val="000000"/>
-              </a:solidFill>
-              <a:latin typeface="Arial"/>
-            </a:endParaRPr>
-          </a:p>
-          <a:p>
-            <a:pPr marL="432000" indent="-324000">
+              <a:latin typeface="Arial"/>
+            </a:endParaRPr>
+          </a:p>
+          <a:p>
+            <a:pPr marL="432000" indent="-323640">
+              <a:lnSpc>
+                <a:spcPct val="100000"/>
+              </a:lnSpc>
               <a:spcBef>
                 <a:spcPts val="1417"/>
               </a:spcBef>
@@ -5895,17 +5749,17 @@
                 </a:solidFill>
                 <a:latin typeface="Arial"/>
               </a:rPr>
-              <a:t>Small DB. Anything should work fine</a:t>
+              <a:t>Don’t intersect partition data (only statistical summaries)</a:t>
             </a:r>
             <a:endParaRPr b="0" lang="lv-LV" sz="1800" spc="-1" strike="noStrike">
-              <a:solidFill>
-                <a:srgbClr val="000000"/>
-              </a:solidFill>
-              <a:latin typeface="Arial"/>
-            </a:endParaRPr>
-          </a:p>
-          <a:p>
-            <a:pPr marL="432000" indent="-324000">
+              <a:latin typeface="Arial"/>
+            </a:endParaRPr>
+          </a:p>
+          <a:p>
+            <a:pPr marL="432000" indent="-323640">
+              <a:lnSpc>
+                <a:spcPct val="100000"/>
+              </a:lnSpc>
               <a:spcBef>
                 <a:spcPts val="1417"/>
               </a:spcBef>
@@ -5923,17 +5777,17 @@
                 </a:solidFill>
                 <a:latin typeface="Arial"/>
               </a:rPr>
-              <a:t>Average DB. Don’t be fanatic with group logic add master slaves</a:t>
+              <a:t>Always pick an option with a balanced data amount.</a:t>
             </a:r>
             <a:endParaRPr b="0" lang="lv-LV" sz="1800" spc="-1" strike="noStrike">
-              <a:solidFill>
-                <a:srgbClr val="000000"/>
-              </a:solidFill>
-              <a:latin typeface="Arial"/>
-            </a:endParaRPr>
-          </a:p>
-          <a:p>
-            <a:pPr marL="432000" indent="-324000">
+              <a:latin typeface="Arial"/>
+            </a:endParaRPr>
+          </a:p>
+          <a:p>
+            <a:pPr marL="432000" indent="-323640">
+              <a:lnSpc>
+                <a:spcPct val="100000"/>
+              </a:lnSpc>
               <a:spcBef>
                 <a:spcPts val="1417"/>
               </a:spcBef>
@@ -5951,68 +5805,9 @@
                 </a:solidFill>
                 <a:latin typeface="Arial"/>
               </a:rPr>
-              <a:t>Large DB. Partitions, optimizations like CRC32 agregation tables</a:t>
+              <a:t>Use CRC32 (first n symbols) on any field if you have nothing in mind.</a:t>
             </a:r>
             <a:endParaRPr b="0" lang="lv-LV" sz="1800" spc="-1" strike="noStrike">
-              <a:solidFill>
-                <a:srgbClr val="000000"/>
-              </a:solidFill>
-              <a:latin typeface="Arial"/>
-            </a:endParaRPr>
-          </a:p>
-          <a:p>
-            <a:pPr marL="432000" indent="-324000">
-              <a:spcBef>
-                <a:spcPts val="1417"/>
-              </a:spcBef>
-              <a:buClr>
-                <a:srgbClr val="000000"/>
-              </a:buClr>
-              <a:buSzPct val="45000"/>
-              <a:buFont typeface="Wingdings" charset="2"/>
-              <a:buChar char=""/>
-            </a:pPr>
-            <a:r>
-              <a:rPr b="0" lang="lv-LV" sz="1800" spc="-1" strike="noStrike">
-                <a:solidFill>
-                  <a:srgbClr val="000000"/>
-                </a:solidFill>
-                <a:latin typeface="Arial"/>
-              </a:rPr>
-              <a:t> </a:t>
-            </a:r>
-            <a:endParaRPr b="0" lang="lv-LV" sz="1800" spc="-1" strike="noStrike">
-              <a:solidFill>
-                <a:srgbClr val="000000"/>
-              </a:solidFill>
-              <a:latin typeface="Arial"/>
-            </a:endParaRPr>
-          </a:p>
-          <a:p>
-            <a:pPr marL="432000" indent="-324000">
-              <a:spcBef>
-                <a:spcPts val="1417"/>
-              </a:spcBef>
-              <a:buClr>
-                <a:srgbClr val="000000"/>
-              </a:buClr>
-              <a:buSzPct val="45000"/>
-              <a:buFont typeface="Wingdings" charset="2"/>
-              <a:buChar char=""/>
-            </a:pPr>
-            <a:r>
-              <a:rPr b="0" lang="lv-LV" sz="1800" spc="-1" strike="noStrike">
-                <a:solidFill>
-                  <a:srgbClr val="000000"/>
-                </a:solidFill>
-                <a:latin typeface="Arial"/>
-              </a:rPr>
-              <a:t>Huge DB. Hire Senior DB architect and hope he will do something.</a:t>
-            </a:r>
-            <a:endParaRPr b="0" lang="lv-LV" sz="1800" spc="-1" strike="noStrike">
-              <a:solidFill>
-                <a:srgbClr val="000000"/>
-              </a:solidFill>
               <a:latin typeface="Arial"/>
             </a:endParaRPr>
           </a:p>
@@ -6020,7 +5815,7 @@
       </p:sp>
       <p:pic>
         <p:nvPicPr>
-          <p:cNvPr id="131" name="" descr=""/>
+          <p:cNvPr id="134" name="" descr=""/>
           <p:cNvPicPr/>
           <p:nvPr/>
         </p:nvPicPr>
@@ -6030,77 +5825,8 @@
         </p:blipFill>
         <p:spPr>
           <a:xfrm>
-            <a:off x="4582080" y="1584000"/>
-            <a:ext cx="241920" cy="225360"/>
-          </a:xfrm>
-          <a:prstGeom prst="rect">
-            <a:avLst/>
-          </a:prstGeom>
-          <a:ln>
-            <a:noFill/>
-          </a:ln>
-        </p:spPr>
-      </p:pic>
-      <p:pic>
-        <p:nvPicPr>
-          <p:cNvPr id="132" name="" descr=""/>
-          <p:cNvPicPr/>
-          <p:nvPr/>
-        </p:nvPicPr>
-        <p:blipFill>
-          <a:blip r:embed="rId2"/>
-          <a:stretch/>
-        </p:blipFill>
-        <p:spPr>
-          <a:xfrm>
-            <a:off x="7234920" y="1872000"/>
-            <a:ext cx="469080" cy="437040"/>
-          </a:xfrm>
-          <a:prstGeom prst="rect">
-            <a:avLst/>
-          </a:prstGeom>
-          <a:ln>
-            <a:noFill/>
-          </a:ln>
-        </p:spPr>
-      </p:pic>
-      <p:pic>
-        <p:nvPicPr>
-          <p:cNvPr id="133" name="" descr=""/>
-          <p:cNvPicPr/>
-          <p:nvPr/>
-        </p:nvPicPr>
-        <p:blipFill>
-          <a:blip r:embed="rId3"/>
-          <a:stretch/>
-        </p:blipFill>
-        <p:spPr>
-          <a:xfrm>
-            <a:off x="7200000" y="2304000"/>
-            <a:ext cx="900720" cy="838800"/>
-          </a:xfrm>
-          <a:prstGeom prst="rect">
-            <a:avLst/>
-          </a:prstGeom>
-          <a:ln>
-            <a:noFill/>
-          </a:ln>
-        </p:spPr>
-      </p:pic>
-      <p:pic>
-        <p:nvPicPr>
-          <p:cNvPr id="134" name="" descr=""/>
-          <p:cNvPicPr/>
-          <p:nvPr/>
-        </p:nvPicPr>
-        <p:blipFill>
-          <a:blip r:embed="rId4"/>
-          <a:stretch/>
-        </p:blipFill>
-        <p:spPr>
-          <a:xfrm>
-            <a:off x="1936440" y="3672000"/>
-            <a:ext cx="2319840" cy="2160000"/>
+            <a:off x="1512000" y="3214440"/>
+            <a:ext cx="2218680" cy="1609200"/>
           </a:xfrm>
           <a:prstGeom prst="rect">
             <a:avLst/>
@@ -6142,14 +5868,14 @@
       </p:grpSpPr>
       <p:sp>
         <p:nvSpPr>
-          <p:cNvPr id="135" name="TextShape 1"/>
-          <p:cNvSpPr txBox="1"/>
+          <p:cNvPr id="135" name="CustomShape 1"/>
+          <p:cNvSpPr/>
           <p:nvPr/>
         </p:nvSpPr>
         <p:spPr>
           <a:xfrm>
             <a:off x="311760" y="444960"/>
-            <a:ext cx="8520120" cy="572400"/>
+            <a:ext cx="8519760" cy="572040"/>
           </a:xfrm>
           <a:prstGeom prst="rect">
             <a:avLst/>
@@ -6159,39 +5885,48 @@
             <a:noFill/>
           </a:ln>
         </p:spPr>
-        <p:txBody>
-          <a:bodyPr lIns="0" rIns="0" tIns="0" bIns="0" anchor="ctr">
-            <a:spAutoFit/>
-          </a:bodyPr>
-          <a:p>
-            <a:r>
-              <a:rPr b="0" lang="lv-LV" sz="2500" spc="-1" strike="noStrike">
+        <p:style>
+          <a:lnRef idx="0"/>
+          <a:fillRef idx="0"/>
+          <a:effectRef idx="0"/>
+          <a:fontRef idx="minor"/>
+        </p:style>
+        <p:txBody>
+          <a:bodyPr lIns="90000" rIns="90000" tIns="91440" bIns="91440">
+            <a:normAutofit fontScale="97000"/>
+          </a:bodyPr>
+          <a:p>
+            <a:pPr>
+              <a:lnSpc>
+                <a:spcPct val="100000"/>
+              </a:lnSpc>
+            </a:pPr>
+            <a:r>
+              <a:rPr b="0" lang="lv-LV" sz="2800" spc="-1" strike="noStrike">
                 <a:solidFill>
                   <a:srgbClr val="000000"/>
                 </a:solidFill>
                 <a:latin typeface="Arial"/>
-              </a:rPr>
-              <a:t>Partition</a:t>
-            </a:r>
-            <a:endParaRPr b="0" lang="lv-LV" sz="2500" spc="-1" strike="noStrike">
-              <a:solidFill>
-                <a:srgbClr val="000000"/>
-              </a:solidFill>
-              <a:latin typeface="Arial"/>
-            </a:endParaRPr>
-          </a:p>
-        </p:txBody>
-      </p:sp>
-      <p:sp>
-        <p:nvSpPr>
-          <p:cNvPr id="136" name="TextShape 2"/>
-          <p:cNvSpPr txBox="1"/>
+                <a:ea typeface="Arial"/>
+              </a:rPr>
+              <a:t>Additional Options</a:t>
+            </a:r>
+            <a:endParaRPr b="0" lang="lv-LV" sz="2800" spc="-1" strike="noStrike">
+              <a:latin typeface="Arial"/>
+            </a:endParaRPr>
+          </a:p>
+        </p:txBody>
+      </p:sp>
+      <p:sp>
+        <p:nvSpPr>
+          <p:cNvPr id="136" name="CustomShape 2"/>
+          <p:cNvSpPr/>
           <p:nvPr/>
         </p:nvSpPr>
         <p:spPr>
           <a:xfrm>
-            <a:off x="311760" y="1152360"/>
-            <a:ext cx="8520120" cy="3416040"/>
+            <a:off x="432000" y="1191960"/>
+            <a:ext cx="8519760" cy="3415680"/>
           </a:xfrm>
           <a:prstGeom prst="rect">
             <a:avLst/>
@@ -6201,147 +5936,108 @@
             <a:noFill/>
           </a:ln>
         </p:spPr>
-        <p:txBody>
-          <a:bodyPr lIns="0" rIns="0" tIns="0" bIns="0">
+        <p:style>
+          <a:lnRef idx="0"/>
+          <a:fillRef idx="0"/>
+          <a:effectRef idx="0"/>
+          <a:fontRef idx="minor"/>
+        </p:style>
+        <p:txBody>
+          <a:bodyPr lIns="90000" rIns="90000" tIns="91440" bIns="91440">
             <a:normAutofit/>
           </a:bodyPr>
           <a:p>
-            <a:pPr marL="432000" indent="-324000">
-              <a:spcBef>
-                <a:spcPts val="1417"/>
-              </a:spcBef>
-              <a:buClr>
-                <a:srgbClr val="000000"/>
-              </a:buClr>
-              <a:buSzPct val="45000"/>
-              <a:buFont typeface="Wingdings" charset="2"/>
-              <a:buChar char=""/>
+            <a:pPr>
+              <a:lnSpc>
+                <a:spcPct val="115000"/>
+              </a:lnSpc>
             </a:pPr>
             <a:r>
               <a:rPr b="0" lang="lv-LV" sz="1800" spc="-1" strike="noStrike">
                 <a:solidFill>
-                  <a:srgbClr val="000000"/>
-                </a:solidFill>
-                <a:latin typeface="Arial"/>
-              </a:rPr>
-              <a:t>Group table by data (each month in separated partition // table)</a:t>
+                  <a:srgbClr val="595959"/>
+                </a:solidFill>
+                <a:latin typeface="Arial"/>
+                <a:ea typeface="Arial"/>
+              </a:rPr>
+              <a:t>* Schedulers – runs procedure at a specified interval // time</a:t>
             </a:r>
             <a:endParaRPr b="0" lang="lv-LV" sz="1800" spc="-1" strike="noStrike">
-              <a:solidFill>
-                <a:srgbClr val="000000"/>
-              </a:solidFill>
-              <a:latin typeface="Arial"/>
-            </a:endParaRPr>
-          </a:p>
-          <a:p>
-            <a:pPr marL="432000" indent="-324000">
-              <a:spcBef>
-                <a:spcPts val="1417"/>
-              </a:spcBef>
-              <a:buClr>
-                <a:srgbClr val="000000"/>
-              </a:buClr>
-              <a:buSzPct val="45000"/>
-              <a:buFont typeface="Wingdings" charset="2"/>
-              <a:buChar char=""/>
+              <a:latin typeface="Arial"/>
+            </a:endParaRPr>
+          </a:p>
+          <a:p>
+            <a:pPr>
+              <a:lnSpc>
+                <a:spcPct val="115000"/>
+              </a:lnSpc>
             </a:pPr>
             <a:r>
               <a:rPr b="0" lang="lv-LV" sz="1800" spc="-1" strike="noStrike">
                 <a:solidFill>
-                  <a:srgbClr val="000000"/>
-                </a:solidFill>
-                <a:latin typeface="Arial"/>
-              </a:rPr>
-              <a:t>Don’t intersect partitions data (only statistic summaries)</a:t>
+                  <a:srgbClr val="595959"/>
+                </a:solidFill>
+                <a:latin typeface="Arial"/>
+                <a:ea typeface="Arial"/>
+              </a:rPr>
+              <a:t>* Procedure – executes Queries without resulting in a single transaction</a:t>
             </a:r>
             <a:endParaRPr b="0" lang="lv-LV" sz="1800" spc="-1" strike="noStrike">
-              <a:solidFill>
-                <a:srgbClr val="000000"/>
-              </a:solidFill>
-              <a:latin typeface="Arial"/>
-            </a:endParaRPr>
-          </a:p>
-          <a:p>
-            <a:pPr marL="432000" indent="-324000">
-              <a:spcBef>
-                <a:spcPts val="1417"/>
-              </a:spcBef>
-              <a:buClr>
-                <a:srgbClr val="000000"/>
-              </a:buClr>
-              <a:buSzPct val="45000"/>
-              <a:buFont typeface="Wingdings" charset="2"/>
-              <a:buChar char=""/>
+              <a:latin typeface="Arial"/>
+            </a:endParaRPr>
+          </a:p>
+          <a:p>
+            <a:pPr>
+              <a:lnSpc>
+                <a:spcPct val="115000"/>
+              </a:lnSpc>
             </a:pPr>
             <a:r>
               <a:rPr b="0" lang="lv-LV" sz="1800" spc="-1" strike="noStrike">
                 <a:solidFill>
-                  <a:srgbClr val="000000"/>
-                </a:solidFill>
-                <a:latin typeface="Arial"/>
-              </a:rPr>
-              <a:t>Always pick option with balanced data amount</a:t>
+                  <a:srgbClr val="595959"/>
+                </a:solidFill>
+                <a:latin typeface="Arial"/>
+                <a:ea typeface="Arial"/>
+              </a:rPr>
+              <a:t>* Function – Same as procedure but will return result.</a:t>
             </a:r>
             <a:endParaRPr b="0" lang="lv-LV" sz="1800" spc="-1" strike="noStrike">
-              <a:solidFill>
-                <a:srgbClr val="000000"/>
-              </a:solidFill>
-              <a:latin typeface="Arial"/>
-            </a:endParaRPr>
-          </a:p>
-          <a:p>
-            <a:pPr marL="432000" indent="-324000">
-              <a:spcBef>
-                <a:spcPts val="1417"/>
-              </a:spcBef>
-              <a:buClr>
-                <a:srgbClr val="000000"/>
-              </a:buClr>
-              <a:buSzPct val="45000"/>
-              <a:buFont typeface="Wingdings" charset="2"/>
-              <a:buChar char=""/>
+              <a:latin typeface="Arial"/>
+            </a:endParaRPr>
+          </a:p>
+          <a:p>
+            <a:pPr>
+              <a:lnSpc>
+                <a:spcPct val="115000"/>
+              </a:lnSpc>
+            </a:pPr>
+            <a:endParaRPr b="0" lang="lv-LV" sz="1800" spc="-1" strike="noStrike">
+              <a:latin typeface="Arial"/>
+            </a:endParaRPr>
+          </a:p>
+          <a:p>
+            <a:pPr>
+              <a:lnSpc>
+                <a:spcPct val="115000"/>
+              </a:lnSpc>
             </a:pPr>
             <a:r>
               <a:rPr b="0" lang="lv-LV" sz="1800" spc="-1" strike="noStrike">
                 <a:solidFill>
-                  <a:srgbClr val="000000"/>
-                </a:solidFill>
-                <a:latin typeface="Arial"/>
-              </a:rPr>
-              <a:t>Use CRC32 (first n symbols) on any field if you have nothing in mind</a:t>
+                  <a:srgbClr val="595959"/>
+                </a:solidFill>
+                <a:latin typeface="Arial"/>
+                <a:ea typeface="Arial"/>
+              </a:rPr>
+              <a:t>* wouldn’t recommend doing many of them. They are hard to debug and can lead to huge deadlocks. Also, developers may have magic.</a:t>
             </a:r>
             <a:endParaRPr b="0" lang="lv-LV" sz="1800" spc="-1" strike="noStrike">
-              <a:solidFill>
-                <a:srgbClr val="000000"/>
-              </a:solidFill>
-              <a:latin typeface="Arial"/>
-            </a:endParaRPr>
-          </a:p>
-        </p:txBody>
-      </p:sp>
-      <p:pic>
-        <p:nvPicPr>
-          <p:cNvPr id="137" name="" descr=""/>
-          <p:cNvPicPr/>
-          <p:nvPr/>
-        </p:nvPicPr>
-        <p:blipFill>
-          <a:blip r:embed="rId1"/>
-          <a:stretch/>
-        </p:blipFill>
-        <p:spPr>
-          <a:xfrm>
-            <a:off x="1512000" y="3214440"/>
-            <a:ext cx="2219040" cy="1609560"/>
-          </a:xfrm>
-          <a:prstGeom prst="rect">
-            <a:avLst/>
-          </a:prstGeom>
-          <a:ln>
-            <a:noFill/>
-          </a:ln>
-        </p:spPr>
-      </p:pic>
+              <a:latin typeface="Arial"/>
+            </a:endParaRPr>
+          </a:p>
+        </p:txBody>
+      </p:sp>
     </p:spTree>
   </p:cSld>
   <mc:AlternateContent>
@@ -6374,14 +6070,14 @@
       </p:grpSpPr>
       <p:sp>
         <p:nvSpPr>
-          <p:cNvPr id="138" name="TextShape 1"/>
-          <p:cNvSpPr txBox="1"/>
+          <p:cNvPr id="137" name="CustomShape 1"/>
+          <p:cNvSpPr/>
           <p:nvPr/>
         </p:nvSpPr>
         <p:spPr>
           <a:xfrm>
             <a:off x="311760" y="444960"/>
-            <a:ext cx="8520120" cy="572400"/>
+            <a:ext cx="8519760" cy="572040"/>
           </a:xfrm>
           <a:prstGeom prst="rect">
             <a:avLst/>
@@ -6391,8 +6087,14 @@
             <a:noFill/>
           </a:ln>
         </p:spPr>
-        <p:txBody>
-          <a:bodyPr tIns="91440" bIns="91440">
+        <p:style>
+          <a:lnRef idx="0"/>
+          <a:fillRef idx="0"/>
+          <a:effectRef idx="0"/>
+          <a:fontRef idx="minor"/>
+        </p:style>
+        <p:txBody>
+          <a:bodyPr lIns="90000" rIns="90000" tIns="91440" bIns="91440">
             <a:normAutofit fontScale="97000"/>
           </a:bodyPr>
           <a:p>
@@ -6409,27 +6111,24 @@
                 <a:latin typeface="Arial"/>
                 <a:ea typeface="Arial"/>
               </a:rPr>
-              <a:t>Additional Options</a:t>
+              <a:t>Best to evade ?</a:t>
             </a:r>
             <a:endParaRPr b="0" lang="lv-LV" sz="2800" spc="-1" strike="noStrike">
-              <a:solidFill>
-                <a:srgbClr val="000000"/>
-              </a:solidFill>
-              <a:latin typeface="Arial"/>
-            </a:endParaRPr>
-          </a:p>
-        </p:txBody>
-      </p:sp>
-      <p:sp>
-        <p:nvSpPr>
-          <p:cNvPr id="139" name="TextShape 2"/>
-          <p:cNvSpPr txBox="1"/>
+              <a:latin typeface="Arial"/>
+            </a:endParaRPr>
+          </a:p>
+        </p:txBody>
+      </p:sp>
+      <p:sp>
+        <p:nvSpPr>
+          <p:cNvPr id="138" name="CustomShape 2"/>
+          <p:cNvSpPr/>
           <p:nvPr/>
         </p:nvSpPr>
         <p:spPr>
           <a:xfrm>
-            <a:off x="432000" y="1191960"/>
-            <a:ext cx="8520120" cy="3416040"/>
+            <a:off x="311760" y="1152360"/>
+            <a:ext cx="8519760" cy="3415680"/>
           </a:xfrm>
           <a:prstGeom prst="rect">
             <a:avLst/>
@@ -6439,8 +6138,14 @@
             <a:noFill/>
           </a:ln>
         </p:spPr>
-        <p:txBody>
-          <a:bodyPr tIns="91440" bIns="91440">
+        <p:style>
+          <a:lnRef idx="0"/>
+          <a:fillRef idx="0"/>
+          <a:effectRef idx="0"/>
+          <a:fontRef idx="minor"/>
+        </p:style>
+        <p:txBody>
+          <a:bodyPr lIns="90000" rIns="90000" tIns="91440" bIns="91440">
             <a:normAutofit/>
           </a:bodyPr>
           <a:p>
@@ -6457,12 +6162,9 @@
                 <a:latin typeface="Arial"/>
                 <a:ea typeface="Arial"/>
               </a:rPr>
-              <a:t>* Schedulers – runs procedure at specified interval // time</a:t>
+              <a:t>* Huge table better not to use DROP TABLE or ALTER TABLE</a:t>
             </a:r>
             <a:endParaRPr b="0" lang="lv-LV" sz="1800" spc="-1" strike="noStrike">
-              <a:solidFill>
-                <a:srgbClr val="000000"/>
-              </a:solidFill>
               <a:latin typeface="Arial"/>
             </a:endParaRPr>
           </a:p>
@@ -6480,12 +6182,9 @@
                 <a:latin typeface="Arial"/>
                 <a:ea typeface="Arial"/>
               </a:rPr>
-              <a:t>* Procedure – executes Queries without result in single transaction</a:t>
+              <a:t>* You can create a new table, sync it with prev, then swap tables with Rename.</a:t>
             </a:r>
             <a:endParaRPr b="0" lang="lv-LV" sz="1800" spc="-1" strike="noStrike">
-              <a:solidFill>
-                <a:srgbClr val="000000"/>
-              </a:solidFill>
               <a:latin typeface="Arial"/>
             </a:endParaRPr>
           </a:p>
@@ -6503,12 +6202,9 @@
                 <a:latin typeface="Arial"/>
                 <a:ea typeface="Arial"/>
               </a:rPr>
-              <a:t>* Function – Same as procedure but will return result.</a:t>
+              <a:t>* If you want to swap, pick the right order and check on non-prod envs.</a:t>
             </a:r>
             <a:endParaRPr b="0" lang="lv-LV" sz="1800" spc="-1" strike="noStrike">
-              <a:solidFill>
-                <a:srgbClr val="000000"/>
-              </a:solidFill>
               <a:latin typeface="Arial"/>
             </a:endParaRPr>
           </a:p>
@@ -6518,33 +6214,17 @@
                 <a:spcPct val="115000"/>
               </a:lnSpc>
             </a:pPr>
+            <a:r>
+              <a:rPr b="0" lang="lv-LV" sz="1800" spc="-1" strike="noStrike">
+                <a:solidFill>
+                  <a:srgbClr val="595959"/>
+                </a:solidFill>
+                <a:latin typeface="Arial"/>
+                <a:ea typeface="Arial"/>
+              </a:rPr>
+              <a:t>* migrate existing data after renaming (there will be data and a time gap can even be big, so migrating 1 or 2 weeks is a good choice)</a:t>
+            </a:r>
             <a:endParaRPr b="0" lang="lv-LV" sz="1800" spc="-1" strike="noStrike">
-              <a:solidFill>
-                <a:srgbClr val="000000"/>
-              </a:solidFill>
-              <a:latin typeface="Arial"/>
-            </a:endParaRPr>
-          </a:p>
-          <a:p>
-            <a:pPr>
-              <a:lnSpc>
-                <a:spcPct val="115000"/>
-              </a:lnSpc>
-            </a:pPr>
-            <a:r>
-              <a:rPr b="0" lang="lv-LV" sz="1800" spc="-1" strike="noStrike">
-                <a:solidFill>
-                  <a:srgbClr val="595959"/>
-                </a:solidFill>
-                <a:latin typeface="Arial"/>
-                <a:ea typeface="Arial"/>
-              </a:rPr>
-              <a:t>* wouldn’t recommend to do many of them. They are hard to debug and can lead to huge deadlocks. Also developers may have magic.</a:t>
-            </a:r>
-            <a:endParaRPr b="0" lang="lv-LV" sz="1800" spc="-1" strike="noStrike">
-              <a:solidFill>
-                <a:srgbClr val="000000"/>
-              </a:solidFill>
               <a:latin typeface="Arial"/>
             </a:endParaRPr>
           </a:p>
@@ -6582,14 +6262,14 @@
       </p:grpSpPr>
       <p:sp>
         <p:nvSpPr>
-          <p:cNvPr id="140" name="TextShape 1"/>
-          <p:cNvSpPr txBox="1"/>
+          <p:cNvPr id="139" name="CustomShape 1"/>
+          <p:cNvSpPr/>
           <p:nvPr/>
         </p:nvSpPr>
         <p:spPr>
           <a:xfrm>
             <a:off x="311760" y="444960"/>
-            <a:ext cx="8520120" cy="572400"/>
+            <a:ext cx="8519760" cy="572040"/>
           </a:xfrm>
           <a:prstGeom prst="rect">
             <a:avLst/>
@@ -6599,8 +6279,14 @@
             <a:noFill/>
           </a:ln>
         </p:spPr>
-        <p:txBody>
-          <a:bodyPr tIns="91440" bIns="91440">
+        <p:style>
+          <a:lnRef idx="0"/>
+          <a:fillRef idx="0"/>
+          <a:effectRef idx="0"/>
+          <a:fontRef idx="minor"/>
+        </p:style>
+        <p:txBody>
+          <a:bodyPr lIns="90000" rIns="90000" tIns="91440" bIns="91440">
             <a:normAutofit fontScale="97000"/>
           </a:bodyPr>
           <a:p>
@@ -6617,27 +6303,24 @@
                 <a:latin typeface="Arial"/>
                 <a:ea typeface="Arial"/>
               </a:rPr>
-              <a:t>Best to evade ?</a:t>
+              <a:t>Is there any risks on rename  ?</a:t>
             </a:r>
             <a:endParaRPr b="0" lang="lv-LV" sz="2800" spc="-1" strike="noStrike">
-              <a:solidFill>
-                <a:srgbClr val="000000"/>
-              </a:solidFill>
-              <a:latin typeface="Arial"/>
-            </a:endParaRPr>
-          </a:p>
-        </p:txBody>
-      </p:sp>
-      <p:sp>
-        <p:nvSpPr>
-          <p:cNvPr id="141" name="TextShape 2"/>
-          <p:cNvSpPr txBox="1"/>
+              <a:latin typeface="Arial"/>
+            </a:endParaRPr>
+          </a:p>
+        </p:txBody>
+      </p:sp>
+      <p:sp>
+        <p:nvSpPr>
+          <p:cNvPr id="140" name="CustomShape 2"/>
+          <p:cNvSpPr/>
           <p:nvPr/>
         </p:nvSpPr>
         <p:spPr>
           <a:xfrm>
-            <a:off x="311760" y="1152360"/>
-            <a:ext cx="8520120" cy="3416040"/>
+            <a:off x="479880" y="1119960"/>
+            <a:ext cx="8519760" cy="3415680"/>
           </a:xfrm>
           <a:prstGeom prst="rect">
             <a:avLst/>
@@ -6647,8 +6330,14 @@
             <a:noFill/>
           </a:ln>
         </p:spPr>
-        <p:txBody>
-          <a:bodyPr tIns="91440" bIns="91440">
+        <p:style>
+          <a:lnRef idx="0"/>
+          <a:fillRef idx="0"/>
+          <a:effectRef idx="0"/>
+          <a:fontRef idx="minor"/>
+        </p:style>
+        <p:txBody>
+          <a:bodyPr lIns="90000" rIns="90000" tIns="91440" bIns="91440">
             <a:normAutofit/>
           </a:bodyPr>
           <a:p>
@@ -6665,12 +6354,9 @@
                 <a:latin typeface="Arial"/>
                 <a:ea typeface="Arial"/>
               </a:rPr>
-              <a:t>* Huge table better to not use DROP TABLE or ALTER TABLE</a:t>
+              <a:t>* during rename there will be moments when there won’t be a table.</a:t>
             </a:r>
             <a:endParaRPr b="0" lang="lv-LV" sz="1800" spc="-1" strike="noStrike">
-              <a:solidFill>
-                <a:srgbClr val="000000"/>
-              </a:solidFill>
               <a:latin typeface="Arial"/>
             </a:endParaRPr>
           </a:p>
@@ -6688,12 +6374,9 @@
                 <a:latin typeface="Arial"/>
                 <a:ea typeface="Arial"/>
               </a:rPr>
-              <a:t>* You can create new table sync it with prev then swap tables with Rename.</a:t>
+              <a:t>* You can stop production tables.</a:t>
             </a:r>
             <a:endParaRPr b="0" lang="lv-LV" sz="1800" spc="-1" strike="noStrike">
-              <a:solidFill>
-                <a:srgbClr val="000000"/>
-              </a:solidFill>
               <a:latin typeface="Arial"/>
             </a:endParaRPr>
           </a:p>
@@ -6711,43 +6394,37 @@
                 <a:latin typeface="Arial"/>
                 <a:ea typeface="Arial"/>
               </a:rPr>
-              <a:t>* If you will swap pick right order and check on non prod envs.</a:t>
+              <a:t>* You can make logic first work for both cases, then rename without risk.</a:t>
             </a:r>
             <a:endParaRPr b="0" lang="lv-LV" sz="1800" spc="-1" strike="noStrike">
-              <a:solidFill>
-                <a:srgbClr val="000000"/>
-              </a:solidFill>
-              <a:latin typeface="Arial"/>
-            </a:endParaRPr>
-          </a:p>
-          <a:p>
-            <a:pPr>
-              <a:lnSpc>
-                <a:spcPct val="115000"/>
-              </a:lnSpc>
-              <a:spcBef>
-                <a:spcPts val="1199"/>
-              </a:spcBef>
-            </a:pPr>
-            <a:r>
-              <a:rPr b="0" lang="lv-LV" sz="1800" spc="-1" strike="noStrike">
-                <a:solidFill>
-                  <a:srgbClr val="595959"/>
-                </a:solidFill>
-                <a:latin typeface="Arial"/>
-                <a:ea typeface="Arial"/>
-              </a:rPr>
-              <a:t>* migrate existing data after rename (there will be data and time gap can even be big so migrate 1 or 2 weeks is good choice)</a:t>
-            </a:r>
-            <a:endParaRPr b="0" lang="lv-LV" sz="1800" spc="-1" strike="noStrike">
-              <a:solidFill>
-                <a:srgbClr val="000000"/>
-              </a:solidFill>
-              <a:latin typeface="Arial"/>
-            </a:endParaRPr>
-          </a:p>
-        </p:txBody>
-      </p:sp>
+              <a:latin typeface="Arial"/>
+            </a:endParaRPr>
+          </a:p>
+        </p:txBody>
+      </p:sp>
+      <p:pic>
+        <p:nvPicPr>
+          <p:cNvPr id="141" name="" descr=""/>
+          <p:cNvPicPr/>
+          <p:nvPr/>
+        </p:nvPicPr>
+        <p:blipFill>
+          <a:blip r:embed="rId1"/>
+          <a:stretch/>
+        </p:blipFill>
+        <p:spPr>
+          <a:xfrm>
+            <a:off x="7416000" y="324000"/>
+            <a:ext cx="1342440" cy="1475640"/>
+          </a:xfrm>
+          <a:prstGeom prst="rect">
+            <a:avLst/>
+          </a:prstGeom>
+          <a:ln>
+            <a:noFill/>
+          </a:ln>
+        </p:spPr>
+      </p:pic>
     </p:spTree>
   </p:cSld>
   <mc:AlternateContent>
@@ -6780,14 +6457,14 @@
       </p:grpSpPr>
       <p:sp>
         <p:nvSpPr>
-          <p:cNvPr id="142" name="TextShape 1"/>
-          <p:cNvSpPr txBox="1"/>
+          <p:cNvPr id="142" name="CustomShape 1"/>
+          <p:cNvSpPr/>
           <p:nvPr/>
         </p:nvSpPr>
         <p:spPr>
           <a:xfrm>
             <a:off x="311760" y="444960"/>
-            <a:ext cx="8520120" cy="572400"/>
+            <a:ext cx="8519760" cy="572040"/>
           </a:xfrm>
           <a:prstGeom prst="rect">
             <a:avLst/>
@@ -6797,8 +6474,14 @@
             <a:noFill/>
           </a:ln>
         </p:spPr>
-        <p:txBody>
-          <a:bodyPr tIns="91440" bIns="91440">
+        <p:style>
+          <a:lnRef idx="0"/>
+          <a:fillRef idx="0"/>
+          <a:effectRef idx="0"/>
+          <a:fontRef idx="minor"/>
+        </p:style>
+        <p:txBody>
+          <a:bodyPr lIns="90000" rIns="90000" tIns="91440" bIns="91440">
             <a:normAutofit fontScale="97000"/>
           </a:bodyPr>
           <a:p>
@@ -6815,27 +6498,24 @@
                 <a:latin typeface="Arial"/>
                 <a:ea typeface="Arial"/>
               </a:rPr>
-              <a:t>Is there any risks on rename  ?</a:t>
+              <a:t>What to do for optimization ?</a:t>
             </a:r>
             <a:endParaRPr b="0" lang="lv-LV" sz="2800" spc="-1" strike="noStrike">
-              <a:solidFill>
-                <a:srgbClr val="000000"/>
-              </a:solidFill>
-              <a:latin typeface="Arial"/>
-            </a:endParaRPr>
-          </a:p>
-        </p:txBody>
-      </p:sp>
-      <p:sp>
-        <p:nvSpPr>
-          <p:cNvPr id="143" name="TextShape 2"/>
-          <p:cNvSpPr txBox="1"/>
+              <a:latin typeface="Arial"/>
+            </a:endParaRPr>
+          </a:p>
+        </p:txBody>
+      </p:sp>
+      <p:sp>
+        <p:nvSpPr>
+          <p:cNvPr id="143" name="CustomShape 2"/>
+          <p:cNvSpPr/>
           <p:nvPr/>
         </p:nvSpPr>
         <p:spPr>
           <a:xfrm>
-            <a:off x="479880" y="1119960"/>
-            <a:ext cx="8520120" cy="3416040"/>
+            <a:off x="311760" y="1152360"/>
+            <a:ext cx="8519760" cy="3415680"/>
           </a:xfrm>
           <a:prstGeom prst="rect">
             <a:avLst/>
@@ -6845,8 +6525,14 @@
             <a:noFill/>
           </a:ln>
         </p:spPr>
-        <p:txBody>
-          <a:bodyPr tIns="91440" bIns="91440">
+        <p:style>
+          <a:lnRef idx="0"/>
+          <a:fillRef idx="0"/>
+          <a:effectRef idx="0"/>
+          <a:fontRef idx="minor"/>
+        </p:style>
+        <p:txBody>
+          <a:bodyPr lIns="90000" rIns="90000" tIns="91440" bIns="91440">
             <a:normAutofit/>
           </a:bodyPr>
           <a:p>
@@ -6854,32 +6540,6 @@
               <a:lnSpc>
                 <a:spcPct val="115000"/>
               </a:lnSpc>
-            </a:pPr>
-            <a:r>
-              <a:rPr b="0" lang="lv-LV" sz="1800" spc="-1" strike="noStrike">
-                <a:solidFill>
-                  <a:srgbClr val="595959"/>
-                </a:solidFill>
-                <a:latin typeface="Arial"/>
-                <a:ea typeface="Arial"/>
-              </a:rPr>
-              <a:t>* during rename there will be moment when there won’t be table.</a:t>
-            </a:r>
-            <a:endParaRPr b="0" lang="lv-LV" sz="1800" spc="-1" strike="noStrike">
-              <a:solidFill>
-                <a:srgbClr val="000000"/>
-              </a:solidFill>
-              <a:latin typeface="Arial"/>
-            </a:endParaRPr>
-          </a:p>
-          <a:p>
-            <a:pPr>
-              <a:lnSpc>
-                <a:spcPct val="115000"/>
-              </a:lnSpc>
-              <a:spcBef>
-                <a:spcPts val="1199"/>
-              </a:spcBef>
               <a:spcAft>
                 <a:spcPts val="1199"/>
               </a:spcAft>
@@ -6892,41 +6552,9 @@
                 <a:latin typeface="Arial"/>
                 <a:ea typeface="Arial"/>
               </a:rPr>
-              <a:t>* You can stop production tables.</a:t>
+              <a:t>Better to just grow structure of tables.</a:t>
             </a:r>
             <a:endParaRPr b="0" lang="lv-LV" sz="1800" spc="-1" strike="noStrike">
-              <a:solidFill>
-                <a:srgbClr val="000000"/>
-              </a:solidFill>
-              <a:latin typeface="Arial"/>
-            </a:endParaRPr>
-          </a:p>
-          <a:p>
-            <a:pPr>
-              <a:lnSpc>
-                <a:spcPct val="115000"/>
-              </a:lnSpc>
-              <a:spcBef>
-                <a:spcPts val="1199"/>
-              </a:spcBef>
-              <a:spcAft>
-                <a:spcPts val="1199"/>
-              </a:spcAft>
-            </a:pPr>
-            <a:r>
-              <a:rPr b="0" lang="lv-LV" sz="1800" spc="-1" strike="noStrike">
-                <a:solidFill>
-                  <a:srgbClr val="595959"/>
-                </a:solidFill>
-                <a:latin typeface="Arial"/>
-                <a:ea typeface="Arial"/>
-              </a:rPr>
-              <a:t>* You can make logic first working for both cases then rename without risk.</a:t>
-            </a:r>
-            <a:endParaRPr b="0" lang="lv-LV" sz="1800" spc="-1" strike="noStrike">
-              <a:solidFill>
-                <a:srgbClr val="000000"/>
-              </a:solidFill>
               <a:latin typeface="Arial"/>
             </a:endParaRPr>
           </a:p>
@@ -6944,8 +6572,54 @@
         </p:blipFill>
         <p:spPr>
           <a:xfrm>
-            <a:off x="7416000" y="324000"/>
-            <a:ext cx="1342800" cy="1476000"/>
+            <a:off x="610200" y="2016000"/>
+            <a:ext cx="2485440" cy="1456560"/>
+          </a:xfrm>
+          <a:prstGeom prst="rect">
+            <a:avLst/>
+          </a:prstGeom>
+          <a:ln>
+            <a:noFill/>
+          </a:ln>
+        </p:spPr>
+      </p:pic>
+      <p:pic>
+        <p:nvPicPr>
+          <p:cNvPr id="145" name="" descr=""/>
+          <p:cNvPicPr/>
+          <p:nvPr/>
+        </p:nvPicPr>
+        <p:blipFill>
+          <a:blip r:embed="rId2"/>
+          <a:stretch/>
+        </p:blipFill>
+        <p:spPr>
+          <a:xfrm>
+            <a:off x="4104000" y="1931400"/>
+            <a:ext cx="2637720" cy="1380240"/>
+          </a:xfrm>
+          <a:prstGeom prst="rect">
+            <a:avLst/>
+          </a:prstGeom>
+          <a:ln>
+            <a:noFill/>
+          </a:ln>
+        </p:spPr>
+      </p:pic>
+      <p:pic>
+        <p:nvPicPr>
+          <p:cNvPr id="146" name="" descr=""/>
+          <p:cNvPicPr/>
+          <p:nvPr/>
+        </p:nvPicPr>
+        <p:blipFill>
+          <a:blip r:embed="rId3"/>
+          <a:stretch/>
+        </p:blipFill>
+        <p:spPr>
+          <a:xfrm>
+            <a:off x="5904000" y="556920"/>
+            <a:ext cx="2390040" cy="1170720"/>
           </a:xfrm>
           <a:prstGeom prst="rect">
             <a:avLst/>
@@ -6987,14 +6661,14 @@
       </p:grpSpPr>
       <p:sp>
         <p:nvSpPr>
-          <p:cNvPr id="145" name="TextShape 1"/>
-          <p:cNvSpPr txBox="1"/>
+          <p:cNvPr id="147" name="CustomShape 1"/>
+          <p:cNvSpPr/>
           <p:nvPr/>
         </p:nvSpPr>
         <p:spPr>
           <a:xfrm>
             <a:off x="311760" y="444960"/>
-            <a:ext cx="8520120" cy="572400"/>
+            <a:ext cx="8519760" cy="572040"/>
           </a:xfrm>
           <a:prstGeom prst="rect">
             <a:avLst/>
@@ -7004,8 +6678,14 @@
             <a:noFill/>
           </a:ln>
         </p:spPr>
-        <p:txBody>
-          <a:bodyPr tIns="91440" bIns="91440">
+        <p:style>
+          <a:lnRef idx="0"/>
+          <a:fillRef idx="0"/>
+          <a:effectRef idx="0"/>
+          <a:fontRef idx="minor"/>
+        </p:style>
+        <p:txBody>
+          <a:bodyPr lIns="90000" rIns="90000" tIns="91440" bIns="91440">
             <a:normAutofit fontScale="97000"/>
           </a:bodyPr>
           <a:p>
@@ -7022,27 +6702,24 @@
                 <a:latin typeface="Arial"/>
                 <a:ea typeface="Arial"/>
               </a:rPr>
-              <a:t>What to do for optimization ?</a:t>
+              <a:t>What you should know about complex queries.</a:t>
             </a:r>
             <a:endParaRPr b="0" lang="lv-LV" sz="2800" spc="-1" strike="noStrike">
-              <a:solidFill>
-                <a:srgbClr val="000000"/>
-              </a:solidFill>
-              <a:latin typeface="Arial"/>
-            </a:endParaRPr>
-          </a:p>
-        </p:txBody>
-      </p:sp>
-      <p:sp>
-        <p:nvSpPr>
-          <p:cNvPr id="146" name="TextShape 2"/>
-          <p:cNvSpPr txBox="1"/>
+              <a:latin typeface="Arial"/>
+            </a:endParaRPr>
+          </a:p>
+        </p:txBody>
+      </p:sp>
+      <p:sp>
+        <p:nvSpPr>
+          <p:cNvPr id="148" name="CustomShape 2"/>
+          <p:cNvSpPr/>
           <p:nvPr/>
         </p:nvSpPr>
         <p:spPr>
           <a:xfrm>
             <a:off x="311760" y="1152360"/>
-            <a:ext cx="8520120" cy="3416040"/>
+            <a:ext cx="8519760" cy="3415680"/>
           </a:xfrm>
           <a:prstGeom prst="rect">
             <a:avLst/>
@@ -7052,8 +6729,14 @@
             <a:noFill/>
           </a:ln>
         </p:spPr>
-        <p:txBody>
-          <a:bodyPr tIns="91440" bIns="91440">
+        <p:style>
+          <a:lnRef idx="0"/>
+          <a:fillRef idx="0"/>
+          <a:effectRef idx="0"/>
+          <a:fontRef idx="minor"/>
+        </p:style>
+        <p:txBody>
+          <a:bodyPr lIns="90000" rIns="90000" tIns="91440" bIns="91440">
             <a:normAutofit/>
           </a:bodyPr>
           <a:p>
@@ -7061,9 +6744,6 @@
               <a:lnSpc>
                 <a:spcPct val="115000"/>
               </a:lnSpc>
-              <a:spcAft>
-                <a:spcPts val="1199"/>
-              </a:spcAft>
             </a:pPr>
             <a:r>
               <a:rPr b="0" lang="lv-LV" sz="1800" spc="-1" strike="noStrike">
@@ -7073,86 +6753,104 @@
                 <a:latin typeface="Arial"/>
                 <a:ea typeface="Arial"/>
               </a:rPr>
-              <a:t>better to just grow structure of tables.</a:t>
+              <a:t>There are tons of grouping functions, like AI may help with finding the right approach for your case.</a:t>
             </a:r>
             <a:endParaRPr b="0" lang="lv-LV" sz="1800" spc="-1" strike="noStrike">
-              <a:solidFill>
-                <a:srgbClr val="000000"/>
-              </a:solidFill>
-              <a:latin typeface="Arial"/>
-            </a:endParaRPr>
-          </a:p>
-        </p:txBody>
-      </p:sp>
-      <p:pic>
-        <p:nvPicPr>
-          <p:cNvPr id="147" name="" descr=""/>
-          <p:cNvPicPr/>
-          <p:nvPr/>
-        </p:nvPicPr>
-        <p:blipFill>
-          <a:blip r:embed="rId1"/>
-          <a:stretch/>
-        </p:blipFill>
-        <p:spPr>
-          <a:xfrm>
-            <a:off x="610200" y="2016000"/>
-            <a:ext cx="2485800" cy="1456920"/>
-          </a:xfrm>
-          <a:prstGeom prst="rect">
-            <a:avLst/>
-          </a:prstGeom>
-          <a:ln>
-            <a:noFill/>
-          </a:ln>
-        </p:spPr>
-      </p:pic>
-      <p:pic>
-        <p:nvPicPr>
-          <p:cNvPr id="148" name="" descr=""/>
-          <p:cNvPicPr/>
-          <p:nvPr/>
-        </p:nvPicPr>
-        <p:blipFill>
-          <a:blip r:embed="rId2"/>
-          <a:stretch/>
-        </p:blipFill>
-        <p:spPr>
-          <a:xfrm>
-            <a:off x="4104000" y="1931400"/>
-            <a:ext cx="2638080" cy="1380600"/>
-          </a:xfrm>
-          <a:prstGeom prst="rect">
-            <a:avLst/>
-          </a:prstGeom>
-          <a:ln>
-            <a:noFill/>
-          </a:ln>
-        </p:spPr>
-      </p:pic>
-      <p:pic>
-        <p:nvPicPr>
-          <p:cNvPr id="149" name="" descr=""/>
-          <p:cNvPicPr/>
-          <p:nvPr/>
-        </p:nvPicPr>
-        <p:blipFill>
-          <a:blip r:embed="rId3"/>
-          <a:stretch/>
-        </p:blipFill>
-        <p:spPr>
-          <a:xfrm>
-            <a:off x="5904000" y="556920"/>
-            <a:ext cx="2390400" cy="1171080"/>
-          </a:xfrm>
-          <a:prstGeom prst="rect">
-            <a:avLst/>
-          </a:prstGeom>
-          <a:ln>
-            <a:noFill/>
-          </a:ln>
-        </p:spPr>
-      </p:pic>
+              <a:latin typeface="Arial"/>
+            </a:endParaRPr>
+          </a:p>
+          <a:p>
+            <a:pPr>
+              <a:lnSpc>
+                <a:spcPct val="115000"/>
+              </a:lnSpc>
+            </a:pPr>
+            <a:endParaRPr b="0" lang="lv-LV" sz="1800" spc="-1" strike="noStrike">
+              <a:latin typeface="Arial"/>
+            </a:endParaRPr>
+          </a:p>
+          <a:p>
+            <a:pPr>
+              <a:lnSpc>
+                <a:spcPct val="115000"/>
+              </a:lnSpc>
+            </a:pPr>
+            <a:r>
+              <a:rPr b="0" lang="lv-LV" sz="1800" spc="-1" strike="noStrike">
+                <a:solidFill>
+                  <a:srgbClr val="595959"/>
+                </a:solidFill>
+                <a:latin typeface="Arial"/>
+                <a:ea typeface="Arial"/>
+              </a:rPr>
+              <a:t>With</a:t>
+            </a:r>
+            <a:endParaRPr b="0" lang="lv-LV" sz="1800" spc="-1" strike="noStrike">
+              <a:latin typeface="Arial"/>
+            </a:endParaRPr>
+          </a:p>
+          <a:p>
+            <a:pPr>
+              <a:lnSpc>
+                <a:spcPct val="115000"/>
+              </a:lnSpc>
+            </a:pPr>
+            <a:r>
+              <a:rPr b="0" lang="lv-LV" sz="1800" spc="-1" strike="noStrike">
+                <a:solidFill>
+                  <a:srgbClr val="595959"/>
+                </a:solidFill>
+                <a:latin typeface="Arial"/>
+                <a:ea typeface="Arial"/>
+              </a:rPr>
+              <a:t>Union</a:t>
+            </a:r>
+            <a:endParaRPr b="0" lang="lv-LV" sz="1800" spc="-1" strike="noStrike">
+              <a:latin typeface="Arial"/>
+            </a:endParaRPr>
+          </a:p>
+          <a:p>
+            <a:pPr>
+              <a:lnSpc>
+                <a:spcPct val="115000"/>
+              </a:lnSpc>
+            </a:pPr>
+            <a:r>
+              <a:rPr b="0" lang="lv-LV" sz="1800" spc="-1" strike="noStrike">
+                <a:solidFill>
+                  <a:srgbClr val="595959"/>
+                </a:solidFill>
+                <a:latin typeface="Arial"/>
+                <a:ea typeface="Arial"/>
+              </a:rPr>
+              <a:t>GROUP BY</a:t>
+            </a:r>
+            <a:endParaRPr b="0" lang="lv-LV" sz="1800" spc="-1" strike="noStrike">
+              <a:latin typeface="Arial"/>
+            </a:endParaRPr>
+          </a:p>
+          <a:p>
+            <a:pPr>
+              <a:lnSpc>
+                <a:spcPct val="115000"/>
+              </a:lnSpc>
+            </a:pPr>
+            <a:r>
+              <a:rPr b="0" lang="lv-LV" sz="1800" spc="-1" strike="noStrike">
+                <a:solidFill>
+                  <a:srgbClr val="595959"/>
+                </a:solidFill>
+                <a:latin typeface="Arial"/>
+                <a:ea typeface="Arial"/>
+              </a:rPr>
+              <a:t>Distinct</a:t>
+            </a:r>
+            <a:endParaRPr b="0" lang="lv-LV" sz="1800" spc="-1" strike="noStrike">
+              <a:latin typeface="Arial"/>
+            </a:endParaRPr>
+          </a:p>
+        </p:txBody>
+      </p:sp>
     </p:spTree>
   </p:cSld>
   <mc:AlternateContent>
@@ -7185,14 +6883,14 @@
       </p:grpSpPr>
       <p:sp>
         <p:nvSpPr>
-          <p:cNvPr id="150" name="TextShape 1"/>
-          <p:cNvSpPr txBox="1"/>
+          <p:cNvPr id="149" name="CustomShape 1"/>
+          <p:cNvSpPr/>
           <p:nvPr/>
         </p:nvSpPr>
         <p:spPr>
           <a:xfrm>
             <a:off x="311760" y="444960"/>
-            <a:ext cx="8520120" cy="572400"/>
+            <a:ext cx="8519760" cy="572040"/>
           </a:xfrm>
           <a:prstGeom prst="rect">
             <a:avLst/>
@@ -7202,8 +6900,14 @@
             <a:noFill/>
           </a:ln>
         </p:spPr>
-        <p:txBody>
-          <a:bodyPr tIns="91440" bIns="91440">
+        <p:style>
+          <a:lnRef idx="0"/>
+          <a:fillRef idx="0"/>
+          <a:effectRef idx="0"/>
+          <a:fontRef idx="minor"/>
+        </p:style>
+        <p:txBody>
+          <a:bodyPr lIns="90000" rIns="90000" tIns="91440" bIns="91440">
             <a:normAutofit fontScale="97000"/>
           </a:bodyPr>
           <a:p>
@@ -7220,27 +6924,24 @@
                 <a:latin typeface="Arial"/>
                 <a:ea typeface="Arial"/>
               </a:rPr>
-              <a:t>What you should know about complex queries.</a:t>
+              <a:t>Something Useful about table data grouping</a:t>
             </a:r>
             <a:endParaRPr b="0" lang="lv-LV" sz="2800" spc="-1" strike="noStrike">
-              <a:solidFill>
-                <a:srgbClr val="000000"/>
-              </a:solidFill>
-              <a:latin typeface="Arial"/>
-            </a:endParaRPr>
-          </a:p>
-        </p:txBody>
-      </p:sp>
-      <p:sp>
-        <p:nvSpPr>
-          <p:cNvPr id="151" name="TextShape 2"/>
-          <p:cNvSpPr txBox="1"/>
+              <a:latin typeface="Arial"/>
+            </a:endParaRPr>
+          </a:p>
+        </p:txBody>
+      </p:sp>
+      <p:sp>
+        <p:nvSpPr>
+          <p:cNvPr id="150" name="CustomShape 2"/>
+          <p:cNvSpPr/>
           <p:nvPr/>
         </p:nvSpPr>
         <p:spPr>
           <a:xfrm>
             <a:off x="311760" y="1152360"/>
-            <a:ext cx="8520120" cy="3416040"/>
+            <a:ext cx="8519760" cy="3415680"/>
           </a:xfrm>
           <a:prstGeom prst="rect">
             <a:avLst/>
@@ -7250,8 +6951,14 @@
             <a:noFill/>
           </a:ln>
         </p:spPr>
-        <p:txBody>
-          <a:bodyPr tIns="91440" bIns="91440">
+        <p:style>
+          <a:lnRef idx="0"/>
+          <a:fillRef idx="0"/>
+          <a:effectRef idx="0"/>
+          <a:fontRef idx="minor"/>
+        </p:style>
+        <p:txBody>
+          <a:bodyPr lIns="90000" rIns="90000" tIns="91440" bIns="91440">
             <a:normAutofit/>
           </a:bodyPr>
           <a:p>
@@ -7268,12 +6975,9 @@
                 <a:latin typeface="Arial"/>
                 <a:ea typeface="Arial"/>
               </a:rPr>
-              <a:t>There are tons of grouping functions like, AI may help with finding right approaches for your case</a:t>
+              <a:t>* DISTINCT — where possible</a:t>
             </a:r>
             <a:endParaRPr b="0" lang="lv-LV" sz="1800" spc="-1" strike="noStrike">
-              <a:solidFill>
-                <a:srgbClr val="000000"/>
-              </a:solidFill>
               <a:latin typeface="Arial"/>
             </a:endParaRPr>
           </a:p>
@@ -7282,14 +6986,18 @@
               <a:lnSpc>
                 <a:spcPct val="115000"/>
               </a:lnSpc>
-              <a:spcBef>
-                <a:spcPts val="1199"/>
-              </a:spcBef>
-            </a:pPr>
+            </a:pPr>
+            <a:r>
+              <a:rPr b="0" lang="lv-LV" sz="1800" spc="-1" strike="noStrike">
+                <a:solidFill>
+                  <a:srgbClr val="595959"/>
+                </a:solidFill>
+                <a:latin typeface="Arial"/>
+                <a:ea typeface="Arial"/>
+              </a:rPr>
+              <a:t>* GROUP_CONCAT – evade</a:t>
+            </a:r>
             <a:endParaRPr b="0" lang="lv-LV" sz="1800" spc="-1" strike="noStrike">
-              <a:solidFill>
-                <a:srgbClr val="000000"/>
-              </a:solidFill>
               <a:latin typeface="Arial"/>
             </a:endParaRPr>
           </a:p>
@@ -7298,9 +7006,6 @@
               <a:lnSpc>
                 <a:spcPct val="115000"/>
               </a:lnSpc>
-              <a:spcBef>
-                <a:spcPts val="1199"/>
-              </a:spcBef>
             </a:pPr>
             <a:r>
               <a:rPr b="0" lang="lv-LV" sz="1800" spc="-1" strike="noStrike">
@@ -7310,12 +7015,9 @@
                 <a:latin typeface="Arial"/>
                 <a:ea typeface="Arial"/>
               </a:rPr>
-              <a:t>With</a:t>
+              <a:t>* ORDER BY – only if needed.</a:t>
             </a:r>
             <a:endParaRPr b="0" lang="lv-LV" sz="1800" spc="-1" strike="noStrike">
-              <a:solidFill>
-                <a:srgbClr val="000000"/>
-              </a:solidFill>
               <a:latin typeface="Arial"/>
             </a:endParaRPr>
           </a:p>
@@ -7324,9 +7026,6 @@
               <a:lnSpc>
                 <a:spcPct val="115000"/>
               </a:lnSpc>
-              <a:spcBef>
-                <a:spcPts val="1199"/>
-              </a:spcBef>
             </a:pPr>
             <a:r>
               <a:rPr b="0" lang="lv-LV" sz="1800" spc="-1" strike="noStrike">
@@ -7336,88 +7035,37 @@
                 <a:latin typeface="Arial"/>
                 <a:ea typeface="Arial"/>
               </a:rPr>
-              <a:t>Union</a:t>
+              <a:t>* Newer skip limiting</a:t>
             </a:r>
             <a:endParaRPr b="0" lang="lv-LV" sz="1800" spc="-1" strike="noStrike">
-              <a:solidFill>
-                <a:srgbClr val="000000"/>
-              </a:solidFill>
-              <a:latin typeface="Arial"/>
-            </a:endParaRPr>
-          </a:p>
-          <a:p>
-            <a:pPr>
-              <a:lnSpc>
-                <a:spcPct val="115000"/>
-              </a:lnSpc>
-              <a:spcBef>
-                <a:spcPts val="1199"/>
-              </a:spcBef>
-            </a:pPr>
-            <a:r>
-              <a:rPr b="0" lang="lv-LV" sz="1800" spc="-1" strike="noStrike">
-                <a:solidFill>
-                  <a:srgbClr val="595959"/>
-                </a:solidFill>
-                <a:latin typeface="Arial"/>
-                <a:ea typeface="Arial"/>
-              </a:rPr>
-              <a:t>GROUP BY</a:t>
-            </a:r>
-            <a:endParaRPr b="0" lang="lv-LV" sz="1800" spc="-1" strike="noStrike">
-              <a:solidFill>
-                <a:srgbClr val="000000"/>
-              </a:solidFill>
-              <a:latin typeface="Arial"/>
-            </a:endParaRPr>
-          </a:p>
-          <a:p>
-            <a:pPr>
-              <a:lnSpc>
-                <a:spcPct val="115000"/>
-              </a:lnSpc>
-              <a:spcBef>
-                <a:spcPts val="1199"/>
-              </a:spcBef>
-            </a:pPr>
-            <a:r>
-              <a:rPr b="0" lang="lv-LV" sz="1800" spc="-1" strike="noStrike">
-                <a:solidFill>
-                  <a:srgbClr val="595959"/>
-                </a:solidFill>
-                <a:latin typeface="Arial"/>
-                <a:ea typeface="Arial"/>
-              </a:rPr>
-              <a:t>Distinct</a:t>
-            </a:r>
-            <a:endParaRPr b="0" lang="lv-LV" sz="1800" spc="-1" strike="noStrike">
-              <a:solidFill>
-                <a:srgbClr val="000000"/>
-              </a:solidFill>
-              <a:latin typeface="Arial"/>
-            </a:endParaRPr>
-          </a:p>
-          <a:p>
-            <a:pPr>
-              <a:lnSpc>
-                <a:spcPct val="115000"/>
-              </a:lnSpc>
-              <a:spcBef>
-                <a:spcPts val="1199"/>
-              </a:spcBef>
-              <a:spcAft>
-                <a:spcPts val="1199"/>
-              </a:spcAft>
-            </a:pPr>
-            <a:endParaRPr b="0" lang="lv-LV" sz="1800" spc="-1" strike="noStrike">
-              <a:solidFill>
-                <a:srgbClr val="000000"/>
-              </a:solidFill>
-              <a:latin typeface="Arial"/>
-            </a:endParaRPr>
-          </a:p>
-        </p:txBody>
-      </p:sp>
+              <a:latin typeface="Arial"/>
+            </a:endParaRPr>
+          </a:p>
+        </p:txBody>
+      </p:sp>
+      <p:pic>
+        <p:nvPicPr>
+          <p:cNvPr id="151" name="" descr=""/>
+          <p:cNvPicPr/>
+          <p:nvPr/>
+        </p:nvPicPr>
+        <p:blipFill>
+          <a:blip r:embed="rId1"/>
+          <a:stretch/>
+        </p:blipFill>
+        <p:spPr>
+          <a:xfrm>
+            <a:off x="4328280" y="1507680"/>
+            <a:ext cx="999360" cy="1875960"/>
+          </a:xfrm>
+          <a:prstGeom prst="rect">
+            <a:avLst/>
+          </a:prstGeom>
+          <a:ln>
+            <a:noFill/>
+          </a:ln>
+        </p:spPr>
+      </p:pic>
     </p:spTree>
   </p:cSld>
   <mc:AlternateContent>
@@ -7450,14 +7098,14 @@
       </p:grpSpPr>
       <p:sp>
         <p:nvSpPr>
-          <p:cNvPr id="152" name="TextShape 1"/>
-          <p:cNvSpPr txBox="1"/>
+          <p:cNvPr id="152" name="CustomShape 1"/>
+          <p:cNvSpPr/>
           <p:nvPr/>
         </p:nvSpPr>
         <p:spPr>
           <a:xfrm>
             <a:off x="311760" y="444960"/>
-            <a:ext cx="8520120" cy="572400"/>
+            <a:ext cx="8519760" cy="572040"/>
           </a:xfrm>
           <a:prstGeom prst="rect">
             <a:avLst/>
@@ -7467,8 +7115,14 @@
             <a:noFill/>
           </a:ln>
         </p:spPr>
-        <p:txBody>
-          <a:bodyPr tIns="91440" bIns="91440">
+        <p:style>
+          <a:lnRef idx="0"/>
+          <a:fillRef idx="0"/>
+          <a:effectRef idx="0"/>
+          <a:fontRef idx="minor"/>
+        </p:style>
+        <p:txBody>
+          <a:bodyPr lIns="90000" rIns="90000" tIns="91440" bIns="91440">
             <a:normAutofit fontScale="97000"/>
           </a:bodyPr>
           <a:p>
@@ -7485,27 +7139,24 @@
                 <a:latin typeface="Arial"/>
                 <a:ea typeface="Arial"/>
               </a:rPr>
-              <a:t>Something Useful about table data grouping</a:t>
+              <a:t>Limiting the query results is important!</a:t>
             </a:r>
             <a:endParaRPr b="0" lang="lv-LV" sz="2800" spc="-1" strike="noStrike">
-              <a:solidFill>
-                <a:srgbClr val="000000"/>
-              </a:solidFill>
-              <a:latin typeface="Arial"/>
-            </a:endParaRPr>
-          </a:p>
-        </p:txBody>
-      </p:sp>
-      <p:sp>
-        <p:nvSpPr>
-          <p:cNvPr id="153" name="TextShape 2"/>
-          <p:cNvSpPr txBox="1"/>
+              <a:latin typeface="Arial"/>
+            </a:endParaRPr>
+          </a:p>
+        </p:txBody>
+      </p:sp>
+      <p:sp>
+        <p:nvSpPr>
+          <p:cNvPr id="153" name="CustomShape 2"/>
+          <p:cNvSpPr/>
           <p:nvPr/>
         </p:nvSpPr>
         <p:spPr>
           <a:xfrm>
             <a:off x="311760" y="1152360"/>
-            <a:ext cx="8520120" cy="3416040"/>
+            <a:ext cx="8519760" cy="3415680"/>
           </a:xfrm>
           <a:prstGeom prst="rect">
             <a:avLst/>
@@ -7515,8 +7166,14 @@
             <a:noFill/>
           </a:ln>
         </p:spPr>
-        <p:txBody>
-          <a:bodyPr tIns="91440" bIns="91440">
+        <p:style>
+          <a:lnRef idx="0"/>
+          <a:fillRef idx="0"/>
+          <a:effectRef idx="0"/>
+          <a:fontRef idx="minor"/>
+        </p:style>
+        <p:txBody>
+          <a:bodyPr lIns="90000" rIns="90000" tIns="91440" bIns="91440">
             <a:normAutofit/>
           </a:bodyPr>
           <a:p>
@@ -7533,12 +7190,9 @@
                 <a:latin typeface="Arial"/>
                 <a:ea typeface="Arial"/>
               </a:rPr>
-              <a:t>* DISTINCT - where possible</a:t>
+              <a:t>* always use limits on large tables</a:t>
             </a:r>
             <a:endParaRPr b="0" lang="lv-LV" sz="1800" spc="-1" strike="noStrike">
-              <a:solidFill>
-                <a:srgbClr val="000000"/>
-              </a:solidFill>
               <a:latin typeface="Arial"/>
             </a:endParaRPr>
           </a:p>
@@ -7556,12 +7210,9 @@
                 <a:latin typeface="Arial"/>
                 <a:ea typeface="Arial"/>
               </a:rPr>
-              <a:t>* GROUP_CONCAT – evade</a:t>
+              <a:t>* low records with limits have no harm, huge tables limits save production</a:t>
             </a:r>
             <a:endParaRPr b="0" lang="lv-LV" sz="1800" spc="-1" strike="noStrike">
-              <a:solidFill>
-                <a:srgbClr val="000000"/>
-              </a:solidFill>
               <a:latin typeface="Arial"/>
             </a:endParaRPr>
           </a:p>
@@ -7579,12 +7230,9 @@
                 <a:latin typeface="Arial"/>
                 <a:ea typeface="Arial"/>
               </a:rPr>
-              <a:t>* ORDER BY – only if needed.</a:t>
+              <a:t>* Pagination is my best friend</a:t>
             </a:r>
             <a:endParaRPr b="0" lang="lv-LV" sz="1800" spc="-1" strike="noStrike">
-              <a:solidFill>
-                <a:srgbClr val="000000"/>
-              </a:solidFill>
               <a:latin typeface="Arial"/>
             </a:endParaRPr>
           </a:p>
@@ -7602,12 +7250,9 @@
                 <a:latin typeface="Arial"/>
                 <a:ea typeface="Arial"/>
               </a:rPr>
-              <a:t>* Newer skip limiting</a:t>
+              <a:t>* There are optimizations on page navigation for large tables. </a:t>
             </a:r>
             <a:endParaRPr b="0" lang="lv-LV" sz="1800" spc="-1" strike="noStrike">
-              <a:solidFill>
-                <a:srgbClr val="000000"/>
-              </a:solidFill>
               <a:latin typeface="Arial"/>
             </a:endParaRPr>
           </a:p>
@@ -7625,8 +7270,8 @@
         </p:blipFill>
         <p:spPr>
           <a:xfrm>
-            <a:off x="4328280" y="1507680"/>
-            <a:ext cx="999720" cy="1876320"/>
+            <a:off x="3262320" y="2862360"/>
+            <a:ext cx="4225320" cy="2181960"/>
           </a:xfrm>
           <a:prstGeom prst="rect">
             <a:avLst/>
@@ -7668,14 +7313,14 @@
       </p:grpSpPr>
       <p:sp>
         <p:nvSpPr>
-          <p:cNvPr id="155" name="TextShape 1"/>
-          <p:cNvSpPr txBox="1"/>
+          <p:cNvPr id="155" name="CustomShape 1"/>
+          <p:cNvSpPr/>
           <p:nvPr/>
         </p:nvSpPr>
         <p:spPr>
           <a:xfrm>
             <a:off x="311760" y="444960"/>
-            <a:ext cx="8520120" cy="572400"/>
+            <a:ext cx="8519760" cy="572040"/>
           </a:xfrm>
           <a:prstGeom prst="rect">
             <a:avLst/>
@@ -7685,9 +7330,15 @@
             <a:noFill/>
           </a:ln>
         </p:spPr>
-        <p:txBody>
-          <a:bodyPr tIns="91440" bIns="91440">
-            <a:normAutofit fontScale="97000"/>
+        <p:style>
+          <a:lnRef idx="0"/>
+          <a:fillRef idx="0"/>
+          <a:effectRef idx="0"/>
+          <a:fontRef idx="minor"/>
+        </p:style>
+        <p:txBody>
+          <a:bodyPr lIns="90000" rIns="90000" tIns="91440" bIns="91440">
+            <a:normAutofit fontScale="30000"/>
           </a:bodyPr>
           <a:p>
             <a:pPr>
@@ -7696,34 +7347,31 @@
               </a:lnSpc>
             </a:pPr>
             <a:r>
-              <a:rPr b="0" lang="lv-LV" sz="2800" spc="-1" strike="noStrike">
+              <a:rPr b="0" lang="lv-LV" sz="3000" spc="-1" strike="noStrike">
                 <a:solidFill>
                   <a:srgbClr val="000000"/>
                 </a:solidFill>
                 <a:latin typeface="Arial"/>
                 <a:ea typeface="Arial"/>
               </a:rPr>
-              <a:t>Limiting the query results is important!</a:t>
-            </a:r>
-            <a:endParaRPr b="0" lang="lv-LV" sz="2800" spc="-1" strike="noStrike">
-              <a:solidFill>
-                <a:srgbClr val="000000"/>
-              </a:solidFill>
-              <a:latin typeface="Arial"/>
-            </a:endParaRPr>
-          </a:p>
-        </p:txBody>
-      </p:sp>
-      <p:sp>
-        <p:nvSpPr>
-          <p:cNvPr id="156" name="TextShape 2"/>
-          <p:cNvSpPr txBox="1"/>
+              <a:t>Thanks for your time. I hope you found something useful. </a:t>
+            </a:r>
+            <a:endParaRPr b="0" lang="lv-LV" sz="3000" spc="-1" strike="noStrike">
+              <a:latin typeface="Arial"/>
+            </a:endParaRPr>
+          </a:p>
+        </p:txBody>
+      </p:sp>
+      <p:sp>
+        <p:nvSpPr>
+          <p:cNvPr id="156" name="CustomShape 2"/>
+          <p:cNvSpPr/>
           <p:nvPr/>
         </p:nvSpPr>
         <p:spPr>
           <a:xfrm>
-            <a:off x="311760" y="1152360"/>
-            <a:ext cx="8520120" cy="3416040"/>
+            <a:off x="504000" y="936000"/>
+            <a:ext cx="8519760" cy="4103640"/>
           </a:xfrm>
           <a:prstGeom prst="rect">
             <a:avLst/>
@@ -7733,8 +7381,14 @@
             <a:noFill/>
           </a:ln>
         </p:spPr>
-        <p:txBody>
-          <a:bodyPr tIns="91440" bIns="91440">
+        <p:style>
+          <a:lnRef idx="0"/>
+          <a:fillRef idx="0"/>
+          <a:effectRef idx="0"/>
+          <a:fontRef idx="minor"/>
+        </p:style>
+        <p:txBody>
+          <a:bodyPr lIns="90000" rIns="90000" tIns="91440" bIns="91440">
             <a:normAutofit/>
           </a:bodyPr>
           <a:p>
@@ -7744,19 +7398,58 @@
               </a:lnSpc>
             </a:pPr>
             <a:r>
-              <a:rPr b="0" lang="lv-LV" sz="1800" spc="-1" strike="noStrike">
+              <a:rPr b="0" lang="lv-LV" sz="2200" spc="-1" strike="noStrike">
                 <a:solidFill>
                   <a:srgbClr val="595959"/>
                 </a:solidFill>
                 <a:latin typeface="Arial"/>
                 <a:ea typeface="Arial"/>
               </a:rPr>
-              <a:t>* use always limits on large tables</a:t>
-            </a:r>
-            <a:endParaRPr b="0" lang="lv-LV" sz="1800" spc="-1" strike="noStrike">
-              <a:solidFill>
-                <a:srgbClr val="000000"/>
-              </a:solidFill>
+              <a:t>PS if you would like to get deep drive in any of the sections, you can write them down on paper and drop them in a box.</a:t>
+            </a:r>
+            <a:endParaRPr b="0" lang="lv-LV" sz="2200" spc="-1" strike="noStrike">
+              <a:latin typeface="Arial"/>
+            </a:endParaRPr>
+          </a:p>
+          <a:p>
+            <a:pPr>
+              <a:lnSpc>
+                <a:spcPct val="115000"/>
+              </a:lnSpc>
+            </a:pPr>
+            <a:endParaRPr b="0" lang="lv-LV" sz="2200" spc="-1" strike="noStrike">
+              <a:latin typeface="Arial"/>
+            </a:endParaRPr>
+          </a:p>
+          <a:p>
+            <a:pPr>
+              <a:lnSpc>
+                <a:spcPct val="115000"/>
+              </a:lnSpc>
+            </a:pPr>
+            <a:r>
+              <a:rPr b="0" lang="lv-LV" sz="2200" spc="-1" strike="noStrike">
+                <a:solidFill>
+                  <a:srgbClr val="595959"/>
+                </a:solidFill>
+                <a:latin typeface="Arial"/>
+                <a:ea typeface="Arial"/>
+              </a:rPr>
+              <a:t>Training Materials &gt; </a:t>
+            </a:r>
+            <a:r>
+              <a:rPr b="0" lang="lv-LV" sz="2200" spc="-1" strike="noStrike" u="sng">
+                <a:solidFill>
+                  <a:srgbClr val="0000ff"/>
+                </a:solidFill>
+                <a:uFillTx/>
+                <a:latin typeface="Arial"/>
+                <a:ea typeface="Arial"/>
+                <a:hlinkClick r:id="rId1"/>
+              </a:rPr>
+              <a:t>https://github.com/Neznajki/devclub-high-load-db</a:t>
+            </a:r>
+            <a:endParaRPr b="0" lang="lv-LV" sz="2200" spc="-1" strike="noStrike">
               <a:latin typeface="Arial"/>
             </a:endParaRPr>
           </a:p>
@@ -7770,99 +7463,86 @@
               </a:spcBef>
             </a:pPr>
             <a:r>
-              <a:rPr b="0" lang="lv-LV" sz="1800" spc="-1" strike="noStrike">
+              <a:rPr b="0" lang="lv-LV" sz="2200" spc="-1" strike="noStrike">
                 <a:solidFill>
                   <a:srgbClr val="595959"/>
                 </a:solidFill>
                 <a:latin typeface="Arial"/>
                 <a:ea typeface="Arial"/>
               </a:rPr>
-              <a:t>* low records with limits have no harm, huge tables limits saves production</a:t>
-            </a:r>
-            <a:endParaRPr b="0" lang="lv-LV" sz="1800" spc="-1" strike="noStrike">
-              <a:solidFill>
-                <a:srgbClr val="000000"/>
-              </a:solidFill>
-              <a:latin typeface="Arial"/>
-            </a:endParaRPr>
-          </a:p>
-          <a:p>
-            <a:pPr>
+              <a:t>If you have questions &gt; </a:t>
+            </a:r>
+            <a:endParaRPr b="0" lang="lv-LV" sz="2200" spc="-1" strike="noStrike">
+              <a:latin typeface="Arial"/>
+            </a:endParaRPr>
+          </a:p>
+          <a:p>
+            <a:pPr marL="457200" indent="-342360">
               <a:lnSpc>
                 <a:spcPct val="115000"/>
               </a:lnSpc>
               <a:spcBef>
                 <a:spcPts val="1199"/>
               </a:spcBef>
-            </a:pPr>
-            <a:r>
-              <a:rPr b="0" lang="lv-LV" sz="1800" spc="-1" strike="noStrike">
+              <a:buClr>
+                <a:srgbClr val="595959"/>
+              </a:buClr>
+              <a:buFont typeface="StarSymbol"/>
+              <a:buAutoNum type="arabicPeriod"/>
+            </a:pPr>
+            <a:r>
+              <a:rPr b="0" lang="lv-LV" sz="2200" spc="-1" strike="noStrike" u="sng">
+                <a:solidFill>
+                  <a:srgbClr val="0000ff"/>
+                </a:solidFill>
+                <a:uFillTx/>
+                <a:latin typeface="Arial"/>
+                <a:ea typeface="Arial"/>
+                <a:hlinkClick r:id="rId2"/>
+              </a:rPr>
+              <a:t>https://www.linkedin.com/in/ml-698627181/</a:t>
+            </a:r>
+            <a:r>
+              <a:rPr b="0" lang="lv-LV" sz="2200" spc="-1" strike="noStrike">
                 <a:solidFill>
                   <a:srgbClr val="595959"/>
                 </a:solidFill>
                 <a:latin typeface="Arial"/>
                 <a:ea typeface="Arial"/>
               </a:rPr>
-              <a:t>* Pagination is best friend</a:t>
-            </a:r>
-            <a:endParaRPr b="0" lang="lv-LV" sz="1800" spc="-1" strike="noStrike">
-              <a:solidFill>
-                <a:srgbClr val="000000"/>
-              </a:solidFill>
-              <a:latin typeface="Arial"/>
-            </a:endParaRPr>
-          </a:p>
-          <a:p>
-            <a:pPr>
+              <a:t> </a:t>
+            </a:r>
+            <a:endParaRPr b="0" lang="lv-LV" sz="2200" spc="-1" strike="noStrike">
+              <a:latin typeface="Arial"/>
+            </a:endParaRPr>
+          </a:p>
+          <a:p>
+            <a:pPr marL="457200" indent="-342360">
               <a:lnSpc>
                 <a:spcPct val="115000"/>
               </a:lnSpc>
-              <a:spcBef>
-                <a:spcPts val="1199"/>
-              </a:spcBef>
-            </a:pPr>
-            <a:r>
-              <a:rPr b="0" lang="lv-LV" sz="1800" spc="-1" strike="noStrike">
+              <a:buClr>
+                <a:srgbClr val="595959"/>
+              </a:buClr>
+              <a:buFont typeface="StarSymbol"/>
+              <a:buAutoNum type="arabicPeriod"/>
+            </a:pPr>
+            <a:r>
+              <a:rPr b="0" lang="lv-LV" sz="2200" spc="-1" strike="noStrike">
                 <a:solidFill>
                   <a:srgbClr val="595959"/>
                 </a:solidFill>
                 <a:latin typeface="Arial"/>
                 <a:ea typeface="Arial"/>
               </a:rPr>
-              <a:t>* There are optimizations on page navigations for large tables.</a:t>
-            </a:r>
-            <a:endParaRPr b="0" lang="lv-LV" sz="1800" spc="-1" strike="noStrike">
-              <a:solidFill>
-                <a:srgbClr val="000000"/>
-              </a:solidFill>
-              <a:latin typeface="Arial"/>
-            </a:endParaRPr>
-          </a:p>
-        </p:txBody>
-      </p:sp>
-      <p:pic>
-        <p:nvPicPr>
-          <p:cNvPr id="157" name="" descr=""/>
-          <p:cNvPicPr/>
-          <p:nvPr/>
-        </p:nvPicPr>
-        <p:blipFill>
-          <a:blip r:embed="rId1"/>
-          <a:stretch/>
-        </p:blipFill>
-        <p:spPr>
-          <a:xfrm>
-            <a:off x="3262320" y="2862360"/>
-            <a:ext cx="4225680" cy="2182320"/>
-          </a:xfrm>
-          <a:prstGeom prst="rect">
-            <a:avLst/>
-          </a:prstGeom>
-          <a:ln>
-            <a:noFill/>
-          </a:ln>
-        </p:spPr>
-      </p:pic>
+              <a:t>dev@maris-locmelis.lv</a:t>
+            </a:r>
+            <a:endParaRPr b="0" lang="lv-LV" sz="2200" spc="-1" strike="noStrike">
+              <a:latin typeface="Arial"/>
+            </a:endParaRPr>
+          </a:p>
+        </p:txBody>
+      </p:sp>
     </p:spTree>
   </p:cSld>
   <mc:AlternateContent>
@@ -7895,14 +7575,14 @@
       </p:grpSpPr>
       <p:sp>
         <p:nvSpPr>
-          <p:cNvPr id="82" name="TextShape 1"/>
-          <p:cNvSpPr txBox="1"/>
+          <p:cNvPr id="80" name="CustomShape 1"/>
+          <p:cNvSpPr/>
           <p:nvPr/>
         </p:nvSpPr>
         <p:spPr>
           <a:xfrm>
             <a:off x="311760" y="444960"/>
-            <a:ext cx="8520120" cy="572400"/>
+            <a:ext cx="8519760" cy="572040"/>
           </a:xfrm>
           <a:prstGeom prst="rect">
             <a:avLst/>
@@ -7912,8 +7592,14 @@
             <a:noFill/>
           </a:ln>
         </p:spPr>
-        <p:txBody>
-          <a:bodyPr tIns="91440" bIns="91440">
+        <p:style>
+          <a:lnRef idx="0"/>
+          <a:fillRef idx="0"/>
+          <a:effectRef idx="0"/>
+          <a:fontRef idx="minor"/>
+        </p:style>
+        <p:txBody>
+          <a:bodyPr lIns="90000" rIns="90000" tIns="91440" bIns="91440">
             <a:normAutofit fontScale="97000"/>
           </a:bodyPr>
           <a:p>
@@ -7933,24 +7619,21 @@
               <a:t>What types of DB are there.</a:t>
             </a:r>
             <a:endParaRPr b="0" lang="lv-LV" sz="2800" spc="-1" strike="noStrike">
-              <a:solidFill>
-                <a:srgbClr val="000000"/>
-              </a:solidFill>
-              <a:latin typeface="Arial"/>
-            </a:endParaRPr>
-          </a:p>
-        </p:txBody>
-      </p:sp>
-      <p:sp>
-        <p:nvSpPr>
-          <p:cNvPr id="83" name="TextShape 2"/>
-          <p:cNvSpPr txBox="1"/>
+              <a:latin typeface="Arial"/>
+            </a:endParaRPr>
+          </a:p>
+        </p:txBody>
+      </p:sp>
+      <p:sp>
+        <p:nvSpPr>
+          <p:cNvPr id="81" name="CustomShape 2"/>
+          <p:cNvSpPr/>
           <p:nvPr/>
         </p:nvSpPr>
         <p:spPr>
           <a:xfrm>
             <a:off x="311760" y="1152360"/>
-            <a:ext cx="8520120" cy="3416040"/>
+            <a:ext cx="8519760" cy="3415680"/>
           </a:xfrm>
           <a:prstGeom prst="rect">
             <a:avLst/>
@@ -7960,8 +7643,14 @@
             <a:noFill/>
           </a:ln>
         </p:spPr>
-        <p:txBody>
-          <a:bodyPr tIns="91440" bIns="91440">
+        <p:style>
+          <a:lnRef idx="0"/>
+          <a:fillRef idx="0"/>
+          <a:effectRef idx="0"/>
+          <a:fontRef idx="minor"/>
+        </p:style>
+        <p:txBody>
+          <a:bodyPr lIns="90000" rIns="90000" tIns="91440" bIns="91440">
             <a:normAutofit/>
           </a:bodyPr>
           <a:p>
@@ -7981,9 +7670,6 @@
               <a:t>SQL, NoSQL, In Memory (redis), SingleFileDB(XML, JSON) ... </a:t>
             </a:r>
             <a:endParaRPr b="0" lang="lv-LV" sz="1800" spc="-1" strike="noStrike">
-              <a:solidFill>
-                <a:srgbClr val="000000"/>
-              </a:solidFill>
               <a:latin typeface="Arial"/>
             </a:endParaRPr>
           </a:p>
@@ -8007,9 +7693,6 @@
               <a:t>ask chat GPT he will help here.</a:t>
             </a:r>
             <a:endParaRPr b="0" lang="lv-LV" sz="1800" spc="-1" strike="noStrike">
-              <a:solidFill>
-                <a:srgbClr val="000000"/>
-              </a:solidFill>
               <a:latin typeface="Arial"/>
             </a:endParaRPr>
           </a:p>
@@ -8026,270 +7709,6 @@
               </a:spcAft>
             </a:pPr>
             <a:endParaRPr b="0" lang="lv-LV" sz="1800" spc="-1" strike="noStrike">
-              <a:solidFill>
-                <a:srgbClr val="000000"/>
-              </a:solidFill>
-              <a:latin typeface="Arial"/>
-            </a:endParaRPr>
-          </a:p>
-        </p:txBody>
-      </p:sp>
-    </p:spTree>
-  </p:cSld>
-  <mc:AlternateContent>
-    <mc:Choice Requires="p14">
-      <p:transition spd="slow" p14:dur="2000"/>
-    </mc:Choice>
-    <mc:Fallback>
-      <p:transition spd="slow"/>
-    </mc:Fallback>
-  </mc:AlternateContent>
-</p:sld>
-</file>
-
-<file path=ppt/slides/slide30.xml><?xml version="1.0" encoding="utf-8"?>
-<p:sld xmlns:a="http://schemas.openxmlformats.org/drawingml/2006/main" xmlns:p="http://schemas.openxmlformats.org/presentationml/2006/main" xmlns:r="http://schemas.openxmlformats.org/officeDocument/2006/relationships" xmlns:p14="http://schemas.microsoft.com/office/powerpoint/2010/main" xmlns:p15="http://schemas.microsoft.com/office/powerpoint/2012/main" xmlns:mc="http://schemas.openxmlformats.org/markup-compatibility/2006">
-  <p:cSld>
-    <p:spTree>
-      <p:nvGrpSpPr>
-        <p:cNvPr id="1" name=""/>
-        <p:cNvGrpSpPr/>
-        <p:nvPr/>
-      </p:nvGrpSpPr>
-      <p:grpSpPr>
-        <a:xfrm>
-          <a:off x="0" y="0"/>
-          <a:ext cx="0" cy="0"/>
-          <a:chOff x="0" y="0"/>
-          <a:chExt cx="0" cy="0"/>
-        </a:xfrm>
-      </p:grpSpPr>
-      <p:sp>
-        <p:nvSpPr>
-          <p:cNvPr id="158" name="TextShape 1"/>
-          <p:cNvSpPr txBox="1"/>
-          <p:nvPr/>
-        </p:nvSpPr>
-        <p:spPr>
-          <a:xfrm>
-            <a:off x="311760" y="444960"/>
-            <a:ext cx="8520120" cy="572400"/>
-          </a:xfrm>
-          <a:prstGeom prst="rect">
-            <a:avLst/>
-          </a:prstGeom>
-          <a:noFill/>
-          <a:ln>
-            <a:noFill/>
-          </a:ln>
-        </p:spPr>
-        <p:txBody>
-          <a:bodyPr tIns="91440" bIns="91440">
-            <a:normAutofit fontScale="30000"/>
-          </a:bodyPr>
-          <a:p>
-            <a:pPr>
-              <a:lnSpc>
-                <a:spcPct val="100000"/>
-              </a:lnSpc>
-            </a:pPr>
-            <a:r>
-              <a:rPr b="0" lang="lv-LV" sz="3000" spc="-1" strike="noStrike">
-                <a:solidFill>
-                  <a:srgbClr val="000000"/>
-                </a:solidFill>
-                <a:latin typeface="Arial"/>
-                <a:ea typeface="Arial"/>
-              </a:rPr>
-              <a:t>Thanks, for Your time hope You found something useful</a:t>
-            </a:r>
-            <a:endParaRPr b="0" lang="lv-LV" sz="3000" spc="-1" strike="noStrike">
-              <a:solidFill>
-                <a:srgbClr val="000000"/>
-              </a:solidFill>
-              <a:latin typeface="Arial"/>
-            </a:endParaRPr>
-          </a:p>
-        </p:txBody>
-      </p:sp>
-      <p:sp>
-        <p:nvSpPr>
-          <p:cNvPr id="159" name="TextShape 2"/>
-          <p:cNvSpPr txBox="1"/>
-          <p:nvPr/>
-        </p:nvSpPr>
-        <p:spPr>
-          <a:xfrm>
-            <a:off x="504000" y="936000"/>
-            <a:ext cx="8520120" cy="4104000"/>
-          </a:xfrm>
-          <a:prstGeom prst="rect">
-            <a:avLst/>
-          </a:prstGeom>
-          <a:noFill/>
-          <a:ln>
-            <a:noFill/>
-          </a:ln>
-        </p:spPr>
-        <p:txBody>
-          <a:bodyPr tIns="91440" bIns="91440">
-            <a:normAutofit/>
-          </a:bodyPr>
-          <a:p>
-            <a:pPr>
-              <a:lnSpc>
-                <a:spcPct val="115000"/>
-              </a:lnSpc>
-            </a:pPr>
-            <a:r>
-              <a:rPr b="0" lang="lv-LV" sz="2200" spc="-1" strike="noStrike">
-                <a:solidFill>
-                  <a:srgbClr val="595959"/>
-                </a:solidFill>
-                <a:latin typeface="Arial"/>
-                <a:ea typeface="Arial"/>
-              </a:rPr>
-              <a:t>PS if you would like to get deep drive in any of sections you can write them down on paper and drop in box.</a:t>
-            </a:r>
-            <a:endParaRPr b="0" lang="lv-LV" sz="2200" spc="-1" strike="noStrike">
-              <a:solidFill>
-                <a:srgbClr val="000000"/>
-              </a:solidFill>
-              <a:latin typeface="Arial"/>
-            </a:endParaRPr>
-          </a:p>
-          <a:p>
-            <a:pPr>
-              <a:lnSpc>
-                <a:spcPct val="115000"/>
-              </a:lnSpc>
-              <a:spcBef>
-                <a:spcPts val="1199"/>
-              </a:spcBef>
-            </a:pPr>
-            <a:r>
-              <a:rPr b="0" lang="lv-LV" sz="2200" spc="-1" strike="noStrike">
-                <a:solidFill>
-                  <a:srgbClr val="595959"/>
-                </a:solidFill>
-                <a:latin typeface="Arial"/>
-                <a:ea typeface="Arial"/>
-              </a:rPr>
-              <a:t>Training Materials &gt; </a:t>
-            </a:r>
-            <a:r>
-              <a:rPr b="0" lang="lv-LV" sz="2200" spc="-1" strike="noStrike" u="sng">
-                <a:solidFill>
-                  <a:srgbClr val="0097a7"/>
-                </a:solidFill>
-                <a:uFillTx/>
-                <a:latin typeface="Arial"/>
-                <a:ea typeface="Arial"/>
-                <a:hlinkClick r:id="rId1"/>
-              </a:rPr>
-              <a:t>https://github.com/Neznajki/devclub-high-load-db</a:t>
-            </a:r>
-            <a:endParaRPr b="0" lang="lv-LV" sz="2200" spc="-1" strike="noStrike">
-              <a:solidFill>
-                <a:srgbClr val="000000"/>
-              </a:solidFill>
-              <a:latin typeface="Arial"/>
-            </a:endParaRPr>
-          </a:p>
-          <a:p>
-            <a:pPr>
-              <a:lnSpc>
-                <a:spcPct val="115000"/>
-              </a:lnSpc>
-              <a:spcBef>
-                <a:spcPts val="1199"/>
-              </a:spcBef>
-            </a:pPr>
-            <a:r>
-              <a:rPr b="0" lang="lv-LV" sz="2200" spc="-1" strike="noStrike">
-                <a:solidFill>
-                  <a:srgbClr val="595959"/>
-                </a:solidFill>
-                <a:latin typeface="Arial"/>
-                <a:ea typeface="Arial"/>
-              </a:rPr>
-              <a:t>If You have questions &gt; </a:t>
-            </a:r>
-            <a:endParaRPr b="0" lang="lv-LV" sz="2200" spc="-1" strike="noStrike">
-              <a:solidFill>
-                <a:srgbClr val="000000"/>
-              </a:solidFill>
-              <a:latin typeface="Arial"/>
-            </a:endParaRPr>
-          </a:p>
-          <a:p>
-            <a:pPr marL="457200" indent="-342720">
-              <a:lnSpc>
-                <a:spcPct val="115000"/>
-              </a:lnSpc>
-              <a:spcBef>
-                <a:spcPts val="1199"/>
-              </a:spcBef>
-              <a:buClr>
-                <a:srgbClr val="595959"/>
-              </a:buClr>
-              <a:buFont typeface="StarSymbol"/>
-              <a:buAutoNum type="arabicPeriod"/>
-            </a:pPr>
-            <a:r>
-              <a:rPr b="0" lang="lv-LV" sz="2200" spc="-1" strike="noStrike" u="sng">
-                <a:solidFill>
-                  <a:srgbClr val="0097a7"/>
-                </a:solidFill>
-                <a:uFillTx/>
-                <a:latin typeface="Arial"/>
-                <a:ea typeface="Arial"/>
-                <a:hlinkClick r:id="rId2"/>
-              </a:rPr>
-              <a:t>https://www.linkedin.com/in/ml-698627181/</a:t>
-            </a:r>
-            <a:r>
-              <a:rPr b="0" lang="lv-LV" sz="2200" spc="-1" strike="noStrike">
-                <a:solidFill>
-                  <a:srgbClr val="595959"/>
-                </a:solidFill>
-                <a:latin typeface="Arial"/>
-                <a:ea typeface="Arial"/>
-              </a:rPr>
-              <a:t> </a:t>
-            </a:r>
-            <a:endParaRPr b="0" lang="lv-LV" sz="2200" spc="-1" strike="noStrike">
-              <a:solidFill>
-                <a:srgbClr val="000000"/>
-              </a:solidFill>
-              <a:latin typeface="Arial"/>
-            </a:endParaRPr>
-          </a:p>
-          <a:p>
-            <a:pPr marL="457200" indent="-342720">
-              <a:lnSpc>
-                <a:spcPct val="115000"/>
-              </a:lnSpc>
-              <a:buClr>
-                <a:srgbClr val="595959"/>
-              </a:buClr>
-              <a:buFont typeface="StarSymbol"/>
-              <a:buAutoNum type="arabicPeriod"/>
-            </a:pPr>
-            <a:r>
-              <a:rPr b="0" lang="lv-LV" sz="2200" spc="-1" strike="noStrike">
-                <a:solidFill>
-                  <a:srgbClr val="595959"/>
-                </a:solidFill>
-                <a:latin typeface="Arial"/>
-                <a:ea typeface="Arial"/>
-              </a:rPr>
-              <a:t>dev@maris-locmelis.lv</a:t>
-            </a:r>
-            <a:endParaRPr b="0" lang="lv-LV" sz="2200" spc="-1" strike="noStrike">
-              <a:solidFill>
-                <a:srgbClr val="000000"/>
-              </a:solidFill>
               <a:latin typeface="Arial"/>
             </a:endParaRPr>
           </a:p>
@@ -8327,14 +7746,14 @@
       </p:grpSpPr>
       <p:sp>
         <p:nvSpPr>
-          <p:cNvPr id="84" name="TextShape 1"/>
-          <p:cNvSpPr txBox="1"/>
+          <p:cNvPr id="82" name="CustomShape 1"/>
+          <p:cNvSpPr/>
           <p:nvPr/>
         </p:nvSpPr>
         <p:spPr>
           <a:xfrm>
             <a:off x="311760" y="444960"/>
-            <a:ext cx="8520120" cy="572400"/>
+            <a:ext cx="8519760" cy="572040"/>
           </a:xfrm>
           <a:prstGeom prst="rect">
             <a:avLst/>
@@ -8344,8 +7763,14 @@
             <a:noFill/>
           </a:ln>
         </p:spPr>
-        <p:txBody>
-          <a:bodyPr tIns="91440" bIns="91440">
+        <p:style>
+          <a:lnRef idx="0"/>
+          <a:fillRef idx="0"/>
+          <a:effectRef idx="0"/>
+          <a:fontRef idx="minor"/>
+        </p:style>
+        <p:txBody>
+          <a:bodyPr lIns="90000" rIns="90000" tIns="91440" bIns="91440">
             <a:normAutofit fontScale="97000"/>
           </a:bodyPr>
           <a:p>
@@ -8365,24 +7790,21 @@
               <a:t>How High Load is related to Database ?</a:t>
             </a:r>
             <a:endParaRPr b="0" lang="lv-LV" sz="2800" spc="-1" strike="noStrike">
-              <a:solidFill>
-                <a:srgbClr val="000000"/>
-              </a:solidFill>
-              <a:latin typeface="Arial"/>
-            </a:endParaRPr>
-          </a:p>
-        </p:txBody>
-      </p:sp>
-      <p:sp>
-        <p:nvSpPr>
-          <p:cNvPr id="85" name="TextShape 2"/>
-          <p:cNvSpPr txBox="1"/>
+              <a:latin typeface="Arial"/>
+            </a:endParaRPr>
+          </a:p>
+        </p:txBody>
+      </p:sp>
+      <p:sp>
+        <p:nvSpPr>
+          <p:cNvPr id="83" name="CustomShape 2"/>
+          <p:cNvSpPr/>
           <p:nvPr/>
         </p:nvSpPr>
         <p:spPr>
           <a:xfrm>
             <a:off x="311760" y="1152360"/>
-            <a:ext cx="8520120" cy="3416040"/>
+            <a:ext cx="8519760" cy="3415680"/>
           </a:xfrm>
           <a:prstGeom prst="rect">
             <a:avLst/>
@@ -8392,8 +7814,14 @@
             <a:noFill/>
           </a:ln>
         </p:spPr>
-        <p:txBody>
-          <a:bodyPr tIns="91440" bIns="91440">
+        <p:style>
+          <a:lnRef idx="0"/>
+          <a:fillRef idx="0"/>
+          <a:effectRef idx="0"/>
+          <a:fontRef idx="minor"/>
+        </p:style>
+        <p:txBody>
+          <a:bodyPr lIns="90000" rIns="90000" tIns="91440" bIns="91440">
             <a:normAutofit/>
           </a:bodyPr>
           <a:p>
@@ -8410,12 +7838,9 @@
                 <a:latin typeface="Arial"/>
                 <a:ea typeface="Arial"/>
               </a:rPr>
-              <a:t>Development is IT (Information Technologies) So DB is main part of industry as it stores Information,</a:t>
+              <a:t>IT is (Information Technologies).</a:t>
             </a:r>
             <a:endParaRPr b="0" lang="lv-LV" sz="1800" spc="-1" strike="noStrike">
-              <a:solidFill>
-                <a:srgbClr val="000000"/>
-              </a:solidFill>
               <a:latin typeface="Arial"/>
             </a:endParaRPr>
           </a:p>
@@ -8424,12 +7849,6 @@
               <a:lnSpc>
                 <a:spcPct val="115000"/>
               </a:lnSpc>
-              <a:spcBef>
-                <a:spcPts val="1199"/>
-              </a:spcBef>
-              <a:spcAft>
-                <a:spcPts val="1199"/>
-              </a:spcAft>
             </a:pPr>
             <a:r>
               <a:rPr b="0" lang="lv-LV" sz="1800" spc="-1" strike="noStrike">
@@ -8439,12 +7858,39 @@
                 <a:latin typeface="Arial"/>
                 <a:ea typeface="Arial"/>
               </a:rPr>
-              <a:t>and you can't have high load system without information (it will be high waste system).</a:t>
+              <a:t>So DB is main part of industry as it stores Information.</a:t>
             </a:r>
             <a:endParaRPr b="0" lang="lv-LV" sz="1800" spc="-1" strike="noStrike">
-              <a:solidFill>
-                <a:srgbClr val="000000"/>
-              </a:solidFill>
+              <a:latin typeface="Arial"/>
+            </a:endParaRPr>
+          </a:p>
+          <a:p>
+            <a:pPr>
+              <a:lnSpc>
+                <a:spcPct val="115000"/>
+              </a:lnSpc>
+            </a:pPr>
+            <a:endParaRPr b="0" lang="lv-LV" sz="1800" spc="-1" strike="noStrike">
+              <a:latin typeface="Arial"/>
+            </a:endParaRPr>
+          </a:p>
+          <a:p>
+            <a:pPr>
+              <a:lnSpc>
+                <a:spcPct val="115000"/>
+              </a:lnSpc>
+            </a:pPr>
+            <a:r>
+              <a:rPr b="0" lang="lv-LV" sz="1800" spc="-1" strike="noStrike">
+                <a:solidFill>
+                  <a:srgbClr val="595959"/>
+                </a:solidFill>
+                <a:latin typeface="Arial"/>
+                <a:ea typeface="Arial"/>
+              </a:rPr>
+              <a:t>you can't have high load system without information (it will be high waste system).</a:t>
+            </a:r>
+            <a:endParaRPr b="0" lang="lv-LV" sz="1800" spc="-1" strike="noStrike">
               <a:latin typeface="Arial"/>
             </a:endParaRPr>
           </a:p>
@@ -8452,7 +7898,7 @@
       </p:sp>
       <p:pic>
         <p:nvPicPr>
-          <p:cNvPr id="86" name="" descr=""/>
+          <p:cNvPr id="84" name="" descr=""/>
           <p:cNvPicPr/>
           <p:nvPr/>
         </p:nvPicPr>
@@ -8462,8 +7908,8 @@
         </p:blipFill>
         <p:spPr>
           <a:xfrm>
-            <a:off x="5019120" y="2497320"/>
-            <a:ext cx="2396880" cy="2470680"/>
+            <a:off x="5091480" y="2569680"/>
+            <a:ext cx="2396520" cy="2470320"/>
           </a:xfrm>
           <a:prstGeom prst="rect">
             <a:avLst/>
@@ -8475,7 +7921,7 @@
       </p:pic>
       <p:pic>
         <p:nvPicPr>
-          <p:cNvPr id="87" name="" descr=""/>
+          <p:cNvPr id="85" name="" descr=""/>
           <p:cNvPicPr/>
           <p:nvPr/>
         </p:nvPicPr>
@@ -8486,7 +7932,7 @@
         <p:spPr>
           <a:xfrm>
             <a:off x="144000" y="2592000"/>
-            <a:ext cx="4581720" cy="2638080"/>
+            <a:ext cx="4581360" cy="2637720"/>
           </a:xfrm>
           <a:prstGeom prst="rect">
             <a:avLst/>
@@ -8528,14 +7974,14 @@
       </p:grpSpPr>
       <p:sp>
         <p:nvSpPr>
-          <p:cNvPr id="88" name="TextShape 1"/>
-          <p:cNvSpPr txBox="1"/>
+          <p:cNvPr id="86" name="CustomShape 1"/>
+          <p:cNvSpPr/>
           <p:nvPr/>
         </p:nvSpPr>
         <p:spPr>
           <a:xfrm>
             <a:off x="311760" y="444960"/>
-            <a:ext cx="8520120" cy="572400"/>
+            <a:ext cx="8519760" cy="572040"/>
           </a:xfrm>
           <a:prstGeom prst="rect">
             <a:avLst/>
@@ -8545,8 +7991,14 @@
             <a:noFill/>
           </a:ln>
         </p:spPr>
-        <p:txBody>
-          <a:bodyPr tIns="91440" bIns="91440">
+        <p:style>
+          <a:lnRef idx="0"/>
+          <a:fillRef idx="0"/>
+          <a:effectRef idx="0"/>
+          <a:fontRef idx="minor"/>
+        </p:style>
+        <p:txBody>
+          <a:bodyPr lIns="90000" rIns="90000" tIns="91440" bIns="91440">
             <a:normAutofit/>
           </a:bodyPr>
           <a:p>
@@ -8566,24 +8018,21 @@
               <a:t>More useful info about DB types</a:t>
             </a:r>
             <a:endParaRPr b="0" lang="lv-LV" sz="2500" spc="-1" strike="noStrike">
-              <a:solidFill>
-                <a:srgbClr val="000000"/>
-              </a:solidFill>
-              <a:latin typeface="Arial"/>
-            </a:endParaRPr>
-          </a:p>
-        </p:txBody>
-      </p:sp>
-      <p:sp>
-        <p:nvSpPr>
-          <p:cNvPr id="89" name="TextShape 2"/>
-          <p:cNvSpPr txBox="1"/>
+              <a:latin typeface="Arial"/>
+            </a:endParaRPr>
+          </a:p>
+        </p:txBody>
+      </p:sp>
+      <p:sp>
+        <p:nvSpPr>
+          <p:cNvPr id="87" name="CustomShape 2"/>
+          <p:cNvSpPr/>
           <p:nvPr/>
         </p:nvSpPr>
         <p:spPr>
           <a:xfrm>
             <a:off x="311760" y="1152360"/>
-            <a:ext cx="8520120" cy="3416040"/>
+            <a:ext cx="8519760" cy="3415680"/>
           </a:xfrm>
           <a:prstGeom prst="rect">
             <a:avLst/>
@@ -8593,8 +8042,14 @@
             <a:noFill/>
           </a:ln>
         </p:spPr>
-        <p:txBody>
-          <a:bodyPr tIns="91440" bIns="91440">
+        <p:style>
+          <a:lnRef idx="0"/>
+          <a:fillRef idx="0"/>
+          <a:effectRef idx="0"/>
+          <a:fontRef idx="minor"/>
+        </p:style>
+        <p:txBody>
+          <a:bodyPr lIns="90000" rIns="90000" tIns="91440" bIns="91440">
             <a:noAutofit/>
           </a:bodyPr>
           <a:p>
@@ -8613,10 +8068,7 @@
               </a:rPr>
               <a:t>ACID vs BASE ACID (traditional SQL databases) Ensures strong consistency and reliability:</a:t>
             </a:r>
-            <a:endParaRPr b="1" lang="lv-LV" sz="1200" spc="-1" strike="noStrike">
-              <a:solidFill>
-                <a:srgbClr val="000000"/>
-              </a:solidFill>
+            <a:endParaRPr b="0" lang="lv-LV" sz="1200" spc="-1" strike="noStrike">
               <a:latin typeface="Arial"/>
             </a:endParaRPr>
           </a:p>
@@ -8639,10 +8091,7 @@
               </a:rPr>
               <a:t>(A)tomicity + (C)onsistency + (I)solation + (D)urability</a:t>
             </a:r>
-            <a:endParaRPr b="1" lang="lv-LV" sz="1200" spc="-1" strike="noStrike">
-              <a:solidFill>
-                <a:srgbClr val="000000"/>
-              </a:solidFill>
+            <a:endParaRPr b="0" lang="lv-LV" sz="1200" spc="-1" strike="noStrike">
               <a:latin typeface="Arial"/>
             </a:endParaRPr>
           </a:p>
@@ -8665,10 +8114,7 @@
               </a:rPr>
               <a:t>Used by: MySQL, PostgreSQL, Oracle, SQL Server, etc.</a:t>
             </a:r>
-            <a:endParaRPr b="1" lang="lv-LV" sz="1200" spc="-1" strike="noStrike">
-              <a:solidFill>
-                <a:srgbClr val="000000"/>
-              </a:solidFill>
+            <a:endParaRPr b="0" lang="lv-LV" sz="1200" spc="-1" strike="noStrike">
               <a:latin typeface="Arial"/>
             </a:endParaRPr>
           </a:p>
@@ -8681,10 +8127,7 @@
                 <a:spcPts val="1199"/>
               </a:spcBef>
             </a:pPr>
-            <a:endParaRPr b="1" lang="lv-LV" sz="1200" spc="-1" strike="noStrike">
-              <a:solidFill>
-                <a:srgbClr val="000000"/>
-              </a:solidFill>
+            <a:endParaRPr b="0" lang="lv-LV" sz="1200" spc="-1" strike="noStrike">
               <a:latin typeface="Arial"/>
             </a:endParaRPr>
           </a:p>
@@ -8707,10 +8150,7 @@
               </a:rPr>
               <a:t>BASE (mostly NoSQL / distributed systems) Designed for horizontal scaling and high availability:</a:t>
             </a:r>
-            <a:endParaRPr b="1" lang="lv-LV" sz="1200" spc="-1" strike="noStrike">
-              <a:solidFill>
-                <a:srgbClr val="000000"/>
-              </a:solidFill>
+            <a:endParaRPr b="0" lang="lv-LV" sz="1200" spc="-1" strike="noStrike">
               <a:latin typeface="Arial"/>
             </a:endParaRPr>
           </a:p>
@@ -8733,10 +8173,7 @@
               </a:rPr>
               <a:t>(B)asically + (A)vailable + (S)oft-state + (E)ventually consistent</a:t>
             </a:r>
-            <a:endParaRPr b="1" lang="lv-LV" sz="1200" spc="-1" strike="noStrike">
-              <a:solidFill>
-                <a:srgbClr val="000000"/>
-              </a:solidFill>
+            <a:endParaRPr b="0" lang="lv-LV" sz="1200" spc="-1" strike="noStrike">
               <a:latin typeface="Arial"/>
             </a:endParaRPr>
           </a:p>
@@ -8749,10 +8186,7 @@
                 <a:spcPts val="1199"/>
               </a:spcBef>
             </a:pPr>
-            <a:endParaRPr b="1" lang="lv-LV" sz="1200" spc="-1" strike="noStrike">
-              <a:solidFill>
-                <a:srgbClr val="000000"/>
-              </a:solidFill>
+            <a:endParaRPr b="0" lang="lv-LV" sz="1200" spc="-1" strike="noStrike">
               <a:latin typeface="Arial"/>
             </a:endParaRPr>
           </a:p>
@@ -8778,10 +8212,7 @@
               </a:rPr>
               <a:t>Used by: Cassandra, DynamoDB, Riak, Couchbase, etc.</a:t>
             </a:r>
-            <a:endParaRPr b="1" lang="lv-LV" sz="1200" spc="-1" strike="noStrike">
-              <a:solidFill>
-                <a:srgbClr val="000000"/>
-              </a:solidFill>
+            <a:endParaRPr b="0" lang="lv-LV" sz="1200" spc="-1" strike="noStrike">
               <a:latin typeface="Arial"/>
             </a:endParaRPr>
           </a:p>
@@ -8819,14 +8250,14 @@
       </p:grpSpPr>
       <p:sp>
         <p:nvSpPr>
-          <p:cNvPr id="90" name="TextShape 1"/>
-          <p:cNvSpPr txBox="1"/>
+          <p:cNvPr id="88" name="CustomShape 1"/>
+          <p:cNvSpPr/>
           <p:nvPr/>
         </p:nvSpPr>
         <p:spPr>
           <a:xfrm>
             <a:off x="311760" y="444960"/>
-            <a:ext cx="8520120" cy="572400"/>
+            <a:ext cx="8519760" cy="572040"/>
           </a:xfrm>
           <a:prstGeom prst="rect">
             <a:avLst/>
@@ -8836,8 +8267,14 @@
             <a:noFill/>
           </a:ln>
         </p:spPr>
-        <p:txBody>
-          <a:bodyPr tIns="91440" bIns="91440">
+        <p:style>
+          <a:lnRef idx="0"/>
+          <a:fillRef idx="0"/>
+          <a:effectRef idx="0"/>
+          <a:fontRef idx="minor"/>
+        </p:style>
+        <p:txBody>
+          <a:bodyPr lIns="90000" rIns="90000" tIns="91440" bIns="91440">
             <a:normAutofit/>
           </a:bodyPr>
           <a:p>
@@ -8857,24 +8294,21 @@
               <a:t>Key Problems</a:t>
             </a:r>
             <a:endParaRPr b="0" lang="lv-LV" sz="2500" spc="-1" strike="noStrike">
-              <a:solidFill>
-                <a:srgbClr val="000000"/>
-              </a:solidFill>
-              <a:latin typeface="Arial"/>
-            </a:endParaRPr>
-          </a:p>
-        </p:txBody>
-      </p:sp>
-      <p:sp>
-        <p:nvSpPr>
-          <p:cNvPr id="91" name="TextShape 2"/>
-          <p:cNvSpPr txBox="1"/>
+              <a:latin typeface="Arial"/>
+            </a:endParaRPr>
+          </a:p>
+        </p:txBody>
+      </p:sp>
+      <p:sp>
+        <p:nvSpPr>
+          <p:cNvPr id="89" name="CustomShape 2"/>
+          <p:cNvSpPr/>
           <p:nvPr/>
         </p:nvSpPr>
         <p:spPr>
           <a:xfrm>
             <a:off x="311760" y="1152360"/>
-            <a:ext cx="8520120" cy="3416040"/>
+            <a:ext cx="8519760" cy="3415680"/>
           </a:xfrm>
           <a:prstGeom prst="rect">
             <a:avLst/>
@@ -8884,8 +8318,14 @@
             <a:noFill/>
           </a:ln>
         </p:spPr>
-        <p:txBody>
-          <a:bodyPr tIns="91440" bIns="91440">
+        <p:style>
+          <a:lnRef idx="0"/>
+          <a:fillRef idx="0"/>
+          <a:effectRef idx="0"/>
+          <a:fontRef idx="minor"/>
+        </p:style>
+        <p:txBody>
+          <a:bodyPr lIns="90000" rIns="90000" tIns="91440" bIns="91440">
             <a:normAutofit fontScale="85000"/>
           </a:bodyPr>
           <a:p>
@@ -8902,12 +8342,9 @@
                 <a:latin typeface="Arial"/>
                 <a:ea typeface="Arial"/>
               </a:rPr>
-              <a:t>1. Hard Drives can give a heat (bad sectors // no time to write // during backups) right now not so huge problem due SSD.</a:t>
+              <a:t>1. Hard Drives can give heat (bad sectors &amp; no time to write &amp; during backups) right now, this is not a big problem SSD.</a:t>
             </a:r>
             <a:endParaRPr b="0" lang="lv-LV" sz="1800" spc="-1" strike="noStrike">
-              <a:solidFill>
-                <a:srgbClr val="000000"/>
-              </a:solidFill>
               <a:latin typeface="Arial"/>
             </a:endParaRPr>
           </a:p>
@@ -8931,9 +8368,6 @@
               <a:t>2. Master Slave Replication things (Primary Keys (Long, Int, UUID), scaling data sync).</a:t>
             </a:r>
             <a:endParaRPr b="0" lang="lv-LV" sz="1800" spc="-1" strike="noStrike">
-              <a:solidFill>
-                <a:srgbClr val="000000"/>
-              </a:solidFill>
               <a:latin typeface="Arial"/>
             </a:endParaRPr>
           </a:p>
@@ -8957,9 +8391,6 @@
               <a:t>3. Deadlocks on huge request amount.</a:t>
             </a:r>
             <a:endParaRPr b="0" lang="lv-LV" sz="1800" spc="-1" strike="noStrike">
-              <a:solidFill>
-                <a:srgbClr val="000000"/>
-              </a:solidFill>
               <a:latin typeface="Arial"/>
             </a:endParaRPr>
           </a:p>
@@ -8983,9 +8414,6 @@
               <a:t>4. Cache Memory outage.</a:t>
             </a:r>
             <a:endParaRPr b="0" lang="lv-LV" sz="1800" spc="-1" strike="noStrike">
-              <a:solidFill>
-                <a:srgbClr val="000000"/>
-              </a:solidFill>
               <a:latin typeface="Arial"/>
             </a:endParaRPr>
           </a:p>
@@ -9009,9 +8437,6 @@
               <a:t>5. Temporary tables.</a:t>
             </a:r>
             <a:endParaRPr b="0" lang="lv-LV" sz="1800" spc="-1" strike="noStrike">
-              <a:solidFill>
-                <a:srgbClr val="000000"/>
-              </a:solidFill>
               <a:latin typeface="Arial"/>
             </a:endParaRPr>
           </a:p>
@@ -9035,9 +8460,6 @@
               <a:t>6. Complex Joins</a:t>
             </a:r>
             <a:endParaRPr b="0" lang="lv-LV" sz="1800" spc="-1" strike="noStrike">
-              <a:solidFill>
-                <a:srgbClr val="000000"/>
-              </a:solidFill>
               <a:latin typeface="Arial"/>
             </a:endParaRPr>
           </a:p>
@@ -9064,14 +8486,34 @@
               <a:t>8. Wrong field data types.</a:t>
             </a:r>
             <a:endParaRPr b="0" lang="lv-LV" sz="1800" spc="-1" strike="noStrike">
-              <a:solidFill>
-                <a:srgbClr val="000000"/>
-              </a:solidFill>
-              <a:latin typeface="Arial"/>
-            </a:endParaRPr>
-          </a:p>
-        </p:txBody>
-      </p:sp>
+              <a:latin typeface="Arial"/>
+            </a:endParaRPr>
+          </a:p>
+        </p:txBody>
+      </p:sp>
+      <p:pic>
+        <p:nvPicPr>
+          <p:cNvPr id="90" name="" descr=""/>
+          <p:cNvPicPr/>
+          <p:nvPr/>
+        </p:nvPicPr>
+        <p:blipFill>
+          <a:blip r:embed="rId1"/>
+          <a:stretch/>
+        </p:blipFill>
+        <p:spPr>
+          <a:xfrm>
+            <a:off x="4256280" y="2316960"/>
+            <a:ext cx="4167720" cy="2796840"/>
+          </a:xfrm>
+          <a:prstGeom prst="rect">
+            <a:avLst/>
+          </a:prstGeom>
+          <a:ln>
+            <a:noFill/>
+          </a:ln>
+        </p:spPr>
+      </p:pic>
     </p:spTree>
   </p:cSld>
   <mc:AlternateContent>
@@ -9104,14 +8546,14 @@
       </p:grpSpPr>
       <p:sp>
         <p:nvSpPr>
-          <p:cNvPr id="92" name="TextShape 1"/>
-          <p:cNvSpPr txBox="1"/>
+          <p:cNvPr id="91" name="CustomShape 1"/>
+          <p:cNvSpPr/>
           <p:nvPr/>
         </p:nvSpPr>
         <p:spPr>
           <a:xfrm>
-            <a:off x="311760" y="444960"/>
-            <a:ext cx="8520120" cy="572400"/>
+            <a:off x="311760" y="540000"/>
+            <a:ext cx="8519760" cy="381600"/>
           </a:xfrm>
           <a:prstGeom prst="rect">
             <a:avLst/>
@@ -9121,11 +8563,22 @@
             <a:noFill/>
           </a:ln>
         </p:spPr>
+        <p:style>
+          <a:lnRef idx="0"/>
+          <a:fillRef idx="0"/>
+          <a:effectRef idx="0"/>
+          <a:fontRef idx="minor"/>
+        </p:style>
         <p:txBody>
           <a:bodyPr lIns="0" rIns="0" tIns="0" bIns="0" anchor="ctr">
             <a:spAutoFit/>
           </a:bodyPr>
           <a:p>
+            <a:pPr>
+              <a:lnSpc>
+                <a:spcPct val="100000"/>
+              </a:lnSpc>
+            </a:pPr>
             <a:r>
               <a:rPr b="0" lang="lv-LV" sz="2500" spc="-1" strike="noStrike">
                 <a:solidFill>
@@ -9133,27 +8586,24 @@
                 </a:solidFill>
                 <a:latin typeface="Arial"/>
               </a:rPr>
-              <a:t>Master Slave</a:t>
+              <a:t>Index problems</a:t>
             </a:r>
             <a:endParaRPr b="0" lang="lv-LV" sz="2500" spc="-1" strike="noStrike">
-              <a:solidFill>
-                <a:srgbClr val="000000"/>
-              </a:solidFill>
-              <a:latin typeface="Arial"/>
-            </a:endParaRPr>
-          </a:p>
-        </p:txBody>
-      </p:sp>
-      <p:sp>
-        <p:nvSpPr>
-          <p:cNvPr id="93" name="TextShape 2"/>
-          <p:cNvSpPr txBox="1"/>
+              <a:latin typeface="Arial"/>
+            </a:endParaRPr>
+          </a:p>
+        </p:txBody>
+      </p:sp>
+      <p:sp>
+        <p:nvSpPr>
+          <p:cNvPr id="92" name="CustomShape 2"/>
+          <p:cNvSpPr/>
           <p:nvPr/>
         </p:nvSpPr>
         <p:spPr>
           <a:xfrm>
             <a:off x="311760" y="1152360"/>
-            <a:ext cx="8520120" cy="3416040"/>
+            <a:ext cx="8519760" cy="3415680"/>
           </a:xfrm>
           <a:prstGeom prst="rect">
             <a:avLst/>
@@ -9163,43 +8613,105 @@
             <a:noFill/>
           </a:ln>
         </p:spPr>
+        <p:style>
+          <a:lnRef idx="0"/>
+          <a:fillRef idx="0"/>
+          <a:effectRef idx="0"/>
+          <a:fontRef idx="minor"/>
+        </p:style>
         <p:txBody>
           <a:bodyPr lIns="0" rIns="0" tIns="0" bIns="0">
             <a:normAutofit/>
           </a:bodyPr>
           <a:p>
-            <a:endParaRPr b="0" lang="lv-LV" sz="1400" spc="-1" strike="noStrike">
-              <a:solidFill>
+            <a:pPr marL="432000" indent="-323640">
+              <a:lnSpc>
+                <a:spcPct val="115000"/>
+              </a:lnSpc>
+              <a:spcBef>
+                <a:spcPts val="1199"/>
+              </a:spcBef>
+              <a:buClr>
                 <a:srgbClr val="000000"/>
-              </a:solidFill>
-              <a:latin typeface="Arial"/>
-            </a:endParaRPr>
-          </a:p>
-        </p:txBody>
-      </p:sp>
-      <p:pic>
-        <p:nvPicPr>
-          <p:cNvPr id="94" name="" descr=""/>
-          <p:cNvPicPr/>
-          <p:nvPr/>
-        </p:nvPicPr>
-        <p:blipFill>
-          <a:blip r:embed="rId1"/>
-          <a:stretch/>
-        </p:blipFill>
-        <p:spPr>
-          <a:xfrm>
-            <a:off x="2628720" y="864000"/>
-            <a:ext cx="6203160" cy="4163040"/>
-          </a:xfrm>
-          <a:prstGeom prst="rect">
-            <a:avLst/>
-          </a:prstGeom>
-          <a:ln>
-            <a:noFill/>
-          </a:ln>
-        </p:spPr>
-      </p:pic>
+              </a:buClr>
+              <a:buSzPct val="45000"/>
+              <a:buFont typeface="Wingdings" charset="2"/>
+              <a:buChar char=""/>
+            </a:pPr>
+            <a:r>
+              <a:rPr b="0" lang="lv-LV" sz="1800" spc="-1" strike="noStrike">
+                <a:solidFill>
+                  <a:srgbClr val="595959"/>
+                </a:solidFill>
+                <a:latin typeface="Arial"/>
+                <a:ea typeface="Arial"/>
+              </a:rPr>
+              <a:t>Indexes take time to save and can flood your cache (it may result in deadlocks)</a:t>
+            </a:r>
+            <a:endParaRPr b="0" lang="lv-LV" sz="1800" spc="-1" strike="noStrike">
+              <a:latin typeface="Arial"/>
+            </a:endParaRPr>
+          </a:p>
+          <a:p>
+            <a:pPr marL="432000" indent="-323640">
+              <a:lnSpc>
+                <a:spcPct val="100000"/>
+              </a:lnSpc>
+              <a:spcBef>
+                <a:spcPts val="1417"/>
+              </a:spcBef>
+              <a:buClr>
+                <a:srgbClr val="000000"/>
+              </a:buClr>
+              <a:buSzPct val="45000"/>
+              <a:buFont typeface="Wingdings" charset="2"/>
+              <a:buChar char=""/>
+            </a:pPr>
+            <a:r>
+              <a:rPr b="0" lang="lv-LV" sz="1800" spc="-1" strike="noStrike">
+                <a:solidFill>
+                  <a:srgbClr val="595959"/>
+                </a:solidFill>
+                <a:latin typeface="Arial"/>
+                <a:ea typeface="Arial"/>
+              </a:rPr>
+              <a:t>Indexes could be sorted.</a:t>
+            </a:r>
+            <a:endParaRPr b="0" lang="lv-LV" sz="1800" spc="-1" strike="noStrike">
+              <a:latin typeface="Arial"/>
+            </a:endParaRPr>
+          </a:p>
+          <a:p>
+            <a:pPr marL="432000" indent="-323640">
+              <a:lnSpc>
+                <a:spcPct val="100000"/>
+              </a:lnSpc>
+              <a:spcBef>
+                <a:spcPts val="1417"/>
+              </a:spcBef>
+              <a:buClr>
+                <a:srgbClr val="000000"/>
+              </a:buClr>
+              <a:buSzPct val="45000"/>
+              <a:buFont typeface="Wingdings" charset="2"/>
+              <a:buChar char=""/>
+            </a:pPr>
+            <a:r>
+              <a:rPr b="0" lang="lv-LV" sz="1800" spc="-1" strike="noStrike">
+                <a:solidFill>
+                  <a:srgbClr val="595959"/>
+                </a:solidFill>
+                <a:latin typeface="Arial"/>
+                <a:ea typeface="Arial"/>
+              </a:rPr>
+              <a:t>Huge indexes.</a:t>
+            </a:r>
+            <a:endParaRPr b="0" lang="lv-LV" sz="1800" spc="-1" strike="noStrike">
+              <a:latin typeface="Arial"/>
+            </a:endParaRPr>
+          </a:p>
+        </p:txBody>
+      </p:sp>
     </p:spTree>
   </p:cSld>
   <mc:AlternateContent>
@@ -9232,14 +8744,14 @@
       </p:grpSpPr>
       <p:sp>
         <p:nvSpPr>
-          <p:cNvPr id="95" name="TextShape 1"/>
-          <p:cNvSpPr txBox="1"/>
+          <p:cNvPr id="93" name="CustomShape 1"/>
+          <p:cNvSpPr/>
           <p:nvPr/>
         </p:nvSpPr>
         <p:spPr>
           <a:xfrm>
             <a:off x="311760" y="444960"/>
-            <a:ext cx="8520120" cy="572400"/>
+            <a:ext cx="8519760" cy="572040"/>
           </a:xfrm>
           <a:prstGeom prst="rect">
             <a:avLst/>
@@ -9249,39 +8761,48 @@
             <a:noFill/>
           </a:ln>
         </p:spPr>
-        <p:txBody>
-          <a:bodyPr lIns="0" rIns="0" tIns="0" bIns="0" anchor="ctr">
-            <a:spAutoFit/>
-          </a:bodyPr>
-          <a:p>
-            <a:r>
-              <a:rPr b="0" lang="lv-LV" sz="2500" spc="-1" strike="noStrike">
+        <p:style>
+          <a:lnRef idx="0"/>
+          <a:fillRef idx="0"/>
+          <a:effectRef idx="0"/>
+          <a:fontRef idx="minor"/>
+        </p:style>
+        <p:txBody>
+          <a:bodyPr lIns="90000" rIns="90000" tIns="91440" bIns="91440">
+            <a:normAutofit fontScale="97000"/>
+          </a:bodyPr>
+          <a:p>
+            <a:pPr>
+              <a:lnSpc>
+                <a:spcPct val="100000"/>
+              </a:lnSpc>
+            </a:pPr>
+            <a:r>
+              <a:rPr b="0" lang="lv-LV" sz="2800" spc="-1" strike="noStrike">
                 <a:solidFill>
                   <a:srgbClr val="000000"/>
                 </a:solidFill>
                 <a:latin typeface="Arial"/>
-              </a:rPr>
-              <a:t>Index problems</a:t>
-            </a:r>
-            <a:endParaRPr b="0" lang="lv-LV" sz="2500" spc="-1" strike="noStrike">
-              <a:solidFill>
-                <a:srgbClr val="000000"/>
-              </a:solidFill>
-              <a:latin typeface="Arial"/>
-            </a:endParaRPr>
-          </a:p>
-        </p:txBody>
-      </p:sp>
-      <p:sp>
-        <p:nvSpPr>
-          <p:cNvPr id="96" name="TextShape 2"/>
-          <p:cNvSpPr txBox="1"/>
+                <a:ea typeface="Arial"/>
+              </a:rPr>
+              <a:t>MySQL data structure, potentially all are similar</a:t>
+            </a:r>
+            <a:endParaRPr b="0" lang="lv-LV" sz="2800" spc="-1" strike="noStrike">
+              <a:latin typeface="Arial"/>
+            </a:endParaRPr>
+          </a:p>
+        </p:txBody>
+      </p:sp>
+      <p:sp>
+        <p:nvSpPr>
+          <p:cNvPr id="94" name="CustomShape 2"/>
+          <p:cNvSpPr/>
           <p:nvPr/>
         </p:nvSpPr>
         <p:spPr>
           <a:xfrm>
             <a:off x="311760" y="1152360"/>
-            <a:ext cx="8520120" cy="3416040"/>
+            <a:ext cx="8519760" cy="3415680"/>
           </a:xfrm>
           <a:prstGeom prst="rect">
             <a:avLst/>
@@ -9291,97 +8812,59 @@
             <a:noFill/>
           </a:ln>
         </p:spPr>
-        <p:txBody>
-          <a:bodyPr lIns="0" rIns="0" tIns="0" bIns="0">
+        <p:style>
+          <a:lnRef idx="0"/>
+          <a:fillRef idx="0"/>
+          <a:effectRef idx="0"/>
+          <a:fontRef idx="minor"/>
+        </p:style>
+        <p:txBody>
+          <a:bodyPr lIns="90000" rIns="90000" tIns="91440" bIns="91440">
             <a:normAutofit/>
           </a:bodyPr>
           <a:p>
-            <a:pPr marL="432000" indent="-324000">
+            <a:pPr>
+              <a:lnSpc>
+                <a:spcPct val="115000"/>
+              </a:lnSpc>
+            </a:pPr>
+            <a:r>
+              <a:rPr b="0" lang="lv-LV" sz="1800" spc="-1" strike="noStrike">
+                <a:solidFill>
+                  <a:srgbClr val="595959"/>
+                </a:solidFill>
+                <a:latin typeface="Arial"/>
+                <a:ea typeface="Arial"/>
+              </a:rPr>
+              <a:t>Usually primary take away and what you should understand picking technology is how DB stores the data I will explain on MySQL example (Other SQL DB like PostgreSQL or Oracle looks similar with some other functions but most will be covered as same.)</a:t>
+            </a:r>
+            <a:endParaRPr b="0" lang="lv-LV" sz="1800" spc="-1" strike="noStrike">
+              <a:latin typeface="Arial"/>
+            </a:endParaRPr>
+          </a:p>
+          <a:p>
+            <a:pPr>
               <a:lnSpc>
                 <a:spcPct val="115000"/>
               </a:lnSpc>
               <a:spcBef>
                 <a:spcPts val="1199"/>
               </a:spcBef>
-              <a:buClr>
-                <a:srgbClr val="000000"/>
-              </a:buClr>
-              <a:buSzPct val="45000"/>
-              <a:buFont typeface="Wingdings" charset="2"/>
-              <a:buChar char=""/>
-            </a:pPr>
-            <a:r>
-              <a:rPr b="0" lang="lv-LV" sz="1800" spc="-1" strike="noStrike">
-                <a:solidFill>
-                  <a:srgbClr val="595959"/>
-                </a:solidFill>
-                <a:latin typeface="Arial"/>
-                <a:ea typeface="Arial"/>
-              </a:rPr>
-              <a:t>Indexes takes time to save and can flood your cache (it may result as deadlocks)</a:t>
-            </a:r>
+            </a:pPr>
             <a:endParaRPr b="0" lang="lv-LV" sz="1800" spc="-1" strike="noStrike">
-              <a:solidFill>
-                <a:srgbClr val="000000"/>
-              </a:solidFill>
-              <a:latin typeface="Arial"/>
-            </a:endParaRPr>
-          </a:p>
-          <a:p>
-            <a:pPr marL="432000" indent="-324000">
+              <a:latin typeface="Arial"/>
+            </a:endParaRPr>
+          </a:p>
+          <a:p>
+            <a:pPr>
+              <a:lnSpc>
+                <a:spcPct val="115000"/>
+              </a:lnSpc>
               <a:spcBef>
-                <a:spcPts val="1417"/>
+                <a:spcPts val="1199"/>
               </a:spcBef>
-              <a:buClr>
-                <a:srgbClr val="000000"/>
-              </a:buClr>
-              <a:buSzPct val="45000"/>
-              <a:buFont typeface="Wingdings" charset="2"/>
-              <a:buChar char=""/>
-            </a:pPr>
-            <a:r>
-              <a:rPr b="0" lang="lv-LV" sz="1800" spc="-1" strike="noStrike">
-                <a:solidFill>
-                  <a:srgbClr val="595959"/>
-                </a:solidFill>
-                <a:latin typeface="Arial"/>
-                <a:ea typeface="Arial"/>
-              </a:rPr>
-              <a:t>Indexes should be sorted.</a:t>
-            </a:r>
+            </a:pPr>
             <a:endParaRPr b="0" lang="lv-LV" sz="1800" spc="-1" strike="noStrike">
-              <a:solidFill>
-                <a:srgbClr val="000000"/>
-              </a:solidFill>
-              <a:latin typeface="Arial"/>
-            </a:endParaRPr>
-          </a:p>
-          <a:p>
-            <a:pPr marL="432000" indent="-324000">
-              <a:spcBef>
-                <a:spcPts val="1417"/>
-              </a:spcBef>
-              <a:buClr>
-                <a:srgbClr val="000000"/>
-              </a:buClr>
-              <a:buSzPct val="45000"/>
-              <a:buFont typeface="Wingdings" charset="2"/>
-              <a:buChar char=""/>
-            </a:pPr>
-            <a:r>
-              <a:rPr b="0" lang="lv-LV" sz="1800" spc="-1" strike="noStrike">
-                <a:solidFill>
-                  <a:srgbClr val="595959"/>
-                </a:solidFill>
-                <a:latin typeface="Arial"/>
-                <a:ea typeface="Arial"/>
-              </a:rPr>
-              <a:t>Huge indexes.</a:t>
-            </a:r>
-            <a:endParaRPr b="0" lang="lv-LV" sz="1800" spc="-1" strike="noStrike">
-              <a:solidFill>
-                <a:srgbClr val="000000"/>
-              </a:solidFill>
               <a:latin typeface="Arial"/>
             </a:endParaRPr>
           </a:p>
@@ -9419,14 +8902,14 @@
       </p:grpSpPr>
       <p:sp>
         <p:nvSpPr>
-          <p:cNvPr id="97" name="TextShape 1"/>
-          <p:cNvSpPr txBox="1"/>
+          <p:cNvPr id="95" name="CustomShape 1"/>
+          <p:cNvSpPr/>
           <p:nvPr/>
         </p:nvSpPr>
         <p:spPr>
           <a:xfrm>
-            <a:off x="311760" y="444960"/>
-            <a:ext cx="8520120" cy="572400"/>
+            <a:off x="311760" y="517320"/>
+            <a:ext cx="8519760" cy="427320"/>
           </a:xfrm>
           <a:prstGeom prst="rect">
             <a:avLst/>
@@ -9436,9 +8919,15 @@
             <a:noFill/>
           </a:ln>
         </p:spPr>
-        <p:txBody>
-          <a:bodyPr tIns="91440" bIns="91440">
-            <a:normAutofit fontScale="97000"/>
+        <p:style>
+          <a:lnRef idx="0"/>
+          <a:fillRef idx="0"/>
+          <a:effectRef idx="0"/>
+          <a:fontRef idx="minor"/>
+        </p:style>
+        <p:txBody>
+          <a:bodyPr lIns="0" rIns="0" tIns="0" bIns="0" anchor="ctr">
+            <a:spAutoFit/>
           </a:bodyPr>
           <a:p>
             <a:pPr>
@@ -9452,29 +8941,25 @@
                   <a:srgbClr val="000000"/>
                 </a:solidFill>
                 <a:latin typeface="Arial"/>
-                <a:ea typeface="Arial"/>
-              </a:rPr>
-              <a:t>MySQL data structure, potentially all are similar</a:t>
+              </a:rPr>
+              <a:t>MySQL data structure.</a:t>
             </a:r>
             <a:endParaRPr b="0" lang="lv-LV" sz="2800" spc="-1" strike="noStrike">
-              <a:solidFill>
-                <a:srgbClr val="000000"/>
-              </a:solidFill>
-              <a:latin typeface="Arial"/>
-            </a:endParaRPr>
-          </a:p>
-        </p:txBody>
-      </p:sp>
-      <p:sp>
-        <p:nvSpPr>
-          <p:cNvPr id="98" name="TextShape 2"/>
-          <p:cNvSpPr txBox="1"/>
+              <a:latin typeface="Arial"/>
+            </a:endParaRPr>
+          </a:p>
+        </p:txBody>
+      </p:sp>
+      <p:sp>
+        <p:nvSpPr>
+          <p:cNvPr id="96" name="CustomShape 2"/>
+          <p:cNvSpPr/>
           <p:nvPr/>
         </p:nvSpPr>
         <p:spPr>
           <a:xfrm>
-            <a:off x="311760" y="1152360"/>
-            <a:ext cx="8520120" cy="3416040"/>
+            <a:off x="288000" y="1080000"/>
+            <a:ext cx="8519760" cy="3415680"/>
           </a:xfrm>
           <a:prstGeom prst="rect">
             <a:avLst/>
@@ -9484,67 +8969,70 @@
             <a:noFill/>
           </a:ln>
         </p:spPr>
-        <p:txBody>
-          <a:bodyPr tIns="91440" bIns="91440">
+        <p:style>
+          <a:lnRef idx="0"/>
+          <a:fillRef idx="0"/>
+          <a:effectRef idx="0"/>
+          <a:fontRef idx="minor"/>
+        </p:style>
+        <p:txBody>
+          <a:bodyPr lIns="0" rIns="0" tIns="0" bIns="0">
             <a:normAutofit/>
           </a:bodyPr>
           <a:p>
-            <a:pPr>
-              <a:lnSpc>
-                <a:spcPct val="115000"/>
-              </a:lnSpc>
-            </a:pPr>
-            <a:r>
-              <a:rPr b="0" lang="lv-LV" sz="1800" spc="-1" strike="noStrike">
-                <a:solidFill>
-                  <a:srgbClr val="595959"/>
-                </a:solidFill>
-                <a:latin typeface="Arial"/>
-                <a:ea typeface="Arial"/>
-              </a:rPr>
-              <a:t>Usually primary take away and what you should understand picking technology is how DB stores the data I will explain on MySQL example (Other SQL DB like PostgreSQL or Oracle looks similar with some other functions but most will be covered as same.)</a:t>
-            </a:r>
-            <a:endParaRPr b="0" lang="lv-LV" sz="1800" spc="-1" strike="noStrike">
-              <a:solidFill>
-                <a:srgbClr val="000000"/>
-              </a:solidFill>
-              <a:latin typeface="Arial"/>
-            </a:endParaRPr>
-          </a:p>
-          <a:p>
-            <a:pPr>
+            <a:pPr marL="432000" indent="-323640">
               <a:lnSpc>
                 <a:spcPct val="115000"/>
               </a:lnSpc>
               <a:spcBef>
                 <a:spcPts val="1199"/>
               </a:spcBef>
-            </a:pPr>
+              <a:buClr>
+                <a:srgbClr val="000000"/>
+              </a:buClr>
+              <a:buSzPct val="45000"/>
+              <a:buFont typeface="Wingdings" charset="2"/>
+              <a:buChar char=""/>
+            </a:pPr>
+            <a:r>
+              <a:rPr b="0" lang="lv-LV" sz="1800" spc="-1" strike="noStrike">
+                <a:solidFill>
+                  <a:srgbClr val="595959"/>
+                </a:solidFill>
+                <a:latin typeface="Arial"/>
+                <a:ea typeface="Arial"/>
+              </a:rPr>
+              <a:t>you describe fields (each field have type and limits on containing value)</a:t>
+            </a:r>
             <a:endParaRPr b="0" lang="lv-LV" sz="1800" spc="-1" strike="noStrike">
-              <a:solidFill>
-                <a:srgbClr val="000000"/>
-              </a:solidFill>
-              <a:latin typeface="Arial"/>
-            </a:endParaRPr>
-          </a:p>
-          <a:p>
-            <a:pPr>
-              <a:lnSpc>
-                <a:spcPct val="115000"/>
-              </a:lnSpc>
-              <a:spcBef>
-                <a:spcPts val="1199"/>
-              </a:spcBef>
-            </a:pPr>
-            <a:endParaRPr b="0" lang="lv-LV" sz="1800" spc="-1" strike="noStrike">
-              <a:solidFill>
-                <a:srgbClr val="000000"/>
-              </a:solidFill>
-              <a:latin typeface="Arial"/>
-            </a:endParaRPr>
-          </a:p>
-        </p:txBody>
-      </p:sp>
+              <a:latin typeface="Arial"/>
+            </a:endParaRPr>
+          </a:p>
+        </p:txBody>
+      </p:sp>
+      <p:pic>
+        <p:nvPicPr>
+          <p:cNvPr id="97" name="" descr=""/>
+          <p:cNvPicPr/>
+          <p:nvPr/>
+        </p:nvPicPr>
+        <p:blipFill>
+          <a:blip r:embed="rId1"/>
+          <a:stretch/>
+        </p:blipFill>
+        <p:spPr>
+          <a:xfrm>
+            <a:off x="2520000" y="1360800"/>
+            <a:ext cx="5950800" cy="3678840"/>
+          </a:xfrm>
+          <a:prstGeom prst="rect">
+            <a:avLst/>
+          </a:prstGeom>
+          <a:ln>
+            <a:noFill/>
+          </a:ln>
+        </p:spPr>
+      </p:pic>
     </p:spTree>
   </p:cSld>
   <mc:AlternateContent>

--- a/High Load System DB.pptx
+++ b/High Load System DB.pptx
@@ -35,6 +35,7 @@
     <p:sldId id="282" r:id="rId30"/>
     <p:sldId id="283" r:id="rId31"/>
     <p:sldId id="284" r:id="rId32"/>
+    <p:sldId id="285" r:id="rId33"/>
   </p:sldIdLst>
   <p:sldSz cx="9144000" cy="5143500"/>
   <p:notesSz cx="7559675" cy="10691812"/>
@@ -3428,8 +3429,8 @@
         </p:nvSpPr>
         <p:spPr>
           <a:xfrm>
-            <a:off x="311760" y="517320"/>
-            <a:ext cx="8519760" cy="427320"/>
+            <a:off x="311760" y="502920"/>
+            <a:ext cx="8519760" cy="456120"/>
           </a:xfrm>
           <a:prstGeom prst="rect">
             <a:avLst/>
@@ -3456,7 +3457,7 @@
               </a:lnSpc>
             </a:pPr>
             <a:r>
-              <a:rPr b="0" lang="lv-LV" sz="2800" spc="-1" strike="noStrike">
+              <a:rPr b="0" lang="lv-LV" sz="3000" spc="-1" strike="noStrike">
                 <a:solidFill>
                   <a:srgbClr val="000000"/>
                 </a:solidFill>
@@ -3464,7 +3465,7 @@
               </a:rPr>
               <a:t>MySQL data structure.</a:t>
             </a:r>
-            <a:endParaRPr b="0" lang="lv-LV" sz="2800" spc="-1" strike="noStrike">
+            <a:endParaRPr b="0" lang="lv-LV" sz="3000" spc="-1" strike="noStrike">
               <a:latin typeface="Arial"/>
             </a:endParaRPr>
           </a:p>
@@ -3497,7 +3498,7 @@
         </p:style>
         <p:txBody>
           <a:bodyPr lIns="0" rIns="0" tIns="0" bIns="0">
-            <a:normAutofit/>
+            <a:normAutofit fontScale="97000"/>
           </a:bodyPr>
           <a:p>
             <a:pPr marL="432000" indent="-323640">
@@ -3515,7 +3516,7 @@
               <a:buChar char=""/>
             </a:pPr>
             <a:r>
-              <a:rPr b="0" lang="lv-LV" sz="1800" spc="-1" strike="noStrike">
+              <a:rPr b="0" lang="lv-LV" sz="2500" spc="-1" strike="noStrike">
                 <a:solidFill>
                   <a:srgbClr val="595959"/>
                 </a:solidFill>
@@ -3524,7 +3525,7 @@
               </a:rPr>
               <a:t>Each row reserves maximum field size on drive even if they are null (to jump between rows based on pure math).</a:t>
             </a:r>
-            <a:endParaRPr b="0" lang="lv-LV" sz="1800" spc="-1" strike="noStrike">
+            <a:endParaRPr b="0" lang="lv-LV" sz="2500" spc="-1" strike="noStrike">
               <a:latin typeface="Arial"/>
             </a:endParaRPr>
           </a:p>
@@ -3544,7 +3545,7 @@
               <a:buChar char=""/>
             </a:pPr>
             <a:r>
-              <a:rPr b="0" lang="lv-LV" sz="1800" spc="-1" strike="noStrike">
+              <a:rPr b="0" lang="lv-LV" sz="2500" spc="-1" strike="noStrike">
                 <a:solidFill>
                   <a:srgbClr val="595959"/>
                 </a:solidFill>
@@ -3553,7 +3554,7 @@
               </a:rPr>
               <a:t>Text Fields are storing Pointer to data that besides out of the table (it is optimal but will slow down on writing and filtering texts).</a:t>
             </a:r>
-            <a:endParaRPr b="0" lang="lv-LV" sz="1800" spc="-1" strike="noStrike">
+            <a:endParaRPr b="0" lang="lv-LV" sz="2500" spc="-1" strike="noStrike">
               <a:latin typeface="Arial"/>
             </a:endParaRPr>
           </a:p>
@@ -3573,7 +3574,7 @@
               <a:buChar char=""/>
             </a:pPr>
             <a:r>
-              <a:rPr b="0" lang="lv-LV" sz="1800" spc="-1" strike="noStrike">
+              <a:rPr b="0" lang="lv-LV" sz="2500" spc="-1" strike="noStrike">
                 <a:solidFill>
                   <a:srgbClr val="595959"/>
                 </a:solidFill>
@@ -3582,7 +3583,7 @@
               </a:rPr>
               <a:t>Data is pure math. The more Bytes it takes the more time it takes for all operations</a:t>
             </a:r>
-            <a:endParaRPr b="0" lang="lv-LV" sz="1800" spc="-1" strike="noStrike">
+            <a:endParaRPr b="0" lang="lv-LV" sz="2500" spc="-1" strike="noStrike">
               <a:latin typeface="Arial"/>
             </a:endParaRPr>
           </a:p>
@@ -3626,8 +3627,8 @@
         </p:nvSpPr>
         <p:spPr>
           <a:xfrm>
-            <a:off x="311760" y="540000"/>
-            <a:ext cx="8519760" cy="381600"/>
+            <a:off x="311760" y="464400"/>
+            <a:ext cx="8519760" cy="532800"/>
           </a:xfrm>
           <a:prstGeom prst="rect">
             <a:avLst/>
@@ -3654,7 +3655,7 @@
               </a:lnSpc>
             </a:pPr>
             <a:r>
-              <a:rPr b="0" lang="lv-LV" sz="2500" spc="-1" strike="noStrike">
+              <a:rPr b="0" lang="lv-LV" sz="3500" spc="-1" strike="noStrike">
                 <a:solidFill>
                   <a:srgbClr val="000000"/>
                 </a:solidFill>
@@ -3662,7 +3663,7 @@
               </a:rPr>
               <a:t>Indexes</a:t>
             </a:r>
-            <a:endParaRPr b="0" lang="lv-LV" sz="2500" spc="-1" strike="noStrike">
+            <a:endParaRPr b="0" lang="lv-LV" sz="3500" spc="-1" strike="noStrike">
               <a:latin typeface="Arial"/>
             </a:endParaRPr>
           </a:p>
@@ -3713,16 +3714,16 @@
               <a:buChar char=""/>
             </a:pPr>
             <a:r>
-              <a:rPr b="0" lang="lv-LV" sz="1800" spc="-1" strike="noStrike">
+              <a:rPr b="0" lang="lv-LV" sz="2500" spc="-1" strike="noStrike">
                 <a:solidFill>
                   <a:srgbClr val="595959"/>
                 </a:solidFill>
                 <a:latin typeface="Arial"/>
                 <a:ea typeface="Arial"/>
               </a:rPr>
-              <a:t>Indexes take time to save and can flood your cache (it may result in deadlock).</a:t>
-            </a:r>
-            <a:endParaRPr b="0" lang="lv-LV" sz="1800" spc="-1" strike="noStrike">
+              <a:t>Indexes take time to save and can flood your cache       (it may result in deadlock).</a:t>
+            </a:r>
+            <a:endParaRPr b="0" lang="lv-LV" sz="2500" spc="-1" strike="noStrike">
               <a:latin typeface="Arial"/>
             </a:endParaRPr>
           </a:p>
@@ -3742,7 +3743,7 @@
               <a:buChar char=""/>
             </a:pPr>
             <a:r>
-              <a:rPr b="0" lang="lv-LV" sz="1800" spc="-1" strike="noStrike">
+              <a:rPr b="0" lang="lv-LV" sz="2500" spc="-1" strike="noStrike">
                 <a:solidFill>
                   <a:srgbClr val="595959"/>
                 </a:solidFill>
@@ -3751,7 +3752,7 @@
               </a:rPr>
               <a:t>Indexes could be sorted.</a:t>
             </a:r>
-            <a:endParaRPr b="0" lang="lv-LV" sz="1800" spc="-1" strike="noStrike">
+            <a:endParaRPr b="0" lang="lv-LV" sz="2500" spc="-1" strike="noStrike">
               <a:latin typeface="Arial"/>
             </a:endParaRPr>
           </a:p>
@@ -3769,7 +3770,7 @@
         </p:blipFill>
         <p:spPr>
           <a:xfrm>
-            <a:off x="4104000" y="1609920"/>
+            <a:off x="4677840" y="1683360"/>
             <a:ext cx="3039840" cy="3069720"/>
           </a:xfrm>
           <a:prstGeom prst="rect">
@@ -3837,7 +3838,7 @@
         </p:style>
         <p:txBody>
           <a:bodyPr lIns="90000" rIns="90000" tIns="91440" bIns="91440">
-            <a:normAutofit fontScale="97000"/>
+            <a:normAutofit fontScale="68000"/>
           </a:bodyPr>
           <a:p>
             <a:pPr>
@@ -3846,7 +3847,7 @@
               </a:lnSpc>
             </a:pPr>
             <a:r>
-              <a:rPr b="0" lang="lv-LV" sz="2800" spc="-1" strike="noStrike">
+              <a:rPr b="0" lang="lv-LV" sz="3500" spc="-1" strike="noStrike">
                 <a:solidFill>
                   <a:srgbClr val="000000"/>
                 </a:solidFill>
@@ -3855,7 +3856,7 @@
               </a:rPr>
               <a:t>Useful Functions for debugging.</a:t>
             </a:r>
-            <a:endParaRPr b="0" lang="lv-LV" sz="2800" spc="-1" strike="noStrike">
+            <a:endParaRPr b="0" lang="lv-LV" sz="3500" spc="-1" strike="noStrike">
               <a:latin typeface="Arial"/>
             </a:endParaRPr>
           </a:p>
@@ -3897,7 +3898,7 @@
               </a:lnSpc>
             </a:pPr>
             <a:r>
-              <a:rPr b="0" lang="lv-LV" sz="1800" spc="-1" strike="noStrike">
+              <a:rPr b="0" lang="lv-LV" sz="2500" spc="-1" strike="noStrike">
                 <a:solidFill>
                   <a:srgbClr val="595959"/>
                 </a:solidFill>
@@ -3906,7 +3907,7 @@
               </a:rPr>
               <a:t>SQL usually has multiple ways to debug the application. I may not name everything, but I will touch the best ones.</a:t>
             </a:r>
-            <a:endParaRPr b="0" lang="lv-LV" sz="1800" spc="-1" strike="noStrike">
+            <a:endParaRPr b="0" lang="lv-LV" sz="2500" spc="-1" strike="noStrike">
               <a:latin typeface="Arial"/>
             </a:endParaRPr>
           </a:p>
@@ -3916,7 +3917,7 @@
                 <a:spcPct val="115000"/>
               </a:lnSpc>
             </a:pPr>
-            <a:endParaRPr b="0" lang="lv-LV" sz="1800" spc="-1" strike="noStrike">
+            <a:endParaRPr b="0" lang="lv-LV" sz="2500" spc="-1" strike="noStrike">
               <a:latin typeface="Arial"/>
             </a:endParaRPr>
           </a:p>
@@ -3927,16 +3928,16 @@
               </a:lnSpc>
             </a:pPr>
             <a:r>
-              <a:rPr b="0" lang="lv-LV" sz="1800" spc="-1" strike="noStrike">
+              <a:rPr b="0" lang="lv-LV" sz="2500" spc="-1" strike="noStrike">
                 <a:solidFill>
                   <a:srgbClr val="595959"/>
                 </a:solidFill>
                 <a:latin typeface="Arial"/>
                 <a:ea typeface="Arial"/>
               </a:rPr>
-              <a:t>1. Explain Analyze (Query here)</a:t>
-            </a:r>
-            <a:endParaRPr b="0" lang="lv-LV" sz="1800" spc="-1" strike="noStrike">
+              <a:t>1. slow_query_log = 1 // best to log all queries (5-10 minutes) than group analyze total execution time</a:t>
+            </a:r>
+            <a:endParaRPr b="0" lang="lv-LV" sz="2500" spc="-1" strike="noStrike">
               <a:latin typeface="Arial"/>
             </a:endParaRPr>
           </a:p>
@@ -3947,76 +3948,16 @@
               </a:lnSpc>
             </a:pPr>
             <a:r>
-              <a:rPr b="0" lang="lv-LV" sz="1800" spc="-1" strike="noStrike">
+              <a:rPr b="0" lang="lv-LV" sz="2500" spc="-1" strike="noStrike">
                 <a:solidFill>
                   <a:srgbClr val="595959"/>
                 </a:solidFill>
                 <a:latin typeface="Arial"/>
                 <a:ea typeface="Arial"/>
               </a:rPr>
-              <a:t>2. SHOW PROCESSLIST.</a:t>
-            </a:r>
-            <a:endParaRPr b="0" lang="lv-LV" sz="1800" spc="-1" strike="noStrike">
-              <a:latin typeface="Arial"/>
-            </a:endParaRPr>
-          </a:p>
-          <a:p>
-            <a:pPr>
-              <a:lnSpc>
-                <a:spcPct val="115000"/>
-              </a:lnSpc>
-            </a:pPr>
-            <a:r>
-              <a:rPr b="0" lang="lv-LV" sz="1800" spc="-1" strike="noStrike">
-                <a:solidFill>
-                  <a:srgbClr val="595959"/>
-                </a:solidFill>
-                <a:latin typeface="Arial"/>
-                <a:ea typeface="Arial"/>
-              </a:rPr>
-              <a:t>3. slow_query_log = 1 // best to log all queries (5-10 minutes) than group analyze total execution time</a:t>
-            </a:r>
-            <a:endParaRPr b="0" lang="lv-LV" sz="1800" spc="-1" strike="noStrike">
-              <a:latin typeface="Arial"/>
-            </a:endParaRPr>
-          </a:p>
-          <a:p>
-            <a:pPr>
-              <a:lnSpc>
-                <a:spcPct val="115000"/>
-              </a:lnSpc>
-            </a:pPr>
-            <a:r>
-              <a:rPr b="0" lang="lv-LV" sz="1800" spc="-1" strike="noStrike">
-                <a:solidFill>
-                  <a:srgbClr val="595959"/>
-                </a:solidFill>
-                <a:latin typeface="Arial"/>
-                <a:ea typeface="Arial"/>
-              </a:rPr>
-              <a:t>4. KILL PROCESSID (to identify deadlocked parent, usually the oldest one but not always.)</a:t>
-            </a:r>
-            <a:endParaRPr b="0" lang="lv-LV" sz="1800" spc="-1" strike="noStrike">
-              <a:latin typeface="Arial"/>
-            </a:endParaRPr>
-          </a:p>
-          <a:p>
-            <a:pPr>
-              <a:lnSpc>
-                <a:spcPct val="115000"/>
-              </a:lnSpc>
-            </a:pPr>
-            <a:r>
-              <a:rPr b="0" lang="lv-LV" sz="1800" spc="-1" strike="noStrike">
-                <a:solidFill>
-                  <a:srgbClr val="595959"/>
-                </a:solidFill>
-                <a:latin typeface="Arial"/>
-                <a:ea typeface="Arial"/>
-              </a:rPr>
-              <a:t>5. Usually low resources can lead to deadlocks (waiting for the cache to get free, so resource analysis like top can be good also)</a:t>
-            </a:r>
-            <a:endParaRPr b="0" lang="lv-LV" sz="1800" spc="-1" strike="noStrike">
+              <a:t>2. Usually low resources can lead to deadlocks (waiting for the cache to get free, so resource analysis like top can be good also)</a:t>
+            </a:r>
+            <a:endParaRPr b="0" lang="lv-LV" sz="2500" spc="-1" strike="noStrike">
               <a:latin typeface="Arial"/>
             </a:endParaRPr>
           </a:p>
@@ -4054,14 +3995,14 @@
       </p:grpSpPr>
       <p:sp>
         <p:nvSpPr>
-          <p:cNvPr id="105" name="CustomShape 1"/>
-          <p:cNvSpPr/>
+          <p:cNvPr id="105" name="TextShape 1"/>
+          <p:cNvSpPr txBox="1"/>
           <p:nvPr/>
         </p:nvSpPr>
         <p:spPr>
           <a:xfrm>
-            <a:off x="311760" y="444960"/>
-            <a:ext cx="8519760" cy="572040"/>
+            <a:off x="311760" y="301680"/>
+            <a:ext cx="8519760" cy="858960"/>
           </a:xfrm>
           <a:prstGeom prst="rect">
             <a:avLst/>
@@ -4071,48 +4012,75 @@
             <a:noFill/>
           </a:ln>
         </p:spPr>
-        <p:style>
-          <a:lnRef idx="0"/>
-          <a:fillRef idx="0"/>
-          <a:effectRef idx="0"/>
-          <a:fontRef idx="minor"/>
-        </p:style>
-        <p:txBody>
-          <a:bodyPr lIns="90000" rIns="90000" tIns="91440" bIns="91440">
-            <a:normAutofit fontScale="97000"/>
-          </a:bodyPr>
-          <a:p>
-            <a:pPr>
-              <a:lnSpc>
-                <a:spcPct val="100000"/>
-              </a:lnSpc>
-            </a:pPr>
-            <a:r>
-              <a:rPr b="0" lang="lv-LV" sz="2800" spc="-1" strike="noStrike">
-                <a:solidFill>
-                  <a:srgbClr val="000000"/>
-                </a:solidFill>
-                <a:latin typeface="Arial"/>
-                <a:ea typeface="Arial"/>
-              </a:rPr>
-              <a:t>How you could optimize something ?</a:t>
-            </a:r>
-            <a:endParaRPr b="0" lang="lv-LV" sz="2800" spc="-1" strike="noStrike">
-              <a:latin typeface="Arial"/>
-            </a:endParaRPr>
-          </a:p>
-        </p:txBody>
-      </p:sp>
-      <p:sp>
-        <p:nvSpPr>
-          <p:cNvPr id="106" name="CustomShape 2"/>
-          <p:cNvSpPr/>
+        <p:txBody>
+          <a:bodyPr lIns="0" rIns="0" tIns="0" bIns="0" anchor="ctr">
+            <a:spAutoFit/>
+          </a:bodyPr>
+          <a:p>
+            <a:pPr algn="ctr"/>
+            <a:r>
+              <a:rPr b="0" lang="lv-LV" sz="4400" spc="-1" strike="noStrike">
+                <a:latin typeface="Arial"/>
+              </a:rPr>
+              <a:t>Queries for debug</a:t>
+            </a:r>
+            <a:endParaRPr b="0" lang="lv-LV" sz="4400" spc="-1" strike="noStrike">
+              <a:latin typeface="Arial"/>
+            </a:endParaRPr>
+          </a:p>
+        </p:txBody>
+      </p:sp>
+      <p:graphicFrame>
+        <p:nvGraphicFramePr>
+          <p:cNvPr id="106" name="Object 2"/>
+          <p:cNvGraphicFramePr/>
           <p:nvPr/>
-        </p:nvSpPr>
-        <p:spPr>
-          <a:xfrm>
-            <a:off x="311760" y="1152360"/>
-            <a:ext cx="8519760" cy="3415680"/>
+        </p:nvGraphicFramePr>
+        <p:xfrm>
+          <a:off x="311760" y="1152360"/>
+          <a:ext cx="8525160" cy="3413520"/>
+        </p:xfrm>
+        <a:graphic>
+          <a:graphicData uri="http://schemas.openxmlformats.org/presentationml/2006/ole">
+            <p:oleObj progId="Excel.Sheet.12" r:id="rId1" spid="">
+              <p:embed/>
+              <p:pic>
+                <p:nvPicPr>
+                  <p:cNvPr id="107" name="Object 1" descr=""/>
+                  <p:cNvPicPr/>
+                  <p:nvPr/>
+                </p:nvPicPr>
+                <p:blipFill>
+                  <a:blip r:embed="rId2"/>
+                  <a:stretch/>
+                </p:blipFill>
+                <p:spPr>
+                  <a:xfrm>
+                    <a:off x="311760" y="1152360"/>
+                    <a:ext cx="8525160" cy="3413520"/>
+                  </a:xfrm>
+                  <a:prstGeom prst="rect">
+                    <a:avLst/>
+                  </a:prstGeom>
+                  <a:ln>
+                    <a:noFill/>
+                  </a:ln>
+                </p:spPr>
+              </p:pic>
+            </p:oleObj>
+          </a:graphicData>
+        </a:graphic>
+      </p:graphicFrame>
+      <p:sp>
+        <p:nvSpPr>
+          <p:cNvPr id="108" name="TextShape 3"/>
+          <p:cNvSpPr txBox="1"/>
+          <p:nvPr/>
+        </p:nvSpPr>
+        <p:spPr>
+          <a:xfrm>
+            <a:off x="326520" y="1341360"/>
+            <a:ext cx="8457480" cy="2330640"/>
           </a:xfrm>
           <a:prstGeom prst="rect">
             <a:avLst/>
@@ -4122,15 +4090,9 @@
             <a:noFill/>
           </a:ln>
         </p:spPr>
-        <p:style>
-          <a:lnRef idx="0"/>
-          <a:fillRef idx="0"/>
-          <a:effectRef idx="0"/>
-          <a:fontRef idx="minor"/>
-        </p:style>
-        <p:txBody>
-          <a:bodyPr lIns="90000" rIns="90000" tIns="91440" bIns="91440">
-            <a:normAutofit/>
+        <p:txBody>
+          <a:bodyPr lIns="90000" rIns="90000" tIns="45000" bIns="45000">
+            <a:spAutoFit/>
           </a:bodyPr>
           <a:p>
             <a:pPr>
@@ -4146,18 +4108,13 @@
                 <a:latin typeface="Arial"/>
                 <a:ea typeface="Arial"/>
               </a:rPr>
-              <a:t>1. The most common and probably the best hotfix is caching results and resetting on change.</a:t>
+              <a:t>1. Explain Analyze (Query here)</a:t>
             </a:r>
             <a:endParaRPr b="0" lang="lv-LV" sz="1800" spc="-1" strike="noStrike">
               <a:latin typeface="Arial"/>
             </a:endParaRPr>
           </a:p>
           <a:p>
-            <a:pPr>
-              <a:lnSpc>
-                <a:spcPct val="115000"/>
-              </a:lnSpc>
-            </a:pPr>
             <a:r>
               <a:rPr b="0" lang="lv-LV" sz="1800" spc="-1" strike="noStrike">
                 <a:solidFill>
@@ -4166,18 +4123,13 @@
                 <a:latin typeface="Arial"/>
                 <a:ea typeface="Arial"/>
               </a:rPr>
-              <a:t>2. Templates</a:t>
+              <a:t>2. SHOW PROCESSLIST.</a:t>
             </a:r>
             <a:endParaRPr b="0" lang="lv-LV" sz="1800" spc="-1" strike="noStrike">
               <a:latin typeface="Arial"/>
             </a:endParaRPr>
           </a:p>
           <a:p>
-            <a:pPr>
-              <a:lnSpc>
-                <a:spcPct val="115000"/>
-              </a:lnSpc>
-            </a:pPr>
             <a:r>
               <a:rPr b="0" lang="lv-LV" sz="1800" spc="-1" strike="noStrike">
                 <a:solidFill>
@@ -4186,57 +4138,14 @@
                 <a:latin typeface="Arial"/>
                 <a:ea typeface="Arial"/>
               </a:rPr>
-              <a:t>3. Create Aggregation tables on complex grouping logic tables (Full Table Scan)</a:t>
+              <a:t>3. KILL PROCESSID (to identify deadlocked parent, usually the oldest one but not always.)</a:t>
             </a:r>
             <a:endParaRPr b="0" lang="lv-LV" sz="1800" spc="-1" strike="noStrike">
               <a:latin typeface="Arial"/>
             </a:endParaRPr>
           </a:p>
-          <a:p>
-            <a:pPr>
-              <a:lnSpc>
-                <a:spcPct val="115000"/>
-              </a:lnSpc>
-            </a:pPr>
-            <a:r>
-              <a:rPr b="0" lang="lv-LV" sz="1800" spc="-1" strike="noStrike">
-                <a:solidFill>
-                  <a:srgbClr val="595959"/>
-                </a:solidFill>
-                <a:latin typeface="Arial"/>
-                <a:ea typeface="Arial"/>
-              </a:rPr>
-              <a:t>4. Insertion (Batches. Transactions.)</a:t>
-            </a:r>
-            <a:endParaRPr b="0" lang="lv-LV" sz="1800" spc="-1" strike="noStrike">
-              <a:latin typeface="Arial"/>
-            </a:endParaRPr>
-          </a:p>
-        </p:txBody>
-      </p:sp>
-      <p:pic>
-        <p:nvPicPr>
-          <p:cNvPr id="107" name="" descr=""/>
-          <p:cNvPicPr/>
-          <p:nvPr/>
-        </p:nvPicPr>
-        <p:blipFill>
-          <a:blip r:embed="rId1"/>
-          <a:stretch/>
-        </p:blipFill>
-        <p:spPr>
-          <a:xfrm>
-            <a:off x="4955760" y="3024000"/>
-            <a:ext cx="2675880" cy="1494720"/>
-          </a:xfrm>
-          <a:prstGeom prst="rect">
-            <a:avLst/>
-          </a:prstGeom>
-          <a:ln>
-            <a:noFill/>
-          </a:ln>
-        </p:spPr>
-      </p:pic>
+        </p:txBody>
+      </p:sp>
     </p:spTree>
   </p:cSld>
   <mc:AlternateContent>
@@ -4269,7 +4178,7 @@
       </p:grpSpPr>
       <p:sp>
         <p:nvSpPr>
-          <p:cNvPr id="108" name="CustomShape 1"/>
+          <p:cNvPr id="109" name="CustomShape 1"/>
           <p:cNvSpPr/>
           <p:nvPr/>
         </p:nvSpPr>
@@ -4294,7 +4203,7 @@
         </p:style>
         <p:txBody>
           <a:bodyPr lIns="90000" rIns="90000" tIns="91440" bIns="91440">
-            <a:normAutofit fontScale="34000"/>
+            <a:normAutofit fontScale="68000"/>
           </a:bodyPr>
           <a:p>
             <a:pPr>
@@ -4303,24 +4212,24 @@
               </a:lnSpc>
             </a:pPr>
             <a:r>
-              <a:rPr b="0" lang="lv-LV" sz="2800" spc="-1" strike="noStrike">
+              <a:rPr b="0" lang="lv-LV" sz="3500" spc="-1" strike="noStrike">
                 <a:solidFill>
                   <a:srgbClr val="000000"/>
                 </a:solidFill>
                 <a:latin typeface="Arial"/>
                 <a:ea typeface="Arial"/>
               </a:rPr>
-              <a:t>Use of CRC32  for (varchar // text). Search optimization</a:t>
-            </a:r>
-            <a:endParaRPr b="0" lang="lv-LV" sz="2800" spc="-1" strike="noStrike">
-              <a:latin typeface="Arial"/>
-            </a:endParaRPr>
-          </a:p>
-        </p:txBody>
-      </p:sp>
-      <p:sp>
-        <p:nvSpPr>
-          <p:cNvPr id="109" name="CustomShape 2"/>
+              <a:t>How you could optimize something ?</a:t>
+            </a:r>
+            <a:endParaRPr b="0" lang="lv-LV" sz="3500" spc="-1" strike="noStrike">
+              <a:latin typeface="Arial"/>
+            </a:endParaRPr>
+          </a:p>
+        </p:txBody>
+      </p:sp>
+      <p:sp>
+        <p:nvSpPr>
+          <p:cNvPr id="110" name="CustomShape 2"/>
           <p:cNvSpPr/>
           <p:nvPr/>
         </p:nvSpPr>
@@ -4343,10 +4252,95 @@
           <a:effectRef idx="0"/>
           <a:fontRef idx="minor"/>
         </p:style>
+        <p:txBody>
+          <a:bodyPr lIns="90000" rIns="90000" tIns="91440" bIns="91440">
+            <a:normAutofit/>
+          </a:bodyPr>
+          <a:p>
+            <a:pPr>
+              <a:lnSpc>
+                <a:spcPct val="115000"/>
+              </a:lnSpc>
+            </a:pPr>
+            <a:r>
+              <a:rPr b="0" lang="lv-LV" sz="2500" spc="-1" strike="noStrike">
+                <a:solidFill>
+                  <a:srgbClr val="595959"/>
+                </a:solidFill>
+                <a:latin typeface="Arial"/>
+                <a:ea typeface="Arial"/>
+              </a:rPr>
+              <a:t>1. The most common and probably the best hotfix is caching results and resetting on change.</a:t>
+            </a:r>
+            <a:endParaRPr b="0" lang="lv-LV" sz="2500" spc="-1" strike="noStrike">
+              <a:latin typeface="Arial"/>
+            </a:endParaRPr>
+          </a:p>
+          <a:p>
+            <a:pPr>
+              <a:lnSpc>
+                <a:spcPct val="115000"/>
+              </a:lnSpc>
+            </a:pPr>
+            <a:r>
+              <a:rPr b="0" lang="lv-LV" sz="2500" spc="-1" strike="noStrike">
+                <a:solidFill>
+                  <a:srgbClr val="595959"/>
+                </a:solidFill>
+                <a:latin typeface="Arial"/>
+                <a:ea typeface="Arial"/>
+              </a:rPr>
+              <a:t>2. Templates</a:t>
+            </a:r>
+            <a:endParaRPr b="0" lang="lv-LV" sz="2500" spc="-1" strike="noStrike">
+              <a:latin typeface="Arial"/>
+            </a:endParaRPr>
+          </a:p>
+          <a:p>
+            <a:pPr>
+              <a:lnSpc>
+                <a:spcPct val="115000"/>
+              </a:lnSpc>
+            </a:pPr>
+            <a:r>
+              <a:rPr b="0" lang="lv-LV" sz="2500" spc="-1" strike="noStrike">
+                <a:solidFill>
+                  <a:srgbClr val="595959"/>
+                </a:solidFill>
+                <a:latin typeface="Arial"/>
+                <a:ea typeface="Arial"/>
+              </a:rPr>
+              <a:t>3. Create Aggregation tables on complex grouping logic tables (Full Table Scan)</a:t>
+            </a:r>
+            <a:endParaRPr b="0" lang="lv-LV" sz="2500" spc="-1" strike="noStrike">
+              <a:latin typeface="Arial"/>
+            </a:endParaRPr>
+          </a:p>
+          <a:p>
+            <a:pPr>
+              <a:lnSpc>
+                <a:spcPct val="115000"/>
+              </a:lnSpc>
+            </a:pPr>
+            <a:r>
+              <a:rPr b="0" lang="lv-LV" sz="2500" spc="-1" strike="noStrike">
+                <a:solidFill>
+                  <a:srgbClr val="595959"/>
+                </a:solidFill>
+                <a:latin typeface="Arial"/>
+                <a:ea typeface="Arial"/>
+              </a:rPr>
+              <a:t>4. Insertion (Batches, Transactions.)</a:t>
+            </a:r>
+            <a:endParaRPr b="0" lang="lv-LV" sz="2500" spc="-1" strike="noStrike">
+              <a:latin typeface="Arial"/>
+            </a:endParaRPr>
+          </a:p>
+        </p:txBody>
       </p:sp>
       <p:pic>
         <p:nvPicPr>
-          <p:cNvPr id="110" name="Google Shape;110;p22" descr=""/>
+          <p:cNvPr id="111" name="" descr=""/>
           <p:cNvPicPr/>
           <p:nvPr/>
         </p:nvPicPr>
@@ -4356,31 +4350,8 @@
         </p:blipFill>
         <p:spPr>
           <a:xfrm>
-            <a:off x="311760" y="944640"/>
-            <a:ext cx="7422840" cy="1863000"/>
-          </a:xfrm>
-          <a:prstGeom prst="rect">
-            <a:avLst/>
-          </a:prstGeom>
-          <a:ln>
-            <a:noFill/>
-          </a:ln>
-        </p:spPr>
-      </p:pic>
-      <p:pic>
-        <p:nvPicPr>
-          <p:cNvPr id="111" name="Google Shape;111;p22" descr=""/>
-          <p:cNvPicPr/>
-          <p:nvPr/>
-        </p:nvPicPr>
-        <p:blipFill>
-          <a:blip r:embed="rId2"/>
-          <a:stretch/>
-        </p:blipFill>
-        <p:spPr>
-          <a:xfrm>
-            <a:off x="311760" y="2808000"/>
-            <a:ext cx="6887880" cy="2772000"/>
+            <a:off x="5760000" y="3185280"/>
+            <a:ext cx="2675880" cy="1494720"/>
           </a:xfrm>
           <a:prstGeom prst="rect">
             <a:avLst/>
@@ -4447,7 +4418,7 @@
         </p:style>
         <p:txBody>
           <a:bodyPr lIns="90000" rIns="90000" tIns="91440" bIns="91440">
-            <a:normAutofit fontScale="97000"/>
+            <a:normAutofit fontScale="23000"/>
           </a:bodyPr>
           <a:p>
             <a:pPr>
@@ -4456,16 +4427,16 @@
               </a:lnSpc>
             </a:pPr>
             <a:r>
-              <a:rPr b="0" lang="lv-LV" sz="2800" spc="-1" strike="noStrike">
+              <a:rPr b="0" lang="lv-LV" sz="3500" spc="-1" strike="noStrike">
                 <a:solidFill>
                   <a:srgbClr val="000000"/>
                 </a:solidFill>
                 <a:latin typeface="Arial"/>
                 <a:ea typeface="Arial"/>
               </a:rPr>
-              <a:t>Slow Query</a:t>
-            </a:r>
-            <a:endParaRPr b="0" lang="lv-LV" sz="2800" spc="-1" strike="noStrike">
+              <a:t>Use of CRC32  for (varchar // text). Search optimization</a:t>
+            </a:r>
+            <a:endParaRPr b="0" lang="lv-LV" sz="3500" spc="-1" strike="noStrike">
               <a:latin typeface="Arial"/>
             </a:endParaRPr>
           </a:p>
@@ -4499,7 +4470,7 @@
       </p:sp>
       <p:pic>
         <p:nvPicPr>
-          <p:cNvPr id="114" name="Google Shape;118;p23" descr=""/>
+          <p:cNvPr id="114" name="Google Shape;110;p22" descr=""/>
           <p:cNvPicPr/>
           <p:nvPr/>
         </p:nvPicPr>
@@ -4509,8 +4480,31 @@
         </p:blipFill>
         <p:spPr>
           <a:xfrm>
-            <a:off x="2448000" y="0"/>
-            <a:ext cx="6668640" cy="5111640"/>
+            <a:off x="311760" y="944640"/>
+            <a:ext cx="7422840" cy="1863000"/>
+          </a:xfrm>
+          <a:prstGeom prst="rect">
+            <a:avLst/>
+          </a:prstGeom>
+          <a:ln>
+            <a:noFill/>
+          </a:ln>
+        </p:spPr>
+      </p:pic>
+      <p:pic>
+        <p:nvPicPr>
+          <p:cNvPr id="115" name="Google Shape;111;p22" descr=""/>
+          <p:cNvPicPr/>
+          <p:nvPr/>
+        </p:nvPicPr>
+        <p:blipFill>
+          <a:blip r:embed="rId2"/>
+          <a:stretch/>
+        </p:blipFill>
+        <p:spPr>
+          <a:xfrm>
+            <a:off x="311760" y="2808000"/>
+            <a:ext cx="6887880" cy="2772000"/>
           </a:xfrm>
           <a:prstGeom prst="rect">
             <a:avLst/>
@@ -4552,14 +4546,14 @@
       </p:grpSpPr>
       <p:sp>
         <p:nvSpPr>
-          <p:cNvPr id="115" name="CustomShape 1"/>
+          <p:cNvPr id="116" name="CustomShape 1"/>
           <p:cNvSpPr/>
           <p:nvPr/>
         </p:nvSpPr>
         <p:spPr>
           <a:xfrm>
-            <a:off x="311760" y="540000"/>
-            <a:ext cx="8519760" cy="381600"/>
+            <a:off x="311760" y="444960"/>
+            <a:ext cx="8519760" cy="572040"/>
           </a:xfrm>
           <a:prstGeom prst="rect">
             <a:avLst/>
@@ -4576,8 +4570,8 @@
           <a:fontRef idx="minor"/>
         </p:style>
         <p:txBody>
-          <a:bodyPr lIns="0" rIns="0" tIns="0" bIns="0" anchor="ctr">
-            <a:spAutoFit/>
+          <a:bodyPr lIns="90000" rIns="90000" tIns="91440" bIns="91440">
+            <a:normAutofit fontScale="97000"/>
           </a:bodyPr>
           <a:p>
             <a:pPr>
@@ -4586,23 +4580,24 @@
               </a:lnSpc>
             </a:pPr>
             <a:r>
-              <a:rPr b="0" lang="lv-LV" sz="2500" spc="-1" strike="noStrike">
+              <a:rPr b="0" lang="lv-LV" sz="2800" spc="-1" strike="noStrike">
                 <a:solidFill>
                   <a:srgbClr val="000000"/>
                 </a:solidFill>
                 <a:latin typeface="Arial"/>
-              </a:rPr>
-              <a:t>Create Agregate Table </a:t>
-            </a:r>
-            <a:endParaRPr b="0" lang="lv-LV" sz="2500" spc="-1" strike="noStrike">
-              <a:latin typeface="Arial"/>
-            </a:endParaRPr>
-          </a:p>
-        </p:txBody>
-      </p:sp>
-      <p:sp>
-        <p:nvSpPr>
-          <p:cNvPr id="116" name="CustomShape 2"/>
+                <a:ea typeface="Arial"/>
+              </a:rPr>
+              <a:t>Slow Query</a:t>
+            </a:r>
+            <a:endParaRPr b="0" lang="lv-LV" sz="2800" spc="-1" strike="noStrike">
+              <a:latin typeface="Arial"/>
+            </a:endParaRPr>
+          </a:p>
+        </p:txBody>
+      </p:sp>
+      <p:sp>
+        <p:nvSpPr>
+          <p:cNvPr id="117" name="CustomShape 2"/>
           <p:cNvSpPr/>
           <p:nvPr/>
         </p:nvSpPr>
@@ -4628,7 +4623,7 @@
       </p:sp>
       <p:pic>
         <p:nvPicPr>
-          <p:cNvPr id="117" name="" descr=""/>
+          <p:cNvPr id="118" name="Google Shape;118;p23" descr=""/>
           <p:cNvPicPr/>
           <p:nvPr/>
         </p:nvPicPr>
@@ -4638,8 +4633,8 @@
         </p:blipFill>
         <p:spPr>
           <a:xfrm>
-            <a:off x="401040" y="942480"/>
-            <a:ext cx="8430480" cy="3651840"/>
+            <a:off x="2448000" y="0"/>
+            <a:ext cx="6668640" cy="5111640"/>
           </a:xfrm>
           <a:prstGeom prst="rect">
             <a:avLst/>
@@ -4681,7 +4676,7 @@
       </p:grpSpPr>
       <p:sp>
         <p:nvSpPr>
-          <p:cNvPr id="118" name="CustomShape 1"/>
+          <p:cNvPr id="119" name="CustomShape 1"/>
           <p:cNvSpPr/>
           <p:nvPr/>
         </p:nvSpPr>
@@ -4721,7 +4716,7 @@
                 </a:solidFill>
                 <a:latin typeface="Arial"/>
               </a:rPr>
-              <a:t>Insert missing data to agrigate Table</a:t>
+              <a:t>Create Agregate Table </a:t>
             </a:r>
             <a:endParaRPr b="0" lang="lv-LV" sz="2500" spc="-1" strike="noStrike">
               <a:latin typeface="Arial"/>
@@ -4731,7 +4726,7 @@
       </p:sp>
       <p:sp>
         <p:nvSpPr>
-          <p:cNvPr id="119" name="CustomShape 2"/>
+          <p:cNvPr id="120" name="CustomShape 2"/>
           <p:cNvSpPr/>
           <p:nvPr/>
         </p:nvSpPr>
@@ -4757,7 +4752,7 @@
       </p:sp>
       <p:pic>
         <p:nvPicPr>
-          <p:cNvPr id="120" name="" descr=""/>
+          <p:cNvPr id="121" name="" descr=""/>
           <p:cNvPicPr/>
           <p:nvPr/>
         </p:nvPicPr>
@@ -4767,8 +4762,8 @@
         </p:blipFill>
         <p:spPr>
           <a:xfrm>
-            <a:off x="1656000" y="864000"/>
-            <a:ext cx="6767640" cy="4252320"/>
+            <a:off x="401040" y="942480"/>
+            <a:ext cx="8430480" cy="3651840"/>
           </a:xfrm>
           <a:prstGeom prst="rect">
             <a:avLst/>
@@ -4810,7 +4805,7 @@
       </p:grpSpPr>
       <p:sp>
         <p:nvSpPr>
-          <p:cNvPr id="121" name="CustomShape 1"/>
+          <p:cNvPr id="122" name="CustomShape 1"/>
           <p:cNvSpPr/>
           <p:nvPr/>
         </p:nvSpPr>
@@ -4850,17 +4845,43 @@
                 </a:solidFill>
                 <a:latin typeface="Arial"/>
               </a:rPr>
-              <a:t>Last Query</a:t>
+              <a:t>Add missing data to aggrigate Table</a:t>
             </a:r>
             <a:endParaRPr b="0" lang="lv-LV" sz="2500" spc="-1" strike="noStrike">
               <a:latin typeface="Arial"/>
             </a:endParaRPr>
           </a:p>
         </p:txBody>
+      </p:sp>
+      <p:sp>
+        <p:nvSpPr>
+          <p:cNvPr id="123" name="CustomShape 2"/>
+          <p:cNvSpPr/>
+          <p:nvPr/>
+        </p:nvSpPr>
+        <p:spPr>
+          <a:xfrm>
+            <a:off x="311760" y="1152360"/>
+            <a:ext cx="8519760" cy="3415680"/>
+          </a:xfrm>
+          <a:prstGeom prst="rect">
+            <a:avLst/>
+          </a:prstGeom>
+          <a:noFill/>
+          <a:ln>
+            <a:noFill/>
+          </a:ln>
+        </p:spPr>
+        <p:style>
+          <a:lnRef idx="0"/>
+          <a:fillRef idx="0"/>
+          <a:effectRef idx="0"/>
+          <a:fontRef idx="minor"/>
+        </p:style>
       </p:sp>
       <p:pic>
         <p:nvPicPr>
-          <p:cNvPr id="122" name="" descr=""/>
+          <p:cNvPr id="124" name="" descr=""/>
           <p:cNvPicPr/>
           <p:nvPr/>
         </p:nvPicPr>
@@ -4870,8 +4891,8 @@
         </p:blipFill>
         <p:spPr>
           <a:xfrm>
-            <a:off x="144000" y="1656000"/>
-            <a:ext cx="8957160" cy="1655640"/>
+            <a:off x="1656000" y="864000"/>
+            <a:ext cx="6767640" cy="4252320"/>
           </a:xfrm>
           <a:prstGeom prst="rect">
             <a:avLst/>
@@ -4913,14 +4934,14 @@
       </p:grpSpPr>
       <p:sp>
         <p:nvSpPr>
-          <p:cNvPr id="123" name="CustomShape 1"/>
+          <p:cNvPr id="125" name="CustomShape 1"/>
           <p:cNvSpPr/>
           <p:nvPr/>
         </p:nvSpPr>
         <p:spPr>
           <a:xfrm>
-            <a:off x="311760" y="444960"/>
-            <a:ext cx="8519760" cy="572040"/>
+            <a:off x="311760" y="540000"/>
+            <a:ext cx="8519760" cy="381600"/>
           </a:xfrm>
           <a:prstGeom prst="rect">
             <a:avLst/>
@@ -4937,8 +4958,8 @@
           <a:fontRef idx="minor"/>
         </p:style>
         <p:txBody>
-          <a:bodyPr lIns="90000" rIns="90000" tIns="91440" bIns="91440">
-            <a:normAutofit fontScale="97000"/>
+          <a:bodyPr lIns="0" rIns="0" tIns="0" bIns="0" anchor="ctr">
+            <a:spAutoFit/>
           </a:bodyPr>
           <a:p>
             <a:pPr>
@@ -4947,112 +4968,43 @@
               </a:lnSpc>
             </a:pPr>
             <a:r>
-              <a:rPr b="0" lang="lv-LV" sz="2800" spc="-1" strike="noStrike">
+              <a:rPr b="0" lang="lv-LV" sz="2500" spc="-1" strike="noStrike">
                 <a:solidFill>
                   <a:srgbClr val="000000"/>
                 </a:solidFill>
                 <a:latin typeface="Arial"/>
-                <a:ea typeface="Arial"/>
-              </a:rPr>
-              <a:t>What is Large DB ?</a:t>
-            </a:r>
-            <a:endParaRPr b="0" lang="lv-LV" sz="2800" spc="-1" strike="noStrike">
-              <a:latin typeface="Arial"/>
-            </a:endParaRPr>
-          </a:p>
-        </p:txBody>
-      </p:sp>
-      <p:sp>
-        <p:nvSpPr>
-          <p:cNvPr id="124" name="CustomShape 2"/>
-          <p:cNvSpPr/>
+              </a:rPr>
+              <a:t>Last Query</a:t>
+            </a:r>
+            <a:endParaRPr b="0" lang="lv-LV" sz="2500" spc="-1" strike="noStrike">
+              <a:latin typeface="Arial"/>
+            </a:endParaRPr>
+          </a:p>
+        </p:txBody>
+      </p:sp>
+      <p:pic>
+        <p:nvPicPr>
+          <p:cNvPr id="126" name="" descr=""/>
+          <p:cNvPicPr/>
           <p:nvPr/>
-        </p:nvSpPr>
-        <p:spPr>
-          <a:xfrm>
-            <a:off x="216000" y="1080000"/>
-            <a:ext cx="8519760" cy="3415680"/>
-          </a:xfrm>
-          <a:prstGeom prst="rect">
-            <a:avLst/>
-          </a:prstGeom>
-          <a:noFill/>
+        </p:nvPicPr>
+        <p:blipFill>
+          <a:blip r:embed="rId1"/>
+          <a:stretch/>
+        </p:blipFill>
+        <p:spPr>
+          <a:xfrm>
+            <a:off x="144000" y="1656000"/>
+            <a:ext cx="8957160" cy="1655640"/>
+          </a:xfrm>
+          <a:prstGeom prst="rect">
+            <a:avLst/>
+          </a:prstGeom>
           <a:ln>
             <a:noFill/>
           </a:ln>
         </p:spPr>
-        <p:style>
-          <a:lnRef idx="0"/>
-          <a:fillRef idx="0"/>
-          <a:effectRef idx="0"/>
-          <a:fontRef idx="minor"/>
-        </p:style>
-        <p:txBody>
-          <a:bodyPr lIns="90000" rIns="90000" tIns="91440" bIns="91440">
-            <a:normAutofit/>
-          </a:bodyPr>
-          <a:p>
-            <a:pPr>
-              <a:lnSpc>
-                <a:spcPct val="115000"/>
-              </a:lnSpc>
-            </a:pPr>
-            <a:r>
-              <a:rPr b="0" lang="lv-LV" sz="1800" spc="-1" strike="noStrike">
-                <a:solidFill>
-                  <a:srgbClr val="595959"/>
-                </a:solidFill>
-                <a:latin typeface="Arial"/>
-                <a:ea typeface="Arial"/>
-              </a:rPr>
-              <a:t>* small DB &lt; 1 GB</a:t>
-            </a:r>
-            <a:endParaRPr b="0" lang="lv-LV" sz="1800" spc="-1" strike="noStrike">
-              <a:latin typeface="Arial"/>
-            </a:endParaRPr>
-          </a:p>
-          <a:p>
-            <a:pPr>
-              <a:lnSpc>
-                <a:spcPct val="115000"/>
-              </a:lnSpc>
-            </a:pPr>
-            <a:r>
-              <a:rPr b="0" lang="lv-LV" sz="1800" spc="-1" strike="noStrike">
-                <a:solidFill>
-                  <a:srgbClr val="595959"/>
-                </a:solidFill>
-                <a:latin typeface="Arial"/>
-                <a:ea typeface="Arial"/>
-              </a:rPr>
-              <a:t>* 1 GB &gt; average DB &lt; 1 TB</a:t>
-            </a:r>
-            <a:endParaRPr b="0" lang="lv-LV" sz="1800" spc="-1" strike="noStrike">
-              <a:latin typeface="Arial"/>
-            </a:endParaRPr>
-          </a:p>
-          <a:p>
-            <a:pPr>
-              <a:lnSpc>
-                <a:spcPct val="115000"/>
-              </a:lnSpc>
-            </a:pPr>
-            <a:r>
-              <a:rPr b="0" lang="lv-LV" sz="1800" spc="-1" strike="noStrike">
-                <a:solidFill>
-                  <a:srgbClr val="595959"/>
-                </a:solidFill>
-                <a:latin typeface="Arial"/>
-                <a:ea typeface="Arial"/>
-              </a:rPr>
-              <a:t>* 1 TB &gt; Big DB &lt; ... (it's hard, but there is a point when it comes to huge)</a:t>
-            </a:r>
-            <a:endParaRPr b="0" lang="lv-LV" sz="1800" spc="-1" strike="noStrike">
-              <a:latin typeface="Arial"/>
-            </a:endParaRPr>
-          </a:p>
-        </p:txBody>
-      </p:sp>
+      </p:pic>
     </p:spTree>
   </p:cSld>
   <mc:AlternateContent>
@@ -5110,7 +5062,7 @@
         </p:style>
         <p:txBody>
           <a:bodyPr lIns="90000" rIns="90000" tIns="91440" bIns="91440">
-            <a:normAutofit fontScale="97000"/>
+            <a:normAutofit fontScale="68000"/>
           </a:bodyPr>
           <a:p>
             <a:pPr>
@@ -5119,7 +5071,7 @@
               </a:lnSpc>
             </a:pPr>
             <a:r>
-              <a:rPr b="0" lang="lv-LV" sz="2800" spc="-1" strike="noStrike">
+              <a:rPr b="0" lang="lv-LV" sz="3500" spc="-1" strike="noStrike">
                 <a:solidFill>
                   <a:srgbClr val="000000"/>
                 </a:solidFill>
@@ -5128,7 +5080,7 @@
               </a:rPr>
               <a:t>Introduction about me</a:t>
             </a:r>
-            <a:endParaRPr b="0" lang="lv-LV" sz="2800" spc="-1" strike="noStrike">
+            <a:endParaRPr b="0" lang="lv-LV" sz="3500" spc="-1" strike="noStrike">
               <a:latin typeface="Arial"/>
             </a:endParaRPr>
           </a:p>
@@ -5170,7 +5122,7 @@
               </a:lnSpc>
             </a:pPr>
             <a:r>
-              <a:rPr b="0" lang="lv-LV" sz="1800" spc="-1" strike="noStrike">
+              <a:rPr b="0" lang="lv-LV" sz="2500" spc="-1" strike="noStrike">
                 <a:solidFill>
                   <a:srgbClr val="595959"/>
                 </a:solidFill>
@@ -5179,7 +5131,7 @@
               </a:rPr>
               <a:t>Hello I am Maris Ločmelis</a:t>
             </a:r>
-            <a:endParaRPr b="0" lang="lv-LV" sz="1800" spc="-1" strike="noStrike">
+            <a:endParaRPr b="0" lang="lv-LV" sz="2500" spc="-1" strike="noStrike">
               <a:latin typeface="Arial"/>
             </a:endParaRPr>
           </a:p>
@@ -5196,7 +5148,7 @@
               </a:spcAft>
             </a:pPr>
             <a:r>
-              <a:rPr b="0" lang="lv-LV" sz="1800" spc="-1" strike="noStrike">
+              <a:rPr b="0" lang="lv-LV" sz="2500" spc="-1" strike="noStrike">
                 <a:solidFill>
                   <a:srgbClr val="595959"/>
                 </a:solidFill>
@@ -5205,7 +5157,7 @@
               </a:rPr>
               <a:t>I am full stack developer so don't hit me hard when I miss something.</a:t>
             </a:r>
-            <a:endParaRPr b="0" lang="lv-LV" sz="1800" spc="-1" strike="noStrike">
+            <a:endParaRPr b="0" lang="lv-LV" sz="2500" spc="-1" strike="noStrike">
               <a:latin typeface="Arial"/>
             </a:endParaRPr>
           </a:p>
@@ -5243,14 +5195,14 @@
       </p:grpSpPr>
       <p:sp>
         <p:nvSpPr>
-          <p:cNvPr id="125" name="CustomShape 1"/>
+          <p:cNvPr id="127" name="CustomShape 1"/>
           <p:cNvSpPr/>
           <p:nvPr/>
         </p:nvSpPr>
         <p:spPr>
           <a:xfrm>
-            <a:off x="311760" y="540000"/>
-            <a:ext cx="8519760" cy="381600"/>
+            <a:off x="311760" y="444960"/>
+            <a:ext cx="8616240" cy="707040"/>
           </a:xfrm>
           <a:prstGeom prst="rect">
             <a:avLst/>
@@ -5267,8 +5219,8 @@
           <a:fontRef idx="minor"/>
         </p:style>
         <p:txBody>
-          <a:bodyPr lIns="0" rIns="0" tIns="0" bIns="0" anchor="ctr">
-            <a:spAutoFit/>
+          <a:bodyPr lIns="90000" rIns="90000" tIns="91440" bIns="91440">
+            <a:normAutofit/>
           </a:bodyPr>
           <a:p>
             <a:pPr>
@@ -5277,29 +5229,30 @@
               </a:lnSpc>
             </a:pPr>
             <a:r>
-              <a:rPr b="0" lang="lv-LV" sz="2500" spc="-1" strike="noStrike">
+              <a:rPr b="0" lang="lv-LV" sz="3500" spc="-1" strike="noStrike">
                 <a:solidFill>
                   <a:srgbClr val="000000"/>
                 </a:solidFill>
                 <a:latin typeface="Arial"/>
-              </a:rPr>
-              <a:t>What you should expect and do</a:t>
-            </a:r>
-            <a:endParaRPr b="0" lang="lv-LV" sz="2500" spc="-1" strike="noStrike">
-              <a:latin typeface="Arial"/>
-            </a:endParaRPr>
-          </a:p>
-        </p:txBody>
-      </p:sp>
-      <p:sp>
-        <p:nvSpPr>
-          <p:cNvPr id="126" name="CustomShape 2"/>
+                <a:ea typeface="Arial"/>
+              </a:rPr>
+              <a:t>What is Large DB ?</a:t>
+            </a:r>
+            <a:endParaRPr b="0" lang="lv-LV" sz="3500" spc="-1" strike="noStrike">
+              <a:latin typeface="Arial"/>
+            </a:endParaRPr>
+          </a:p>
+        </p:txBody>
+      </p:sp>
+      <p:sp>
+        <p:nvSpPr>
+          <p:cNvPr id="128" name="CustomShape 2"/>
           <p:cNvSpPr/>
           <p:nvPr/>
         </p:nvSpPr>
         <p:spPr>
           <a:xfrm>
-            <a:off x="311760" y="1152360"/>
+            <a:off x="264240" y="1224000"/>
             <a:ext cx="8519760" cy="3415680"/>
           </a:xfrm>
           <a:prstGeom prst="rect">
@@ -5317,279 +5270,71 @@
           <a:fontRef idx="minor"/>
         </p:style>
         <p:txBody>
-          <a:bodyPr lIns="0" rIns="0" tIns="0" bIns="0">
+          <a:bodyPr lIns="90000" rIns="90000" tIns="91440" bIns="91440">
             <a:normAutofit/>
           </a:bodyPr>
           <a:p>
             <a:pPr>
               <a:lnSpc>
-                <a:spcPct val="100000"/>
-              </a:lnSpc>
-              <a:spcBef>
-                <a:spcPts val="1417"/>
-              </a:spcBef>
-            </a:pPr>
-            <a:endParaRPr b="0" lang="lv-LV" sz="1800" spc="-1" strike="noStrike">
-              <a:latin typeface="Arial"/>
-            </a:endParaRPr>
-          </a:p>
-          <a:p>
-            <a:pPr marL="432000" indent="-323640">
-              <a:lnSpc>
-                <a:spcPct val="100000"/>
-              </a:lnSpc>
-              <a:spcBef>
-                <a:spcPts val="1417"/>
-              </a:spcBef>
-              <a:buClr>
-                <a:srgbClr val="000000"/>
-              </a:buClr>
-              <a:buSzPct val="45000"/>
-              <a:buFont typeface="Wingdings" charset="2"/>
-              <a:buChar char=""/>
-            </a:pPr>
-            <a:r>
-              <a:rPr b="0" lang="lv-LV" sz="1800" spc="-1" strike="noStrike">
-                <a:solidFill>
-                  <a:srgbClr val="000000"/>
-                </a:solidFill>
-                <a:latin typeface="Arial"/>
-              </a:rPr>
-              <a:t>Small DB. Anything should work fine</a:t>
-            </a:r>
-            <a:endParaRPr b="0" lang="lv-LV" sz="1800" spc="-1" strike="noStrike">
-              <a:latin typeface="Arial"/>
-            </a:endParaRPr>
-          </a:p>
-          <a:p>
-            <a:pPr marL="432000" indent="-323640">
-              <a:lnSpc>
-                <a:spcPct val="100000"/>
-              </a:lnSpc>
-              <a:spcBef>
-                <a:spcPts val="1417"/>
-              </a:spcBef>
-              <a:buClr>
-                <a:srgbClr val="000000"/>
-              </a:buClr>
-              <a:buSzPct val="45000"/>
-              <a:buFont typeface="Wingdings" charset="2"/>
-              <a:buChar char=""/>
-            </a:pPr>
-            <a:r>
-              <a:rPr b="0" lang="lv-LV" sz="1800" spc="-1" strike="noStrike">
-                <a:solidFill>
-                  <a:srgbClr val="000000"/>
-                </a:solidFill>
-                <a:latin typeface="Arial"/>
-              </a:rPr>
-              <a:t>Average DB. Don’t be fanatic with group logic add master slaves</a:t>
-            </a:r>
-            <a:endParaRPr b="0" lang="lv-LV" sz="1800" spc="-1" strike="noStrike">
-              <a:latin typeface="Arial"/>
-            </a:endParaRPr>
-          </a:p>
-          <a:p>
-            <a:pPr marL="432000" indent="-323640">
-              <a:lnSpc>
-                <a:spcPct val="100000"/>
-              </a:lnSpc>
-              <a:spcBef>
-                <a:spcPts val="1417"/>
-              </a:spcBef>
-              <a:buClr>
-                <a:srgbClr val="000000"/>
-              </a:buClr>
-              <a:buSzPct val="45000"/>
-              <a:buFont typeface="Wingdings" charset="2"/>
-              <a:buChar char=""/>
-            </a:pPr>
-            <a:r>
-              <a:rPr b="0" lang="lv-LV" sz="1800" spc="-1" strike="noStrike">
-                <a:solidFill>
-                  <a:srgbClr val="000000"/>
-                </a:solidFill>
-                <a:latin typeface="Arial"/>
-              </a:rPr>
-              <a:t>Large DB. Partitions, optimizations like CRC32 and aggregation tables</a:t>
-            </a:r>
-            <a:endParaRPr b="0" lang="lv-LV" sz="1800" spc="-1" strike="noStrike">
-              <a:latin typeface="Arial"/>
-            </a:endParaRPr>
-          </a:p>
-          <a:p>
-            <a:pPr marL="432000" indent="-323640">
-              <a:lnSpc>
-                <a:spcPct val="100000"/>
-              </a:lnSpc>
-              <a:spcBef>
-                <a:spcPts val="1417"/>
-              </a:spcBef>
-              <a:buClr>
-                <a:srgbClr val="000000"/>
-              </a:buClr>
-              <a:buSzPct val="45000"/>
-              <a:buFont typeface="Wingdings" charset="2"/>
-              <a:buChar char=""/>
-            </a:pPr>
-            <a:r>
-              <a:rPr b="0" lang="lv-LV" sz="1800" spc="-1" strike="noStrike">
-                <a:solidFill>
-                  <a:srgbClr val="000000"/>
-                </a:solidFill>
-                <a:latin typeface="Arial"/>
-              </a:rPr>
-              <a:t> </a:t>
-            </a:r>
-            <a:endParaRPr b="0" lang="lv-LV" sz="1800" spc="-1" strike="noStrike">
-              <a:latin typeface="Arial"/>
-            </a:endParaRPr>
-          </a:p>
-          <a:p>
-            <a:pPr marL="432000" indent="-323640">
-              <a:lnSpc>
-                <a:spcPct val="100000"/>
-              </a:lnSpc>
-              <a:spcBef>
-                <a:spcPts val="1417"/>
-              </a:spcBef>
-              <a:buClr>
-                <a:srgbClr val="000000"/>
-              </a:buClr>
-              <a:buSzPct val="45000"/>
-              <a:buFont typeface="Wingdings" charset="2"/>
-              <a:buChar char=""/>
-            </a:pPr>
-            <a:r>
-              <a:rPr b="0" lang="lv-LV" sz="1800" spc="-1" strike="noStrike">
-                <a:solidFill>
-                  <a:srgbClr val="000000"/>
-                </a:solidFill>
-                <a:latin typeface="Arial"/>
-              </a:rPr>
-              <a:t>Huge DB. Hire Senior DB architect and hope he will do something.</a:t>
-            </a:r>
-            <a:endParaRPr b="0" lang="lv-LV" sz="1800" spc="-1" strike="noStrike">
-              <a:latin typeface="Arial"/>
-            </a:endParaRPr>
-          </a:p>
-        </p:txBody>
-      </p:sp>
-      <p:pic>
-        <p:nvPicPr>
-          <p:cNvPr id="127" name="" descr=""/>
-          <p:cNvPicPr/>
-          <p:nvPr/>
-        </p:nvPicPr>
-        <p:blipFill>
-          <a:blip r:embed="rId1"/>
-          <a:stretch/>
-        </p:blipFill>
-        <p:spPr>
-          <a:xfrm>
-            <a:off x="4582080" y="1584000"/>
-            <a:ext cx="241560" cy="225000"/>
-          </a:xfrm>
-          <a:prstGeom prst="rect">
-            <a:avLst/>
-          </a:prstGeom>
-          <a:ln>
-            <a:noFill/>
-          </a:ln>
-        </p:spPr>
-      </p:pic>
-      <p:pic>
-        <p:nvPicPr>
-          <p:cNvPr id="128" name="" descr=""/>
-          <p:cNvPicPr/>
-          <p:nvPr/>
-        </p:nvPicPr>
-        <p:blipFill>
-          <a:blip r:embed="rId2"/>
-          <a:stretch/>
-        </p:blipFill>
-        <p:spPr>
-          <a:xfrm>
-            <a:off x="7379280" y="1867320"/>
-            <a:ext cx="468720" cy="436680"/>
-          </a:xfrm>
-          <a:prstGeom prst="rect">
-            <a:avLst/>
-          </a:prstGeom>
-          <a:ln>
-            <a:noFill/>
-          </a:ln>
-        </p:spPr>
-      </p:pic>
-      <p:pic>
-        <p:nvPicPr>
-          <p:cNvPr id="129" name="" descr=""/>
-          <p:cNvPicPr/>
-          <p:nvPr/>
-        </p:nvPicPr>
-        <p:blipFill>
-          <a:blip r:embed="rId3"/>
-          <a:stretch/>
-        </p:blipFill>
-        <p:spPr>
-          <a:xfrm>
-            <a:off x="7992000" y="2520000"/>
-            <a:ext cx="900360" cy="838440"/>
-          </a:xfrm>
-          <a:prstGeom prst="rect">
-            <a:avLst/>
-          </a:prstGeom>
-          <a:ln>
-            <a:noFill/>
-          </a:ln>
-        </p:spPr>
-      </p:pic>
-      <p:pic>
-        <p:nvPicPr>
-          <p:cNvPr id="130" name="" descr=""/>
-          <p:cNvPicPr/>
-          <p:nvPr/>
-        </p:nvPicPr>
-        <p:blipFill>
-          <a:blip r:embed="rId4"/>
-          <a:stretch/>
-        </p:blipFill>
-        <p:spPr>
-          <a:xfrm>
-            <a:off x="1936440" y="3672000"/>
-            <a:ext cx="2319480" cy="2159640"/>
-          </a:xfrm>
-          <a:prstGeom prst="rect">
-            <a:avLst/>
-          </a:prstGeom>
-          <a:ln>
-            <a:noFill/>
-          </a:ln>
-        </p:spPr>
-      </p:pic>
-      <p:pic>
-        <p:nvPicPr>
-          <p:cNvPr id="131" name="" descr=""/>
-          <p:cNvPicPr/>
-          <p:nvPr/>
-        </p:nvPicPr>
-        <p:blipFill>
-          <a:blip r:embed="rId5"/>
-          <a:stretch/>
-        </p:blipFill>
-        <p:spPr>
-          <a:xfrm>
-            <a:off x="118440" y="2880000"/>
-            <a:ext cx="961560" cy="428040"/>
-          </a:xfrm>
-          <a:prstGeom prst="rect">
-            <a:avLst/>
-          </a:prstGeom>
-          <a:ln>
-            <a:noFill/>
-          </a:ln>
-        </p:spPr>
-      </p:pic>
+                <a:spcPct val="115000"/>
+              </a:lnSpc>
+            </a:pPr>
+            <a:r>
+              <a:rPr b="0" lang="lv-LV" sz="2500" spc="-1" strike="noStrike">
+                <a:solidFill>
+                  <a:srgbClr val="595959"/>
+                </a:solidFill>
+                <a:latin typeface="Arial"/>
+                <a:ea typeface="Arial"/>
+              </a:rPr>
+              <a:t>* small DB &lt; 1 GB</a:t>
+            </a:r>
+            <a:endParaRPr b="0" lang="lv-LV" sz="2500" spc="-1" strike="noStrike">
+              <a:latin typeface="Arial"/>
+            </a:endParaRPr>
+          </a:p>
+          <a:p>
+            <a:pPr>
+              <a:lnSpc>
+                <a:spcPct val="115000"/>
+              </a:lnSpc>
+            </a:pPr>
+            <a:r>
+              <a:rPr b="0" lang="lv-LV" sz="2500" spc="-1" strike="noStrike">
+                <a:solidFill>
+                  <a:srgbClr val="595959"/>
+                </a:solidFill>
+                <a:latin typeface="Arial"/>
+                <a:ea typeface="Arial"/>
+              </a:rPr>
+              <a:t>* 1 GB &gt; average DB &lt; 1 TB</a:t>
+            </a:r>
+            <a:endParaRPr b="0" lang="lv-LV" sz="2500" spc="-1" strike="noStrike">
+              <a:latin typeface="Arial"/>
+            </a:endParaRPr>
+          </a:p>
+          <a:p>
+            <a:pPr>
+              <a:lnSpc>
+                <a:spcPct val="115000"/>
+              </a:lnSpc>
+            </a:pPr>
+            <a:r>
+              <a:rPr b="0" lang="lv-LV" sz="2500" spc="-1" strike="noStrike">
+                <a:solidFill>
+                  <a:srgbClr val="595959"/>
+                </a:solidFill>
+                <a:latin typeface="Arial"/>
+                <a:ea typeface="Arial"/>
+              </a:rPr>
+              <a:t>* 1 TB &gt; Big DB &lt; ... (it's hard, but there is a point when it comes to huge)</a:t>
+            </a:r>
+            <a:endParaRPr b="0" lang="lv-LV" sz="2500" spc="-1" strike="noStrike">
+              <a:latin typeface="Arial"/>
+            </a:endParaRPr>
+          </a:p>
+        </p:txBody>
+      </p:sp>
     </p:spTree>
   </p:cSld>
   <mc:AlternateContent>
@@ -5622,7 +5367,7 @@
       </p:grpSpPr>
       <p:sp>
         <p:nvSpPr>
-          <p:cNvPr id="132" name="CustomShape 1"/>
+          <p:cNvPr id="129" name="CustomShape 1"/>
           <p:cNvSpPr/>
           <p:nvPr/>
         </p:nvSpPr>
@@ -5662,7 +5407,7 @@
                 </a:solidFill>
                 <a:latin typeface="Arial"/>
               </a:rPr>
-              <a:t>Partition</a:t>
+              <a:t>What you should expect and do</a:t>
             </a:r>
             <a:endParaRPr b="0" lang="lv-LV" sz="2500" spc="-1" strike="noStrike">
               <a:latin typeface="Arial"/>
@@ -5672,7 +5417,7 @@
       </p:sp>
       <p:sp>
         <p:nvSpPr>
-          <p:cNvPr id="133" name="CustomShape 2"/>
+          <p:cNvPr id="130" name="CustomShape 2"/>
           <p:cNvSpPr/>
           <p:nvPr/>
         </p:nvSpPr>
@@ -5699,6 +5444,19 @@
           <a:bodyPr lIns="0" rIns="0" tIns="0" bIns="0">
             <a:normAutofit/>
           </a:bodyPr>
+          <a:p>
+            <a:pPr>
+              <a:lnSpc>
+                <a:spcPct val="100000"/>
+              </a:lnSpc>
+              <a:spcBef>
+                <a:spcPts val="1417"/>
+              </a:spcBef>
+            </a:pPr>
+            <a:endParaRPr b="0" lang="lv-LV" sz="1800" spc="-1" strike="noStrike">
+              <a:latin typeface="Arial"/>
+            </a:endParaRPr>
+          </a:p>
           <a:p>
             <a:pPr marL="432000" indent="-323640">
               <a:lnSpc>
@@ -5721,7 +5479,7 @@
                 </a:solidFill>
                 <a:latin typeface="Arial"/>
               </a:rPr>
-              <a:t>Group table by data (each month in separate partition // table)</a:t>
+              <a:t>Small DB. Anything should work fine</a:t>
             </a:r>
             <a:endParaRPr b="0" lang="lv-LV" sz="1800" spc="-1" strike="noStrike">
               <a:latin typeface="Arial"/>
@@ -5749,7 +5507,7 @@
                 </a:solidFill>
                 <a:latin typeface="Arial"/>
               </a:rPr>
-              <a:t>Don’t intersect partition data (only statistical summaries)</a:t>
+              <a:t>Average DB. Don’t be fanatic with group logic add master slaves</a:t>
             </a:r>
             <a:endParaRPr b="0" lang="lv-LV" sz="1800" spc="-1" strike="noStrike">
               <a:latin typeface="Arial"/>
@@ -5777,7 +5535,7 @@
                 </a:solidFill>
                 <a:latin typeface="Arial"/>
               </a:rPr>
-              <a:t>Always pick an option with a balanced data amount.</a:t>
+              <a:t>Large DB. Partitions, optimizations like CRC32 and aggregation tables</a:t>
             </a:r>
             <a:endParaRPr b="0" lang="lv-LV" sz="1800" spc="-1" strike="noStrike">
               <a:latin typeface="Arial"/>
@@ -5805,14 +5563,111 @@
                 </a:solidFill>
                 <a:latin typeface="Arial"/>
               </a:rPr>
-              <a:t>Use CRC32 (first n symbols) on any field if you have nothing in mind.</a:t>
+              <a:t> </a:t>
             </a:r>
             <a:endParaRPr b="0" lang="lv-LV" sz="1800" spc="-1" strike="noStrike">
               <a:latin typeface="Arial"/>
             </a:endParaRPr>
           </a:p>
-        </p:txBody>
-      </p:sp>
+          <a:p>
+            <a:pPr marL="432000" indent="-323640">
+              <a:lnSpc>
+                <a:spcPct val="100000"/>
+              </a:lnSpc>
+              <a:spcBef>
+                <a:spcPts val="1417"/>
+              </a:spcBef>
+              <a:buClr>
+                <a:srgbClr val="000000"/>
+              </a:buClr>
+              <a:buSzPct val="45000"/>
+              <a:buFont typeface="Wingdings" charset="2"/>
+              <a:buChar char=""/>
+            </a:pPr>
+            <a:r>
+              <a:rPr b="0" lang="lv-LV" sz="1800" spc="-1" strike="noStrike">
+                <a:solidFill>
+                  <a:srgbClr val="000000"/>
+                </a:solidFill>
+                <a:latin typeface="Arial"/>
+              </a:rPr>
+              <a:t>Huge DB. Hire Senior DB architect and hope he will do something.</a:t>
+            </a:r>
+            <a:endParaRPr b="0" lang="lv-LV" sz="1800" spc="-1" strike="noStrike">
+              <a:latin typeface="Arial"/>
+            </a:endParaRPr>
+          </a:p>
+        </p:txBody>
+      </p:sp>
+      <p:pic>
+        <p:nvPicPr>
+          <p:cNvPr id="131" name="" descr=""/>
+          <p:cNvPicPr/>
+          <p:nvPr/>
+        </p:nvPicPr>
+        <p:blipFill>
+          <a:blip r:embed="rId1"/>
+          <a:stretch/>
+        </p:blipFill>
+        <p:spPr>
+          <a:xfrm>
+            <a:off x="4582080" y="1584000"/>
+            <a:ext cx="241560" cy="225000"/>
+          </a:xfrm>
+          <a:prstGeom prst="rect">
+            <a:avLst/>
+          </a:prstGeom>
+          <a:ln>
+            <a:noFill/>
+          </a:ln>
+        </p:spPr>
+      </p:pic>
+      <p:pic>
+        <p:nvPicPr>
+          <p:cNvPr id="132" name="" descr=""/>
+          <p:cNvPicPr/>
+          <p:nvPr/>
+        </p:nvPicPr>
+        <p:blipFill>
+          <a:blip r:embed="rId2"/>
+          <a:stretch/>
+        </p:blipFill>
+        <p:spPr>
+          <a:xfrm>
+            <a:off x="7379280" y="1867320"/>
+            <a:ext cx="468720" cy="436680"/>
+          </a:xfrm>
+          <a:prstGeom prst="rect">
+            <a:avLst/>
+          </a:prstGeom>
+          <a:ln>
+            <a:noFill/>
+          </a:ln>
+        </p:spPr>
+      </p:pic>
+      <p:pic>
+        <p:nvPicPr>
+          <p:cNvPr id="133" name="" descr=""/>
+          <p:cNvPicPr/>
+          <p:nvPr/>
+        </p:nvPicPr>
+        <p:blipFill>
+          <a:blip r:embed="rId3"/>
+          <a:stretch/>
+        </p:blipFill>
+        <p:spPr>
+          <a:xfrm>
+            <a:off x="7992000" y="2520000"/>
+            <a:ext cx="900360" cy="838440"/>
+          </a:xfrm>
+          <a:prstGeom prst="rect">
+            <a:avLst/>
+          </a:prstGeom>
+          <a:ln>
+            <a:noFill/>
+          </a:ln>
+        </p:spPr>
+      </p:pic>
       <p:pic>
         <p:nvPicPr>
           <p:cNvPr id="134" name="" descr=""/>
@@ -5820,13 +5675,36 @@
           <p:nvPr/>
         </p:nvPicPr>
         <p:blipFill>
-          <a:blip r:embed="rId1"/>
+          <a:blip r:embed="rId4"/>
           <a:stretch/>
         </p:blipFill>
         <p:spPr>
           <a:xfrm>
-            <a:off x="1512000" y="3214440"/>
-            <a:ext cx="2218680" cy="1609200"/>
+            <a:off x="1936440" y="3672000"/>
+            <a:ext cx="2319480" cy="2159640"/>
+          </a:xfrm>
+          <a:prstGeom prst="rect">
+            <a:avLst/>
+          </a:prstGeom>
+          <a:ln>
+            <a:noFill/>
+          </a:ln>
+        </p:spPr>
+      </p:pic>
+      <p:pic>
+        <p:nvPicPr>
+          <p:cNvPr id="135" name="" descr=""/>
+          <p:cNvPicPr/>
+          <p:nvPr/>
+        </p:nvPicPr>
+        <p:blipFill>
+          <a:blip r:embed="rId5"/>
+          <a:stretch/>
+        </p:blipFill>
+        <p:spPr>
+          <a:xfrm>
+            <a:off x="118440" y="2880000"/>
+            <a:ext cx="961560" cy="428040"/>
           </a:xfrm>
           <a:prstGeom prst="rect">
             <a:avLst/>
@@ -5868,14 +5746,14 @@
       </p:grpSpPr>
       <p:sp>
         <p:nvSpPr>
-          <p:cNvPr id="135" name="CustomShape 1"/>
+          <p:cNvPr id="136" name="CustomShape 1"/>
           <p:cNvSpPr/>
           <p:nvPr/>
         </p:nvSpPr>
         <p:spPr>
           <a:xfrm>
-            <a:off x="311760" y="444960"/>
-            <a:ext cx="8519760" cy="572040"/>
+            <a:off x="311760" y="464400"/>
+            <a:ext cx="8519760" cy="532800"/>
           </a:xfrm>
           <a:prstGeom prst="rect">
             <a:avLst/>
@@ -5892,8 +5770,8 @@
           <a:fontRef idx="minor"/>
         </p:style>
         <p:txBody>
-          <a:bodyPr lIns="90000" rIns="90000" tIns="91440" bIns="91440">
-            <a:normAutofit fontScale="97000"/>
+          <a:bodyPr lIns="0" rIns="0" tIns="0" bIns="0" anchor="ctr">
+            <a:spAutoFit/>
           </a:bodyPr>
           <a:p>
             <a:pPr>
@@ -5902,30 +5780,29 @@
               </a:lnSpc>
             </a:pPr>
             <a:r>
-              <a:rPr b="0" lang="lv-LV" sz="2800" spc="-1" strike="noStrike">
+              <a:rPr b="0" lang="lv-LV" sz="3500" spc="-1" strike="noStrike">
                 <a:solidFill>
                   <a:srgbClr val="000000"/>
                 </a:solidFill>
                 <a:latin typeface="Arial"/>
-                <a:ea typeface="Arial"/>
-              </a:rPr>
-              <a:t>Additional Options</a:t>
-            </a:r>
-            <a:endParaRPr b="0" lang="lv-LV" sz="2800" spc="-1" strike="noStrike">
-              <a:latin typeface="Arial"/>
-            </a:endParaRPr>
-          </a:p>
-        </p:txBody>
-      </p:sp>
-      <p:sp>
-        <p:nvSpPr>
-          <p:cNvPr id="136" name="CustomShape 2"/>
+              </a:rPr>
+              <a:t>Partition</a:t>
+            </a:r>
+            <a:endParaRPr b="0" lang="lv-LV" sz="3500" spc="-1" strike="noStrike">
+              <a:latin typeface="Arial"/>
+            </a:endParaRPr>
+          </a:p>
+        </p:txBody>
+      </p:sp>
+      <p:sp>
+        <p:nvSpPr>
+          <p:cNvPr id="137" name="CustomShape 2"/>
           <p:cNvSpPr/>
           <p:nvPr/>
         </p:nvSpPr>
         <p:spPr>
           <a:xfrm>
-            <a:off x="432000" y="1191960"/>
+            <a:off x="311760" y="1152360"/>
             <a:ext cx="8519760" cy="3415680"/>
           </a:xfrm>
           <a:prstGeom prst="rect">
@@ -5943,101 +5820,146 @@
           <a:fontRef idx="minor"/>
         </p:style>
         <p:txBody>
-          <a:bodyPr lIns="90000" rIns="90000" tIns="91440" bIns="91440">
+          <a:bodyPr lIns="0" rIns="0" tIns="0" bIns="0">
             <a:normAutofit/>
           </a:bodyPr>
           <a:p>
-            <a:pPr>
-              <a:lnSpc>
-                <a:spcPct val="115000"/>
-              </a:lnSpc>
-            </a:pPr>
-            <a:r>
-              <a:rPr b="0" lang="lv-LV" sz="1800" spc="-1" strike="noStrike">
-                <a:solidFill>
-                  <a:srgbClr val="595959"/>
-                </a:solidFill>
-                <a:latin typeface="Arial"/>
-                <a:ea typeface="Arial"/>
-              </a:rPr>
-              <a:t>* Schedulers – runs procedure at a specified interval // time</a:t>
-            </a:r>
-            <a:endParaRPr b="0" lang="lv-LV" sz="1800" spc="-1" strike="noStrike">
-              <a:latin typeface="Arial"/>
-            </a:endParaRPr>
-          </a:p>
-          <a:p>
-            <a:pPr>
-              <a:lnSpc>
-                <a:spcPct val="115000"/>
-              </a:lnSpc>
-            </a:pPr>
-            <a:r>
-              <a:rPr b="0" lang="lv-LV" sz="1800" spc="-1" strike="noStrike">
-                <a:solidFill>
-                  <a:srgbClr val="595959"/>
-                </a:solidFill>
-                <a:latin typeface="Arial"/>
-                <a:ea typeface="Arial"/>
-              </a:rPr>
-              <a:t>* Procedure – executes Queries without resulting in a single transaction</a:t>
-            </a:r>
-            <a:endParaRPr b="0" lang="lv-LV" sz="1800" spc="-1" strike="noStrike">
-              <a:latin typeface="Arial"/>
-            </a:endParaRPr>
-          </a:p>
-          <a:p>
-            <a:pPr>
-              <a:lnSpc>
-                <a:spcPct val="115000"/>
-              </a:lnSpc>
-            </a:pPr>
-            <a:r>
-              <a:rPr b="0" lang="lv-LV" sz="1800" spc="-1" strike="noStrike">
-                <a:solidFill>
-                  <a:srgbClr val="595959"/>
-                </a:solidFill>
-                <a:latin typeface="Arial"/>
-                <a:ea typeface="Arial"/>
-              </a:rPr>
-              <a:t>* Function – Same as procedure but will return result.</a:t>
-            </a:r>
-            <a:endParaRPr b="0" lang="lv-LV" sz="1800" spc="-1" strike="noStrike">
-              <a:latin typeface="Arial"/>
-            </a:endParaRPr>
-          </a:p>
-          <a:p>
-            <a:pPr>
-              <a:lnSpc>
-                <a:spcPct val="115000"/>
-              </a:lnSpc>
-            </a:pPr>
-            <a:endParaRPr b="0" lang="lv-LV" sz="1800" spc="-1" strike="noStrike">
-              <a:latin typeface="Arial"/>
-            </a:endParaRPr>
-          </a:p>
-          <a:p>
-            <a:pPr>
-              <a:lnSpc>
-                <a:spcPct val="115000"/>
-              </a:lnSpc>
-            </a:pPr>
-            <a:r>
-              <a:rPr b="0" lang="lv-LV" sz="1800" spc="-1" strike="noStrike">
-                <a:solidFill>
-                  <a:srgbClr val="595959"/>
-                </a:solidFill>
-                <a:latin typeface="Arial"/>
-                <a:ea typeface="Arial"/>
-              </a:rPr>
-              <a:t>* wouldn’t recommend doing many of them. They are hard to debug and can lead to huge deadlocks. Also, developers may have magic.</a:t>
-            </a:r>
-            <a:endParaRPr b="0" lang="lv-LV" sz="1800" spc="-1" strike="noStrike">
-              <a:latin typeface="Arial"/>
-            </a:endParaRPr>
-          </a:p>
-        </p:txBody>
-      </p:sp>
+            <a:pPr marL="432000" indent="-323640">
+              <a:lnSpc>
+                <a:spcPct val="100000"/>
+              </a:lnSpc>
+              <a:spcBef>
+                <a:spcPts val="1417"/>
+              </a:spcBef>
+              <a:buClr>
+                <a:srgbClr val="000000"/>
+              </a:buClr>
+              <a:buSzPct val="45000"/>
+              <a:buFont typeface="Wingdings" charset="2"/>
+              <a:buChar char=""/>
+            </a:pPr>
+            <a:r>
+              <a:rPr b="0" lang="lv-LV" sz="2500" spc="-1" strike="noStrike">
+                <a:solidFill>
+                  <a:srgbClr val="000000"/>
+                </a:solidFill>
+                <a:latin typeface="Arial"/>
+              </a:rPr>
+              <a:t>Group table by data (each month in separate partition // table)</a:t>
+            </a:r>
+            <a:endParaRPr b="0" lang="lv-LV" sz="2500" spc="-1" strike="noStrike">
+              <a:latin typeface="Arial"/>
+            </a:endParaRPr>
+          </a:p>
+          <a:p>
+            <a:pPr marL="432000" indent="-323640">
+              <a:lnSpc>
+                <a:spcPct val="100000"/>
+              </a:lnSpc>
+              <a:spcBef>
+                <a:spcPts val="1417"/>
+              </a:spcBef>
+              <a:buClr>
+                <a:srgbClr val="000000"/>
+              </a:buClr>
+              <a:buSzPct val="45000"/>
+              <a:buFont typeface="Wingdings" charset="2"/>
+              <a:buChar char=""/>
+            </a:pPr>
+            <a:r>
+              <a:rPr b="0" lang="lv-LV" sz="2500" spc="-1" strike="noStrike">
+                <a:solidFill>
+                  <a:srgbClr val="000000"/>
+                </a:solidFill>
+                <a:latin typeface="Arial"/>
+              </a:rPr>
+              <a:t>Don’t intersect partition data (only statistical summaries)</a:t>
+            </a:r>
+            <a:endParaRPr b="0" lang="lv-LV" sz="2500" spc="-1" strike="noStrike">
+              <a:latin typeface="Arial"/>
+            </a:endParaRPr>
+          </a:p>
+          <a:p>
+            <a:pPr marL="432000" indent="-323640">
+              <a:lnSpc>
+                <a:spcPct val="100000"/>
+              </a:lnSpc>
+              <a:spcBef>
+                <a:spcPts val="1417"/>
+              </a:spcBef>
+              <a:buClr>
+                <a:srgbClr val="000000"/>
+              </a:buClr>
+              <a:buSzPct val="45000"/>
+              <a:buFont typeface="Wingdings" charset="2"/>
+              <a:buChar char=""/>
+            </a:pPr>
+            <a:r>
+              <a:rPr b="0" lang="lv-LV" sz="2500" spc="-1" strike="noStrike">
+                <a:solidFill>
+                  <a:srgbClr val="000000"/>
+                </a:solidFill>
+                <a:latin typeface="Arial"/>
+              </a:rPr>
+              <a:t>Always pick an option with a balanced data amount.</a:t>
+            </a:r>
+            <a:endParaRPr b="0" lang="lv-LV" sz="2500" spc="-1" strike="noStrike">
+              <a:latin typeface="Arial"/>
+            </a:endParaRPr>
+          </a:p>
+          <a:p>
+            <a:pPr marL="432000" indent="-323640">
+              <a:lnSpc>
+                <a:spcPct val="100000"/>
+              </a:lnSpc>
+              <a:spcBef>
+                <a:spcPts val="1417"/>
+              </a:spcBef>
+              <a:buClr>
+                <a:srgbClr val="000000"/>
+              </a:buClr>
+              <a:buSzPct val="45000"/>
+              <a:buFont typeface="Wingdings" charset="2"/>
+              <a:buChar char=""/>
+            </a:pPr>
+            <a:r>
+              <a:rPr b="0" lang="lv-LV" sz="2500" spc="-1" strike="noStrike">
+                <a:solidFill>
+                  <a:srgbClr val="000000"/>
+                </a:solidFill>
+                <a:latin typeface="Arial"/>
+              </a:rPr>
+              <a:t>Use CRC32 (first n symbols) on any field if you have nothing in mind.</a:t>
+            </a:r>
+            <a:endParaRPr b="0" lang="lv-LV" sz="2500" spc="-1" strike="noStrike">
+              <a:latin typeface="Arial"/>
+            </a:endParaRPr>
+          </a:p>
+        </p:txBody>
+      </p:sp>
+      <p:pic>
+        <p:nvPicPr>
+          <p:cNvPr id="138" name="" descr=""/>
+          <p:cNvPicPr/>
+          <p:nvPr/>
+        </p:nvPicPr>
+        <p:blipFill>
+          <a:blip r:embed="rId1"/>
+          <a:stretch/>
+        </p:blipFill>
+        <p:spPr>
+          <a:xfrm>
+            <a:off x="5688000" y="3600000"/>
+            <a:ext cx="2088000" cy="1514520"/>
+          </a:xfrm>
+          <a:prstGeom prst="rect">
+            <a:avLst/>
+          </a:prstGeom>
+          <a:ln>
+            <a:noFill/>
+          </a:ln>
+        </p:spPr>
+      </p:pic>
     </p:spTree>
   </p:cSld>
   <mc:AlternateContent>
@@ -6070,7 +5992,7 @@
       </p:grpSpPr>
       <p:sp>
         <p:nvSpPr>
-          <p:cNvPr id="137" name="CustomShape 1"/>
+          <p:cNvPr id="139" name="CustomShape 1"/>
           <p:cNvSpPr/>
           <p:nvPr/>
         </p:nvSpPr>
@@ -6095,7 +6017,7 @@
         </p:style>
         <p:txBody>
           <a:bodyPr lIns="90000" rIns="90000" tIns="91440" bIns="91440">
-            <a:normAutofit fontScale="97000"/>
+            <a:normAutofit fontScale="68000"/>
           </a:bodyPr>
           <a:p>
             <a:pPr>
@@ -6104,30 +6026,30 @@
               </a:lnSpc>
             </a:pPr>
             <a:r>
-              <a:rPr b="0" lang="lv-LV" sz="2800" spc="-1" strike="noStrike">
+              <a:rPr b="0" lang="lv-LV" sz="3500" spc="-1" strike="noStrike">
                 <a:solidFill>
                   <a:srgbClr val="000000"/>
                 </a:solidFill>
                 <a:latin typeface="Arial"/>
                 <a:ea typeface="Arial"/>
               </a:rPr>
-              <a:t>Best to evade ?</a:t>
-            </a:r>
-            <a:endParaRPr b="0" lang="lv-LV" sz="2800" spc="-1" strike="noStrike">
-              <a:latin typeface="Arial"/>
-            </a:endParaRPr>
-          </a:p>
-        </p:txBody>
-      </p:sp>
-      <p:sp>
-        <p:nvSpPr>
-          <p:cNvPr id="138" name="CustomShape 2"/>
+              <a:t>Additional Options</a:t>
+            </a:r>
+            <a:endParaRPr b="0" lang="lv-LV" sz="3500" spc="-1" strike="noStrike">
+              <a:latin typeface="Arial"/>
+            </a:endParaRPr>
+          </a:p>
+        </p:txBody>
+      </p:sp>
+      <p:sp>
+        <p:nvSpPr>
+          <p:cNvPr id="140" name="CustomShape 2"/>
           <p:cNvSpPr/>
           <p:nvPr/>
         </p:nvSpPr>
         <p:spPr>
           <a:xfrm>
-            <a:off x="311760" y="1152360"/>
+            <a:off x="432000" y="1191960"/>
             <a:ext cx="8519760" cy="3415680"/>
           </a:xfrm>
           <a:prstGeom prst="rect">
@@ -6146,7 +6068,7 @@
         </p:style>
         <p:txBody>
           <a:bodyPr lIns="90000" rIns="90000" tIns="91440" bIns="91440">
-            <a:normAutofit/>
+            <a:normAutofit fontScale="97000"/>
           </a:bodyPr>
           <a:p>
             <a:pPr>
@@ -6155,16 +6077,16 @@
               </a:lnSpc>
             </a:pPr>
             <a:r>
-              <a:rPr b="0" lang="lv-LV" sz="1800" spc="-1" strike="noStrike">
+              <a:rPr b="0" lang="lv-LV" sz="2500" spc="-1" strike="noStrike">
                 <a:solidFill>
                   <a:srgbClr val="595959"/>
                 </a:solidFill>
                 <a:latin typeface="Arial"/>
                 <a:ea typeface="Arial"/>
               </a:rPr>
-              <a:t>* Huge table better not to use DROP TABLE or ALTER TABLE</a:t>
-            </a:r>
-            <a:endParaRPr b="0" lang="lv-LV" sz="1800" spc="-1" strike="noStrike">
+              <a:t>* Schedulers – runs procedure at a specified interval // time</a:t>
+            </a:r>
+            <a:endParaRPr b="0" lang="lv-LV" sz="2500" spc="-1" strike="noStrike">
               <a:latin typeface="Arial"/>
             </a:endParaRPr>
           </a:p>
@@ -6175,16 +6097,16 @@
               </a:lnSpc>
             </a:pPr>
             <a:r>
-              <a:rPr b="0" lang="lv-LV" sz="1800" spc="-1" strike="noStrike">
+              <a:rPr b="0" lang="lv-LV" sz="2500" spc="-1" strike="noStrike">
                 <a:solidFill>
                   <a:srgbClr val="595959"/>
                 </a:solidFill>
                 <a:latin typeface="Arial"/>
                 <a:ea typeface="Arial"/>
               </a:rPr>
-              <a:t>* You can create a new table, sync it with prev, then swap tables with Rename.</a:t>
-            </a:r>
-            <a:endParaRPr b="0" lang="lv-LV" sz="1800" spc="-1" strike="noStrike">
+              <a:t>* Procedure – executes Queries without resulting in a single transaction</a:t>
+            </a:r>
+            <a:endParaRPr b="0" lang="lv-LV" sz="2500" spc="-1" strike="noStrike">
               <a:latin typeface="Arial"/>
             </a:endParaRPr>
           </a:p>
@@ -6195,16 +6117,16 @@
               </a:lnSpc>
             </a:pPr>
             <a:r>
-              <a:rPr b="0" lang="lv-LV" sz="1800" spc="-1" strike="noStrike">
+              <a:rPr b="0" lang="lv-LV" sz="2500" spc="-1" strike="noStrike">
                 <a:solidFill>
                   <a:srgbClr val="595959"/>
                 </a:solidFill>
                 <a:latin typeface="Arial"/>
                 <a:ea typeface="Arial"/>
               </a:rPr>
-              <a:t>* If you want to swap, pick the right order and check on non-prod envs.</a:t>
-            </a:r>
-            <a:endParaRPr b="0" lang="lv-LV" sz="1800" spc="-1" strike="noStrike">
+              <a:t>* Function – Same as procedure but will return result.</a:t>
+            </a:r>
+            <a:endParaRPr b="0" lang="lv-LV" sz="2500" spc="-1" strike="noStrike">
               <a:latin typeface="Arial"/>
             </a:endParaRPr>
           </a:p>
@@ -6214,17 +6136,27 @@
                 <a:spcPct val="115000"/>
               </a:lnSpc>
             </a:pPr>
-            <a:r>
-              <a:rPr b="0" lang="lv-LV" sz="1800" spc="-1" strike="noStrike">
+            <a:endParaRPr b="0" lang="lv-LV" sz="2500" spc="-1" strike="noStrike">
+              <a:latin typeface="Arial"/>
+            </a:endParaRPr>
+          </a:p>
+          <a:p>
+            <a:pPr>
+              <a:lnSpc>
+                <a:spcPct val="115000"/>
+              </a:lnSpc>
+            </a:pPr>
+            <a:r>
+              <a:rPr b="0" lang="lv-LV" sz="2500" spc="-1" strike="noStrike">
                 <a:solidFill>
                   <a:srgbClr val="595959"/>
                 </a:solidFill>
                 <a:latin typeface="Arial"/>
                 <a:ea typeface="Arial"/>
               </a:rPr>
-              <a:t>* migrate existing data after renaming (there will be data and a time gap can even be big, so migrating 1 or 2 weeks is a good choice)</a:t>
-            </a:r>
-            <a:endParaRPr b="0" lang="lv-LV" sz="1800" spc="-1" strike="noStrike">
+              <a:t>* wouldn’t recommend doing many of them. They are hard to debug and can lead to huge deadlocks. Also, developers may have magic.</a:t>
+            </a:r>
+            <a:endParaRPr b="0" lang="lv-LV" sz="2500" spc="-1" strike="noStrike">
               <a:latin typeface="Arial"/>
             </a:endParaRPr>
           </a:p>
@@ -6262,7 +6194,7 @@
       </p:grpSpPr>
       <p:sp>
         <p:nvSpPr>
-          <p:cNvPr id="139" name="CustomShape 1"/>
+          <p:cNvPr id="141" name="CustomShape 1"/>
           <p:cNvSpPr/>
           <p:nvPr/>
         </p:nvSpPr>
@@ -6287,7 +6219,7 @@
         </p:style>
         <p:txBody>
           <a:bodyPr lIns="90000" rIns="90000" tIns="91440" bIns="91440">
-            <a:normAutofit fontScale="97000"/>
+            <a:normAutofit fontScale="68000"/>
           </a:bodyPr>
           <a:p>
             <a:pPr>
@@ -6296,30 +6228,30 @@
               </a:lnSpc>
             </a:pPr>
             <a:r>
-              <a:rPr b="0" lang="lv-LV" sz="2800" spc="-1" strike="noStrike">
+              <a:rPr b="0" lang="lv-LV" sz="3500" spc="-1" strike="noStrike">
                 <a:solidFill>
                   <a:srgbClr val="000000"/>
                 </a:solidFill>
                 <a:latin typeface="Arial"/>
                 <a:ea typeface="Arial"/>
               </a:rPr>
-              <a:t>Is there any risks on rename  ?</a:t>
-            </a:r>
-            <a:endParaRPr b="0" lang="lv-LV" sz="2800" spc="-1" strike="noStrike">
-              <a:latin typeface="Arial"/>
-            </a:endParaRPr>
-          </a:p>
-        </p:txBody>
-      </p:sp>
-      <p:sp>
-        <p:nvSpPr>
-          <p:cNvPr id="140" name="CustomShape 2"/>
+              <a:t>Best to evade ?</a:t>
+            </a:r>
+            <a:endParaRPr b="0" lang="lv-LV" sz="3500" spc="-1" strike="noStrike">
+              <a:latin typeface="Arial"/>
+            </a:endParaRPr>
+          </a:p>
+        </p:txBody>
+      </p:sp>
+      <p:sp>
+        <p:nvSpPr>
+          <p:cNvPr id="142" name="CustomShape 2"/>
           <p:cNvSpPr/>
           <p:nvPr/>
         </p:nvSpPr>
         <p:spPr>
           <a:xfrm>
-            <a:off x="479880" y="1119960"/>
+            <a:off x="311760" y="1152360"/>
             <a:ext cx="8519760" cy="3415680"/>
           </a:xfrm>
           <a:prstGeom prst="rect">
@@ -6338,7 +6270,7 @@
         </p:style>
         <p:txBody>
           <a:bodyPr lIns="90000" rIns="90000" tIns="91440" bIns="91440">
-            <a:normAutofit/>
+            <a:normAutofit fontScale="82000"/>
           </a:bodyPr>
           <a:p>
             <a:pPr>
@@ -6347,16 +6279,16 @@
               </a:lnSpc>
             </a:pPr>
             <a:r>
-              <a:rPr b="0" lang="lv-LV" sz="1800" spc="-1" strike="noStrike">
+              <a:rPr b="0" lang="lv-LV" sz="2500" spc="-1" strike="noStrike">
                 <a:solidFill>
                   <a:srgbClr val="595959"/>
                 </a:solidFill>
                 <a:latin typeface="Arial"/>
                 <a:ea typeface="Arial"/>
               </a:rPr>
-              <a:t>* during rename there will be moments when there won’t be a table.</a:t>
-            </a:r>
-            <a:endParaRPr b="0" lang="lv-LV" sz="1800" spc="-1" strike="noStrike">
+              <a:t>* Huge table better not to use DROP TABLE or ALTER TABLE</a:t>
+            </a:r>
+            <a:endParaRPr b="0" lang="lv-LV" sz="2500" spc="-1" strike="noStrike">
               <a:latin typeface="Arial"/>
             </a:endParaRPr>
           </a:p>
@@ -6367,16 +6299,16 @@
               </a:lnSpc>
             </a:pPr>
             <a:r>
-              <a:rPr b="0" lang="lv-LV" sz="1800" spc="-1" strike="noStrike">
+              <a:rPr b="0" lang="lv-LV" sz="2500" spc="-1" strike="noStrike">
                 <a:solidFill>
                   <a:srgbClr val="595959"/>
                 </a:solidFill>
                 <a:latin typeface="Arial"/>
                 <a:ea typeface="Arial"/>
               </a:rPr>
-              <a:t>* You can stop production tables.</a:t>
-            </a:r>
-            <a:endParaRPr b="0" lang="lv-LV" sz="1800" spc="-1" strike="noStrike">
+              <a:t>* You can create a new table, sync it with prev, then swap tables with Rename.</a:t>
+            </a:r>
+            <a:endParaRPr b="0" lang="lv-LV" sz="2500" spc="-1" strike="noStrike">
               <a:latin typeface="Arial"/>
             </a:endParaRPr>
           </a:p>
@@ -6387,44 +6319,41 @@
               </a:lnSpc>
             </a:pPr>
             <a:r>
-              <a:rPr b="0" lang="lv-LV" sz="1800" spc="-1" strike="noStrike">
+              <a:rPr b="0" lang="lv-LV" sz="2500" spc="-1" strike="noStrike">
                 <a:solidFill>
                   <a:srgbClr val="595959"/>
                 </a:solidFill>
                 <a:latin typeface="Arial"/>
                 <a:ea typeface="Arial"/>
               </a:rPr>
-              <a:t>* You can make logic first work for both cases, then rename without risk.</a:t>
-            </a:r>
-            <a:endParaRPr b="0" lang="lv-LV" sz="1800" spc="-1" strike="noStrike">
-              <a:latin typeface="Arial"/>
-            </a:endParaRPr>
-          </a:p>
-        </p:txBody>
-      </p:sp>
-      <p:pic>
-        <p:nvPicPr>
-          <p:cNvPr id="141" name="" descr=""/>
-          <p:cNvPicPr/>
-          <p:nvPr/>
-        </p:nvPicPr>
-        <p:blipFill>
-          <a:blip r:embed="rId1"/>
-          <a:stretch/>
-        </p:blipFill>
-        <p:spPr>
-          <a:xfrm>
-            <a:off x="7416000" y="324000"/>
-            <a:ext cx="1342440" cy="1475640"/>
-          </a:xfrm>
-          <a:prstGeom prst="rect">
-            <a:avLst/>
-          </a:prstGeom>
-          <a:ln>
-            <a:noFill/>
-          </a:ln>
-        </p:spPr>
-      </p:pic>
+              <a:t>* If you want to swap, pick the right order and check on non-prod envs.</a:t>
+            </a:r>
+            <a:endParaRPr b="0" lang="lv-LV" sz="2500" spc="-1" strike="noStrike">
+              <a:latin typeface="Arial"/>
+            </a:endParaRPr>
+          </a:p>
+          <a:p>
+            <a:pPr>
+              <a:lnSpc>
+                <a:spcPct val="115000"/>
+              </a:lnSpc>
+            </a:pPr>
+            <a:r>
+              <a:rPr b="0" lang="lv-LV" sz="2500" spc="-1" strike="noStrike">
+                <a:solidFill>
+                  <a:srgbClr val="595959"/>
+                </a:solidFill>
+                <a:latin typeface="Arial"/>
+                <a:ea typeface="Arial"/>
+              </a:rPr>
+              <a:t>* migrate existing data after renaming (there will be data and a time gap can even be big, so migrating 1 or 2 weeks is a good choice)</a:t>
+            </a:r>
+            <a:endParaRPr b="0" lang="lv-LV" sz="2500" spc="-1" strike="noStrike">
+              <a:latin typeface="Arial"/>
+            </a:endParaRPr>
+          </a:p>
+        </p:txBody>
+      </p:sp>
     </p:spTree>
   </p:cSld>
   <mc:AlternateContent>
@@ -6457,7 +6386,7 @@
       </p:grpSpPr>
       <p:sp>
         <p:nvSpPr>
-          <p:cNvPr id="142" name="CustomShape 1"/>
+          <p:cNvPr id="143" name="CustomShape 1"/>
           <p:cNvSpPr/>
           <p:nvPr/>
         </p:nvSpPr>
@@ -6498,7 +6427,17 @@
                 <a:latin typeface="Arial"/>
                 <a:ea typeface="Arial"/>
               </a:rPr>
-              <a:t>What to do for optimization ?</a:t>
+              <a:t>Is there any</a:t>
+            </a:r>
+            <a:r>
+              <a:rPr b="0" lang="lv-LV" sz="2800" spc="-1" strike="noStrike">
+                <a:solidFill>
+                  <a:srgbClr val="000000"/>
+                </a:solidFill>
+                <a:latin typeface="Arial"/>
+                <a:ea typeface="Arial"/>
+              </a:rPr>
+              <a:t> risks on rename  ?</a:t>
             </a:r>
             <a:endParaRPr b="0" lang="lv-LV" sz="2800" spc="-1" strike="noStrike">
               <a:latin typeface="Arial"/>
@@ -6508,13 +6447,13 @@
       </p:sp>
       <p:sp>
         <p:nvSpPr>
-          <p:cNvPr id="143" name="CustomShape 2"/>
+          <p:cNvPr id="144" name="CustomShape 2"/>
           <p:cNvSpPr/>
           <p:nvPr/>
         </p:nvSpPr>
         <p:spPr>
           <a:xfrm>
-            <a:off x="311760" y="1152360"/>
+            <a:off x="479880" y="1119960"/>
             <a:ext cx="8519760" cy="3415680"/>
           </a:xfrm>
           <a:prstGeom prst="rect">
@@ -6540,21 +6479,58 @@
               <a:lnSpc>
                 <a:spcPct val="115000"/>
               </a:lnSpc>
-              <a:spcAft>
-                <a:spcPts val="1199"/>
-              </a:spcAft>
-            </a:pPr>
-            <a:r>
-              <a:rPr b="0" lang="lv-LV" sz="1800" spc="-1" strike="noStrike">
+            </a:pPr>
+            <a:r>
+              <a:rPr b="0" lang="lv-LV" sz="2500" spc="-1" strike="noStrike">
                 <a:solidFill>
                   <a:srgbClr val="595959"/>
                 </a:solidFill>
                 <a:latin typeface="Arial"/>
                 <a:ea typeface="Arial"/>
               </a:rPr>
-              <a:t>Better to just grow structure of tables.</a:t>
-            </a:r>
-            <a:endParaRPr b="0" lang="lv-LV" sz="1800" spc="-1" strike="noStrike">
+              <a:t>* during rename there will be moments when there won’t be a table.</a:t>
+            </a:r>
+            <a:endParaRPr b="0" lang="lv-LV" sz="2500" spc="-1" strike="noStrike">
+              <a:latin typeface="Arial"/>
+            </a:endParaRPr>
+          </a:p>
+          <a:p>
+            <a:pPr>
+              <a:lnSpc>
+                <a:spcPct val="115000"/>
+              </a:lnSpc>
+            </a:pPr>
+            <a:r>
+              <a:rPr b="0" lang="lv-LV" sz="2500" spc="-1" strike="noStrike">
+                <a:solidFill>
+                  <a:srgbClr val="595959"/>
+                </a:solidFill>
+                <a:latin typeface="Arial"/>
+                <a:ea typeface="Arial"/>
+              </a:rPr>
+              <a:t>* You can stop production tables.</a:t>
+            </a:r>
+            <a:endParaRPr b="0" lang="lv-LV" sz="2500" spc="-1" strike="noStrike">
+              <a:latin typeface="Arial"/>
+            </a:endParaRPr>
+          </a:p>
+          <a:p>
+            <a:pPr>
+              <a:lnSpc>
+                <a:spcPct val="115000"/>
+              </a:lnSpc>
+            </a:pPr>
+            <a:r>
+              <a:rPr b="0" lang="lv-LV" sz="2500" spc="-1" strike="noStrike">
+                <a:solidFill>
+                  <a:srgbClr val="595959"/>
+                </a:solidFill>
+                <a:latin typeface="Arial"/>
+                <a:ea typeface="Arial"/>
+              </a:rPr>
+              <a:t>* You can make logic first work for both cases, then rename without risk.</a:t>
+            </a:r>
+            <a:endParaRPr b="0" lang="lv-LV" sz="2500" spc="-1" strike="noStrike">
               <a:latin typeface="Arial"/>
             </a:endParaRPr>
           </a:p>
@@ -6562,7 +6538,7 @@
       </p:sp>
       <p:pic>
         <p:nvPicPr>
-          <p:cNvPr id="144" name="" descr=""/>
+          <p:cNvPr id="145" name="" descr=""/>
           <p:cNvPicPr/>
           <p:nvPr/>
         </p:nvPicPr>
@@ -6572,54 +6548,8 @@
         </p:blipFill>
         <p:spPr>
           <a:xfrm>
-            <a:off x="610200" y="2016000"/>
-            <a:ext cx="2485440" cy="1456560"/>
-          </a:xfrm>
-          <a:prstGeom prst="rect">
-            <a:avLst/>
-          </a:prstGeom>
-          <a:ln>
-            <a:noFill/>
-          </a:ln>
-        </p:spPr>
-      </p:pic>
-      <p:pic>
-        <p:nvPicPr>
-          <p:cNvPr id="145" name="" descr=""/>
-          <p:cNvPicPr/>
-          <p:nvPr/>
-        </p:nvPicPr>
-        <p:blipFill>
-          <a:blip r:embed="rId2"/>
-          <a:stretch/>
-        </p:blipFill>
-        <p:spPr>
-          <a:xfrm>
-            <a:off x="4104000" y="1931400"/>
-            <a:ext cx="2637720" cy="1380240"/>
-          </a:xfrm>
-          <a:prstGeom prst="rect">
-            <a:avLst/>
-          </a:prstGeom>
-          <a:ln>
-            <a:noFill/>
-          </a:ln>
-        </p:spPr>
-      </p:pic>
-      <p:pic>
-        <p:nvPicPr>
-          <p:cNvPr id="146" name="" descr=""/>
-          <p:cNvPicPr/>
-          <p:nvPr/>
-        </p:nvPicPr>
-        <p:blipFill>
-          <a:blip r:embed="rId3"/>
-          <a:stretch/>
-        </p:blipFill>
-        <p:spPr>
-          <a:xfrm>
-            <a:off x="5904000" y="556920"/>
-            <a:ext cx="2390040" cy="1170720"/>
+            <a:off x="6865560" y="3096000"/>
+            <a:ext cx="1342440" cy="1475640"/>
           </a:xfrm>
           <a:prstGeom prst="rect">
             <a:avLst/>
@@ -6661,14 +6591,14 @@
       </p:grpSpPr>
       <p:sp>
         <p:nvSpPr>
-          <p:cNvPr id="147" name="CustomShape 1"/>
+          <p:cNvPr id="146" name="CustomShape 1"/>
           <p:cNvSpPr/>
           <p:nvPr/>
         </p:nvSpPr>
         <p:spPr>
           <a:xfrm>
             <a:off x="311760" y="444960"/>
-            <a:ext cx="8519760" cy="572040"/>
+            <a:ext cx="8616240" cy="635040"/>
           </a:xfrm>
           <a:prstGeom prst="rect">
             <a:avLst/>
@@ -6686,7 +6616,7 @@
         </p:style>
         <p:txBody>
           <a:bodyPr lIns="90000" rIns="90000" tIns="91440" bIns="91440">
-            <a:normAutofit fontScale="97000"/>
+            <a:normAutofit fontScale="85000"/>
           </a:bodyPr>
           <a:p>
             <a:pPr>
@@ -6695,24 +6625,24 @@
               </a:lnSpc>
             </a:pPr>
             <a:r>
-              <a:rPr b="0" lang="lv-LV" sz="2800" spc="-1" strike="noStrike">
+              <a:rPr b="0" lang="lv-LV" sz="3500" spc="-1" strike="noStrike">
                 <a:solidFill>
                   <a:srgbClr val="000000"/>
                 </a:solidFill>
                 <a:latin typeface="Arial"/>
                 <a:ea typeface="Arial"/>
               </a:rPr>
-              <a:t>What you should know about complex queries.</a:t>
-            </a:r>
-            <a:endParaRPr b="0" lang="lv-LV" sz="2800" spc="-1" strike="noStrike">
-              <a:latin typeface="Arial"/>
-            </a:endParaRPr>
-          </a:p>
-        </p:txBody>
-      </p:sp>
-      <p:sp>
-        <p:nvSpPr>
-          <p:cNvPr id="148" name="CustomShape 2"/>
+              <a:t>What to do for optimization ?</a:t>
+            </a:r>
+            <a:endParaRPr b="0" lang="lv-LV" sz="3500" spc="-1" strike="noStrike">
+              <a:latin typeface="Arial"/>
+            </a:endParaRPr>
+          </a:p>
+        </p:txBody>
+      </p:sp>
+      <p:sp>
+        <p:nvSpPr>
+          <p:cNvPr id="147" name="CustomShape 2"/>
           <p:cNvSpPr/>
           <p:nvPr/>
         </p:nvSpPr>
@@ -6744,113 +6674,95 @@
               <a:lnSpc>
                 <a:spcPct val="115000"/>
               </a:lnSpc>
-            </a:pPr>
-            <a:r>
-              <a:rPr b="0" lang="lv-LV" sz="1800" spc="-1" strike="noStrike">
+              <a:spcAft>
+                <a:spcPts val="1199"/>
+              </a:spcAft>
+            </a:pPr>
+            <a:r>
+              <a:rPr b="0" lang="lv-LV" sz="2500" spc="-1" strike="noStrike">
                 <a:solidFill>
                   <a:srgbClr val="595959"/>
                 </a:solidFill>
                 <a:latin typeface="Arial"/>
                 <a:ea typeface="Arial"/>
               </a:rPr>
-              <a:t>There are tons of grouping functions, like AI may help with finding the right approach for your case.</a:t>
-            </a:r>
-            <a:endParaRPr b="0" lang="lv-LV" sz="1800" spc="-1" strike="noStrike">
-              <a:latin typeface="Arial"/>
-            </a:endParaRPr>
-          </a:p>
-          <a:p>
-            <a:pPr>
-              <a:lnSpc>
-                <a:spcPct val="115000"/>
-              </a:lnSpc>
-            </a:pPr>
-            <a:endParaRPr b="0" lang="lv-LV" sz="1800" spc="-1" strike="noStrike">
-              <a:latin typeface="Arial"/>
-            </a:endParaRPr>
-          </a:p>
-          <a:p>
-            <a:pPr>
-              <a:lnSpc>
-                <a:spcPct val="115000"/>
-              </a:lnSpc>
-            </a:pPr>
-            <a:r>
-              <a:rPr b="0" lang="lv-LV" sz="1800" spc="-1" strike="noStrike">
-                <a:solidFill>
-                  <a:srgbClr val="595959"/>
-                </a:solidFill>
-                <a:latin typeface="Arial"/>
-                <a:ea typeface="Arial"/>
-              </a:rPr>
-              <a:t>With</a:t>
-            </a:r>
-            <a:endParaRPr b="0" lang="lv-LV" sz="1800" spc="-1" strike="noStrike">
-              <a:latin typeface="Arial"/>
-            </a:endParaRPr>
-          </a:p>
-          <a:p>
-            <a:pPr>
-              <a:lnSpc>
-                <a:spcPct val="115000"/>
-              </a:lnSpc>
-            </a:pPr>
-            <a:r>
-              <a:rPr b="0" lang="lv-LV" sz="1800" spc="-1" strike="noStrike">
-                <a:solidFill>
-                  <a:srgbClr val="595959"/>
-                </a:solidFill>
-                <a:latin typeface="Arial"/>
-                <a:ea typeface="Arial"/>
-              </a:rPr>
-              <a:t>Union</a:t>
-            </a:r>
-            <a:endParaRPr b="0" lang="lv-LV" sz="1800" spc="-1" strike="noStrike">
-              <a:latin typeface="Arial"/>
-            </a:endParaRPr>
-          </a:p>
-          <a:p>
-            <a:pPr>
-              <a:lnSpc>
-                <a:spcPct val="115000"/>
-              </a:lnSpc>
-            </a:pPr>
-            <a:r>
-              <a:rPr b="0" lang="lv-LV" sz="1800" spc="-1" strike="noStrike">
-                <a:solidFill>
-                  <a:srgbClr val="595959"/>
-                </a:solidFill>
-                <a:latin typeface="Arial"/>
-                <a:ea typeface="Arial"/>
-              </a:rPr>
-              <a:t>GROUP BY</a:t>
-            </a:r>
-            <a:endParaRPr b="0" lang="lv-LV" sz="1800" spc="-1" strike="noStrike">
-              <a:latin typeface="Arial"/>
-            </a:endParaRPr>
-          </a:p>
-          <a:p>
-            <a:pPr>
-              <a:lnSpc>
-                <a:spcPct val="115000"/>
-              </a:lnSpc>
-            </a:pPr>
-            <a:r>
-              <a:rPr b="0" lang="lv-LV" sz="1800" spc="-1" strike="noStrike">
-                <a:solidFill>
-                  <a:srgbClr val="595959"/>
-                </a:solidFill>
-                <a:latin typeface="Arial"/>
-                <a:ea typeface="Arial"/>
-              </a:rPr>
-              <a:t>Distinct</a:t>
-            </a:r>
-            <a:endParaRPr b="0" lang="lv-LV" sz="1800" spc="-1" strike="noStrike">
-              <a:latin typeface="Arial"/>
-            </a:endParaRPr>
-          </a:p>
-        </p:txBody>
-      </p:sp>
+              <a:t>Better to just grow structure of tables.</a:t>
+            </a:r>
+            <a:endParaRPr b="0" lang="lv-LV" sz="2500" spc="-1" strike="noStrike">
+              <a:latin typeface="Arial"/>
+            </a:endParaRPr>
+          </a:p>
+        </p:txBody>
+      </p:sp>
+      <p:pic>
+        <p:nvPicPr>
+          <p:cNvPr id="148" name="" descr=""/>
+          <p:cNvPicPr/>
+          <p:nvPr/>
+        </p:nvPicPr>
+        <p:blipFill>
+          <a:blip r:embed="rId1"/>
+          <a:stretch/>
+        </p:blipFill>
+        <p:spPr>
+          <a:xfrm>
+            <a:off x="610200" y="2016000"/>
+            <a:ext cx="2485440" cy="1456560"/>
+          </a:xfrm>
+          <a:prstGeom prst="rect">
+            <a:avLst/>
+          </a:prstGeom>
+          <a:ln>
+            <a:noFill/>
+          </a:ln>
+        </p:spPr>
+      </p:pic>
+      <p:pic>
+        <p:nvPicPr>
+          <p:cNvPr id="149" name="" descr=""/>
+          <p:cNvPicPr/>
+          <p:nvPr/>
+        </p:nvPicPr>
+        <p:blipFill>
+          <a:blip r:embed="rId2"/>
+          <a:stretch/>
+        </p:blipFill>
+        <p:spPr>
+          <a:xfrm>
+            <a:off x="4104000" y="1931400"/>
+            <a:ext cx="2637720" cy="1380240"/>
+          </a:xfrm>
+          <a:prstGeom prst="rect">
+            <a:avLst/>
+          </a:prstGeom>
+          <a:ln>
+            <a:noFill/>
+          </a:ln>
+        </p:spPr>
+      </p:pic>
+      <p:pic>
+        <p:nvPicPr>
+          <p:cNvPr id="150" name="" descr=""/>
+          <p:cNvPicPr/>
+          <p:nvPr/>
+        </p:nvPicPr>
+        <p:blipFill>
+          <a:blip r:embed="rId3"/>
+          <a:stretch/>
+        </p:blipFill>
+        <p:spPr>
+          <a:xfrm>
+            <a:off x="5904000" y="556920"/>
+            <a:ext cx="2390040" cy="1170720"/>
+          </a:xfrm>
+          <a:prstGeom prst="rect">
+            <a:avLst/>
+          </a:prstGeom>
+          <a:ln>
+            <a:noFill/>
+          </a:ln>
+        </p:spPr>
+      </p:pic>
     </p:spTree>
   </p:cSld>
   <mc:AlternateContent>
@@ -6883,14 +6795,14 @@
       </p:grpSpPr>
       <p:sp>
         <p:nvSpPr>
-          <p:cNvPr id="149" name="CustomShape 1"/>
+          <p:cNvPr id="151" name="CustomShape 1"/>
           <p:cNvSpPr/>
           <p:nvPr/>
         </p:nvSpPr>
         <p:spPr>
           <a:xfrm>
             <a:off x="311760" y="444960"/>
-            <a:ext cx="8519760" cy="572040"/>
+            <a:ext cx="8760240" cy="851040"/>
           </a:xfrm>
           <a:prstGeom prst="rect">
             <a:avLst/>
@@ -6908,7 +6820,7 @@
         </p:style>
         <p:txBody>
           <a:bodyPr lIns="90000" rIns="90000" tIns="91440" bIns="91440">
-            <a:normAutofit fontScale="97000"/>
+            <a:normAutofit/>
           </a:bodyPr>
           <a:p>
             <a:pPr>
@@ -6924,7 +6836,7 @@
                 <a:latin typeface="Arial"/>
                 <a:ea typeface="Arial"/>
               </a:rPr>
-              <a:t>Something Useful about table data grouping</a:t>
+              <a:t>What you should know about complex queries.</a:t>
             </a:r>
             <a:endParaRPr b="0" lang="lv-LV" sz="2800" spc="-1" strike="noStrike">
               <a:latin typeface="Arial"/>
@@ -6934,7 +6846,7 @@
       </p:sp>
       <p:sp>
         <p:nvSpPr>
-          <p:cNvPr id="150" name="CustomShape 2"/>
+          <p:cNvPr id="152" name="CustomShape 2"/>
           <p:cNvSpPr/>
           <p:nvPr/>
         </p:nvSpPr>
@@ -6968,16 +6880,16 @@
               </a:lnSpc>
             </a:pPr>
             <a:r>
-              <a:rPr b="0" lang="lv-LV" sz="1800" spc="-1" strike="noStrike">
+              <a:rPr b="0" lang="lv-LV" sz="2500" spc="-1" strike="noStrike">
                 <a:solidFill>
                   <a:srgbClr val="595959"/>
                 </a:solidFill>
                 <a:latin typeface="Arial"/>
                 <a:ea typeface="Arial"/>
               </a:rPr>
-              <a:t>* DISTINCT — where possible</a:t>
-            </a:r>
-            <a:endParaRPr b="0" lang="lv-LV" sz="1800" spc="-1" strike="noStrike">
+              <a:t>There are tons of grouping functions, like AI may help with finding the right approach for your case.</a:t>
+            </a:r>
+            <a:endParaRPr b="0" lang="lv-LV" sz="2500" spc="-1" strike="noStrike">
               <a:latin typeface="Arial"/>
             </a:endParaRPr>
           </a:p>
@@ -6987,17 +6899,27 @@
                 <a:spcPct val="115000"/>
               </a:lnSpc>
             </a:pPr>
-            <a:r>
-              <a:rPr b="0" lang="lv-LV" sz="1800" spc="-1" strike="noStrike">
+            <a:endParaRPr b="0" lang="lv-LV" sz="2500" spc="-1" strike="noStrike">
+              <a:latin typeface="Arial"/>
+            </a:endParaRPr>
+          </a:p>
+          <a:p>
+            <a:pPr>
+              <a:lnSpc>
+                <a:spcPct val="115000"/>
+              </a:lnSpc>
+            </a:pPr>
+            <a:r>
+              <a:rPr b="0" lang="lv-LV" sz="2500" spc="-1" strike="noStrike">
                 <a:solidFill>
                   <a:srgbClr val="595959"/>
                 </a:solidFill>
                 <a:latin typeface="Arial"/>
                 <a:ea typeface="Arial"/>
               </a:rPr>
-              <a:t>* GROUP_CONCAT – evade</a:t>
-            </a:r>
-            <a:endParaRPr b="0" lang="lv-LV" sz="1800" spc="-1" strike="noStrike">
+              <a:t>With</a:t>
+            </a:r>
+            <a:endParaRPr b="0" lang="lv-LV" sz="2500" spc="-1" strike="noStrike">
               <a:latin typeface="Arial"/>
             </a:endParaRPr>
           </a:p>
@@ -7008,16 +6930,16 @@
               </a:lnSpc>
             </a:pPr>
             <a:r>
-              <a:rPr b="0" lang="lv-LV" sz="1800" spc="-1" strike="noStrike">
+              <a:rPr b="0" lang="lv-LV" sz="2500" spc="-1" strike="noStrike">
                 <a:solidFill>
                   <a:srgbClr val="595959"/>
                 </a:solidFill>
                 <a:latin typeface="Arial"/>
                 <a:ea typeface="Arial"/>
               </a:rPr>
-              <a:t>* ORDER BY – only if needed.</a:t>
-            </a:r>
-            <a:endParaRPr b="0" lang="lv-LV" sz="1800" spc="-1" strike="noStrike">
+              <a:t>Union</a:t>
+            </a:r>
+            <a:endParaRPr b="0" lang="lv-LV" sz="2500" spc="-1" strike="noStrike">
               <a:latin typeface="Arial"/>
             </a:endParaRPr>
           </a:p>
@@ -7028,44 +6950,41 @@
               </a:lnSpc>
             </a:pPr>
             <a:r>
-              <a:rPr b="0" lang="lv-LV" sz="1800" spc="-1" strike="noStrike">
+              <a:rPr b="0" lang="lv-LV" sz="2500" spc="-1" strike="noStrike">
                 <a:solidFill>
                   <a:srgbClr val="595959"/>
                 </a:solidFill>
                 <a:latin typeface="Arial"/>
                 <a:ea typeface="Arial"/>
               </a:rPr>
-              <a:t>* Newer skip limiting</a:t>
-            </a:r>
-            <a:endParaRPr b="0" lang="lv-LV" sz="1800" spc="-1" strike="noStrike">
-              <a:latin typeface="Arial"/>
-            </a:endParaRPr>
-          </a:p>
-        </p:txBody>
-      </p:sp>
-      <p:pic>
-        <p:nvPicPr>
-          <p:cNvPr id="151" name="" descr=""/>
-          <p:cNvPicPr/>
-          <p:nvPr/>
-        </p:nvPicPr>
-        <p:blipFill>
-          <a:blip r:embed="rId1"/>
-          <a:stretch/>
-        </p:blipFill>
-        <p:spPr>
-          <a:xfrm>
-            <a:off x="4328280" y="1507680"/>
-            <a:ext cx="999360" cy="1875960"/>
-          </a:xfrm>
-          <a:prstGeom prst="rect">
-            <a:avLst/>
-          </a:prstGeom>
-          <a:ln>
-            <a:noFill/>
-          </a:ln>
-        </p:spPr>
-      </p:pic>
+              <a:t>GROUP BY</a:t>
+            </a:r>
+            <a:endParaRPr b="0" lang="lv-LV" sz="2500" spc="-1" strike="noStrike">
+              <a:latin typeface="Arial"/>
+            </a:endParaRPr>
+          </a:p>
+          <a:p>
+            <a:pPr>
+              <a:lnSpc>
+                <a:spcPct val="115000"/>
+              </a:lnSpc>
+            </a:pPr>
+            <a:r>
+              <a:rPr b="0" lang="lv-LV" sz="2500" spc="-1" strike="noStrike">
+                <a:solidFill>
+                  <a:srgbClr val="595959"/>
+                </a:solidFill>
+                <a:latin typeface="Arial"/>
+                <a:ea typeface="Arial"/>
+              </a:rPr>
+              <a:t>Distinct</a:t>
+            </a:r>
+            <a:endParaRPr b="0" lang="lv-LV" sz="2500" spc="-1" strike="noStrike">
+              <a:latin typeface="Arial"/>
+            </a:endParaRPr>
+          </a:p>
+        </p:txBody>
+      </p:sp>
     </p:spTree>
   </p:cSld>
   <mc:AlternateContent>
@@ -7098,14 +7017,14 @@
       </p:grpSpPr>
       <p:sp>
         <p:nvSpPr>
-          <p:cNvPr id="152" name="CustomShape 1"/>
+          <p:cNvPr id="153" name="CustomShape 1"/>
           <p:cNvSpPr/>
           <p:nvPr/>
         </p:nvSpPr>
         <p:spPr>
           <a:xfrm>
             <a:off x="311760" y="444960"/>
-            <a:ext cx="8519760" cy="572040"/>
+            <a:ext cx="8760240" cy="779040"/>
           </a:xfrm>
           <a:prstGeom prst="rect">
             <a:avLst/>
@@ -7123,7 +7042,7 @@
         </p:style>
         <p:txBody>
           <a:bodyPr lIns="90000" rIns="90000" tIns="91440" bIns="91440">
-            <a:normAutofit fontScale="97000"/>
+            <a:normAutofit fontScale="45000"/>
           </a:bodyPr>
           <a:p>
             <a:pPr>
@@ -7132,24 +7051,24 @@
               </a:lnSpc>
             </a:pPr>
             <a:r>
-              <a:rPr b="0" lang="lv-LV" sz="2800" spc="-1" strike="noStrike">
+              <a:rPr b="0" lang="lv-LV" sz="3500" spc="-1" strike="noStrike">
                 <a:solidFill>
                   <a:srgbClr val="000000"/>
                 </a:solidFill>
                 <a:latin typeface="Arial"/>
                 <a:ea typeface="Arial"/>
               </a:rPr>
-              <a:t>Limiting the query results is important!</a:t>
-            </a:r>
-            <a:endParaRPr b="0" lang="lv-LV" sz="2800" spc="-1" strike="noStrike">
-              <a:latin typeface="Arial"/>
-            </a:endParaRPr>
-          </a:p>
-        </p:txBody>
-      </p:sp>
-      <p:sp>
-        <p:nvSpPr>
-          <p:cNvPr id="153" name="CustomShape 2"/>
+              <a:t>Something Useful about table data grouping</a:t>
+            </a:r>
+            <a:endParaRPr b="0" lang="lv-LV" sz="3500" spc="-1" strike="noStrike">
+              <a:latin typeface="Arial"/>
+            </a:endParaRPr>
+          </a:p>
+        </p:txBody>
+      </p:sp>
+      <p:sp>
+        <p:nvSpPr>
+          <p:cNvPr id="154" name="CustomShape 2"/>
           <p:cNvSpPr/>
           <p:nvPr/>
         </p:nvSpPr>
@@ -7183,16 +7102,16 @@
               </a:lnSpc>
             </a:pPr>
             <a:r>
-              <a:rPr b="0" lang="lv-LV" sz="1800" spc="-1" strike="noStrike">
+              <a:rPr b="0" lang="lv-LV" sz="2500" spc="-1" strike="noStrike">
                 <a:solidFill>
                   <a:srgbClr val="595959"/>
                 </a:solidFill>
                 <a:latin typeface="Arial"/>
                 <a:ea typeface="Arial"/>
               </a:rPr>
-              <a:t>* always use limits on large tables</a:t>
-            </a:r>
-            <a:endParaRPr b="0" lang="lv-LV" sz="1800" spc="-1" strike="noStrike">
+              <a:t>* DISTINCT — where possible</a:t>
+            </a:r>
+            <a:endParaRPr b="0" lang="lv-LV" sz="2500" spc="-1" strike="noStrike">
               <a:latin typeface="Arial"/>
             </a:endParaRPr>
           </a:p>
@@ -7203,16 +7122,16 @@
               </a:lnSpc>
             </a:pPr>
             <a:r>
-              <a:rPr b="0" lang="lv-LV" sz="1800" spc="-1" strike="noStrike">
+              <a:rPr b="0" lang="lv-LV" sz="2500" spc="-1" strike="noStrike">
                 <a:solidFill>
                   <a:srgbClr val="595959"/>
                 </a:solidFill>
                 <a:latin typeface="Arial"/>
                 <a:ea typeface="Arial"/>
               </a:rPr>
-              <a:t>* low records with limits have no harm, huge tables limits save production</a:t>
-            </a:r>
-            <a:endParaRPr b="0" lang="lv-LV" sz="1800" spc="-1" strike="noStrike">
+              <a:t>* GROUP_CONCAT – evade</a:t>
+            </a:r>
+            <a:endParaRPr b="0" lang="lv-LV" sz="2500" spc="-1" strike="noStrike">
               <a:latin typeface="Arial"/>
             </a:endParaRPr>
           </a:p>
@@ -7223,16 +7142,16 @@
               </a:lnSpc>
             </a:pPr>
             <a:r>
-              <a:rPr b="0" lang="lv-LV" sz="1800" spc="-1" strike="noStrike">
+              <a:rPr b="0" lang="lv-LV" sz="2500" spc="-1" strike="noStrike">
                 <a:solidFill>
                   <a:srgbClr val="595959"/>
                 </a:solidFill>
                 <a:latin typeface="Arial"/>
                 <a:ea typeface="Arial"/>
               </a:rPr>
-              <a:t>* Pagination is my best friend</a:t>
-            </a:r>
-            <a:endParaRPr b="0" lang="lv-LV" sz="1800" spc="-1" strike="noStrike">
+              <a:t>* ORDER BY – only if needed.</a:t>
+            </a:r>
+            <a:endParaRPr b="0" lang="lv-LV" sz="2500" spc="-1" strike="noStrike">
               <a:latin typeface="Arial"/>
             </a:endParaRPr>
           </a:p>
@@ -7243,16 +7162,16 @@
               </a:lnSpc>
             </a:pPr>
             <a:r>
-              <a:rPr b="0" lang="lv-LV" sz="1800" spc="-1" strike="noStrike">
+              <a:rPr b="0" lang="lv-LV" sz="2500" spc="-1" strike="noStrike">
                 <a:solidFill>
                   <a:srgbClr val="595959"/>
                 </a:solidFill>
                 <a:latin typeface="Arial"/>
                 <a:ea typeface="Arial"/>
               </a:rPr>
-              <a:t>* There are optimizations on page navigation for large tables. </a:t>
-            </a:r>
-            <a:endParaRPr b="0" lang="lv-LV" sz="1800" spc="-1" strike="noStrike">
+              <a:t>* Newer skip limiting</a:t>
+            </a:r>
+            <a:endParaRPr b="0" lang="lv-LV" sz="2500" spc="-1" strike="noStrike">
               <a:latin typeface="Arial"/>
             </a:endParaRPr>
           </a:p>
@@ -7260,7 +7179,7 @@
       </p:sp>
       <p:pic>
         <p:nvPicPr>
-          <p:cNvPr id="154" name="" descr=""/>
+          <p:cNvPr id="155" name="" descr=""/>
           <p:cNvPicPr/>
           <p:nvPr/>
         </p:nvPicPr>
@@ -7270,8 +7189,8 @@
         </p:blipFill>
         <p:spPr>
           <a:xfrm>
-            <a:off x="3262320" y="2862360"/>
-            <a:ext cx="4225320" cy="2181960"/>
+            <a:off x="4328280" y="1507680"/>
+            <a:ext cx="999360" cy="1875960"/>
           </a:xfrm>
           <a:prstGeom prst="rect">
             <a:avLst/>
@@ -7313,14 +7232,14 @@
       </p:grpSpPr>
       <p:sp>
         <p:nvSpPr>
-          <p:cNvPr id="155" name="CustomShape 1"/>
+          <p:cNvPr id="156" name="CustomShape 1"/>
           <p:cNvSpPr/>
           <p:nvPr/>
         </p:nvSpPr>
         <p:spPr>
           <a:xfrm>
             <a:off x="311760" y="444960"/>
-            <a:ext cx="8519760" cy="572040"/>
+            <a:ext cx="8616240" cy="635040"/>
           </a:xfrm>
           <a:prstGeom prst="rect">
             <a:avLst/>
@@ -7338,7 +7257,7 @@
         </p:style>
         <p:txBody>
           <a:bodyPr lIns="90000" rIns="90000" tIns="91440" bIns="91440">
-            <a:normAutofit fontScale="30000"/>
+            <a:normAutofit fontScale="85000"/>
           </a:bodyPr>
           <a:p>
             <a:pPr>
@@ -7347,31 +7266,31 @@
               </a:lnSpc>
             </a:pPr>
             <a:r>
-              <a:rPr b="0" lang="lv-LV" sz="3000" spc="-1" strike="noStrike">
+              <a:rPr b="0" lang="lv-LV" sz="3500" spc="-1" strike="noStrike">
                 <a:solidFill>
                   <a:srgbClr val="000000"/>
                 </a:solidFill>
                 <a:latin typeface="Arial"/>
                 <a:ea typeface="Arial"/>
               </a:rPr>
-              <a:t>Thanks for your time. I hope you found something useful. </a:t>
-            </a:r>
-            <a:endParaRPr b="0" lang="lv-LV" sz="3000" spc="-1" strike="noStrike">
-              <a:latin typeface="Arial"/>
-            </a:endParaRPr>
-          </a:p>
-        </p:txBody>
-      </p:sp>
-      <p:sp>
-        <p:nvSpPr>
-          <p:cNvPr id="156" name="CustomShape 2"/>
+              <a:t>Limiting the query results is important!</a:t>
+            </a:r>
+            <a:endParaRPr b="0" lang="lv-LV" sz="3500" spc="-1" strike="noStrike">
+              <a:latin typeface="Arial"/>
+            </a:endParaRPr>
+          </a:p>
+        </p:txBody>
+      </p:sp>
+      <p:sp>
+        <p:nvSpPr>
+          <p:cNvPr id="157" name="CustomShape 2"/>
           <p:cNvSpPr/>
           <p:nvPr/>
         </p:nvSpPr>
         <p:spPr>
           <a:xfrm>
-            <a:off x="504000" y="936000"/>
-            <a:ext cx="8519760" cy="4103640"/>
+            <a:off x="311760" y="1152360"/>
+            <a:ext cx="8519760" cy="3415680"/>
           </a:xfrm>
           <a:prstGeom prst="rect">
             <a:avLst/>
@@ -7398,16 +7317,16 @@
               </a:lnSpc>
             </a:pPr>
             <a:r>
-              <a:rPr b="0" lang="lv-LV" sz="2200" spc="-1" strike="noStrike">
+              <a:rPr b="0" lang="lv-LV" sz="2500" spc="-1" strike="noStrike">
                 <a:solidFill>
                   <a:srgbClr val="595959"/>
                 </a:solidFill>
                 <a:latin typeface="Arial"/>
                 <a:ea typeface="Arial"/>
               </a:rPr>
-              <a:t>PS if you would like to get deep drive in any of the sections, you can write them down on paper and drop them in a box.</a:t>
-            </a:r>
-            <a:endParaRPr b="0" lang="lv-LV" sz="2200" spc="-1" strike="noStrike">
+              <a:t>* always use limits on large tables</a:t>
+            </a:r>
+            <a:endParaRPr b="0" lang="lv-LV" sz="2500" spc="-1" strike="noStrike">
               <a:latin typeface="Arial"/>
             </a:endParaRPr>
           </a:p>
@@ -7417,7 +7336,17 @@
                 <a:spcPct val="115000"/>
               </a:lnSpc>
             </a:pPr>
-            <a:endParaRPr b="0" lang="lv-LV" sz="2200" spc="-1" strike="noStrike">
+            <a:r>
+              <a:rPr b="0" lang="lv-LV" sz="2500" spc="-1" strike="noStrike">
+                <a:solidFill>
+                  <a:srgbClr val="595959"/>
+                </a:solidFill>
+                <a:latin typeface="Arial"/>
+                <a:ea typeface="Arial"/>
+              </a:rPr>
+              <a:t>* low records with limits have no harm, huge tables limits save production</a:t>
+            </a:r>
+            <a:endParaRPr b="0" lang="lv-LV" sz="2500" spc="-1" strike="noStrike">
               <a:latin typeface="Arial"/>
             </a:endParaRPr>
           </a:p>
@@ -7428,28 +7357,16 @@
               </a:lnSpc>
             </a:pPr>
             <a:r>
-              <a:rPr b="0" lang="lv-LV" sz="2200" spc="-1" strike="noStrike">
+              <a:rPr b="0" lang="lv-LV" sz="2500" spc="-1" strike="noStrike">
                 <a:solidFill>
                   <a:srgbClr val="595959"/>
                 </a:solidFill>
                 <a:latin typeface="Arial"/>
                 <a:ea typeface="Arial"/>
               </a:rPr>
-              <a:t>Training Materials &gt; </a:t>
-            </a:r>
-            <a:r>
-              <a:rPr b="0" lang="lv-LV" sz="2200" spc="-1" strike="noStrike" u="sng">
-                <a:solidFill>
-                  <a:srgbClr val="0000ff"/>
-                </a:solidFill>
-                <a:uFillTx/>
-                <a:latin typeface="Arial"/>
-                <a:ea typeface="Arial"/>
-                <a:hlinkClick r:id="rId1"/>
-              </a:rPr>
-              <a:t>https://github.com/Neznajki/devclub-high-load-db</a:t>
-            </a:r>
-            <a:endParaRPr b="0" lang="lv-LV" sz="2200" spc="-1" strike="noStrike">
+              <a:t>* Pagination is my best friend</a:t>
+            </a:r>
+            <a:endParaRPr b="0" lang="lv-LV" sz="2500" spc="-1" strike="noStrike">
               <a:latin typeface="Arial"/>
             </a:endParaRPr>
           </a:p>
@@ -7458,91 +7375,46 @@
               <a:lnSpc>
                 <a:spcPct val="115000"/>
               </a:lnSpc>
-              <a:spcBef>
-                <a:spcPts val="1199"/>
-              </a:spcBef>
-            </a:pPr>
-            <a:r>
-              <a:rPr b="0" lang="lv-LV" sz="2200" spc="-1" strike="noStrike">
+            </a:pPr>
+            <a:r>
+              <a:rPr b="0" lang="lv-LV" sz="2500" spc="-1" strike="noStrike">
                 <a:solidFill>
                   <a:srgbClr val="595959"/>
                 </a:solidFill>
                 <a:latin typeface="Arial"/>
                 <a:ea typeface="Arial"/>
               </a:rPr>
-              <a:t>If you have questions &gt; </a:t>
-            </a:r>
-            <a:endParaRPr b="0" lang="lv-LV" sz="2200" spc="-1" strike="noStrike">
-              <a:latin typeface="Arial"/>
-            </a:endParaRPr>
-          </a:p>
-          <a:p>
-            <a:pPr marL="457200" indent="-342360">
-              <a:lnSpc>
-                <a:spcPct val="115000"/>
-              </a:lnSpc>
-              <a:spcBef>
-                <a:spcPts val="1199"/>
-              </a:spcBef>
-              <a:buClr>
-                <a:srgbClr val="595959"/>
-              </a:buClr>
-              <a:buFont typeface="StarSymbol"/>
-              <a:buAutoNum type="arabicPeriod"/>
-            </a:pPr>
-            <a:r>
-              <a:rPr b="0" lang="lv-LV" sz="2200" spc="-1" strike="noStrike" u="sng">
-                <a:solidFill>
-                  <a:srgbClr val="0000ff"/>
-                </a:solidFill>
-                <a:uFillTx/>
-                <a:latin typeface="Arial"/>
-                <a:ea typeface="Arial"/>
-                <a:hlinkClick r:id="rId2"/>
-              </a:rPr>
-              <a:t>https://www.linkedin.com/in/ml-698627181/</a:t>
-            </a:r>
-            <a:r>
-              <a:rPr b="0" lang="lv-LV" sz="2200" spc="-1" strike="noStrike">
-                <a:solidFill>
-                  <a:srgbClr val="595959"/>
-                </a:solidFill>
-                <a:latin typeface="Arial"/>
-                <a:ea typeface="Arial"/>
-              </a:rPr>
-              <a:t> </a:t>
-            </a:r>
-            <a:endParaRPr b="0" lang="lv-LV" sz="2200" spc="-1" strike="noStrike">
-              <a:latin typeface="Arial"/>
-            </a:endParaRPr>
-          </a:p>
-          <a:p>
-            <a:pPr marL="457200" indent="-342360">
-              <a:lnSpc>
-                <a:spcPct val="115000"/>
-              </a:lnSpc>
-              <a:buClr>
-                <a:srgbClr val="595959"/>
-              </a:buClr>
-              <a:buFont typeface="StarSymbol"/>
-              <a:buAutoNum type="arabicPeriod"/>
-            </a:pPr>
-            <a:r>
-              <a:rPr b="0" lang="lv-LV" sz="2200" spc="-1" strike="noStrike">
-                <a:solidFill>
-                  <a:srgbClr val="595959"/>
-                </a:solidFill>
-                <a:latin typeface="Arial"/>
-                <a:ea typeface="Arial"/>
-              </a:rPr>
-              <a:t>dev@maris-locmelis.lv</a:t>
-            </a:r>
-            <a:endParaRPr b="0" lang="lv-LV" sz="2200" spc="-1" strike="noStrike">
-              <a:latin typeface="Arial"/>
-            </a:endParaRPr>
-          </a:p>
-        </p:txBody>
-      </p:sp>
+              <a:t>* There are optimizations on page navigation for large tables. </a:t>
+            </a:r>
+            <a:endParaRPr b="0" lang="lv-LV" sz="2500" spc="-1" strike="noStrike">
+              <a:latin typeface="Arial"/>
+            </a:endParaRPr>
+          </a:p>
+        </p:txBody>
+      </p:sp>
+      <p:pic>
+        <p:nvPicPr>
+          <p:cNvPr id="158" name="" descr=""/>
+          <p:cNvPicPr/>
+          <p:nvPr/>
+        </p:nvPicPr>
+        <p:blipFill>
+          <a:blip r:embed="rId1"/>
+          <a:stretch/>
+        </p:blipFill>
+        <p:spPr>
+          <a:xfrm>
+            <a:off x="4104000" y="3312000"/>
+            <a:ext cx="3456000" cy="1784520"/>
+          </a:xfrm>
+          <a:prstGeom prst="rect">
+            <a:avLst/>
+          </a:prstGeom>
+          <a:ln>
+            <a:noFill/>
+          </a:ln>
+        </p:spPr>
+      </p:pic>
     </p:spTree>
   </p:cSld>
   <mc:AlternateContent>
@@ -7600,7 +7472,7 @@
         </p:style>
         <p:txBody>
           <a:bodyPr lIns="90000" rIns="90000" tIns="91440" bIns="91440">
-            <a:normAutofit fontScale="97000"/>
+            <a:normAutofit fontScale="68000"/>
           </a:bodyPr>
           <a:p>
             <a:pPr>
@@ -7609,7 +7481,7 @@
               </a:lnSpc>
             </a:pPr>
             <a:r>
-              <a:rPr b="0" lang="lv-LV" sz="2800" spc="-1" strike="noStrike">
+              <a:rPr b="0" lang="lv-LV" sz="3500" spc="-1" strike="noStrike">
                 <a:solidFill>
                   <a:srgbClr val="000000"/>
                 </a:solidFill>
@@ -7618,7 +7490,7 @@
               </a:rPr>
               <a:t>What types of DB are there.</a:t>
             </a:r>
-            <a:endParaRPr b="0" lang="lv-LV" sz="2800" spc="-1" strike="noStrike">
+            <a:endParaRPr b="0" lang="lv-LV" sz="3500" spc="-1" strike="noStrike">
               <a:latin typeface="Arial"/>
             </a:endParaRPr>
           </a:p>
@@ -7660,7 +7532,7 @@
               </a:lnSpc>
             </a:pPr>
             <a:r>
-              <a:rPr b="0" lang="lv-LV" sz="1800" spc="-1" strike="noStrike">
+              <a:rPr b="0" lang="lv-LV" sz="2500" spc="-1" strike="noStrike">
                 <a:solidFill>
                   <a:srgbClr val="595959"/>
                 </a:solidFill>
@@ -7669,7 +7541,7 @@
               </a:rPr>
               <a:t>SQL, NoSQL, In Memory (redis), SingleFileDB(XML, JSON) ... </a:t>
             </a:r>
-            <a:endParaRPr b="0" lang="lv-LV" sz="1800" spc="-1" strike="noStrike">
+            <a:endParaRPr b="0" lang="lv-LV" sz="2500" spc="-1" strike="noStrike">
               <a:latin typeface="Arial"/>
             </a:endParaRPr>
           </a:p>
@@ -7683,7 +7555,7 @@
               </a:spcBef>
             </a:pPr>
             <a:r>
-              <a:rPr b="0" lang="lv-LV" sz="1800" spc="-1" strike="noStrike">
+              <a:rPr b="0" lang="lv-LV" sz="2500" spc="-1" strike="noStrike">
                 <a:solidFill>
                   <a:srgbClr val="595959"/>
                 </a:solidFill>
@@ -7692,7 +7564,7 @@
               </a:rPr>
               <a:t>ask chat GPT he will help here.</a:t>
             </a:r>
-            <a:endParaRPr b="0" lang="lv-LV" sz="1800" spc="-1" strike="noStrike">
+            <a:endParaRPr b="0" lang="lv-LV" sz="2500" spc="-1" strike="noStrike">
               <a:latin typeface="Arial"/>
             </a:endParaRPr>
           </a:p>
@@ -7708,7 +7580,289 @@
                 <a:spcPts val="1199"/>
               </a:spcAft>
             </a:pPr>
-            <a:endParaRPr b="0" lang="lv-LV" sz="1800" spc="-1" strike="noStrike">
+            <a:endParaRPr b="0" lang="lv-LV" sz="2500" spc="-1" strike="noStrike">
+              <a:latin typeface="Arial"/>
+            </a:endParaRPr>
+          </a:p>
+        </p:txBody>
+      </p:sp>
+    </p:spTree>
+  </p:cSld>
+  <mc:AlternateContent>
+    <mc:Choice Requires="p14">
+      <p:transition spd="slow" p14:dur="2000"/>
+    </mc:Choice>
+    <mc:Fallback>
+      <p:transition spd="slow"/>
+    </mc:Fallback>
+  </mc:AlternateContent>
+</p:sld>
+</file>
+
+<file path=ppt/slides/slide30.xml><?xml version="1.0" encoding="utf-8"?>
+<p:sld xmlns:a="http://schemas.openxmlformats.org/drawingml/2006/main" xmlns:p="http://schemas.openxmlformats.org/presentationml/2006/main" xmlns:r="http://schemas.openxmlformats.org/officeDocument/2006/relationships" xmlns:p14="http://schemas.microsoft.com/office/powerpoint/2010/main" xmlns:p15="http://schemas.microsoft.com/office/powerpoint/2012/main" xmlns:mc="http://schemas.openxmlformats.org/markup-compatibility/2006">
+  <p:cSld>
+    <p:spTree>
+      <p:nvGrpSpPr>
+        <p:cNvPr id="1" name=""/>
+        <p:cNvGrpSpPr/>
+        <p:nvPr/>
+      </p:nvGrpSpPr>
+      <p:grpSpPr>
+        <a:xfrm>
+          <a:off x="0" y="0"/>
+          <a:ext cx="0" cy="0"/>
+          <a:chOff x="0" y="0"/>
+          <a:chExt cx="0" cy="0"/>
+        </a:xfrm>
+      </p:grpSpPr>
+      <p:sp>
+        <p:nvSpPr>
+          <p:cNvPr id="159" name="CustomShape 1"/>
+          <p:cNvSpPr/>
+          <p:nvPr/>
+        </p:nvSpPr>
+        <p:spPr>
+          <a:xfrm>
+            <a:off x="360000" y="75960"/>
+            <a:ext cx="8712000" cy="716040"/>
+          </a:xfrm>
+          <a:prstGeom prst="rect">
+            <a:avLst/>
+          </a:prstGeom>
+          <a:noFill/>
+          <a:ln>
+            <a:noFill/>
+          </a:ln>
+        </p:spPr>
+        <p:style>
+          <a:lnRef idx="0"/>
+          <a:fillRef idx="0"/>
+          <a:effectRef idx="0"/>
+          <a:fontRef idx="minor"/>
+        </p:style>
+        <p:txBody>
+          <a:bodyPr lIns="90000" rIns="90000" tIns="91440" bIns="91440">
+            <a:normAutofit fontScale="43000"/>
+          </a:bodyPr>
+          <a:p>
+            <a:pPr>
+              <a:lnSpc>
+                <a:spcPct val="100000"/>
+              </a:lnSpc>
+            </a:pPr>
+            <a:r>
+              <a:rPr b="0" lang="lv-LV" sz="3000" spc="-1" strike="noStrike">
+                <a:solidFill>
+                  <a:srgbClr val="000000"/>
+                </a:solidFill>
+                <a:latin typeface="Arial"/>
+                <a:ea typeface="Arial"/>
+              </a:rPr>
+              <a:t>Thanks for your time. I hope you found something </a:t>
+            </a:r>
+            <a:r>
+              <a:rPr b="0" lang="lv-LV" sz="3500" spc="-1" strike="noStrike">
+                <a:solidFill>
+                  <a:srgbClr val="000000"/>
+                </a:solidFill>
+                <a:latin typeface="Arial"/>
+                <a:ea typeface="Arial"/>
+              </a:rPr>
+              <a:t>useful</a:t>
+            </a:r>
+            <a:r>
+              <a:rPr b="0" lang="lv-LV" sz="3000" spc="-1" strike="noStrike">
+                <a:solidFill>
+                  <a:srgbClr val="000000"/>
+                </a:solidFill>
+                <a:latin typeface="Arial"/>
+                <a:ea typeface="Arial"/>
+              </a:rPr>
+              <a:t>. </a:t>
+            </a:r>
+            <a:endParaRPr b="0" lang="lv-LV" sz="3000" spc="-1" strike="noStrike">
+              <a:latin typeface="Arial"/>
+            </a:endParaRPr>
+          </a:p>
+        </p:txBody>
+      </p:sp>
+      <p:sp>
+        <p:nvSpPr>
+          <p:cNvPr id="160" name="CustomShape 2"/>
+          <p:cNvSpPr/>
+          <p:nvPr/>
+        </p:nvSpPr>
+        <p:spPr>
+          <a:xfrm>
+            <a:off x="504000" y="936000"/>
+            <a:ext cx="8519760" cy="4103640"/>
+          </a:xfrm>
+          <a:prstGeom prst="rect">
+            <a:avLst/>
+          </a:prstGeom>
+          <a:noFill/>
+          <a:ln>
+            <a:noFill/>
+          </a:ln>
+        </p:spPr>
+        <p:style>
+          <a:lnRef idx="0"/>
+          <a:fillRef idx="0"/>
+          <a:effectRef idx="0"/>
+          <a:fontRef idx="minor"/>
+        </p:style>
+        <p:txBody>
+          <a:bodyPr lIns="90000" rIns="90000" tIns="91440" bIns="91440">
+            <a:normAutofit fontScale="97000"/>
+          </a:bodyPr>
+          <a:p>
+            <a:pPr>
+              <a:lnSpc>
+                <a:spcPct val="115000"/>
+              </a:lnSpc>
+            </a:pPr>
+            <a:r>
+              <a:rPr b="0" lang="lv-LV" sz="2500" spc="-1" strike="noStrike">
+                <a:solidFill>
+                  <a:srgbClr val="595959"/>
+                </a:solidFill>
+                <a:latin typeface="Arial"/>
+                <a:ea typeface="Arial"/>
+              </a:rPr>
+              <a:t>PS if you would like to get deep drive in any of the sections, you can write them down on paper and drop them in a box.</a:t>
+            </a:r>
+            <a:endParaRPr b="0" lang="lv-LV" sz="2500" spc="-1" strike="noStrike">
+              <a:latin typeface="Arial"/>
+            </a:endParaRPr>
+          </a:p>
+          <a:p>
+            <a:pPr>
+              <a:lnSpc>
+                <a:spcPct val="115000"/>
+              </a:lnSpc>
+            </a:pPr>
+            <a:endParaRPr b="0" lang="lv-LV" sz="2500" spc="-1" strike="noStrike">
+              <a:latin typeface="Arial"/>
+            </a:endParaRPr>
+          </a:p>
+          <a:p>
+            <a:pPr>
+              <a:lnSpc>
+                <a:spcPct val="115000"/>
+              </a:lnSpc>
+            </a:pPr>
+            <a:r>
+              <a:rPr b="0" lang="lv-LV" sz="2500" spc="-1" strike="noStrike">
+                <a:solidFill>
+                  <a:srgbClr val="595959"/>
+                </a:solidFill>
+                <a:latin typeface="Arial"/>
+                <a:ea typeface="Arial"/>
+              </a:rPr>
+              <a:t>Training Materials &gt; </a:t>
+            </a:r>
+            <a:r>
+              <a:rPr b="0" lang="lv-LV" sz="2500" spc="-1" strike="noStrike" u="sng">
+                <a:solidFill>
+                  <a:srgbClr val="0000ff"/>
+                </a:solidFill>
+                <a:uFillTx/>
+                <a:latin typeface="Arial"/>
+                <a:ea typeface="Arial"/>
+                <a:hlinkClick r:id="rId1"/>
+              </a:rPr>
+              <a:t>https://github.com/Neznajki/devclub-high-load-db</a:t>
+            </a:r>
+            <a:endParaRPr b="0" lang="lv-LV" sz="2500" spc="-1" strike="noStrike">
+              <a:latin typeface="Arial"/>
+            </a:endParaRPr>
+          </a:p>
+          <a:p>
+            <a:pPr>
+              <a:lnSpc>
+                <a:spcPct val="115000"/>
+              </a:lnSpc>
+              <a:spcBef>
+                <a:spcPts val="1199"/>
+              </a:spcBef>
+            </a:pPr>
+            <a:r>
+              <a:rPr b="0" lang="lv-LV" sz="2500" spc="-1" strike="noStrike">
+                <a:solidFill>
+                  <a:srgbClr val="595959"/>
+                </a:solidFill>
+                <a:latin typeface="Arial"/>
+                <a:ea typeface="Arial"/>
+              </a:rPr>
+              <a:t>If you have questions &gt; </a:t>
+            </a:r>
+            <a:endParaRPr b="0" lang="lv-LV" sz="2500" spc="-1" strike="noStrike">
+              <a:latin typeface="Arial"/>
+            </a:endParaRPr>
+          </a:p>
+          <a:p>
+            <a:pPr marL="457200" indent="-342360">
+              <a:lnSpc>
+                <a:spcPct val="115000"/>
+              </a:lnSpc>
+              <a:spcBef>
+                <a:spcPts val="1199"/>
+              </a:spcBef>
+              <a:buClr>
+                <a:srgbClr val="595959"/>
+              </a:buClr>
+              <a:buFont typeface="StarSymbol"/>
+              <a:buAutoNum type="arabicPeriod"/>
+            </a:pPr>
+            <a:r>
+              <a:rPr b="0" lang="lv-LV" sz="2500" spc="-1" strike="noStrike" u="sng">
+                <a:solidFill>
+                  <a:srgbClr val="0000ff"/>
+                </a:solidFill>
+                <a:uFillTx/>
+                <a:latin typeface="Arial"/>
+                <a:ea typeface="Arial"/>
+                <a:hlinkClick r:id="rId2"/>
+              </a:rPr>
+              <a:t>https://www.linkedin.com/in/ml-698627181/</a:t>
+            </a:r>
+            <a:r>
+              <a:rPr b="0" lang="lv-LV" sz="2500" spc="-1" strike="noStrike">
+                <a:solidFill>
+                  <a:srgbClr val="595959"/>
+                </a:solidFill>
+                <a:latin typeface="Arial"/>
+                <a:ea typeface="Arial"/>
+              </a:rPr>
+              <a:t> </a:t>
+            </a:r>
+            <a:endParaRPr b="0" lang="lv-LV" sz="2500" spc="-1" strike="noStrike">
+              <a:latin typeface="Arial"/>
+            </a:endParaRPr>
+          </a:p>
+          <a:p>
+            <a:pPr marL="457200" indent="-342360">
+              <a:lnSpc>
+                <a:spcPct val="115000"/>
+              </a:lnSpc>
+              <a:buClr>
+                <a:srgbClr val="595959"/>
+              </a:buClr>
+              <a:buFont typeface="StarSymbol"/>
+              <a:buAutoNum type="arabicPeriod"/>
+            </a:pPr>
+            <a:r>
+              <a:rPr b="0" lang="lv-LV" sz="2500" spc="-1" strike="noStrike">
+                <a:solidFill>
+                  <a:srgbClr val="595959"/>
+                </a:solidFill>
+                <a:latin typeface="Arial"/>
+                <a:ea typeface="Arial"/>
+              </a:rPr>
+              <a:t>dev@maris-locmelis.lv</a:t>
+            </a:r>
+            <a:endParaRPr b="0" lang="lv-LV" sz="2500" spc="-1" strike="noStrike">
               <a:latin typeface="Arial"/>
             </a:endParaRPr>
           </a:p>
@@ -7771,7 +7925,7 @@
         </p:style>
         <p:txBody>
           <a:bodyPr lIns="90000" rIns="90000" tIns="91440" bIns="91440">
-            <a:normAutofit fontScale="97000"/>
+            <a:normAutofit fontScale="86000"/>
           </a:bodyPr>
           <a:p>
             <a:pPr>
@@ -7780,7 +7934,7 @@
               </a:lnSpc>
             </a:pPr>
             <a:r>
-              <a:rPr b="0" lang="lv-LV" sz="2800" spc="-1" strike="noStrike">
+              <a:rPr b="0" lang="lv-LV" sz="3000" spc="-1" strike="noStrike">
                 <a:solidFill>
                   <a:srgbClr val="000000"/>
                 </a:solidFill>
@@ -7789,7 +7943,7 @@
               </a:rPr>
               <a:t>How High Load is related to Database ?</a:t>
             </a:r>
-            <a:endParaRPr b="0" lang="lv-LV" sz="2800" spc="-1" strike="noStrike">
+            <a:endParaRPr b="0" lang="lv-LV" sz="3000" spc="-1" strike="noStrike">
               <a:latin typeface="Arial"/>
             </a:endParaRPr>
           </a:p>
@@ -7831,7 +7985,7 @@
               </a:lnSpc>
             </a:pPr>
             <a:r>
-              <a:rPr b="0" lang="lv-LV" sz="1800" spc="-1" strike="noStrike">
+              <a:rPr b="0" lang="lv-LV" sz="2500" spc="-1" strike="noStrike">
                 <a:solidFill>
                   <a:srgbClr val="595959"/>
                 </a:solidFill>
@@ -7840,7 +7994,7 @@
               </a:rPr>
               <a:t>IT is (Information Technologies).</a:t>
             </a:r>
-            <a:endParaRPr b="0" lang="lv-LV" sz="1800" spc="-1" strike="noStrike">
+            <a:endParaRPr b="0" lang="lv-LV" sz="2500" spc="-1" strike="noStrike">
               <a:latin typeface="Arial"/>
             </a:endParaRPr>
           </a:p>
@@ -7851,7 +8005,7 @@
               </a:lnSpc>
             </a:pPr>
             <a:r>
-              <a:rPr b="0" lang="lv-LV" sz="1800" spc="-1" strike="noStrike">
+              <a:rPr b="0" lang="lv-LV" sz="2500" spc="-1" strike="noStrike">
                 <a:solidFill>
                   <a:srgbClr val="595959"/>
                 </a:solidFill>
@@ -7860,7 +8014,7 @@
               </a:rPr>
               <a:t>So DB is main part of industry as it stores Information.</a:t>
             </a:r>
-            <a:endParaRPr b="0" lang="lv-LV" sz="1800" spc="-1" strike="noStrike">
+            <a:endParaRPr b="0" lang="lv-LV" sz="2500" spc="-1" strike="noStrike">
               <a:latin typeface="Arial"/>
             </a:endParaRPr>
           </a:p>
@@ -7870,7 +8024,7 @@
                 <a:spcPct val="115000"/>
               </a:lnSpc>
             </a:pPr>
-            <a:endParaRPr b="0" lang="lv-LV" sz="1800" spc="-1" strike="noStrike">
+            <a:endParaRPr b="0" lang="lv-LV" sz="2500" spc="-1" strike="noStrike">
               <a:latin typeface="Arial"/>
             </a:endParaRPr>
           </a:p>
@@ -7881,7 +8035,7 @@
               </a:lnSpc>
             </a:pPr>
             <a:r>
-              <a:rPr b="0" lang="lv-LV" sz="1800" spc="-1" strike="noStrike">
+              <a:rPr b="0" lang="lv-LV" sz="2500" spc="-1" strike="noStrike">
                 <a:solidFill>
                   <a:srgbClr val="595959"/>
                 </a:solidFill>
@@ -7890,7 +8044,7 @@
               </a:rPr>
               <a:t>you can't have high load system without information (it will be high waste system).</a:t>
             </a:r>
-            <a:endParaRPr b="0" lang="lv-LV" sz="1800" spc="-1" strike="noStrike">
+            <a:endParaRPr b="0" lang="lv-LV" sz="2500" spc="-1" strike="noStrike">
               <a:latin typeface="Arial"/>
             </a:endParaRPr>
           </a:p>
@@ -7908,7 +8062,7 @@
         </p:blipFill>
         <p:spPr>
           <a:xfrm>
-            <a:off x="5091480" y="2569680"/>
+            <a:off x="4659480" y="2880000"/>
             <a:ext cx="2396520" cy="2470320"/>
           </a:xfrm>
           <a:prstGeom prst="rect">
@@ -7931,8 +8085,8 @@
         </p:blipFill>
         <p:spPr>
           <a:xfrm>
-            <a:off x="144000" y="2592000"/>
-            <a:ext cx="4581360" cy="2637720"/>
+            <a:off x="216000" y="3308400"/>
+            <a:ext cx="3888000" cy="2238480"/>
           </a:xfrm>
           <a:prstGeom prst="rect">
             <a:avLst/>
@@ -7999,7 +8153,7 @@
         </p:style>
         <p:txBody>
           <a:bodyPr lIns="90000" rIns="90000" tIns="91440" bIns="91440">
-            <a:normAutofit/>
+            <a:normAutofit fontScale="68000"/>
           </a:bodyPr>
           <a:p>
             <a:pPr>
@@ -8008,7 +8162,7 @@
               </a:lnSpc>
             </a:pPr>
             <a:r>
-              <a:rPr b="0" lang="lv-LV" sz="2500" spc="-1" strike="noStrike">
+              <a:rPr b="0" lang="lv-LV" sz="3500" spc="-1" strike="noStrike">
                 <a:solidFill>
                   <a:srgbClr val="000000"/>
                 </a:solidFill>
@@ -8017,7 +8171,7 @@
               </a:rPr>
               <a:t>More useful info about DB types</a:t>
             </a:r>
-            <a:endParaRPr b="0" lang="lv-LV" sz="2500" spc="-1" strike="noStrike">
+            <a:endParaRPr b="0" lang="lv-LV" sz="3500" spc="-1" strike="noStrike">
               <a:latin typeface="Arial"/>
             </a:endParaRPr>
           </a:p>
@@ -8059,7 +8213,7 @@
               </a:lnSpc>
             </a:pPr>
             <a:r>
-              <a:rPr b="1" lang="lv-LV" sz="1200" spc="-1" strike="noStrike">
+              <a:rPr b="1" lang="lv-LV" sz="1800" spc="-1" strike="noStrike">
                 <a:solidFill>
                   <a:srgbClr val="595959"/>
                 </a:solidFill>
@@ -8068,7 +8222,7 @@
               </a:rPr>
               <a:t>ACID vs BASE ACID (traditional SQL databases) Ensures strong consistency and reliability:</a:t>
             </a:r>
-            <a:endParaRPr b="0" lang="lv-LV" sz="1200" spc="-1" strike="noStrike">
+            <a:endParaRPr b="0" lang="lv-LV" sz="1800" spc="-1" strike="noStrike">
               <a:latin typeface="Arial"/>
             </a:endParaRPr>
           </a:p>
@@ -8082,7 +8236,7 @@
               </a:spcBef>
             </a:pPr>
             <a:r>
-              <a:rPr b="1" lang="lv-LV" sz="1200" spc="-1" strike="noStrike">
+              <a:rPr b="1" lang="lv-LV" sz="1800" spc="-1" strike="noStrike">
                 <a:solidFill>
                   <a:srgbClr val="595959"/>
                 </a:solidFill>
@@ -8091,7 +8245,7 @@
               </a:rPr>
               <a:t>(A)tomicity + (C)onsistency + (I)solation + (D)urability</a:t>
             </a:r>
-            <a:endParaRPr b="0" lang="lv-LV" sz="1200" spc="-1" strike="noStrike">
+            <a:endParaRPr b="0" lang="lv-LV" sz="1800" spc="-1" strike="noStrike">
               <a:latin typeface="Arial"/>
             </a:endParaRPr>
           </a:p>
@@ -8105,7 +8259,7 @@
               </a:spcBef>
             </a:pPr>
             <a:r>
-              <a:rPr b="1" lang="lv-LV" sz="1200" spc="-1" strike="noStrike">
+              <a:rPr b="1" lang="lv-LV" sz="1800" spc="-1" strike="noStrike">
                 <a:solidFill>
                   <a:srgbClr val="595959"/>
                 </a:solidFill>
@@ -8114,7 +8268,7 @@
               </a:rPr>
               <a:t>Used by: MySQL, PostgreSQL, Oracle, SQL Server, etc.</a:t>
             </a:r>
-            <a:endParaRPr b="0" lang="lv-LV" sz="1200" spc="-1" strike="noStrike">
+            <a:endParaRPr b="0" lang="lv-LV" sz="1800" spc="-1" strike="noStrike">
               <a:latin typeface="Arial"/>
             </a:endParaRPr>
           </a:p>
@@ -8127,7 +8281,7 @@
                 <a:spcPts val="1199"/>
               </a:spcBef>
             </a:pPr>
-            <a:endParaRPr b="0" lang="lv-LV" sz="1200" spc="-1" strike="noStrike">
+            <a:endParaRPr b="0" lang="lv-LV" sz="1800" spc="-1" strike="noStrike">
               <a:latin typeface="Arial"/>
             </a:endParaRPr>
           </a:p>
@@ -8141,7 +8295,7 @@
               </a:spcBef>
             </a:pPr>
             <a:r>
-              <a:rPr b="1" lang="lv-LV" sz="1200" spc="-1" strike="noStrike">
+              <a:rPr b="1" lang="lv-LV" sz="1800" spc="-1" strike="noStrike">
                 <a:solidFill>
                   <a:srgbClr val="595959"/>
                 </a:solidFill>
@@ -8150,7 +8304,7 @@
               </a:rPr>
               <a:t>BASE (mostly NoSQL / distributed systems) Designed for horizontal scaling and high availability:</a:t>
             </a:r>
-            <a:endParaRPr b="0" lang="lv-LV" sz="1200" spc="-1" strike="noStrike">
+            <a:endParaRPr b="0" lang="lv-LV" sz="1800" spc="-1" strike="noStrike">
               <a:latin typeface="Arial"/>
             </a:endParaRPr>
           </a:p>
@@ -8164,7 +8318,7 @@
               </a:spcBef>
             </a:pPr>
             <a:r>
-              <a:rPr b="1" lang="lv-LV" sz="1200" spc="-1" strike="noStrike">
+              <a:rPr b="1" lang="lv-LV" sz="1800" spc="-1" strike="noStrike">
                 <a:solidFill>
                   <a:srgbClr val="595959"/>
                 </a:solidFill>
@@ -8173,20 +8327,7 @@
               </a:rPr>
               <a:t>(B)asically + (A)vailable + (S)oft-state + (E)ventually consistent</a:t>
             </a:r>
-            <a:endParaRPr b="0" lang="lv-LV" sz="1200" spc="-1" strike="noStrike">
-              <a:latin typeface="Arial"/>
-            </a:endParaRPr>
-          </a:p>
-          <a:p>
-            <a:pPr>
-              <a:lnSpc>
-                <a:spcPct val="115000"/>
-              </a:lnSpc>
-              <a:spcBef>
-                <a:spcPts val="1199"/>
-              </a:spcBef>
-            </a:pPr>
-            <a:endParaRPr b="0" lang="lv-LV" sz="1200" spc="-1" strike="noStrike">
+            <a:endParaRPr b="0" lang="lv-LV" sz="1800" spc="-1" strike="noStrike">
               <a:latin typeface="Arial"/>
             </a:endParaRPr>
           </a:p>
@@ -8203,7 +8344,7 @@
               </a:spcAft>
             </a:pPr>
             <a:r>
-              <a:rPr b="1" lang="lv-LV" sz="1200" spc="-1" strike="noStrike">
+              <a:rPr b="1" lang="lv-LV" sz="1800" spc="-1" strike="noStrike">
                 <a:solidFill>
                   <a:srgbClr val="595959"/>
                 </a:solidFill>
@@ -8212,7 +8353,7 @@
               </a:rPr>
               <a:t>Used by: Cassandra, DynamoDB, Riak, Couchbase, etc.</a:t>
             </a:r>
-            <a:endParaRPr b="0" lang="lv-LV" sz="1200" spc="-1" strike="noStrike">
+            <a:endParaRPr b="0" lang="lv-LV" sz="1800" spc="-1" strike="noStrike">
               <a:latin typeface="Arial"/>
             </a:endParaRPr>
           </a:p>
@@ -8552,8 +8693,8 @@
         </p:nvSpPr>
         <p:spPr>
           <a:xfrm>
-            <a:off x="311760" y="540000"/>
-            <a:ext cx="8519760" cy="381600"/>
+            <a:off x="311760" y="464400"/>
+            <a:ext cx="8519760" cy="532800"/>
           </a:xfrm>
           <a:prstGeom prst="rect">
             <a:avLst/>
@@ -8580,7 +8721,7 @@
               </a:lnSpc>
             </a:pPr>
             <a:r>
-              <a:rPr b="0" lang="lv-LV" sz="2500" spc="-1" strike="noStrike">
+              <a:rPr b="0" lang="lv-LV" sz="3500" spc="-1" strike="noStrike">
                 <a:solidFill>
                   <a:srgbClr val="000000"/>
                 </a:solidFill>
@@ -8588,7 +8729,7 @@
               </a:rPr>
               <a:t>Index problems</a:t>
             </a:r>
-            <a:endParaRPr b="0" lang="lv-LV" sz="2500" spc="-1" strike="noStrike">
+            <a:endParaRPr b="0" lang="lv-LV" sz="3500" spc="-1" strike="noStrike">
               <a:latin typeface="Arial"/>
             </a:endParaRPr>
           </a:p>
@@ -8639,7 +8780,7 @@
               <a:buChar char=""/>
             </a:pPr>
             <a:r>
-              <a:rPr b="0" lang="lv-LV" sz="1800" spc="-1" strike="noStrike">
+              <a:rPr b="0" lang="lv-LV" sz="2500" spc="-1" strike="noStrike">
                 <a:solidFill>
                   <a:srgbClr val="595959"/>
                 </a:solidFill>
@@ -8648,7 +8789,7 @@
               </a:rPr>
               <a:t>Indexes take time to save and can flood your cache (it may result in deadlocks)</a:t>
             </a:r>
-            <a:endParaRPr b="0" lang="lv-LV" sz="1800" spc="-1" strike="noStrike">
+            <a:endParaRPr b="0" lang="lv-LV" sz="2500" spc="-1" strike="noStrike">
               <a:latin typeface="Arial"/>
             </a:endParaRPr>
           </a:p>
@@ -8668,7 +8809,7 @@
               <a:buChar char=""/>
             </a:pPr>
             <a:r>
-              <a:rPr b="0" lang="lv-LV" sz="1800" spc="-1" strike="noStrike">
+              <a:rPr b="0" lang="lv-LV" sz="2500" spc="-1" strike="noStrike">
                 <a:solidFill>
                   <a:srgbClr val="595959"/>
                 </a:solidFill>
@@ -8677,7 +8818,7 @@
               </a:rPr>
               <a:t>Indexes could be sorted.</a:t>
             </a:r>
-            <a:endParaRPr b="0" lang="lv-LV" sz="1800" spc="-1" strike="noStrike">
+            <a:endParaRPr b="0" lang="lv-LV" sz="2500" spc="-1" strike="noStrike">
               <a:latin typeface="Arial"/>
             </a:endParaRPr>
           </a:p>
@@ -8697,7 +8838,7 @@
               <a:buChar char=""/>
             </a:pPr>
             <a:r>
-              <a:rPr b="0" lang="lv-LV" sz="1800" spc="-1" strike="noStrike">
+              <a:rPr b="0" lang="lv-LV" sz="2500" spc="-1" strike="noStrike">
                 <a:solidFill>
                   <a:srgbClr val="595959"/>
                 </a:solidFill>
@@ -8706,7 +8847,7 @@
               </a:rPr>
               <a:t>Huge indexes.</a:t>
             </a:r>
-            <a:endParaRPr b="0" lang="lv-LV" sz="1800" spc="-1" strike="noStrike">
+            <a:endParaRPr b="0" lang="lv-LV" sz="2500" spc="-1" strike="noStrike">
               <a:latin typeface="Arial"/>
             </a:endParaRPr>
           </a:p>
@@ -8769,7 +8910,7 @@
         </p:style>
         <p:txBody>
           <a:bodyPr lIns="90000" rIns="90000" tIns="91440" bIns="91440">
-            <a:normAutofit fontScale="97000"/>
+            <a:normAutofit fontScale="23000"/>
           </a:bodyPr>
           <a:p>
             <a:pPr>
@@ -8778,7 +8919,7 @@
               </a:lnSpc>
             </a:pPr>
             <a:r>
-              <a:rPr b="0" lang="lv-LV" sz="2800" spc="-1" strike="noStrike">
+              <a:rPr b="0" lang="lv-LV" sz="3500" spc="-1" strike="noStrike">
                 <a:solidFill>
                   <a:srgbClr val="000000"/>
                 </a:solidFill>
@@ -8787,7 +8928,7 @@
               </a:rPr>
               <a:t>MySQL data structure, potentially all are similar</a:t>
             </a:r>
-            <a:endParaRPr b="0" lang="lv-LV" sz="2800" spc="-1" strike="noStrike">
+            <a:endParaRPr b="0" lang="lv-LV" sz="3500" spc="-1" strike="noStrike">
               <a:latin typeface="Arial"/>
             </a:endParaRPr>
           </a:p>
@@ -8829,7 +8970,7 @@
               </a:lnSpc>
             </a:pPr>
             <a:r>
-              <a:rPr b="0" lang="lv-LV" sz="1800" spc="-1" strike="noStrike">
+              <a:rPr b="0" lang="lv-LV" sz="2500" spc="-1" strike="noStrike">
                 <a:solidFill>
                   <a:srgbClr val="595959"/>
                 </a:solidFill>
@@ -8838,7 +8979,7 @@
               </a:rPr>
               <a:t>Usually primary take away and what you should understand picking technology is how DB stores the data I will explain on MySQL example (Other SQL DB like PostgreSQL or Oracle looks similar with some other functions but most will be covered as same.)</a:t>
             </a:r>
-            <a:endParaRPr b="0" lang="lv-LV" sz="1800" spc="-1" strike="noStrike">
+            <a:endParaRPr b="0" lang="lv-LV" sz="2500" spc="-1" strike="noStrike">
               <a:latin typeface="Arial"/>
             </a:endParaRPr>
           </a:p>
@@ -8851,7 +8992,7 @@
                 <a:spcPts val="1199"/>
               </a:spcBef>
             </a:pPr>
-            <a:endParaRPr b="0" lang="lv-LV" sz="1800" spc="-1" strike="noStrike">
+            <a:endParaRPr b="0" lang="lv-LV" sz="2500" spc="-1" strike="noStrike">
               <a:latin typeface="Arial"/>
             </a:endParaRPr>
           </a:p>
@@ -8864,7 +9005,7 @@
                 <a:spcPts val="1199"/>
               </a:spcBef>
             </a:pPr>
-            <a:endParaRPr b="0" lang="lv-LV" sz="1800" spc="-1" strike="noStrike">
+            <a:endParaRPr b="0" lang="lv-LV" sz="2500" spc="-1" strike="noStrike">
               <a:latin typeface="Arial"/>
             </a:endParaRPr>
           </a:p>
@@ -8908,8 +9049,8 @@
         </p:nvSpPr>
         <p:spPr>
           <a:xfrm>
-            <a:off x="311760" y="517320"/>
-            <a:ext cx="8519760" cy="427320"/>
+            <a:off x="311760" y="464760"/>
+            <a:ext cx="8519760" cy="532800"/>
           </a:xfrm>
           <a:prstGeom prst="rect">
             <a:avLst/>
@@ -8936,7 +9077,7 @@
               </a:lnSpc>
             </a:pPr>
             <a:r>
-              <a:rPr b="0" lang="lv-LV" sz="2800" spc="-1" strike="noStrike">
+              <a:rPr b="0" lang="lv-LV" sz="3500" spc="-1" strike="noStrike">
                 <a:solidFill>
                   <a:srgbClr val="000000"/>
                 </a:solidFill>
@@ -8944,7 +9085,7 @@
               </a:rPr>
               <a:t>MySQL data structure.</a:t>
             </a:r>
-            <a:endParaRPr b="0" lang="lv-LV" sz="2800" spc="-1" strike="noStrike">
+            <a:endParaRPr b="0" lang="lv-LV" sz="3500" spc="-1" strike="noStrike">
               <a:latin typeface="Arial"/>
             </a:endParaRPr>
           </a:p>
@@ -9002,7 +9143,27 @@
                 <a:latin typeface="Arial"/>
                 <a:ea typeface="Arial"/>
               </a:rPr>
-              <a:t>you describe fields (each field have type and limits on containing value)</a:t>
+              <a:t>you describe </a:t>
+            </a:r>
+            <a:r>
+              <a:rPr b="0" lang="lv-LV" sz="2500" spc="-1" strike="noStrike">
+                <a:solidFill>
+                  <a:srgbClr val="595959"/>
+                </a:solidFill>
+                <a:latin typeface="Arial"/>
+                <a:ea typeface="Arial"/>
+              </a:rPr>
+              <a:t>fields</a:t>
+            </a:r>
+            <a:r>
+              <a:rPr b="0" lang="lv-LV" sz="1800" spc="-1" strike="noStrike">
+                <a:solidFill>
+                  <a:srgbClr val="595959"/>
+                </a:solidFill>
+                <a:latin typeface="Arial"/>
+                <a:ea typeface="Arial"/>
+              </a:rPr>
+              <a:t> (each field have type and limits on containing value)</a:t>
             </a:r>
             <a:endParaRPr b="0" lang="lv-LV" sz="1800" spc="-1" strike="noStrike">
               <a:latin typeface="Arial"/>
@@ -9022,8 +9183,8 @@
         </p:blipFill>
         <p:spPr>
           <a:xfrm>
-            <a:off x="2520000" y="1360800"/>
-            <a:ext cx="5950800" cy="3678840"/>
+            <a:off x="2520000" y="1584000"/>
+            <a:ext cx="5662800" cy="3500640"/>
           </a:xfrm>
           <a:prstGeom prst="rect">
             <a:avLst/>
